--- a/pics/2021-02-08-GMM_and_EM/pics.pptx
+++ b/pics/2021-02-08-GMM_and_EM/pics.pptx
@@ -4,6 +4,10 @@
   <p:sldMasterIdLst>
     <p:sldMasterId id="2147483648" r:id="rId1"/>
   </p:sldMasterIdLst>
+  <p:sldIdLst>
+    <p:sldId id="256" r:id="rId2"/>
+    <p:sldId id="257" r:id="rId3"/>
+  </p:sldIdLst>
   <p:sldSz cx="9144000" cy="6858000" type="screen4x3"/>
   <p:notesSz cx="6858000" cy="9144000"/>
   <p:defaultTextStyle>
@@ -285,7 +289,7 @@
           <a:p>
             <a:fld id="{FB30EDBD-1C2D-4C1E-B459-B60219FAB484}" type="datetimeFigureOut">
               <a:rPr lang="ko-KR" altLang="en-US" smtClean="0"/>
-              <a:t>2006-10-04</a:t>
+              <a:t>2021-02-10</a:t>
             </a:fld>
             <a:endParaRPr lang="ko-KR" altLang="en-US"/>
           </a:p>
@@ -450,7 +454,7 @@
           <a:p>
             <a:fld id="{FB30EDBD-1C2D-4C1E-B459-B60219FAB484}" type="datetimeFigureOut">
               <a:rPr lang="ko-KR" altLang="en-US" smtClean="0"/>
-              <a:t>2006-10-04</a:t>
+              <a:t>2021-02-10</a:t>
             </a:fld>
             <a:endParaRPr lang="ko-KR" altLang="en-US"/>
           </a:p>
@@ -625,7 +629,7 @@
           <a:p>
             <a:fld id="{FB30EDBD-1C2D-4C1E-B459-B60219FAB484}" type="datetimeFigureOut">
               <a:rPr lang="ko-KR" altLang="en-US" smtClean="0"/>
-              <a:t>2006-10-04</a:t>
+              <a:t>2021-02-10</a:t>
             </a:fld>
             <a:endParaRPr lang="ko-KR" altLang="en-US"/>
           </a:p>
@@ -790,7 +794,7 @@
           <a:p>
             <a:fld id="{FB30EDBD-1C2D-4C1E-B459-B60219FAB484}" type="datetimeFigureOut">
               <a:rPr lang="ko-KR" altLang="en-US" smtClean="0"/>
-              <a:t>2006-10-04</a:t>
+              <a:t>2021-02-10</a:t>
             </a:fld>
             <a:endParaRPr lang="ko-KR" altLang="en-US"/>
           </a:p>
@@ -1031,7 +1035,7 @@
           <a:p>
             <a:fld id="{FB30EDBD-1C2D-4C1E-B459-B60219FAB484}" type="datetimeFigureOut">
               <a:rPr lang="ko-KR" altLang="en-US" smtClean="0"/>
-              <a:t>2006-10-04</a:t>
+              <a:t>2021-02-10</a:t>
             </a:fld>
             <a:endParaRPr lang="ko-KR" altLang="en-US"/>
           </a:p>
@@ -1314,7 +1318,7 @@
           <a:p>
             <a:fld id="{FB30EDBD-1C2D-4C1E-B459-B60219FAB484}" type="datetimeFigureOut">
               <a:rPr lang="ko-KR" altLang="en-US" smtClean="0"/>
-              <a:t>2006-10-04</a:t>
+              <a:t>2021-02-10</a:t>
             </a:fld>
             <a:endParaRPr lang="ko-KR" altLang="en-US"/>
           </a:p>
@@ -1731,7 +1735,7 @@
           <a:p>
             <a:fld id="{FB30EDBD-1C2D-4C1E-B459-B60219FAB484}" type="datetimeFigureOut">
               <a:rPr lang="ko-KR" altLang="en-US" smtClean="0"/>
-              <a:t>2006-10-04</a:t>
+              <a:t>2021-02-10</a:t>
             </a:fld>
             <a:endParaRPr lang="ko-KR" altLang="en-US"/>
           </a:p>
@@ -1844,7 +1848,7 @@
           <a:p>
             <a:fld id="{FB30EDBD-1C2D-4C1E-B459-B60219FAB484}" type="datetimeFigureOut">
               <a:rPr lang="ko-KR" altLang="en-US" smtClean="0"/>
-              <a:t>2006-10-04</a:t>
+              <a:t>2021-02-10</a:t>
             </a:fld>
             <a:endParaRPr lang="ko-KR" altLang="en-US"/>
           </a:p>
@@ -1934,7 +1938,7 @@
           <a:p>
             <a:fld id="{FB30EDBD-1C2D-4C1E-B459-B60219FAB484}" type="datetimeFigureOut">
               <a:rPr lang="ko-KR" altLang="en-US" smtClean="0"/>
-              <a:t>2006-10-04</a:t>
+              <a:t>2021-02-10</a:t>
             </a:fld>
             <a:endParaRPr lang="ko-KR" altLang="en-US"/>
           </a:p>
@@ -2206,7 +2210,7 @@
           <a:p>
             <a:fld id="{FB30EDBD-1C2D-4C1E-B459-B60219FAB484}" type="datetimeFigureOut">
               <a:rPr lang="ko-KR" altLang="en-US" smtClean="0"/>
-              <a:t>2006-10-04</a:t>
+              <a:t>2021-02-10</a:t>
             </a:fld>
             <a:endParaRPr lang="ko-KR" altLang="en-US"/>
           </a:p>
@@ -2454,7 +2458,7 @@
           <a:p>
             <a:fld id="{FB30EDBD-1C2D-4C1E-B459-B60219FAB484}" type="datetimeFigureOut">
               <a:rPr lang="ko-KR" altLang="en-US" smtClean="0"/>
-              <a:t>2006-10-04</a:t>
+              <a:t>2021-02-10</a:t>
             </a:fld>
             <a:endParaRPr lang="ko-KR" altLang="en-US"/>
           </a:p>
@@ -2662,7 +2666,7 @@
           <a:p>
             <a:fld id="{FB30EDBD-1C2D-4C1E-B459-B60219FAB484}" type="datetimeFigureOut">
               <a:rPr lang="ko-KR" altLang="en-US" smtClean="0"/>
-              <a:t>2006-10-04</a:t>
+              <a:t>2021-02-10</a:t>
             </a:fld>
             <a:endParaRPr lang="ko-KR" altLang="en-US"/>
           </a:p>
@@ -3013,6 +3017,194 @@
     </p:otherStyle>
   </p:txStyles>
 </p:sldMaster>
+</file>
+
+<file path=ppt/slides/slide1.xml><?xml version="1.0" encoding="utf-8"?>
+<p:sld xmlns:a="http://schemas.openxmlformats.org/drawingml/2006/main" xmlns:r="http://schemas.openxmlformats.org/officeDocument/2006/relationships" xmlns:p="http://schemas.openxmlformats.org/presentationml/2006/main">
+  <p:cSld>
+    <p:spTree>
+      <p:nvGrpSpPr>
+        <p:cNvPr id="1" name=""/>
+        <p:cNvGrpSpPr/>
+        <p:nvPr/>
+      </p:nvGrpSpPr>
+      <p:grpSpPr>
+        <a:xfrm>
+          <a:off x="0" y="0"/>
+          <a:ext cx="0" cy="0"/>
+          <a:chOff x="0" y="0"/>
+          <a:chExt cx="0" cy="0"/>
+        </a:xfrm>
+      </p:grpSpPr>
+      <p:pic>
+        <p:nvPicPr>
+          <p:cNvPr id="1027" name="Picture 3"/>
+          <p:cNvPicPr>
+            <a:picLocks noChangeAspect="1" noChangeArrowheads="1"/>
+          </p:cNvPicPr>
+          <p:nvPr/>
+        </p:nvPicPr>
+        <p:blipFill>
+          <a:blip r:embed="rId2">
+            <a:extLst>
+              <a:ext uri="{28A0092B-C50C-407E-A947-70E740481C1C}">
+                <a14:useLocalDpi xmlns:a14="http://schemas.microsoft.com/office/drawing/2010/main" val="0"/>
+              </a:ext>
+            </a:extLst>
+          </a:blip>
+          <a:srcRect/>
+          <a:stretch>
+            <a:fillRect/>
+          </a:stretch>
+        </p:blipFill>
+        <p:spPr bwMode="auto">
+          <a:xfrm>
+            <a:off x="1243013" y="1528763"/>
+            <a:ext cx="6657975" cy="3800475"/>
+          </a:xfrm>
+          <a:prstGeom prst="rect">
+            <a:avLst/>
+          </a:prstGeom>
+          <a:noFill/>
+          <a:ln>
+            <a:noFill/>
+          </a:ln>
+          <a:effectLst/>
+          <a:extLst>
+            <a:ext uri="{909E8E84-426E-40DD-AFC4-6F175D3DCCD1}">
+              <a14:hiddenFill xmlns:a14="http://schemas.microsoft.com/office/drawing/2010/main">
+                <a:solidFill>
+                  <a:schemeClr val="accent1"/>
+                </a:solidFill>
+              </a14:hiddenFill>
+            </a:ext>
+            <a:ext uri="{91240B29-F687-4F45-9708-019B960494DF}">
+              <a14:hiddenLine xmlns:a14="http://schemas.microsoft.com/office/drawing/2010/main" w="9525">
+                <a:solidFill>
+                  <a:schemeClr val="tx1"/>
+                </a:solidFill>
+                <a:miter lim="800000"/>
+                <a:headEnd/>
+                <a:tailEnd/>
+              </a14:hiddenLine>
+            </a:ext>
+            <a:ext uri="{AF507438-7753-43E0-B8FC-AC1667EBCBE1}">
+              <a14:hiddenEffects xmlns:a14="http://schemas.microsoft.com/office/drawing/2010/main">
+                <a:effectLst>
+                  <a:outerShdw dist="35921" dir="2700000" algn="ctr" rotWithShape="0">
+                    <a:schemeClr val="bg2"/>
+                  </a:outerShdw>
+                </a:effectLst>
+              </a14:hiddenEffects>
+            </a:ext>
+          </a:extLst>
+        </p:spPr>
+      </p:pic>
+    </p:spTree>
+    <p:extLst>
+      <p:ext uri="{BB962C8B-B14F-4D97-AF65-F5344CB8AC3E}">
+        <p14:creationId xmlns:p14="http://schemas.microsoft.com/office/powerpoint/2010/main" val="970048761"/>
+      </p:ext>
+    </p:extLst>
+  </p:cSld>
+  <p:clrMapOvr>
+    <a:masterClrMapping/>
+  </p:clrMapOvr>
+</p:sld>
+</file>
+
+<file path=ppt/slides/slide2.xml><?xml version="1.0" encoding="utf-8"?>
+<p:sld xmlns:a="http://schemas.openxmlformats.org/drawingml/2006/main" xmlns:r="http://schemas.openxmlformats.org/officeDocument/2006/relationships" xmlns:p="http://schemas.openxmlformats.org/presentationml/2006/main">
+  <p:cSld>
+    <p:spTree>
+      <p:nvGrpSpPr>
+        <p:cNvPr id="1" name=""/>
+        <p:cNvGrpSpPr/>
+        <p:nvPr/>
+      </p:nvGrpSpPr>
+      <p:grpSpPr>
+        <a:xfrm>
+          <a:off x="0" y="0"/>
+          <a:ext cx="0" cy="0"/>
+          <a:chOff x="0" y="0"/>
+          <a:chExt cx="0" cy="0"/>
+        </a:xfrm>
+      </p:grpSpPr>
+      <p:pic>
+        <p:nvPicPr>
+          <p:cNvPr id="2050" name="Picture 2"/>
+          <p:cNvPicPr>
+            <a:picLocks noChangeAspect="1" noChangeArrowheads="1"/>
+          </p:cNvPicPr>
+          <p:nvPr/>
+        </p:nvPicPr>
+        <p:blipFill>
+          <a:blip r:embed="rId2">
+            <a:extLst>
+              <a:ext uri="{28A0092B-C50C-407E-A947-70E740481C1C}">
+                <a14:useLocalDpi xmlns:a14="http://schemas.microsoft.com/office/drawing/2010/main" val="0"/>
+              </a:ext>
+            </a:extLst>
+          </a:blip>
+          <a:srcRect/>
+          <a:stretch>
+            <a:fillRect/>
+          </a:stretch>
+        </p:blipFill>
+        <p:spPr bwMode="auto">
+          <a:xfrm>
+            <a:off x="1243013" y="1528763"/>
+            <a:ext cx="6657975" cy="3800475"/>
+          </a:xfrm>
+          <a:prstGeom prst="rect">
+            <a:avLst/>
+          </a:prstGeom>
+          <a:noFill/>
+          <a:ln>
+            <a:noFill/>
+          </a:ln>
+          <a:effectLst/>
+          <a:extLst>
+            <a:ext uri="{909E8E84-426E-40DD-AFC4-6F175D3DCCD1}">
+              <a14:hiddenFill xmlns:a14="http://schemas.microsoft.com/office/drawing/2010/main">
+                <a:solidFill>
+                  <a:schemeClr val="accent1"/>
+                </a:solidFill>
+              </a14:hiddenFill>
+            </a:ext>
+            <a:ext uri="{91240B29-F687-4F45-9708-019B960494DF}">
+              <a14:hiddenLine xmlns:a14="http://schemas.microsoft.com/office/drawing/2010/main" w="9525">
+                <a:solidFill>
+                  <a:schemeClr val="tx1"/>
+                </a:solidFill>
+                <a:miter lim="800000"/>
+                <a:headEnd/>
+                <a:tailEnd/>
+              </a14:hiddenLine>
+            </a:ext>
+            <a:ext uri="{AF507438-7753-43E0-B8FC-AC1667EBCBE1}">
+              <a14:hiddenEffects xmlns:a14="http://schemas.microsoft.com/office/drawing/2010/main">
+                <a:effectLst>
+                  <a:outerShdw dist="35921" dir="2700000" algn="ctr" rotWithShape="0">
+                    <a:schemeClr val="bg2"/>
+                  </a:outerShdw>
+                </a:effectLst>
+              </a14:hiddenEffects>
+            </a:ext>
+          </a:extLst>
+        </p:spPr>
+      </p:pic>
+    </p:spTree>
+    <p:extLst>
+      <p:ext uri="{BB962C8B-B14F-4D97-AF65-F5344CB8AC3E}">
+        <p14:creationId xmlns:p14="http://schemas.microsoft.com/office/powerpoint/2010/main" val="3024970260"/>
+      </p:ext>
+    </p:extLst>
+  </p:cSld>
+  <p:clrMapOvr>
+    <a:masterClrMapping/>
+  </p:clrMapOvr>
+</p:sld>
 </file>
 
 <file path=ppt/theme/theme1.xml><?xml version="1.0" encoding="utf-8"?>

--- a/pics/2021-02-08-GMM_and_EM/pics.pptx
+++ b/pics/2021-02-08-GMM_and_EM/pics.pptx
@@ -7,6 +7,7 @@
   <p:sldIdLst>
     <p:sldId id="256" r:id="rId2"/>
     <p:sldId id="257" r:id="rId3"/>
+    <p:sldId id="258" r:id="rId4"/>
   </p:sldIdLst>
   <p:sldSz cx="9144000" cy="6858000" type="screen4x3"/>
   <p:notesSz cx="6858000" cy="9144000"/>
@@ -105,6 +106,22 @@
       </a:defRPr>
     </a:lvl9pPr>
   </p:defaultTextStyle>
+  <p:extLst>
+    <p:ext uri="{EFAFB233-063F-42B5-8137-9DF3F51BA10A}">
+      <p15:sldGuideLst xmlns:p15="http://schemas.microsoft.com/office/powerpoint/2012/main">
+        <p15:guide id="1" orient="horz" pos="2160">
+          <p15:clr>
+            <a:srgbClr val="A4A3A4"/>
+          </p15:clr>
+        </p15:guide>
+        <p15:guide id="2" pos="2880">
+          <p15:clr>
+            <a:srgbClr val="A4A3A4"/>
+          </p15:clr>
+        </p15:guide>
+      </p15:sldGuideLst>
+    </p:ext>
+  </p:extLst>
 </p:presentation>
 </file>
 
@@ -146,10 +163,9 @@
           <a:lstStyle/>
           <a:p>
             <a:r>
-              <a:rPr lang="ko-KR" altLang="en-US" smtClean="0"/>
+              <a:rPr lang="ko-KR" altLang="en-US"/>
               <a:t>마스터 제목 스타일 편집</a:t>
             </a:r>
-            <a:endParaRPr lang="ko-KR" altLang="en-US"/>
           </a:p>
         </p:txBody>
       </p:sp>
@@ -265,10 +281,9 @@
           </a:lstStyle>
           <a:p>
             <a:r>
-              <a:rPr lang="ko-KR" altLang="en-US" smtClean="0"/>
+              <a:rPr lang="ko-KR" altLang="en-US"/>
               <a:t>마스터 부제목 스타일 편집</a:t>
             </a:r>
-            <a:endParaRPr lang="ko-KR" altLang="en-US"/>
           </a:p>
         </p:txBody>
       </p:sp>
@@ -289,7 +304,7 @@
           <a:p>
             <a:fld id="{FB30EDBD-1C2D-4C1E-B459-B60219FAB484}" type="datetimeFigureOut">
               <a:rPr lang="ko-KR" altLang="en-US" smtClean="0"/>
-              <a:t>2021-02-10</a:t>
+              <a:t>2021-02-14</a:t>
             </a:fld>
             <a:endParaRPr lang="ko-KR" altLang="en-US"/>
           </a:p>
@@ -378,10 +393,9 @@
           <a:lstStyle/>
           <a:p>
             <a:r>
-              <a:rPr lang="ko-KR" altLang="en-US" smtClean="0"/>
+              <a:rPr lang="ko-KR" altLang="en-US"/>
               <a:t>마스터 제목 스타일 편집</a:t>
             </a:r>
-            <a:endParaRPr lang="ko-KR" altLang="en-US"/>
           </a:p>
         </p:txBody>
       </p:sp>
@@ -402,38 +416,37 @@
           <a:p>
             <a:pPr lvl="0"/>
             <a:r>
-              <a:rPr lang="ko-KR" altLang="en-US" smtClean="0"/>
+              <a:rPr lang="ko-KR" altLang="en-US"/>
               <a:t>마스터 텍스트 스타일을 편집합니다</a:t>
             </a:r>
           </a:p>
           <a:p>
             <a:pPr lvl="1"/>
             <a:r>
-              <a:rPr lang="ko-KR" altLang="en-US" smtClean="0"/>
+              <a:rPr lang="ko-KR" altLang="en-US"/>
               <a:t>둘째 수준</a:t>
             </a:r>
           </a:p>
           <a:p>
             <a:pPr lvl="2"/>
             <a:r>
-              <a:rPr lang="ko-KR" altLang="en-US" smtClean="0"/>
+              <a:rPr lang="ko-KR" altLang="en-US"/>
               <a:t>셋째 수준</a:t>
             </a:r>
           </a:p>
           <a:p>
             <a:pPr lvl="3"/>
             <a:r>
-              <a:rPr lang="ko-KR" altLang="en-US" smtClean="0"/>
+              <a:rPr lang="ko-KR" altLang="en-US"/>
               <a:t>넷째 수준</a:t>
             </a:r>
           </a:p>
           <a:p>
             <a:pPr lvl="4"/>
             <a:r>
-              <a:rPr lang="ko-KR" altLang="en-US" smtClean="0"/>
+              <a:rPr lang="ko-KR" altLang="en-US"/>
               <a:t>다섯째 수준</a:t>
             </a:r>
-            <a:endParaRPr lang="ko-KR" altLang="en-US"/>
           </a:p>
         </p:txBody>
       </p:sp>
@@ -454,7 +467,7 @@
           <a:p>
             <a:fld id="{FB30EDBD-1C2D-4C1E-B459-B60219FAB484}" type="datetimeFigureOut">
               <a:rPr lang="ko-KR" altLang="en-US" smtClean="0"/>
-              <a:t>2021-02-10</a:t>
+              <a:t>2021-02-14</a:t>
             </a:fld>
             <a:endParaRPr lang="ko-KR" altLang="en-US"/>
           </a:p>
@@ -548,10 +561,9 @@
           <a:lstStyle/>
           <a:p>
             <a:r>
-              <a:rPr lang="ko-KR" altLang="en-US" smtClean="0"/>
+              <a:rPr lang="ko-KR" altLang="en-US"/>
               <a:t>마스터 제목 스타일 편집</a:t>
             </a:r>
-            <a:endParaRPr lang="ko-KR" altLang="en-US"/>
           </a:p>
         </p:txBody>
       </p:sp>
@@ -577,38 +589,37 @@
           <a:p>
             <a:pPr lvl="0"/>
             <a:r>
-              <a:rPr lang="ko-KR" altLang="en-US" smtClean="0"/>
+              <a:rPr lang="ko-KR" altLang="en-US"/>
               <a:t>마스터 텍스트 스타일을 편집합니다</a:t>
             </a:r>
           </a:p>
           <a:p>
             <a:pPr lvl="1"/>
             <a:r>
-              <a:rPr lang="ko-KR" altLang="en-US" smtClean="0"/>
+              <a:rPr lang="ko-KR" altLang="en-US"/>
               <a:t>둘째 수준</a:t>
             </a:r>
           </a:p>
           <a:p>
             <a:pPr lvl="2"/>
             <a:r>
-              <a:rPr lang="ko-KR" altLang="en-US" smtClean="0"/>
+              <a:rPr lang="ko-KR" altLang="en-US"/>
               <a:t>셋째 수준</a:t>
             </a:r>
           </a:p>
           <a:p>
             <a:pPr lvl="3"/>
             <a:r>
-              <a:rPr lang="ko-KR" altLang="en-US" smtClean="0"/>
+              <a:rPr lang="ko-KR" altLang="en-US"/>
               <a:t>넷째 수준</a:t>
             </a:r>
           </a:p>
           <a:p>
             <a:pPr lvl="4"/>
             <a:r>
-              <a:rPr lang="ko-KR" altLang="en-US" smtClean="0"/>
+              <a:rPr lang="ko-KR" altLang="en-US"/>
               <a:t>다섯째 수준</a:t>
             </a:r>
-            <a:endParaRPr lang="ko-KR" altLang="en-US"/>
           </a:p>
         </p:txBody>
       </p:sp>
@@ -629,7 +640,7 @@
           <a:p>
             <a:fld id="{FB30EDBD-1C2D-4C1E-B459-B60219FAB484}" type="datetimeFigureOut">
               <a:rPr lang="ko-KR" altLang="en-US" smtClean="0"/>
-              <a:t>2021-02-10</a:t>
+              <a:t>2021-02-14</a:t>
             </a:fld>
             <a:endParaRPr lang="ko-KR" altLang="en-US"/>
           </a:p>
@@ -718,10 +729,9 @@
           <a:lstStyle/>
           <a:p>
             <a:r>
-              <a:rPr lang="ko-KR" altLang="en-US" smtClean="0"/>
+              <a:rPr lang="ko-KR" altLang="en-US"/>
               <a:t>마스터 제목 스타일 편집</a:t>
             </a:r>
-            <a:endParaRPr lang="ko-KR" altLang="en-US"/>
           </a:p>
         </p:txBody>
       </p:sp>
@@ -742,38 +752,37 @@
           <a:p>
             <a:pPr lvl="0"/>
             <a:r>
-              <a:rPr lang="ko-KR" altLang="en-US" smtClean="0"/>
+              <a:rPr lang="ko-KR" altLang="en-US"/>
               <a:t>마스터 텍스트 스타일을 편집합니다</a:t>
             </a:r>
           </a:p>
           <a:p>
             <a:pPr lvl="1"/>
             <a:r>
-              <a:rPr lang="ko-KR" altLang="en-US" smtClean="0"/>
+              <a:rPr lang="ko-KR" altLang="en-US"/>
               <a:t>둘째 수준</a:t>
             </a:r>
           </a:p>
           <a:p>
             <a:pPr lvl="2"/>
             <a:r>
-              <a:rPr lang="ko-KR" altLang="en-US" smtClean="0"/>
+              <a:rPr lang="ko-KR" altLang="en-US"/>
               <a:t>셋째 수준</a:t>
             </a:r>
           </a:p>
           <a:p>
             <a:pPr lvl="3"/>
             <a:r>
-              <a:rPr lang="ko-KR" altLang="en-US" smtClean="0"/>
+              <a:rPr lang="ko-KR" altLang="en-US"/>
               <a:t>넷째 수준</a:t>
             </a:r>
           </a:p>
           <a:p>
             <a:pPr lvl="4"/>
             <a:r>
-              <a:rPr lang="ko-KR" altLang="en-US" smtClean="0"/>
+              <a:rPr lang="ko-KR" altLang="en-US"/>
               <a:t>다섯째 수준</a:t>
             </a:r>
-            <a:endParaRPr lang="ko-KR" altLang="en-US"/>
           </a:p>
         </p:txBody>
       </p:sp>
@@ -794,7 +803,7 @@
           <a:p>
             <a:fld id="{FB30EDBD-1C2D-4C1E-B459-B60219FAB484}" type="datetimeFigureOut">
               <a:rPr lang="ko-KR" altLang="en-US" smtClean="0"/>
-              <a:t>2021-02-10</a:t>
+              <a:t>2021-02-14</a:t>
             </a:fld>
             <a:endParaRPr lang="ko-KR" altLang="en-US"/>
           </a:p>
@@ -892,10 +901,9 @@
           </a:lstStyle>
           <a:p>
             <a:r>
-              <a:rPr lang="ko-KR" altLang="en-US" smtClean="0"/>
+              <a:rPr lang="ko-KR" altLang="en-US"/>
               <a:t>마스터 제목 스타일 편집</a:t>
             </a:r>
-            <a:endParaRPr lang="ko-KR" altLang="en-US"/>
           </a:p>
         </p:txBody>
       </p:sp>
@@ -1012,7 +1020,7 @@
           <a:p>
             <a:pPr lvl="0"/>
             <a:r>
-              <a:rPr lang="ko-KR" altLang="en-US" smtClean="0"/>
+              <a:rPr lang="ko-KR" altLang="en-US"/>
               <a:t>마스터 텍스트 스타일을 편집합니다</a:t>
             </a:r>
           </a:p>
@@ -1035,7 +1043,7 @@
           <a:p>
             <a:fld id="{FB30EDBD-1C2D-4C1E-B459-B60219FAB484}" type="datetimeFigureOut">
               <a:rPr lang="ko-KR" altLang="en-US" smtClean="0"/>
-              <a:t>2021-02-10</a:t>
+              <a:t>2021-02-14</a:t>
             </a:fld>
             <a:endParaRPr lang="ko-KR" altLang="en-US"/>
           </a:p>
@@ -1124,10 +1132,9 @@
           <a:lstStyle/>
           <a:p>
             <a:r>
-              <a:rPr lang="ko-KR" altLang="en-US" smtClean="0"/>
+              <a:rPr lang="ko-KR" altLang="en-US"/>
               <a:t>마스터 제목 스타일 편집</a:t>
             </a:r>
-            <a:endParaRPr lang="ko-KR" altLang="en-US"/>
           </a:p>
         </p:txBody>
       </p:sp>
@@ -1181,38 +1188,37 @@
           <a:p>
             <a:pPr lvl="0"/>
             <a:r>
-              <a:rPr lang="ko-KR" altLang="en-US" smtClean="0"/>
+              <a:rPr lang="ko-KR" altLang="en-US"/>
               <a:t>마스터 텍스트 스타일을 편집합니다</a:t>
             </a:r>
           </a:p>
           <a:p>
             <a:pPr lvl="1"/>
             <a:r>
-              <a:rPr lang="ko-KR" altLang="en-US" smtClean="0"/>
+              <a:rPr lang="ko-KR" altLang="en-US"/>
               <a:t>둘째 수준</a:t>
             </a:r>
           </a:p>
           <a:p>
             <a:pPr lvl="2"/>
             <a:r>
-              <a:rPr lang="ko-KR" altLang="en-US" smtClean="0"/>
+              <a:rPr lang="ko-KR" altLang="en-US"/>
               <a:t>셋째 수준</a:t>
             </a:r>
           </a:p>
           <a:p>
             <a:pPr lvl="3"/>
             <a:r>
-              <a:rPr lang="ko-KR" altLang="en-US" smtClean="0"/>
+              <a:rPr lang="ko-KR" altLang="en-US"/>
               <a:t>넷째 수준</a:t>
             </a:r>
           </a:p>
           <a:p>
             <a:pPr lvl="4"/>
             <a:r>
-              <a:rPr lang="ko-KR" altLang="en-US" smtClean="0"/>
+              <a:rPr lang="ko-KR" altLang="en-US"/>
               <a:t>다섯째 수준</a:t>
             </a:r>
-            <a:endParaRPr lang="ko-KR" altLang="en-US"/>
           </a:p>
         </p:txBody>
       </p:sp>
@@ -1266,38 +1272,37 @@
           <a:p>
             <a:pPr lvl="0"/>
             <a:r>
-              <a:rPr lang="ko-KR" altLang="en-US" smtClean="0"/>
+              <a:rPr lang="ko-KR" altLang="en-US"/>
               <a:t>마스터 텍스트 스타일을 편집합니다</a:t>
             </a:r>
           </a:p>
           <a:p>
             <a:pPr lvl="1"/>
             <a:r>
-              <a:rPr lang="ko-KR" altLang="en-US" smtClean="0"/>
+              <a:rPr lang="ko-KR" altLang="en-US"/>
               <a:t>둘째 수준</a:t>
             </a:r>
           </a:p>
           <a:p>
             <a:pPr lvl="2"/>
             <a:r>
-              <a:rPr lang="ko-KR" altLang="en-US" smtClean="0"/>
+              <a:rPr lang="ko-KR" altLang="en-US"/>
               <a:t>셋째 수준</a:t>
             </a:r>
           </a:p>
           <a:p>
             <a:pPr lvl="3"/>
             <a:r>
-              <a:rPr lang="ko-KR" altLang="en-US" smtClean="0"/>
+              <a:rPr lang="ko-KR" altLang="en-US"/>
               <a:t>넷째 수준</a:t>
             </a:r>
           </a:p>
           <a:p>
             <a:pPr lvl="4"/>
             <a:r>
-              <a:rPr lang="ko-KR" altLang="en-US" smtClean="0"/>
+              <a:rPr lang="ko-KR" altLang="en-US"/>
               <a:t>다섯째 수준</a:t>
             </a:r>
-            <a:endParaRPr lang="ko-KR" altLang="en-US"/>
           </a:p>
         </p:txBody>
       </p:sp>
@@ -1318,7 +1323,7 @@
           <a:p>
             <a:fld id="{FB30EDBD-1C2D-4C1E-B459-B60219FAB484}" type="datetimeFigureOut">
               <a:rPr lang="ko-KR" altLang="en-US" smtClean="0"/>
-              <a:t>2021-02-10</a:t>
+              <a:t>2021-02-14</a:t>
             </a:fld>
             <a:endParaRPr lang="ko-KR" altLang="en-US"/>
           </a:p>
@@ -1411,10 +1416,9 @@
           </a:lstStyle>
           <a:p>
             <a:r>
-              <a:rPr lang="ko-KR" altLang="en-US" smtClean="0"/>
+              <a:rPr lang="ko-KR" altLang="en-US"/>
               <a:t>마스터 제목 스타일 편집</a:t>
             </a:r>
-            <a:endParaRPr lang="ko-KR" altLang="en-US"/>
           </a:p>
         </p:txBody>
       </p:sp>
@@ -1477,7 +1481,7 @@
           <a:p>
             <a:pPr lvl="0"/>
             <a:r>
-              <a:rPr lang="ko-KR" altLang="en-US" smtClean="0"/>
+              <a:rPr lang="ko-KR" altLang="en-US"/>
               <a:t>마스터 텍스트 스타일을 편집합니다</a:t>
             </a:r>
           </a:p>
@@ -1533,38 +1537,37 @@
           <a:p>
             <a:pPr lvl="0"/>
             <a:r>
-              <a:rPr lang="ko-KR" altLang="en-US" smtClean="0"/>
+              <a:rPr lang="ko-KR" altLang="en-US"/>
               <a:t>마스터 텍스트 스타일을 편집합니다</a:t>
             </a:r>
           </a:p>
           <a:p>
             <a:pPr lvl="1"/>
             <a:r>
-              <a:rPr lang="ko-KR" altLang="en-US" smtClean="0"/>
+              <a:rPr lang="ko-KR" altLang="en-US"/>
               <a:t>둘째 수준</a:t>
             </a:r>
           </a:p>
           <a:p>
             <a:pPr lvl="2"/>
             <a:r>
-              <a:rPr lang="ko-KR" altLang="en-US" smtClean="0"/>
+              <a:rPr lang="ko-KR" altLang="en-US"/>
               <a:t>셋째 수준</a:t>
             </a:r>
           </a:p>
           <a:p>
             <a:pPr lvl="3"/>
             <a:r>
-              <a:rPr lang="ko-KR" altLang="en-US" smtClean="0"/>
+              <a:rPr lang="ko-KR" altLang="en-US"/>
               <a:t>넷째 수준</a:t>
             </a:r>
           </a:p>
           <a:p>
             <a:pPr lvl="4"/>
             <a:r>
-              <a:rPr lang="ko-KR" altLang="en-US" smtClean="0"/>
+              <a:rPr lang="ko-KR" altLang="en-US"/>
               <a:t>다섯째 수준</a:t>
             </a:r>
-            <a:endParaRPr lang="ko-KR" altLang="en-US"/>
           </a:p>
         </p:txBody>
       </p:sp>
@@ -1627,7 +1630,7 @@
           <a:p>
             <a:pPr lvl="0"/>
             <a:r>
-              <a:rPr lang="ko-KR" altLang="en-US" smtClean="0"/>
+              <a:rPr lang="ko-KR" altLang="en-US"/>
               <a:t>마스터 텍스트 스타일을 편집합니다</a:t>
             </a:r>
           </a:p>
@@ -1683,38 +1686,37 @@
           <a:p>
             <a:pPr lvl="0"/>
             <a:r>
-              <a:rPr lang="ko-KR" altLang="en-US" smtClean="0"/>
+              <a:rPr lang="ko-KR" altLang="en-US"/>
               <a:t>마스터 텍스트 스타일을 편집합니다</a:t>
             </a:r>
           </a:p>
           <a:p>
             <a:pPr lvl="1"/>
             <a:r>
-              <a:rPr lang="ko-KR" altLang="en-US" smtClean="0"/>
+              <a:rPr lang="ko-KR" altLang="en-US"/>
               <a:t>둘째 수준</a:t>
             </a:r>
           </a:p>
           <a:p>
             <a:pPr lvl="2"/>
             <a:r>
-              <a:rPr lang="ko-KR" altLang="en-US" smtClean="0"/>
+              <a:rPr lang="ko-KR" altLang="en-US"/>
               <a:t>셋째 수준</a:t>
             </a:r>
           </a:p>
           <a:p>
             <a:pPr lvl="3"/>
             <a:r>
-              <a:rPr lang="ko-KR" altLang="en-US" smtClean="0"/>
+              <a:rPr lang="ko-KR" altLang="en-US"/>
               <a:t>넷째 수준</a:t>
             </a:r>
           </a:p>
           <a:p>
             <a:pPr lvl="4"/>
             <a:r>
-              <a:rPr lang="ko-KR" altLang="en-US" smtClean="0"/>
+              <a:rPr lang="ko-KR" altLang="en-US"/>
               <a:t>다섯째 수준</a:t>
             </a:r>
-            <a:endParaRPr lang="ko-KR" altLang="en-US"/>
           </a:p>
         </p:txBody>
       </p:sp>
@@ -1735,7 +1737,7 @@
           <a:p>
             <a:fld id="{FB30EDBD-1C2D-4C1E-B459-B60219FAB484}" type="datetimeFigureOut">
               <a:rPr lang="ko-KR" altLang="en-US" smtClean="0"/>
-              <a:t>2021-02-10</a:t>
+              <a:t>2021-02-14</a:t>
             </a:fld>
             <a:endParaRPr lang="ko-KR" altLang="en-US"/>
           </a:p>
@@ -1824,10 +1826,9 @@
           <a:lstStyle/>
           <a:p>
             <a:r>
-              <a:rPr lang="ko-KR" altLang="en-US" smtClean="0"/>
+              <a:rPr lang="ko-KR" altLang="en-US"/>
               <a:t>마스터 제목 스타일 편집</a:t>
             </a:r>
-            <a:endParaRPr lang="ko-KR" altLang="en-US"/>
           </a:p>
         </p:txBody>
       </p:sp>
@@ -1848,7 +1849,7 @@
           <a:p>
             <a:fld id="{FB30EDBD-1C2D-4C1E-B459-B60219FAB484}" type="datetimeFigureOut">
               <a:rPr lang="ko-KR" altLang="en-US" smtClean="0"/>
-              <a:t>2021-02-10</a:t>
+              <a:t>2021-02-14</a:t>
             </a:fld>
             <a:endParaRPr lang="ko-KR" altLang="en-US"/>
           </a:p>
@@ -1938,7 +1939,7 @@
           <a:p>
             <a:fld id="{FB30EDBD-1C2D-4C1E-B459-B60219FAB484}" type="datetimeFigureOut">
               <a:rPr lang="ko-KR" altLang="en-US" smtClean="0"/>
-              <a:t>2021-02-10</a:t>
+              <a:t>2021-02-14</a:t>
             </a:fld>
             <a:endParaRPr lang="ko-KR" altLang="en-US"/>
           </a:p>
@@ -2036,10 +2037,9 @@
           </a:lstStyle>
           <a:p>
             <a:r>
-              <a:rPr lang="ko-KR" altLang="en-US" smtClean="0"/>
+              <a:rPr lang="ko-KR" altLang="en-US"/>
               <a:t>마스터 제목 스타일 편집</a:t>
             </a:r>
-            <a:endParaRPr lang="ko-KR" altLang="en-US"/>
           </a:p>
         </p:txBody>
       </p:sp>
@@ -2093,38 +2093,37 @@
           <a:p>
             <a:pPr lvl="0"/>
             <a:r>
-              <a:rPr lang="ko-KR" altLang="en-US" smtClean="0"/>
+              <a:rPr lang="ko-KR" altLang="en-US"/>
               <a:t>마스터 텍스트 스타일을 편집합니다</a:t>
             </a:r>
           </a:p>
           <a:p>
             <a:pPr lvl="1"/>
             <a:r>
-              <a:rPr lang="ko-KR" altLang="en-US" smtClean="0"/>
+              <a:rPr lang="ko-KR" altLang="en-US"/>
               <a:t>둘째 수준</a:t>
             </a:r>
           </a:p>
           <a:p>
             <a:pPr lvl="2"/>
             <a:r>
-              <a:rPr lang="ko-KR" altLang="en-US" smtClean="0"/>
+              <a:rPr lang="ko-KR" altLang="en-US"/>
               <a:t>셋째 수준</a:t>
             </a:r>
           </a:p>
           <a:p>
             <a:pPr lvl="3"/>
             <a:r>
-              <a:rPr lang="ko-KR" altLang="en-US" smtClean="0"/>
+              <a:rPr lang="ko-KR" altLang="en-US"/>
               <a:t>넷째 수준</a:t>
             </a:r>
           </a:p>
           <a:p>
             <a:pPr lvl="4"/>
             <a:r>
-              <a:rPr lang="ko-KR" altLang="en-US" smtClean="0"/>
+              <a:rPr lang="ko-KR" altLang="en-US"/>
               <a:t>다섯째 수준</a:t>
             </a:r>
-            <a:endParaRPr lang="ko-KR" altLang="en-US"/>
           </a:p>
         </p:txBody>
       </p:sp>
@@ -2187,7 +2186,7 @@
           <a:p>
             <a:pPr lvl="0"/>
             <a:r>
-              <a:rPr lang="ko-KR" altLang="en-US" smtClean="0"/>
+              <a:rPr lang="ko-KR" altLang="en-US"/>
               <a:t>마스터 텍스트 스타일을 편집합니다</a:t>
             </a:r>
           </a:p>
@@ -2210,7 +2209,7 @@
           <a:p>
             <a:fld id="{FB30EDBD-1C2D-4C1E-B459-B60219FAB484}" type="datetimeFigureOut">
               <a:rPr lang="ko-KR" altLang="en-US" smtClean="0"/>
-              <a:t>2021-02-10</a:t>
+              <a:t>2021-02-14</a:t>
             </a:fld>
             <a:endParaRPr lang="ko-KR" altLang="en-US"/>
           </a:p>
@@ -2308,10 +2307,9 @@
           </a:lstStyle>
           <a:p>
             <a:r>
-              <a:rPr lang="ko-KR" altLang="en-US" smtClean="0"/>
+              <a:rPr lang="ko-KR" altLang="en-US"/>
               <a:t>마스터 제목 스타일 편집</a:t>
             </a:r>
-            <a:endParaRPr lang="ko-KR" altLang="en-US"/>
           </a:p>
         </p:txBody>
       </p:sp>
@@ -2435,7 +2433,7 @@
           <a:p>
             <a:pPr lvl="0"/>
             <a:r>
-              <a:rPr lang="ko-KR" altLang="en-US" smtClean="0"/>
+              <a:rPr lang="ko-KR" altLang="en-US"/>
               <a:t>마스터 텍스트 스타일을 편집합니다</a:t>
             </a:r>
           </a:p>
@@ -2458,7 +2456,7 @@
           <a:p>
             <a:fld id="{FB30EDBD-1C2D-4C1E-B459-B60219FAB484}" type="datetimeFigureOut">
               <a:rPr lang="ko-KR" altLang="en-US" smtClean="0"/>
-              <a:t>2021-02-10</a:t>
+              <a:t>2021-02-14</a:t>
             </a:fld>
             <a:endParaRPr lang="ko-KR" altLang="en-US"/>
           </a:p>
@@ -2562,10 +2560,9 @@
           <a:lstStyle/>
           <a:p>
             <a:r>
-              <a:rPr lang="ko-KR" altLang="en-US" smtClean="0"/>
+              <a:rPr lang="ko-KR" altLang="en-US"/>
               <a:t>마스터 제목 스타일 편집</a:t>
             </a:r>
-            <a:endParaRPr lang="ko-KR" altLang="en-US"/>
           </a:p>
         </p:txBody>
       </p:sp>
@@ -2596,38 +2593,37 @@
           <a:p>
             <a:pPr lvl="0"/>
             <a:r>
-              <a:rPr lang="ko-KR" altLang="en-US" smtClean="0"/>
+              <a:rPr lang="ko-KR" altLang="en-US"/>
               <a:t>마스터 텍스트 스타일을 편집합니다</a:t>
             </a:r>
           </a:p>
           <a:p>
             <a:pPr lvl="1"/>
             <a:r>
-              <a:rPr lang="ko-KR" altLang="en-US" smtClean="0"/>
+              <a:rPr lang="ko-KR" altLang="en-US"/>
               <a:t>둘째 수준</a:t>
             </a:r>
           </a:p>
           <a:p>
             <a:pPr lvl="2"/>
             <a:r>
-              <a:rPr lang="ko-KR" altLang="en-US" smtClean="0"/>
+              <a:rPr lang="ko-KR" altLang="en-US"/>
               <a:t>셋째 수준</a:t>
             </a:r>
           </a:p>
           <a:p>
             <a:pPr lvl="3"/>
             <a:r>
-              <a:rPr lang="ko-KR" altLang="en-US" smtClean="0"/>
+              <a:rPr lang="ko-KR" altLang="en-US"/>
               <a:t>넷째 수준</a:t>
             </a:r>
           </a:p>
           <a:p>
             <a:pPr lvl="4"/>
             <a:r>
-              <a:rPr lang="ko-KR" altLang="en-US" smtClean="0"/>
+              <a:rPr lang="ko-KR" altLang="en-US"/>
               <a:t>다섯째 수준</a:t>
             </a:r>
-            <a:endParaRPr lang="ko-KR" altLang="en-US"/>
           </a:p>
         </p:txBody>
       </p:sp>
@@ -2666,7 +2662,7 @@
           <a:p>
             <a:fld id="{FB30EDBD-1C2D-4C1E-B459-B60219FAB484}" type="datetimeFigureOut">
               <a:rPr lang="ko-KR" altLang="en-US" smtClean="0"/>
-              <a:t>2021-02-10</a:t>
+              <a:t>2021-02-14</a:t>
             </a:fld>
             <a:endParaRPr lang="ko-KR" altLang="en-US"/>
           </a:p>
@@ -3038,66 +3034,32 @@
       </p:grpSpPr>
       <p:pic>
         <p:nvPicPr>
-          <p:cNvPr id="1027" name="Picture 3"/>
+          <p:cNvPr id="5" name="그림 4">
+            <a:extLst>
+              <a:ext uri="{FF2B5EF4-FFF2-40B4-BE49-F238E27FC236}">
+                <a16:creationId xmlns:a16="http://schemas.microsoft.com/office/drawing/2014/main" id="{0CA97F2B-BDBF-4435-AE1B-5A50C189BC8F}"/>
+              </a:ext>
+            </a:extLst>
+          </p:cNvPr>
           <p:cNvPicPr>
-            <a:picLocks noChangeAspect="1" noChangeArrowheads="1"/>
+            <a:picLocks noChangeAspect="1"/>
           </p:cNvPicPr>
           <p:nvPr/>
         </p:nvPicPr>
         <p:blipFill>
-          <a:blip r:embed="rId2">
-            <a:extLst>
-              <a:ext uri="{28A0092B-C50C-407E-A947-70E740481C1C}">
-                <a14:useLocalDpi xmlns:a14="http://schemas.microsoft.com/office/drawing/2010/main" val="0"/>
-              </a:ext>
-            </a:extLst>
-          </a:blip>
-          <a:srcRect/>
+          <a:blip r:embed="rId2"/>
           <a:stretch>
             <a:fillRect/>
           </a:stretch>
         </p:blipFill>
-        <p:spPr bwMode="auto">
+        <p:spPr>
           <a:xfrm>
-            <a:off x="1243013" y="1528763"/>
-            <a:ext cx="6657975" cy="3800475"/>
+            <a:off x="1238250" y="1524000"/>
+            <a:ext cx="6667500" cy="3810000"/>
           </a:xfrm>
           <a:prstGeom prst="rect">
             <a:avLst/>
           </a:prstGeom>
-          <a:noFill/>
-          <a:ln>
-            <a:noFill/>
-          </a:ln>
-          <a:effectLst/>
-          <a:extLst>
-            <a:ext uri="{909E8E84-426E-40DD-AFC4-6F175D3DCCD1}">
-              <a14:hiddenFill xmlns:a14="http://schemas.microsoft.com/office/drawing/2010/main">
-                <a:solidFill>
-                  <a:schemeClr val="accent1"/>
-                </a:solidFill>
-              </a14:hiddenFill>
-            </a:ext>
-            <a:ext uri="{91240B29-F687-4F45-9708-019B960494DF}">
-              <a14:hiddenLine xmlns:a14="http://schemas.microsoft.com/office/drawing/2010/main" w="9525">
-                <a:solidFill>
-                  <a:schemeClr val="tx1"/>
-                </a:solidFill>
-                <a:miter lim="800000"/>
-                <a:headEnd/>
-                <a:tailEnd/>
-              </a14:hiddenLine>
-            </a:ext>
-            <a:ext uri="{AF507438-7753-43E0-B8FC-AC1667EBCBE1}">
-              <a14:hiddenEffects xmlns:a14="http://schemas.microsoft.com/office/drawing/2010/main">
-                <a:effectLst>
-                  <a:outerShdw dist="35921" dir="2700000" algn="ctr" rotWithShape="0">
-                    <a:schemeClr val="bg2"/>
-                  </a:outerShdw>
-                </a:effectLst>
-              </a14:hiddenEffects>
-            </a:ext>
-          </a:extLst>
         </p:spPr>
       </p:pic>
     </p:spTree>
@@ -3132,72 +3094,98 @@
       </p:grpSpPr>
       <p:pic>
         <p:nvPicPr>
-          <p:cNvPr id="2050" name="Picture 2"/>
+          <p:cNvPr id="3" name="그림 2">
+            <a:extLst>
+              <a:ext uri="{FF2B5EF4-FFF2-40B4-BE49-F238E27FC236}">
+                <a16:creationId xmlns:a16="http://schemas.microsoft.com/office/drawing/2014/main" id="{6D620165-C028-409D-8E5F-301D6C7E0DD0}"/>
+              </a:ext>
+            </a:extLst>
+          </p:cNvPr>
           <p:cNvPicPr>
-            <a:picLocks noChangeAspect="1" noChangeArrowheads="1"/>
+            <a:picLocks noChangeAspect="1"/>
           </p:cNvPicPr>
           <p:nvPr/>
         </p:nvPicPr>
         <p:blipFill>
-          <a:blip r:embed="rId2">
-            <a:extLst>
-              <a:ext uri="{28A0092B-C50C-407E-A947-70E740481C1C}">
-                <a14:useLocalDpi xmlns:a14="http://schemas.microsoft.com/office/drawing/2010/main" val="0"/>
-              </a:ext>
-            </a:extLst>
-          </a:blip>
-          <a:srcRect/>
+          <a:blip r:embed="rId2"/>
           <a:stretch>
             <a:fillRect/>
           </a:stretch>
         </p:blipFill>
-        <p:spPr bwMode="auto">
+        <p:spPr>
           <a:xfrm>
-            <a:off x="1243013" y="1528763"/>
-            <a:ext cx="6657975" cy="3800475"/>
+            <a:off x="1238250" y="1524000"/>
+            <a:ext cx="6667500" cy="3810000"/>
           </a:xfrm>
           <a:prstGeom prst="rect">
             <a:avLst/>
           </a:prstGeom>
-          <a:noFill/>
-          <a:ln>
-            <a:noFill/>
-          </a:ln>
-          <a:effectLst/>
-          <a:extLst>
-            <a:ext uri="{909E8E84-426E-40DD-AFC4-6F175D3DCCD1}">
-              <a14:hiddenFill xmlns:a14="http://schemas.microsoft.com/office/drawing/2010/main">
-                <a:solidFill>
-                  <a:schemeClr val="accent1"/>
-                </a:solidFill>
-              </a14:hiddenFill>
-            </a:ext>
-            <a:ext uri="{91240B29-F687-4F45-9708-019B960494DF}">
-              <a14:hiddenLine xmlns:a14="http://schemas.microsoft.com/office/drawing/2010/main" w="9525">
-                <a:solidFill>
-                  <a:schemeClr val="tx1"/>
-                </a:solidFill>
-                <a:miter lim="800000"/>
-                <a:headEnd/>
-                <a:tailEnd/>
-              </a14:hiddenLine>
-            </a:ext>
-            <a:ext uri="{AF507438-7753-43E0-B8FC-AC1667EBCBE1}">
-              <a14:hiddenEffects xmlns:a14="http://schemas.microsoft.com/office/drawing/2010/main">
-                <a:effectLst>
-                  <a:outerShdw dist="35921" dir="2700000" algn="ctr" rotWithShape="0">
-                    <a:schemeClr val="bg2"/>
-                  </a:outerShdw>
-                </a:effectLst>
-              </a14:hiddenEffects>
-            </a:ext>
-          </a:extLst>
         </p:spPr>
       </p:pic>
     </p:spTree>
     <p:extLst>
       <p:ext uri="{BB962C8B-B14F-4D97-AF65-F5344CB8AC3E}">
         <p14:creationId xmlns:p14="http://schemas.microsoft.com/office/powerpoint/2010/main" val="3024970260"/>
+      </p:ext>
+    </p:extLst>
+  </p:cSld>
+  <p:clrMapOvr>
+    <a:masterClrMapping/>
+  </p:clrMapOvr>
+</p:sld>
+</file>
+
+<file path=ppt/slides/slide3.xml><?xml version="1.0" encoding="utf-8"?>
+<p:sld xmlns:a="http://schemas.openxmlformats.org/drawingml/2006/main" xmlns:r="http://schemas.openxmlformats.org/officeDocument/2006/relationships" xmlns:p="http://schemas.openxmlformats.org/presentationml/2006/main">
+  <p:cSld>
+    <p:spTree>
+      <p:nvGrpSpPr>
+        <p:cNvPr id="1" name=""/>
+        <p:cNvGrpSpPr/>
+        <p:nvPr/>
+      </p:nvGrpSpPr>
+      <p:grpSpPr>
+        <a:xfrm>
+          <a:off x="0" y="0"/>
+          <a:ext cx="0" cy="0"/>
+          <a:chOff x="0" y="0"/>
+          <a:chExt cx="0" cy="0"/>
+        </a:xfrm>
+      </p:grpSpPr>
+      <p:pic>
+        <p:nvPicPr>
+          <p:cNvPr id="5" name="그림 4">
+            <a:extLst>
+              <a:ext uri="{FF2B5EF4-FFF2-40B4-BE49-F238E27FC236}">
+                <a16:creationId xmlns:a16="http://schemas.microsoft.com/office/drawing/2014/main" id="{8165204D-AB0A-4E4A-9C9F-A170AC273F1C}"/>
+              </a:ext>
+            </a:extLst>
+          </p:cNvPr>
+          <p:cNvPicPr>
+            <a:picLocks noChangeAspect="1"/>
+          </p:cNvPicPr>
+          <p:nvPr/>
+        </p:nvPicPr>
+        <p:blipFill>
+          <a:blip r:embed="rId2"/>
+          <a:stretch>
+            <a:fillRect/>
+          </a:stretch>
+        </p:blipFill>
+        <p:spPr>
+          <a:xfrm>
+            <a:off x="1238250" y="1524000"/>
+            <a:ext cx="6667500" cy="3810000"/>
+          </a:xfrm>
+          <a:prstGeom prst="rect">
+            <a:avLst/>
+          </a:prstGeom>
+        </p:spPr>
+      </p:pic>
+    </p:spTree>
+    <p:extLst>
+      <p:ext uri="{BB962C8B-B14F-4D97-AF65-F5344CB8AC3E}">
+        <p14:creationId xmlns:p14="http://schemas.microsoft.com/office/powerpoint/2010/main" val="296142744"/>
       </p:ext>
     </p:extLst>
   </p:cSld>

--- a/pics/2021-02-08-GMM_and_EM/pics.pptx
+++ b/pics/2021-02-08-GMM_and_EM/pics.pptx
@@ -8,6 +8,8 @@
     <p:sldId id="256" r:id="rId2"/>
     <p:sldId id="257" r:id="rId3"/>
     <p:sldId id="258" r:id="rId4"/>
+    <p:sldId id="259" r:id="rId5"/>
+    <p:sldId id="260" r:id="rId6"/>
   </p:sldIdLst>
   <p:sldSz cx="9144000" cy="6858000" type="screen4x3"/>
   <p:notesSz cx="6858000" cy="9144000"/>
@@ -108,7 +110,7 @@
   </p:defaultTextStyle>
   <p:extLst>
     <p:ext uri="{EFAFB233-063F-42B5-8137-9DF3F51BA10A}">
-      <p15:sldGuideLst xmlns:p15="http://schemas.microsoft.com/office/powerpoint/2012/main">
+      <p15:sldGuideLst xmlns:p15="http://schemas.microsoft.com/office/powerpoint/2012/main" xmlns="">
         <p15:guide id="1" orient="horz" pos="2160">
           <p15:clr>
             <a:srgbClr val="A4A3A4"/>
@@ -304,7 +306,7 @@
           <a:p>
             <a:fld id="{FB30EDBD-1C2D-4C1E-B459-B60219FAB484}" type="datetimeFigureOut">
               <a:rPr lang="ko-KR" altLang="en-US" smtClean="0"/>
-              <a:t>2021-02-14</a:t>
+              <a:t>2021-02-23</a:t>
             </a:fld>
             <a:endParaRPr lang="ko-KR" altLang="en-US"/>
           </a:p>
@@ -467,7 +469,7 @@
           <a:p>
             <a:fld id="{FB30EDBD-1C2D-4C1E-B459-B60219FAB484}" type="datetimeFigureOut">
               <a:rPr lang="ko-KR" altLang="en-US" smtClean="0"/>
-              <a:t>2021-02-14</a:t>
+              <a:t>2021-02-23</a:t>
             </a:fld>
             <a:endParaRPr lang="ko-KR" altLang="en-US"/>
           </a:p>
@@ -640,7 +642,7 @@
           <a:p>
             <a:fld id="{FB30EDBD-1C2D-4C1E-B459-B60219FAB484}" type="datetimeFigureOut">
               <a:rPr lang="ko-KR" altLang="en-US" smtClean="0"/>
-              <a:t>2021-02-14</a:t>
+              <a:t>2021-02-23</a:t>
             </a:fld>
             <a:endParaRPr lang="ko-KR" altLang="en-US"/>
           </a:p>
@@ -803,7 +805,7 @@
           <a:p>
             <a:fld id="{FB30EDBD-1C2D-4C1E-B459-B60219FAB484}" type="datetimeFigureOut">
               <a:rPr lang="ko-KR" altLang="en-US" smtClean="0"/>
-              <a:t>2021-02-14</a:t>
+              <a:t>2021-02-23</a:t>
             </a:fld>
             <a:endParaRPr lang="ko-KR" altLang="en-US"/>
           </a:p>
@@ -1043,7 +1045,7 @@
           <a:p>
             <a:fld id="{FB30EDBD-1C2D-4C1E-B459-B60219FAB484}" type="datetimeFigureOut">
               <a:rPr lang="ko-KR" altLang="en-US" smtClean="0"/>
-              <a:t>2021-02-14</a:t>
+              <a:t>2021-02-23</a:t>
             </a:fld>
             <a:endParaRPr lang="ko-KR" altLang="en-US"/>
           </a:p>
@@ -1323,7 +1325,7 @@
           <a:p>
             <a:fld id="{FB30EDBD-1C2D-4C1E-B459-B60219FAB484}" type="datetimeFigureOut">
               <a:rPr lang="ko-KR" altLang="en-US" smtClean="0"/>
-              <a:t>2021-02-14</a:t>
+              <a:t>2021-02-23</a:t>
             </a:fld>
             <a:endParaRPr lang="ko-KR" altLang="en-US"/>
           </a:p>
@@ -1737,7 +1739,7 @@
           <a:p>
             <a:fld id="{FB30EDBD-1C2D-4C1E-B459-B60219FAB484}" type="datetimeFigureOut">
               <a:rPr lang="ko-KR" altLang="en-US" smtClean="0"/>
-              <a:t>2021-02-14</a:t>
+              <a:t>2021-02-23</a:t>
             </a:fld>
             <a:endParaRPr lang="ko-KR" altLang="en-US"/>
           </a:p>
@@ -1849,7 +1851,7 @@
           <a:p>
             <a:fld id="{FB30EDBD-1C2D-4C1E-B459-B60219FAB484}" type="datetimeFigureOut">
               <a:rPr lang="ko-KR" altLang="en-US" smtClean="0"/>
-              <a:t>2021-02-14</a:t>
+              <a:t>2021-02-23</a:t>
             </a:fld>
             <a:endParaRPr lang="ko-KR" altLang="en-US"/>
           </a:p>
@@ -1939,7 +1941,7 @@
           <a:p>
             <a:fld id="{FB30EDBD-1C2D-4C1E-B459-B60219FAB484}" type="datetimeFigureOut">
               <a:rPr lang="ko-KR" altLang="en-US" smtClean="0"/>
-              <a:t>2021-02-14</a:t>
+              <a:t>2021-02-23</a:t>
             </a:fld>
             <a:endParaRPr lang="ko-KR" altLang="en-US"/>
           </a:p>
@@ -2209,7 +2211,7 @@
           <a:p>
             <a:fld id="{FB30EDBD-1C2D-4C1E-B459-B60219FAB484}" type="datetimeFigureOut">
               <a:rPr lang="ko-KR" altLang="en-US" smtClean="0"/>
-              <a:t>2021-02-14</a:t>
+              <a:t>2021-02-23</a:t>
             </a:fld>
             <a:endParaRPr lang="ko-KR" altLang="en-US"/>
           </a:p>
@@ -2456,7 +2458,7 @@
           <a:p>
             <a:fld id="{FB30EDBD-1C2D-4C1E-B459-B60219FAB484}" type="datetimeFigureOut">
               <a:rPr lang="ko-KR" altLang="en-US" smtClean="0"/>
-              <a:t>2021-02-14</a:t>
+              <a:t>2021-02-23</a:t>
             </a:fld>
             <a:endParaRPr lang="ko-KR" altLang="en-US"/>
           </a:p>
@@ -2662,7 +2664,7 @@
           <a:p>
             <a:fld id="{FB30EDBD-1C2D-4C1E-B459-B60219FAB484}" type="datetimeFigureOut">
               <a:rPr lang="ko-KR" altLang="en-US" smtClean="0"/>
-              <a:t>2021-02-14</a:t>
+              <a:t>2021-02-23</a:t>
             </a:fld>
             <a:endParaRPr lang="ko-KR" altLang="en-US"/>
           </a:p>
@@ -3037,7 +3039,7 @@
           <p:cNvPr id="5" name="그림 4">
             <a:extLst>
               <a:ext uri="{FF2B5EF4-FFF2-40B4-BE49-F238E27FC236}">
-                <a16:creationId xmlns:a16="http://schemas.microsoft.com/office/drawing/2014/main" id="{0CA97F2B-BDBF-4435-AE1B-5A50C189BC8F}"/>
+                <a16:creationId xmlns:a16="http://schemas.microsoft.com/office/drawing/2014/main" xmlns="" id="{0CA97F2B-BDBF-4435-AE1B-5A50C189BC8F}"/>
               </a:ext>
             </a:extLst>
           </p:cNvPr>
@@ -3097,7 +3099,7 @@
           <p:cNvPr id="3" name="그림 2">
             <a:extLst>
               <a:ext uri="{FF2B5EF4-FFF2-40B4-BE49-F238E27FC236}">
-                <a16:creationId xmlns:a16="http://schemas.microsoft.com/office/drawing/2014/main" id="{6D620165-C028-409D-8E5F-301D6C7E0DD0}"/>
+                <a16:creationId xmlns:a16="http://schemas.microsoft.com/office/drawing/2014/main" xmlns="" id="{6D620165-C028-409D-8E5F-301D6C7E0DD0}"/>
               </a:ext>
             </a:extLst>
           </p:cNvPr>
@@ -3157,7 +3159,7 @@
           <p:cNvPr id="5" name="그림 4">
             <a:extLst>
               <a:ext uri="{FF2B5EF4-FFF2-40B4-BE49-F238E27FC236}">
-                <a16:creationId xmlns:a16="http://schemas.microsoft.com/office/drawing/2014/main" id="{8165204D-AB0A-4E4A-9C9F-A170AC273F1C}"/>
+                <a16:creationId xmlns:a16="http://schemas.microsoft.com/office/drawing/2014/main" xmlns="" id="{8165204D-AB0A-4E4A-9C9F-A170AC273F1C}"/>
               </a:ext>
             </a:extLst>
           </p:cNvPr>
@@ -3186,6 +3188,539 @@
     <p:extLst>
       <p:ext uri="{BB962C8B-B14F-4D97-AF65-F5344CB8AC3E}">
         <p14:creationId xmlns:p14="http://schemas.microsoft.com/office/powerpoint/2010/main" val="296142744"/>
+      </p:ext>
+    </p:extLst>
+  </p:cSld>
+  <p:clrMapOvr>
+    <a:masterClrMapping/>
+  </p:clrMapOvr>
+</p:sld>
+</file>
+
+<file path=ppt/slides/slide4.xml><?xml version="1.0" encoding="utf-8"?>
+<p:sld xmlns:a="http://schemas.openxmlformats.org/drawingml/2006/main" xmlns:r="http://schemas.openxmlformats.org/officeDocument/2006/relationships" xmlns:p="http://schemas.openxmlformats.org/presentationml/2006/main">
+  <p:cSld>
+    <p:spTree>
+      <p:nvGrpSpPr>
+        <p:cNvPr id="1" name=""/>
+        <p:cNvGrpSpPr/>
+        <p:nvPr/>
+      </p:nvGrpSpPr>
+      <p:grpSpPr>
+        <a:xfrm>
+          <a:off x="0" y="0"/>
+          <a:ext cx="0" cy="0"/>
+          <a:chOff x="0" y="0"/>
+          <a:chExt cx="0" cy="0"/>
+        </a:xfrm>
+      </p:grpSpPr>
+      <p:pic>
+        <p:nvPicPr>
+          <p:cNvPr id="1026" name="Picture 2"/>
+          <p:cNvPicPr>
+            <a:picLocks noChangeAspect="1" noChangeArrowheads="1"/>
+          </p:cNvPicPr>
+          <p:nvPr/>
+        </p:nvPicPr>
+        <p:blipFill>
+          <a:blip r:embed="rId2">
+            <a:extLst>
+              <a:ext uri="{28A0092B-C50C-407E-A947-70E740481C1C}">
+                <a14:useLocalDpi xmlns:a14="http://schemas.microsoft.com/office/drawing/2010/main" val="0"/>
+              </a:ext>
+            </a:extLst>
+          </a:blip>
+          <a:srcRect/>
+          <a:stretch>
+            <a:fillRect/>
+          </a:stretch>
+        </p:blipFill>
+        <p:spPr bwMode="auto">
+          <a:xfrm>
+            <a:off x="1243013" y="1528763"/>
+            <a:ext cx="6657975" cy="3800475"/>
+          </a:xfrm>
+          <a:prstGeom prst="rect">
+            <a:avLst/>
+          </a:prstGeom>
+          <a:noFill/>
+          <a:ln>
+            <a:noFill/>
+          </a:ln>
+          <a:effectLst/>
+          <a:extLst>
+            <a:ext uri="{909E8E84-426E-40DD-AFC4-6F175D3DCCD1}">
+              <a14:hiddenFill xmlns:a14="http://schemas.microsoft.com/office/drawing/2010/main">
+                <a:solidFill>
+                  <a:schemeClr val="accent1"/>
+                </a:solidFill>
+              </a14:hiddenFill>
+            </a:ext>
+            <a:ext uri="{91240B29-F687-4F45-9708-019B960494DF}">
+              <a14:hiddenLine xmlns:a14="http://schemas.microsoft.com/office/drawing/2010/main" w="9525">
+                <a:solidFill>
+                  <a:schemeClr val="tx1"/>
+                </a:solidFill>
+                <a:miter lim="800000"/>
+                <a:headEnd/>
+                <a:tailEnd/>
+              </a14:hiddenLine>
+            </a:ext>
+            <a:ext uri="{AF507438-7753-43E0-B8FC-AC1667EBCBE1}">
+              <a14:hiddenEffects xmlns:a14="http://schemas.microsoft.com/office/drawing/2010/main">
+                <a:effectLst>
+                  <a:outerShdw dist="35921" dir="2700000" algn="ctr" rotWithShape="0">
+                    <a:schemeClr val="bg2"/>
+                  </a:outerShdw>
+                </a:effectLst>
+              </a14:hiddenEffects>
+            </a:ext>
+          </a:extLst>
+        </p:spPr>
+      </p:pic>
+    </p:spTree>
+    <p:extLst>
+      <p:ext uri="{BB962C8B-B14F-4D97-AF65-F5344CB8AC3E}">
+        <p14:creationId xmlns:p14="http://schemas.microsoft.com/office/powerpoint/2010/main" val="327362762"/>
+      </p:ext>
+    </p:extLst>
+  </p:cSld>
+  <p:clrMapOvr>
+    <a:masterClrMapping/>
+  </p:clrMapOvr>
+</p:sld>
+</file>
+
+<file path=ppt/slides/slide5.xml><?xml version="1.0" encoding="utf-8"?>
+<p:sld xmlns:a="http://schemas.openxmlformats.org/drawingml/2006/main" xmlns:r="http://schemas.openxmlformats.org/officeDocument/2006/relationships" xmlns:p="http://schemas.openxmlformats.org/presentationml/2006/main">
+  <p:cSld>
+    <p:spTree>
+      <p:nvGrpSpPr>
+        <p:cNvPr id="1" name=""/>
+        <p:cNvGrpSpPr/>
+        <p:nvPr/>
+      </p:nvGrpSpPr>
+      <p:grpSpPr>
+        <a:xfrm>
+          <a:off x="0" y="0"/>
+          <a:ext cx="0" cy="0"/>
+          <a:chOff x="0" y="0"/>
+          <a:chExt cx="0" cy="0"/>
+        </a:xfrm>
+      </p:grpSpPr>
+      <p:pic>
+        <p:nvPicPr>
+          <p:cNvPr id="2050" name="Picture 2"/>
+          <p:cNvPicPr>
+            <a:picLocks noChangeAspect="1" noChangeArrowheads="1"/>
+          </p:cNvPicPr>
+          <p:nvPr/>
+        </p:nvPicPr>
+        <p:blipFill>
+          <a:blip r:embed="rId2">
+            <a:extLst>
+              <a:ext uri="{28A0092B-C50C-407E-A947-70E740481C1C}">
+                <a14:useLocalDpi xmlns:a14="http://schemas.microsoft.com/office/drawing/2010/main" val="0"/>
+              </a:ext>
+            </a:extLst>
+          </a:blip>
+          <a:srcRect/>
+          <a:stretch>
+            <a:fillRect/>
+          </a:stretch>
+        </p:blipFill>
+        <p:spPr bwMode="auto">
+          <a:xfrm>
+            <a:off x="1243013" y="1528763"/>
+            <a:ext cx="6657975" cy="3800475"/>
+          </a:xfrm>
+          <a:prstGeom prst="rect">
+            <a:avLst/>
+          </a:prstGeom>
+          <a:noFill/>
+          <a:ln>
+            <a:noFill/>
+          </a:ln>
+          <a:effectLst/>
+          <a:extLst>
+            <a:ext uri="{909E8E84-426E-40DD-AFC4-6F175D3DCCD1}">
+              <a14:hiddenFill xmlns:a14="http://schemas.microsoft.com/office/drawing/2010/main">
+                <a:solidFill>
+                  <a:schemeClr val="accent1"/>
+                </a:solidFill>
+              </a14:hiddenFill>
+            </a:ext>
+            <a:ext uri="{91240B29-F687-4F45-9708-019B960494DF}">
+              <a14:hiddenLine xmlns:a14="http://schemas.microsoft.com/office/drawing/2010/main" w="9525">
+                <a:solidFill>
+                  <a:schemeClr val="tx1"/>
+                </a:solidFill>
+                <a:miter lim="800000"/>
+                <a:headEnd/>
+                <a:tailEnd/>
+              </a14:hiddenLine>
+            </a:ext>
+            <a:ext uri="{AF507438-7753-43E0-B8FC-AC1667EBCBE1}">
+              <a14:hiddenEffects xmlns:a14="http://schemas.microsoft.com/office/drawing/2010/main">
+                <a:effectLst>
+                  <a:outerShdw dist="35921" dir="2700000" algn="ctr" rotWithShape="0">
+                    <a:schemeClr val="bg2"/>
+                  </a:outerShdw>
+                </a:effectLst>
+              </a14:hiddenEffects>
+            </a:ext>
+          </a:extLst>
+        </p:spPr>
+      </p:pic>
+      <p:sp>
+        <p:nvSpPr>
+          <p:cNvPr id="4" name="위쪽/아래쪽 화살표 3"/>
+          <p:cNvSpPr/>
+          <p:nvPr/>
+        </p:nvSpPr>
+        <p:spPr>
+          <a:xfrm>
+            <a:off x="2170256" y="3287365"/>
+            <a:ext cx="313512" cy="1080120"/>
+          </a:xfrm>
+          <a:prstGeom prst="upDownArrow">
+            <a:avLst/>
+          </a:prstGeom>
+          <a:solidFill>
+            <a:srgbClr val="00CCFF"/>
+          </a:solidFill>
+          <a:ln>
+            <a:solidFill>
+              <a:schemeClr val="accent1"/>
+            </a:solidFill>
+          </a:ln>
+        </p:spPr>
+        <p:style>
+          <a:lnRef idx="2">
+            <a:schemeClr val="accent1">
+              <a:shade val="50000"/>
+            </a:schemeClr>
+          </a:lnRef>
+          <a:fillRef idx="1">
+            <a:schemeClr val="accent1"/>
+          </a:fillRef>
+          <a:effectRef idx="0">
+            <a:schemeClr val="accent1"/>
+          </a:effectRef>
+          <a:fontRef idx="minor">
+            <a:schemeClr val="lt1"/>
+          </a:fontRef>
+        </p:style>
+        <p:txBody>
+          <a:bodyPr rtlCol="0" anchor="ctr"/>
+          <a:lstStyle/>
+          <a:p>
+            <a:pPr algn="ctr"/>
+            <a:endParaRPr lang="ko-KR" altLang="en-US"/>
+          </a:p>
+        </p:txBody>
+      </p:sp>
+      <p:sp>
+        <p:nvSpPr>
+          <p:cNvPr id="6" name="위쪽/아래쪽 화살표 5"/>
+          <p:cNvSpPr/>
+          <p:nvPr/>
+        </p:nvSpPr>
+        <p:spPr>
+          <a:xfrm>
+            <a:off x="6372200" y="4077071"/>
+            <a:ext cx="313512" cy="290413"/>
+          </a:xfrm>
+          <a:prstGeom prst="upDownArrow">
+            <a:avLst>
+              <a:gd name="adj1" fmla="val 50001"/>
+              <a:gd name="adj2" fmla="val 28681"/>
+            </a:avLst>
+          </a:prstGeom>
+          <a:solidFill>
+            <a:srgbClr val="FF7C80"/>
+          </a:solidFill>
+          <a:ln>
+            <a:solidFill>
+              <a:schemeClr val="accent2"/>
+            </a:solidFill>
+          </a:ln>
+        </p:spPr>
+        <p:style>
+          <a:lnRef idx="2">
+            <a:schemeClr val="accent1">
+              <a:shade val="50000"/>
+            </a:schemeClr>
+          </a:lnRef>
+          <a:fillRef idx="1">
+            <a:schemeClr val="accent1"/>
+          </a:fillRef>
+          <a:effectRef idx="0">
+            <a:schemeClr val="accent1"/>
+          </a:effectRef>
+          <a:fontRef idx="minor">
+            <a:schemeClr val="lt1"/>
+          </a:fontRef>
+        </p:style>
+        <p:txBody>
+          <a:bodyPr rtlCol="0" anchor="ctr"/>
+          <a:lstStyle/>
+          <a:p>
+            <a:pPr algn="ctr"/>
+            <a:endParaRPr lang="ko-KR" altLang="en-US"/>
+          </a:p>
+        </p:txBody>
+      </p:sp>
+      <mc:AlternateContent xmlns:mc="http://schemas.openxmlformats.org/markup-compatibility/2006">
+        <mc:Choice xmlns:a14="http://schemas.microsoft.com/office/drawing/2010/main" Requires="a14">
+          <p:sp>
+            <p:nvSpPr>
+              <p:cNvPr id="5" name="TextBox 4"/>
+              <p:cNvSpPr txBox="1"/>
+              <p:nvPr/>
+            </p:nvSpPr>
+            <p:spPr>
+              <a:xfrm>
+                <a:off x="827584" y="2883256"/>
+                <a:ext cx="2189125" cy="369332"/>
+              </a:xfrm>
+              <a:prstGeom prst="rect">
+                <a:avLst/>
+              </a:prstGeom>
+              <a:noFill/>
+              <a:ln w="19050">
+                <a:solidFill>
+                  <a:schemeClr val="accent1"/>
+                </a:solidFill>
+              </a:ln>
+            </p:spPr>
+            <p:txBody>
+              <a:bodyPr wrap="none" rtlCol="0">
+                <a:spAutoFit/>
+              </a:bodyPr>
+              <a:lstStyle/>
+              <a:p>
+                <a14:m>
+                  <m:oMathPara xmlns:m="http://schemas.openxmlformats.org/officeDocument/2006/math">
+                    <m:oMathParaPr>
+                      <m:jc m:val="centerGroup"/>
+                    </m:oMathParaPr>
+                    <m:oMath xmlns:m="http://schemas.openxmlformats.org/officeDocument/2006/math">
+                      <m:r>
+                        <a:rPr lang="en-US" altLang="ko-KR" b="0" i="1" smtClean="0">
+                          <a:latin typeface="Cambria Math"/>
+                        </a:rPr>
+                        <m:t>𝑃</m:t>
+                      </m:r>
+                      <m:r>
+                        <a:rPr lang="en-US" altLang="ko-KR" b="0" i="1" smtClean="0">
+                          <a:latin typeface="Cambria Math"/>
+                        </a:rPr>
+                        <m:t>(</m:t>
+                      </m:r>
+                      <m:r>
+                        <a:rPr lang="en-US" altLang="ko-KR" b="0" i="1" smtClean="0">
+                          <a:latin typeface="Cambria Math"/>
+                        </a:rPr>
+                        <m:t>𝑥</m:t>
+                      </m:r>
+                      <m:r>
+                        <a:rPr lang="en-US" altLang="ko-KR" b="0" i="1" smtClean="0">
+                          <a:latin typeface="Cambria Math"/>
+                        </a:rPr>
+                        <m:t>=9|</m:t>
+                      </m:r>
+                      <m:r>
+                        <a:rPr lang="en-US" altLang="ko-KR" b="0" i="1" smtClean="0">
+                          <a:latin typeface="Cambria Math"/>
+                        </a:rPr>
+                        <m:t>𝑙𝑎𝑏𝑒𝑙</m:t>
+                      </m:r>
+                      <m:r>
+                        <a:rPr lang="en-US" altLang="ko-KR" b="0" i="1" smtClean="0">
+                          <a:latin typeface="Cambria Math"/>
+                        </a:rPr>
+                        <m:t>=0)</m:t>
+                      </m:r>
+                    </m:oMath>
+                  </m:oMathPara>
+                </a14:m>
+                <a:endParaRPr lang="ko-KR" altLang="en-US" dirty="0"/>
+              </a:p>
+            </p:txBody>
+          </p:sp>
+        </mc:Choice>
+        <mc:Fallback>
+          <p:sp>
+            <p:nvSpPr>
+              <p:cNvPr id="5" name="TextBox 4"/>
+              <p:cNvSpPr txBox="1">
+                <a:spLocks noRot="1" noChangeAspect="1" noMove="1" noResize="1" noEditPoints="1" noAdjustHandles="1" noChangeArrowheads="1" noChangeShapeType="1" noTextEdit="1"/>
+              </p:cNvSpPr>
+              <p:nvPr/>
+            </p:nvSpPr>
+            <p:spPr>
+              <a:xfrm>
+                <a:off x="827584" y="2883256"/>
+                <a:ext cx="2189125" cy="369332"/>
+              </a:xfrm>
+              <a:prstGeom prst="rect">
+                <a:avLst/>
+              </a:prstGeom>
+              <a:blipFill rotWithShape="1">
+                <a:blip r:embed="rId3"/>
+                <a:stretch>
+                  <a:fillRect b="-10938"/>
+                </a:stretch>
+              </a:blipFill>
+              <a:ln w="19050">
+                <a:solidFill>
+                  <a:schemeClr val="accent1"/>
+                </a:solidFill>
+              </a:ln>
+            </p:spPr>
+            <p:txBody>
+              <a:bodyPr/>
+              <a:lstStyle/>
+              <a:p>
+                <a:r>
+                  <a:rPr lang="ko-KR" altLang="en-US">
+                    <a:noFill/>
+                  </a:rPr>
+                  <a:t> </a:t>
+                </a:r>
+              </a:p>
+            </p:txBody>
+          </p:sp>
+        </mc:Fallback>
+      </mc:AlternateContent>
+      <mc:AlternateContent xmlns:mc="http://schemas.openxmlformats.org/markup-compatibility/2006">
+        <mc:Choice xmlns:a14="http://schemas.microsoft.com/office/drawing/2010/main" Requires="a14">
+          <p:sp>
+            <p:nvSpPr>
+              <p:cNvPr id="8" name="TextBox 7"/>
+              <p:cNvSpPr txBox="1"/>
+              <p:nvPr/>
+            </p:nvSpPr>
+            <p:spPr>
+              <a:xfrm>
+                <a:off x="6012160" y="3642759"/>
+                <a:ext cx="2189125" cy="369332"/>
+              </a:xfrm>
+              <a:prstGeom prst="rect">
+                <a:avLst/>
+              </a:prstGeom>
+              <a:noFill/>
+              <a:ln w="28575">
+                <a:solidFill>
+                  <a:srgbClr val="ED6D1F"/>
+                </a:solidFill>
+              </a:ln>
+            </p:spPr>
+            <p:txBody>
+              <a:bodyPr wrap="none" rtlCol="0">
+                <a:spAutoFit/>
+              </a:bodyPr>
+              <a:lstStyle/>
+              <a:p>
+                <a14:m>
+                  <m:oMathPara xmlns:m="http://schemas.openxmlformats.org/officeDocument/2006/math">
+                    <m:oMathParaPr>
+                      <m:jc m:val="centerGroup"/>
+                    </m:oMathParaPr>
+                    <m:oMath xmlns:m="http://schemas.openxmlformats.org/officeDocument/2006/math">
+                      <m:r>
+                        <a:rPr lang="en-US" altLang="ko-KR" b="0" i="1" smtClean="0">
+                          <a:latin typeface="Cambria Math"/>
+                        </a:rPr>
+                        <m:t>𝑃</m:t>
+                      </m:r>
+                      <m:r>
+                        <a:rPr lang="en-US" altLang="ko-KR" b="0" i="1" smtClean="0">
+                          <a:latin typeface="Cambria Math"/>
+                        </a:rPr>
+                        <m:t>(</m:t>
+                      </m:r>
+                      <m:r>
+                        <a:rPr lang="en-US" altLang="ko-KR" b="0" i="1" smtClean="0">
+                          <a:latin typeface="Cambria Math"/>
+                        </a:rPr>
+                        <m:t>𝑥</m:t>
+                      </m:r>
+                      <m:r>
+                        <a:rPr lang="en-US" altLang="ko-KR" b="0" i="1" smtClean="0">
+                          <a:latin typeface="Cambria Math"/>
+                        </a:rPr>
+                        <m:t>=9|</m:t>
+                      </m:r>
+                      <m:r>
+                        <a:rPr lang="en-US" altLang="ko-KR" b="0" i="1" smtClean="0">
+                          <a:latin typeface="Cambria Math"/>
+                        </a:rPr>
+                        <m:t>𝑙𝑎𝑏𝑒𝑙</m:t>
+                      </m:r>
+                      <m:r>
+                        <a:rPr lang="en-US" altLang="ko-KR" b="0" i="1" smtClean="0">
+                          <a:latin typeface="Cambria Math"/>
+                        </a:rPr>
+                        <m:t>=1)</m:t>
+                      </m:r>
+                    </m:oMath>
+                  </m:oMathPara>
+                </a14:m>
+                <a:endParaRPr lang="ko-KR" altLang="en-US" dirty="0"/>
+              </a:p>
+            </p:txBody>
+          </p:sp>
+        </mc:Choice>
+        <mc:Fallback>
+          <p:sp>
+            <p:nvSpPr>
+              <p:cNvPr id="8" name="TextBox 7"/>
+              <p:cNvSpPr txBox="1">
+                <a:spLocks noRot="1" noChangeAspect="1" noMove="1" noResize="1" noEditPoints="1" noAdjustHandles="1" noChangeArrowheads="1" noChangeShapeType="1" noTextEdit="1"/>
+              </p:cNvSpPr>
+              <p:nvPr/>
+            </p:nvSpPr>
+            <p:spPr>
+              <a:xfrm>
+                <a:off x="6012160" y="3642759"/>
+                <a:ext cx="2189125" cy="369332"/>
+              </a:xfrm>
+              <a:prstGeom prst="rect">
+                <a:avLst/>
+              </a:prstGeom>
+              <a:blipFill rotWithShape="1">
+                <a:blip r:embed="rId4"/>
+                <a:stretch>
+                  <a:fillRect b="-10769"/>
+                </a:stretch>
+              </a:blipFill>
+              <a:ln w="28575">
+                <a:solidFill>
+                  <a:srgbClr val="ED6D1F"/>
+                </a:solidFill>
+              </a:ln>
+            </p:spPr>
+            <p:txBody>
+              <a:bodyPr/>
+              <a:lstStyle/>
+              <a:p>
+                <a:r>
+                  <a:rPr lang="ko-KR" altLang="en-US">
+                    <a:noFill/>
+                  </a:rPr>
+                  <a:t> </a:t>
+                </a:r>
+              </a:p>
+            </p:txBody>
+          </p:sp>
+        </mc:Fallback>
+      </mc:AlternateContent>
+    </p:spTree>
+    <p:extLst>
+      <p:ext uri="{BB962C8B-B14F-4D97-AF65-F5344CB8AC3E}">
+        <p14:creationId xmlns:p14="http://schemas.microsoft.com/office/powerpoint/2010/main" val="274173624"/>
       </p:ext>
     </p:extLst>
   </p:cSld>

--- a/pics/2021-02-08-GMM_and_EM/pics.pptx
+++ b/pics/2021-02-08-GMM_and_EM/pics.pptx
@@ -110,7 +110,7 @@
   </p:defaultTextStyle>
   <p:extLst>
     <p:ext uri="{EFAFB233-063F-42B5-8137-9DF3F51BA10A}">
-      <p15:sldGuideLst xmlns:p15="http://schemas.microsoft.com/office/powerpoint/2012/main" xmlns="">
+      <p15:sldGuideLst xmlns="" xmlns:p15="http://schemas.microsoft.com/office/powerpoint/2012/main">
         <p15:guide id="1" orient="horz" pos="2160">
           <p15:clr>
             <a:srgbClr val="A4A3A4"/>
@@ -3039,7 +3039,7 @@
           <p:cNvPr id="5" name="그림 4">
             <a:extLst>
               <a:ext uri="{FF2B5EF4-FFF2-40B4-BE49-F238E27FC236}">
-                <a16:creationId xmlns:a16="http://schemas.microsoft.com/office/drawing/2014/main" xmlns="" id="{0CA97F2B-BDBF-4435-AE1B-5A50C189BC8F}"/>
+                <a16:creationId xmlns="" xmlns:a16="http://schemas.microsoft.com/office/drawing/2014/main" id="{0CA97F2B-BDBF-4435-AE1B-5A50C189BC8F}"/>
               </a:ext>
             </a:extLst>
           </p:cNvPr>
@@ -3099,7 +3099,7 @@
           <p:cNvPr id="3" name="그림 2">
             <a:extLst>
               <a:ext uri="{FF2B5EF4-FFF2-40B4-BE49-F238E27FC236}">
-                <a16:creationId xmlns:a16="http://schemas.microsoft.com/office/drawing/2014/main" xmlns="" id="{6D620165-C028-409D-8E5F-301D6C7E0DD0}"/>
+                <a16:creationId xmlns="" xmlns:a16="http://schemas.microsoft.com/office/drawing/2014/main" id="{6D620165-C028-409D-8E5F-301D6C7E0DD0}"/>
               </a:ext>
             </a:extLst>
           </p:cNvPr>
@@ -3159,7 +3159,7 @@
           <p:cNvPr id="5" name="그림 4">
             <a:extLst>
               <a:ext uri="{FF2B5EF4-FFF2-40B4-BE49-F238E27FC236}">
-                <a16:creationId xmlns:a16="http://schemas.microsoft.com/office/drawing/2014/main" xmlns="" id="{8165204D-AB0A-4E4A-9C9F-A170AC273F1C}"/>
+                <a16:creationId xmlns="" xmlns:a16="http://schemas.microsoft.com/office/drawing/2014/main" id="{8165204D-AB0A-4E4A-9C9F-A170AC273F1C}"/>
               </a:ext>
             </a:extLst>
           </p:cNvPr>
@@ -3216,7 +3216,7 @@
       </p:grpSpPr>
       <p:pic>
         <p:nvPicPr>
-          <p:cNvPr id="1026" name="Picture 2"/>
+          <p:cNvPr id="1028" name="Picture 4"/>
           <p:cNvPicPr>
             <a:picLocks noChangeAspect="1" noChangeArrowheads="1"/>
           </p:cNvPicPr>
@@ -3310,7 +3310,7 @@
       </p:grpSpPr>
       <p:pic>
         <p:nvPicPr>
-          <p:cNvPr id="2050" name="Picture 2"/>
+          <p:cNvPr id="2" name="Picture 2"/>
           <p:cNvPicPr>
             <a:picLocks noChangeAspect="1" noChangeArrowheads="1"/>
           </p:cNvPicPr>
@@ -3331,7 +3331,7 @@
         </p:blipFill>
         <p:spPr bwMode="auto">
           <a:xfrm>
-            <a:off x="1243013" y="1528763"/>
+            <a:off x="1243013" y="1628800"/>
             <a:ext cx="6657975" cy="3800475"/>
           </a:xfrm>
           <a:prstGeom prst="rect">
@@ -3374,16 +3374,16 @@
       </p:pic>
       <p:sp>
         <p:nvSpPr>
-          <p:cNvPr id="4" name="위쪽/아래쪽 화살표 3"/>
+          <p:cNvPr id="4" name="아래쪽 화살표 3"/>
           <p:cNvSpPr/>
           <p:nvPr/>
         </p:nvSpPr>
         <p:spPr>
           <a:xfrm>
-            <a:off x="2170256" y="3287365"/>
-            <a:ext cx="313512" cy="1080120"/>
+            <a:off x="2123728" y="4173619"/>
+            <a:ext cx="313512" cy="144016"/>
           </a:xfrm>
-          <a:prstGeom prst="upDownArrow">
+          <a:prstGeom prst="downArrow">
             <a:avLst/>
           </a:prstGeom>
           <a:solidFill>
@@ -3428,8 +3428,8 @@
         </p:nvSpPr>
         <p:spPr>
           <a:xfrm>
-            <a:off x="6372200" y="4077071"/>
-            <a:ext cx="313512" cy="290413"/>
+            <a:off x="6444208" y="3509988"/>
+            <a:ext cx="313512" cy="980082"/>
           </a:xfrm>
           <a:prstGeom prst="upDownArrow">
             <a:avLst>
@@ -3481,13 +3481,15 @@
             </p:nvSpPr>
             <p:spPr>
               <a:xfrm>
-                <a:off x="827584" y="2883256"/>
+                <a:off x="476797" y="3717032"/>
                 <a:ext cx="2189125" cy="369332"/>
               </a:xfrm>
               <a:prstGeom prst="rect">
                 <a:avLst/>
               </a:prstGeom>
-              <a:noFill/>
+              <a:solidFill>
+                <a:schemeClr val="bg1"/>
+              </a:solidFill>
               <a:ln w="19050">
                 <a:solidFill>
                   <a:schemeClr val="accent1"/>
@@ -3500,6 +3502,7 @@
               </a:bodyPr>
               <a:lstStyle/>
               <a:p>
+                <a:pPr/>
                 <a14:m>
                   <m:oMathPara xmlns:m="http://schemas.openxmlformats.org/officeDocument/2006/math">
                     <m:oMathParaPr>
@@ -3561,7 +3564,7 @@
             </p:nvSpPr>
             <p:spPr>
               <a:xfrm>
-                <a:off x="827584" y="2883256"/>
+                <a:off x="476797" y="3717032"/>
                 <a:ext cx="2189125" cy="369332"/>
               </a:xfrm>
               <a:prstGeom prst="rect">
@@ -3570,7 +3573,7 @@
               <a:blipFill rotWithShape="1">
                 <a:blip r:embed="rId3"/>
                 <a:stretch>
-                  <a:fillRect b="-10938"/>
+                  <a:fillRect b="-12698"/>
                 </a:stretch>
               </a:blipFill>
               <a:ln w="19050">
@@ -3604,7 +3607,7 @@
             </p:nvSpPr>
             <p:spPr>
               <a:xfrm>
-                <a:off x="6012160" y="3642759"/>
+                <a:off x="4788024" y="3068960"/>
                 <a:ext cx="2189125" cy="369332"/>
               </a:xfrm>
               <a:prstGeom prst="rect">
@@ -3623,6 +3626,7 @@
               </a:bodyPr>
               <a:lstStyle/>
               <a:p>
+                <a:pPr/>
                 <a14:m>
                   <m:oMathPara xmlns:m="http://schemas.openxmlformats.org/officeDocument/2006/math">
                     <m:oMathParaPr>
@@ -3684,7 +3688,7 @@
             </p:nvSpPr>
             <p:spPr>
               <a:xfrm>
-                <a:off x="6012160" y="3642759"/>
+                <a:off x="4788024" y="3068960"/>
                 <a:ext cx="2189125" cy="369332"/>
               </a:xfrm>
               <a:prstGeom prst="rect">
@@ -3693,7 +3697,7 @@
               <a:blipFill rotWithShape="1">
                 <a:blip r:embed="rId4"/>
                 <a:stretch>
-                  <a:fillRect b="-10769"/>
+                  <a:fillRect b="-9091"/>
                 </a:stretch>
               </a:blipFill>
               <a:ln w="28575">
@@ -3717,6 +3721,54 @@
           </p:sp>
         </mc:Fallback>
       </mc:AlternateContent>
+      <p:sp>
+        <p:nvSpPr>
+          <p:cNvPr id="9" name="아래쪽 화살표 8"/>
+          <p:cNvSpPr/>
+          <p:nvPr/>
+        </p:nvSpPr>
+        <p:spPr>
+          <a:xfrm flipV="1">
+            <a:off x="2123728" y="4509119"/>
+            <a:ext cx="313512" cy="144016"/>
+          </a:xfrm>
+          <a:prstGeom prst="downArrow">
+            <a:avLst/>
+          </a:prstGeom>
+          <a:solidFill>
+            <a:srgbClr val="00CCFF"/>
+          </a:solidFill>
+          <a:ln>
+            <a:solidFill>
+              <a:schemeClr val="accent1"/>
+            </a:solidFill>
+          </a:ln>
+        </p:spPr>
+        <p:style>
+          <a:lnRef idx="2">
+            <a:schemeClr val="accent1">
+              <a:shade val="50000"/>
+            </a:schemeClr>
+          </a:lnRef>
+          <a:fillRef idx="1">
+            <a:schemeClr val="accent1"/>
+          </a:fillRef>
+          <a:effectRef idx="0">
+            <a:schemeClr val="accent1"/>
+          </a:effectRef>
+          <a:fontRef idx="minor">
+            <a:schemeClr val="lt1"/>
+          </a:fontRef>
+        </p:style>
+        <p:txBody>
+          <a:bodyPr rtlCol="0" anchor="ctr"/>
+          <a:lstStyle/>
+          <a:p>
+            <a:pPr algn="ctr"/>
+            <a:endParaRPr lang="ko-KR" altLang="en-US"/>
+          </a:p>
+        </p:txBody>
+      </p:sp>
     </p:spTree>
     <p:extLst>
       <p:ext uri="{BB962C8B-B14F-4D97-AF65-F5344CB8AC3E}">

--- a/pics/2021-02-08-GMM_and_EM/pics.pptx
+++ b/pics/2021-02-08-GMM_and_EM/pics.pptx
@@ -10,6 +10,7 @@
     <p:sldId id="258" r:id="rId4"/>
     <p:sldId id="259" r:id="rId5"/>
     <p:sldId id="260" r:id="rId6"/>
+    <p:sldId id="261" r:id="rId7"/>
   </p:sldIdLst>
   <p:sldSz cx="9144000" cy="6858000" type="screen4x3"/>
   <p:notesSz cx="6858000" cy="9144000"/>
@@ -110,7 +111,7 @@
   </p:defaultTextStyle>
   <p:extLst>
     <p:ext uri="{EFAFB233-063F-42B5-8137-9DF3F51BA10A}">
-      <p15:sldGuideLst xmlns="" xmlns:p15="http://schemas.microsoft.com/office/powerpoint/2012/main">
+      <p15:sldGuideLst xmlns:p15="http://schemas.microsoft.com/office/powerpoint/2012/main" xmlns="">
         <p15:guide id="1" orient="horz" pos="2160">
           <p15:clr>
             <a:srgbClr val="A4A3A4"/>
@@ -306,7 +307,7 @@
           <a:p>
             <a:fld id="{FB30EDBD-1C2D-4C1E-B459-B60219FAB484}" type="datetimeFigureOut">
               <a:rPr lang="ko-KR" altLang="en-US" smtClean="0"/>
-              <a:t>2021-02-23</a:t>
+              <a:t>2021-02-26</a:t>
             </a:fld>
             <a:endParaRPr lang="ko-KR" altLang="en-US"/>
           </a:p>
@@ -469,7 +470,7 @@
           <a:p>
             <a:fld id="{FB30EDBD-1C2D-4C1E-B459-B60219FAB484}" type="datetimeFigureOut">
               <a:rPr lang="ko-KR" altLang="en-US" smtClean="0"/>
-              <a:t>2021-02-23</a:t>
+              <a:t>2021-02-26</a:t>
             </a:fld>
             <a:endParaRPr lang="ko-KR" altLang="en-US"/>
           </a:p>
@@ -642,7 +643,7 @@
           <a:p>
             <a:fld id="{FB30EDBD-1C2D-4C1E-B459-B60219FAB484}" type="datetimeFigureOut">
               <a:rPr lang="ko-KR" altLang="en-US" smtClean="0"/>
-              <a:t>2021-02-23</a:t>
+              <a:t>2021-02-26</a:t>
             </a:fld>
             <a:endParaRPr lang="ko-KR" altLang="en-US"/>
           </a:p>
@@ -805,7 +806,7 @@
           <a:p>
             <a:fld id="{FB30EDBD-1C2D-4C1E-B459-B60219FAB484}" type="datetimeFigureOut">
               <a:rPr lang="ko-KR" altLang="en-US" smtClean="0"/>
-              <a:t>2021-02-23</a:t>
+              <a:t>2021-02-26</a:t>
             </a:fld>
             <a:endParaRPr lang="ko-KR" altLang="en-US"/>
           </a:p>
@@ -1045,7 +1046,7 @@
           <a:p>
             <a:fld id="{FB30EDBD-1C2D-4C1E-B459-B60219FAB484}" type="datetimeFigureOut">
               <a:rPr lang="ko-KR" altLang="en-US" smtClean="0"/>
-              <a:t>2021-02-23</a:t>
+              <a:t>2021-02-26</a:t>
             </a:fld>
             <a:endParaRPr lang="ko-KR" altLang="en-US"/>
           </a:p>
@@ -1325,7 +1326,7 @@
           <a:p>
             <a:fld id="{FB30EDBD-1C2D-4C1E-B459-B60219FAB484}" type="datetimeFigureOut">
               <a:rPr lang="ko-KR" altLang="en-US" smtClean="0"/>
-              <a:t>2021-02-23</a:t>
+              <a:t>2021-02-26</a:t>
             </a:fld>
             <a:endParaRPr lang="ko-KR" altLang="en-US"/>
           </a:p>
@@ -1739,7 +1740,7 @@
           <a:p>
             <a:fld id="{FB30EDBD-1C2D-4C1E-B459-B60219FAB484}" type="datetimeFigureOut">
               <a:rPr lang="ko-KR" altLang="en-US" smtClean="0"/>
-              <a:t>2021-02-23</a:t>
+              <a:t>2021-02-26</a:t>
             </a:fld>
             <a:endParaRPr lang="ko-KR" altLang="en-US"/>
           </a:p>
@@ -1851,7 +1852,7 @@
           <a:p>
             <a:fld id="{FB30EDBD-1C2D-4C1E-B459-B60219FAB484}" type="datetimeFigureOut">
               <a:rPr lang="ko-KR" altLang="en-US" smtClean="0"/>
-              <a:t>2021-02-23</a:t>
+              <a:t>2021-02-26</a:t>
             </a:fld>
             <a:endParaRPr lang="ko-KR" altLang="en-US"/>
           </a:p>
@@ -1941,7 +1942,7 @@
           <a:p>
             <a:fld id="{FB30EDBD-1C2D-4C1E-B459-B60219FAB484}" type="datetimeFigureOut">
               <a:rPr lang="ko-KR" altLang="en-US" smtClean="0"/>
-              <a:t>2021-02-23</a:t>
+              <a:t>2021-02-26</a:t>
             </a:fld>
             <a:endParaRPr lang="ko-KR" altLang="en-US"/>
           </a:p>
@@ -2211,7 +2212,7 @@
           <a:p>
             <a:fld id="{FB30EDBD-1C2D-4C1E-B459-B60219FAB484}" type="datetimeFigureOut">
               <a:rPr lang="ko-KR" altLang="en-US" smtClean="0"/>
-              <a:t>2021-02-23</a:t>
+              <a:t>2021-02-26</a:t>
             </a:fld>
             <a:endParaRPr lang="ko-KR" altLang="en-US"/>
           </a:p>
@@ -2458,7 +2459,7 @@
           <a:p>
             <a:fld id="{FB30EDBD-1C2D-4C1E-B459-B60219FAB484}" type="datetimeFigureOut">
               <a:rPr lang="ko-KR" altLang="en-US" smtClean="0"/>
-              <a:t>2021-02-23</a:t>
+              <a:t>2021-02-26</a:t>
             </a:fld>
             <a:endParaRPr lang="ko-KR" altLang="en-US"/>
           </a:p>
@@ -2664,7 +2665,7 @@
           <a:p>
             <a:fld id="{FB30EDBD-1C2D-4C1E-B459-B60219FAB484}" type="datetimeFigureOut">
               <a:rPr lang="ko-KR" altLang="en-US" smtClean="0"/>
-              <a:t>2021-02-23</a:t>
+              <a:t>2021-02-26</a:t>
             </a:fld>
             <a:endParaRPr lang="ko-KR" altLang="en-US"/>
           </a:p>
@@ -3039,7 +3040,7 @@
           <p:cNvPr id="5" name="그림 4">
             <a:extLst>
               <a:ext uri="{FF2B5EF4-FFF2-40B4-BE49-F238E27FC236}">
-                <a16:creationId xmlns="" xmlns:a16="http://schemas.microsoft.com/office/drawing/2014/main" id="{0CA97F2B-BDBF-4435-AE1B-5A50C189BC8F}"/>
+                <a16:creationId xmlns:a16="http://schemas.microsoft.com/office/drawing/2014/main" xmlns="" id="{0CA97F2B-BDBF-4435-AE1B-5A50C189BC8F}"/>
               </a:ext>
             </a:extLst>
           </p:cNvPr>
@@ -3099,7 +3100,7 @@
           <p:cNvPr id="3" name="그림 2">
             <a:extLst>
               <a:ext uri="{FF2B5EF4-FFF2-40B4-BE49-F238E27FC236}">
-                <a16:creationId xmlns="" xmlns:a16="http://schemas.microsoft.com/office/drawing/2014/main" id="{6D620165-C028-409D-8E5F-301D6C7E0DD0}"/>
+                <a16:creationId xmlns:a16="http://schemas.microsoft.com/office/drawing/2014/main" xmlns="" id="{6D620165-C028-409D-8E5F-301D6C7E0DD0}"/>
               </a:ext>
             </a:extLst>
           </p:cNvPr>
@@ -3159,7 +3160,7 @@
           <p:cNvPr id="5" name="그림 4">
             <a:extLst>
               <a:ext uri="{FF2B5EF4-FFF2-40B4-BE49-F238E27FC236}">
-                <a16:creationId xmlns="" xmlns:a16="http://schemas.microsoft.com/office/drawing/2014/main" id="{8165204D-AB0A-4E4A-9C9F-A170AC273F1C}"/>
+                <a16:creationId xmlns:a16="http://schemas.microsoft.com/office/drawing/2014/main" xmlns="" id="{8165204D-AB0A-4E4A-9C9F-A170AC273F1C}"/>
               </a:ext>
             </a:extLst>
           </p:cNvPr>
@@ -3216,7 +3217,7 @@
       </p:grpSpPr>
       <p:pic>
         <p:nvPicPr>
-          <p:cNvPr id="1028" name="Picture 4"/>
+          <p:cNvPr id="1026" name="Picture 2"/>
           <p:cNvPicPr>
             <a:picLocks noChangeAspect="1" noChangeArrowheads="1"/>
           </p:cNvPicPr>
@@ -3310,7 +3311,7 @@
       </p:grpSpPr>
       <p:pic>
         <p:nvPicPr>
-          <p:cNvPr id="2" name="Picture 2"/>
+          <p:cNvPr id="2050" name="Picture 2"/>
           <p:cNvPicPr>
             <a:picLocks noChangeAspect="1" noChangeArrowheads="1"/>
           </p:cNvPicPr>
@@ -3331,7 +3332,7 @@
         </p:blipFill>
         <p:spPr bwMode="auto">
           <a:xfrm>
-            <a:off x="1243013" y="1628800"/>
+            <a:off x="1191816" y="1366242"/>
             <a:ext cx="6657975" cy="3800475"/>
           </a:xfrm>
           <a:prstGeom prst="rect">
@@ -3374,17 +3375,20 @@
       </p:pic>
       <p:sp>
         <p:nvSpPr>
-          <p:cNvPr id="4" name="아래쪽 화살표 3"/>
+          <p:cNvPr id="6" name="위쪽/아래쪽 화살표 5"/>
           <p:cNvSpPr/>
           <p:nvPr/>
         </p:nvSpPr>
         <p:spPr>
           <a:xfrm>
-            <a:off x="2123728" y="4173619"/>
-            <a:ext cx="313512" cy="144016"/>
+            <a:off x="6444208" y="3234576"/>
+            <a:ext cx="313512" cy="980082"/>
           </a:xfrm>
-          <a:prstGeom prst="downArrow">
-            <a:avLst/>
+          <a:prstGeom prst="upDownArrow">
+            <a:avLst>
+              <a:gd name="adj1" fmla="val 50001"/>
+              <a:gd name="adj2" fmla="val 28681"/>
+            </a:avLst>
           </a:prstGeom>
           <a:solidFill>
             <a:srgbClr val="00CCFF"/>
@@ -3420,57 +3424,6 @@
           </a:p>
         </p:txBody>
       </p:sp>
-      <p:sp>
-        <p:nvSpPr>
-          <p:cNvPr id="6" name="위쪽/아래쪽 화살표 5"/>
-          <p:cNvSpPr/>
-          <p:nvPr/>
-        </p:nvSpPr>
-        <p:spPr>
-          <a:xfrm>
-            <a:off x="6444208" y="3509988"/>
-            <a:ext cx="313512" cy="980082"/>
-          </a:xfrm>
-          <a:prstGeom prst="upDownArrow">
-            <a:avLst>
-              <a:gd name="adj1" fmla="val 50001"/>
-              <a:gd name="adj2" fmla="val 28681"/>
-            </a:avLst>
-          </a:prstGeom>
-          <a:solidFill>
-            <a:srgbClr val="FF7C80"/>
-          </a:solidFill>
-          <a:ln>
-            <a:solidFill>
-              <a:schemeClr val="accent2"/>
-            </a:solidFill>
-          </a:ln>
-        </p:spPr>
-        <p:style>
-          <a:lnRef idx="2">
-            <a:schemeClr val="accent1">
-              <a:shade val="50000"/>
-            </a:schemeClr>
-          </a:lnRef>
-          <a:fillRef idx="1">
-            <a:schemeClr val="accent1"/>
-          </a:fillRef>
-          <a:effectRef idx="0">
-            <a:schemeClr val="accent1"/>
-          </a:effectRef>
-          <a:fontRef idx="minor">
-            <a:schemeClr val="lt1"/>
-          </a:fontRef>
-        </p:style>
-        <p:txBody>
-          <a:bodyPr rtlCol="0" anchor="ctr"/>
-          <a:lstStyle/>
-          <a:p>
-            <a:pPr algn="ctr"/>
-            <a:endParaRPr lang="ko-KR" altLang="en-US"/>
-          </a:p>
-        </p:txBody>
-      </p:sp>
       <mc:AlternateContent xmlns:mc="http://schemas.openxmlformats.org/markup-compatibility/2006">
         <mc:Choice xmlns:a14="http://schemas.microsoft.com/office/drawing/2010/main" Requires="a14">
           <p:sp>
@@ -3481,7 +3434,7 @@
             </p:nvSpPr>
             <p:spPr>
               <a:xfrm>
-                <a:off x="476797" y="3717032"/>
+                <a:off x="251520" y="4305716"/>
                 <a:ext cx="2189125" cy="369332"/>
               </a:xfrm>
               <a:prstGeom prst="rect">
@@ -3492,7 +3445,7 @@
               </a:solidFill>
               <a:ln w="19050">
                 <a:solidFill>
-                  <a:schemeClr val="accent1"/>
+                  <a:schemeClr val="accent2"/>
                 </a:solidFill>
               </a:ln>
             </p:spPr>
@@ -3564,7 +3517,7 @@
             </p:nvSpPr>
             <p:spPr>
               <a:xfrm>
-                <a:off x="476797" y="3717032"/>
+                <a:off x="251520" y="4305716"/>
                 <a:ext cx="2189125" cy="369332"/>
               </a:xfrm>
               <a:prstGeom prst="rect">
@@ -3573,12 +3526,12 @@
               <a:blipFill rotWithShape="1">
                 <a:blip r:embed="rId3"/>
                 <a:stretch>
-                  <a:fillRect b="-12698"/>
+                  <a:fillRect b="-10938"/>
                 </a:stretch>
               </a:blipFill>
               <a:ln w="19050">
                 <a:solidFill>
-                  <a:schemeClr val="accent1"/>
+                  <a:schemeClr val="accent2"/>
                 </a:solidFill>
               </a:ln>
             </p:spPr>
@@ -3607,7 +3560,7 @@
             </p:nvSpPr>
             <p:spPr>
               <a:xfrm>
-                <a:off x="4788024" y="3068960"/>
+                <a:off x="4788024" y="2793548"/>
                 <a:ext cx="2189125" cy="369332"/>
               </a:xfrm>
               <a:prstGeom prst="rect">
@@ -3616,7 +3569,7 @@
               <a:noFill/>
               <a:ln w="28575">
                 <a:solidFill>
-                  <a:srgbClr val="ED6D1F"/>
+                  <a:srgbClr val="0070C0"/>
                 </a:solidFill>
               </a:ln>
             </p:spPr>
@@ -3688,7 +3641,7 @@
             </p:nvSpPr>
             <p:spPr>
               <a:xfrm>
-                <a:off x="4788024" y="3068960"/>
+                <a:off x="4788024" y="2793548"/>
                 <a:ext cx="2189125" cy="369332"/>
               </a:xfrm>
               <a:prstGeom prst="rect">
@@ -3702,7 +3655,7 @@
               </a:blipFill>
               <a:ln w="28575">
                 <a:solidFill>
-                  <a:srgbClr val="ED6D1F"/>
+                  <a:srgbClr val="0070C0"/>
                 </a:solidFill>
               </a:ln>
             </p:spPr>
@@ -3723,24 +3676,27 @@
       </mc:AlternateContent>
       <p:sp>
         <p:nvSpPr>
-          <p:cNvPr id="9" name="아래쪽 화살표 8"/>
+          <p:cNvPr id="10" name="위쪽/아래쪽 화살표 9"/>
           <p:cNvSpPr/>
           <p:nvPr/>
         </p:nvSpPr>
         <p:spPr>
-          <a:xfrm flipV="1">
-            <a:off x="2123728" y="4509119"/>
-            <a:ext cx="313512" cy="144016"/>
+          <a:xfrm>
+            <a:off x="2195736" y="4042222"/>
+            <a:ext cx="169496" cy="172435"/>
           </a:xfrm>
-          <a:prstGeom prst="downArrow">
-            <a:avLst/>
+          <a:prstGeom prst="upDownArrow">
+            <a:avLst>
+              <a:gd name="adj1" fmla="val 32378"/>
+              <a:gd name="adj2" fmla="val 28681"/>
+            </a:avLst>
           </a:prstGeom>
           <a:solidFill>
-            <a:srgbClr val="00CCFF"/>
+            <a:srgbClr val="FF7C80"/>
           </a:solidFill>
-          <a:ln>
+          <a:ln w="9525">
             <a:solidFill>
-              <a:schemeClr val="accent1"/>
+              <a:schemeClr val="accent2"/>
             </a:solidFill>
           </a:ln>
         </p:spPr>
@@ -3773,6 +3729,100 @@
     <p:extLst>
       <p:ext uri="{BB962C8B-B14F-4D97-AF65-F5344CB8AC3E}">
         <p14:creationId xmlns:p14="http://schemas.microsoft.com/office/powerpoint/2010/main" val="274173624"/>
+      </p:ext>
+    </p:extLst>
+  </p:cSld>
+  <p:clrMapOvr>
+    <a:masterClrMapping/>
+  </p:clrMapOvr>
+</p:sld>
+</file>
+
+<file path=ppt/slides/slide6.xml><?xml version="1.0" encoding="utf-8"?>
+<p:sld xmlns:a="http://schemas.openxmlformats.org/drawingml/2006/main" xmlns:r="http://schemas.openxmlformats.org/officeDocument/2006/relationships" xmlns:p="http://schemas.openxmlformats.org/presentationml/2006/main">
+  <p:cSld>
+    <p:spTree>
+      <p:nvGrpSpPr>
+        <p:cNvPr id="1" name=""/>
+        <p:cNvGrpSpPr/>
+        <p:nvPr/>
+      </p:nvGrpSpPr>
+      <p:grpSpPr>
+        <a:xfrm>
+          <a:off x="0" y="0"/>
+          <a:ext cx="0" cy="0"/>
+          <a:chOff x="0" y="0"/>
+          <a:chExt cx="0" cy="0"/>
+        </a:xfrm>
+      </p:grpSpPr>
+      <p:pic>
+        <p:nvPicPr>
+          <p:cNvPr id="3074" name="Picture 2"/>
+          <p:cNvPicPr>
+            <a:picLocks noChangeAspect="1" noChangeArrowheads="1"/>
+          </p:cNvPicPr>
+          <p:nvPr/>
+        </p:nvPicPr>
+        <p:blipFill>
+          <a:blip r:embed="rId2">
+            <a:extLst>
+              <a:ext uri="{28A0092B-C50C-407E-A947-70E740481C1C}">
+                <a14:useLocalDpi xmlns:a14="http://schemas.microsoft.com/office/drawing/2010/main" val="0"/>
+              </a:ext>
+            </a:extLst>
+          </a:blip>
+          <a:srcRect/>
+          <a:stretch>
+            <a:fillRect/>
+          </a:stretch>
+        </p:blipFill>
+        <p:spPr bwMode="auto">
+          <a:xfrm>
+            <a:off x="1243013" y="1528763"/>
+            <a:ext cx="6657975" cy="3800475"/>
+          </a:xfrm>
+          <a:prstGeom prst="rect">
+            <a:avLst/>
+          </a:prstGeom>
+          <a:noFill/>
+          <a:ln>
+            <a:noFill/>
+          </a:ln>
+          <a:effectLst/>
+          <a:extLst>
+            <a:ext uri="{909E8E84-426E-40DD-AFC4-6F175D3DCCD1}">
+              <a14:hiddenFill xmlns:a14="http://schemas.microsoft.com/office/drawing/2010/main">
+                <a:solidFill>
+                  <a:schemeClr val="accent1"/>
+                </a:solidFill>
+              </a14:hiddenFill>
+            </a:ext>
+            <a:ext uri="{91240B29-F687-4F45-9708-019B960494DF}">
+              <a14:hiddenLine xmlns:a14="http://schemas.microsoft.com/office/drawing/2010/main" w="9525">
+                <a:solidFill>
+                  <a:schemeClr val="tx1"/>
+                </a:solidFill>
+                <a:miter lim="800000"/>
+                <a:headEnd/>
+                <a:tailEnd/>
+              </a14:hiddenLine>
+            </a:ext>
+            <a:ext uri="{AF507438-7753-43E0-B8FC-AC1667EBCBE1}">
+              <a14:hiddenEffects xmlns:a14="http://schemas.microsoft.com/office/drawing/2010/main">
+                <a:effectLst>
+                  <a:outerShdw dist="35921" dir="2700000" algn="ctr" rotWithShape="0">
+                    <a:schemeClr val="bg2"/>
+                  </a:outerShdw>
+                </a:effectLst>
+              </a14:hiddenEffects>
+            </a:ext>
+          </a:extLst>
+        </p:spPr>
+      </p:pic>
+    </p:spTree>
+    <p:extLst>
+      <p:ext uri="{BB962C8B-B14F-4D97-AF65-F5344CB8AC3E}">
+        <p14:creationId xmlns:p14="http://schemas.microsoft.com/office/powerpoint/2010/main" val="4151642223"/>
       </p:ext>
     </p:extLst>
   </p:cSld>

--- a/pics/2021-02-08-GMM_and_EM/pics.pptx
+++ b/pics/2021-02-08-GMM_and_EM/pics.pptx
@@ -11,6 +11,7 @@
     <p:sldId id="259" r:id="rId5"/>
     <p:sldId id="260" r:id="rId6"/>
     <p:sldId id="261" r:id="rId7"/>
+    <p:sldId id="262" r:id="rId8"/>
   </p:sldIdLst>
   <p:sldSz cx="9144000" cy="6858000" type="screen4x3"/>
   <p:notesSz cx="6858000" cy="9144000"/>
@@ -111,7 +112,7 @@
   </p:defaultTextStyle>
   <p:extLst>
     <p:ext uri="{EFAFB233-063F-42B5-8137-9DF3F51BA10A}">
-      <p15:sldGuideLst xmlns:p15="http://schemas.microsoft.com/office/powerpoint/2012/main" xmlns="">
+      <p15:sldGuideLst xmlns="" xmlns:p15="http://schemas.microsoft.com/office/powerpoint/2012/main">
         <p15:guide id="1" orient="horz" pos="2160">
           <p15:clr>
             <a:srgbClr val="A4A3A4"/>
@@ -307,7 +308,7 @@
           <a:p>
             <a:fld id="{FB30EDBD-1C2D-4C1E-B459-B60219FAB484}" type="datetimeFigureOut">
               <a:rPr lang="ko-KR" altLang="en-US" smtClean="0"/>
-              <a:t>2021-02-26</a:t>
+              <a:t>2021-03-08</a:t>
             </a:fld>
             <a:endParaRPr lang="ko-KR" altLang="en-US"/>
           </a:p>
@@ -470,7 +471,7 @@
           <a:p>
             <a:fld id="{FB30EDBD-1C2D-4C1E-B459-B60219FAB484}" type="datetimeFigureOut">
               <a:rPr lang="ko-KR" altLang="en-US" smtClean="0"/>
-              <a:t>2021-02-26</a:t>
+              <a:t>2021-03-08</a:t>
             </a:fld>
             <a:endParaRPr lang="ko-KR" altLang="en-US"/>
           </a:p>
@@ -643,7 +644,7 @@
           <a:p>
             <a:fld id="{FB30EDBD-1C2D-4C1E-B459-B60219FAB484}" type="datetimeFigureOut">
               <a:rPr lang="ko-KR" altLang="en-US" smtClean="0"/>
-              <a:t>2021-02-26</a:t>
+              <a:t>2021-03-08</a:t>
             </a:fld>
             <a:endParaRPr lang="ko-KR" altLang="en-US"/>
           </a:p>
@@ -806,7 +807,7 @@
           <a:p>
             <a:fld id="{FB30EDBD-1C2D-4C1E-B459-B60219FAB484}" type="datetimeFigureOut">
               <a:rPr lang="ko-KR" altLang="en-US" smtClean="0"/>
-              <a:t>2021-02-26</a:t>
+              <a:t>2021-03-08</a:t>
             </a:fld>
             <a:endParaRPr lang="ko-KR" altLang="en-US"/>
           </a:p>
@@ -1046,7 +1047,7 @@
           <a:p>
             <a:fld id="{FB30EDBD-1C2D-4C1E-B459-B60219FAB484}" type="datetimeFigureOut">
               <a:rPr lang="ko-KR" altLang="en-US" smtClean="0"/>
-              <a:t>2021-02-26</a:t>
+              <a:t>2021-03-08</a:t>
             </a:fld>
             <a:endParaRPr lang="ko-KR" altLang="en-US"/>
           </a:p>
@@ -1326,7 +1327,7 @@
           <a:p>
             <a:fld id="{FB30EDBD-1C2D-4C1E-B459-B60219FAB484}" type="datetimeFigureOut">
               <a:rPr lang="ko-KR" altLang="en-US" smtClean="0"/>
-              <a:t>2021-02-26</a:t>
+              <a:t>2021-03-08</a:t>
             </a:fld>
             <a:endParaRPr lang="ko-KR" altLang="en-US"/>
           </a:p>
@@ -1740,7 +1741,7 @@
           <a:p>
             <a:fld id="{FB30EDBD-1C2D-4C1E-B459-B60219FAB484}" type="datetimeFigureOut">
               <a:rPr lang="ko-KR" altLang="en-US" smtClean="0"/>
-              <a:t>2021-02-26</a:t>
+              <a:t>2021-03-08</a:t>
             </a:fld>
             <a:endParaRPr lang="ko-KR" altLang="en-US"/>
           </a:p>
@@ -1852,7 +1853,7 @@
           <a:p>
             <a:fld id="{FB30EDBD-1C2D-4C1E-B459-B60219FAB484}" type="datetimeFigureOut">
               <a:rPr lang="ko-KR" altLang="en-US" smtClean="0"/>
-              <a:t>2021-02-26</a:t>
+              <a:t>2021-03-08</a:t>
             </a:fld>
             <a:endParaRPr lang="ko-KR" altLang="en-US"/>
           </a:p>
@@ -1942,7 +1943,7 @@
           <a:p>
             <a:fld id="{FB30EDBD-1C2D-4C1E-B459-B60219FAB484}" type="datetimeFigureOut">
               <a:rPr lang="ko-KR" altLang="en-US" smtClean="0"/>
-              <a:t>2021-02-26</a:t>
+              <a:t>2021-03-08</a:t>
             </a:fld>
             <a:endParaRPr lang="ko-KR" altLang="en-US"/>
           </a:p>
@@ -2212,7 +2213,7 @@
           <a:p>
             <a:fld id="{FB30EDBD-1C2D-4C1E-B459-B60219FAB484}" type="datetimeFigureOut">
               <a:rPr lang="ko-KR" altLang="en-US" smtClean="0"/>
-              <a:t>2021-02-26</a:t>
+              <a:t>2021-03-08</a:t>
             </a:fld>
             <a:endParaRPr lang="ko-KR" altLang="en-US"/>
           </a:p>
@@ -2459,7 +2460,7 @@
           <a:p>
             <a:fld id="{FB30EDBD-1C2D-4C1E-B459-B60219FAB484}" type="datetimeFigureOut">
               <a:rPr lang="ko-KR" altLang="en-US" smtClean="0"/>
-              <a:t>2021-02-26</a:t>
+              <a:t>2021-03-08</a:t>
             </a:fld>
             <a:endParaRPr lang="ko-KR" altLang="en-US"/>
           </a:p>
@@ -2665,7 +2666,7 @@
           <a:p>
             <a:fld id="{FB30EDBD-1C2D-4C1E-B459-B60219FAB484}" type="datetimeFigureOut">
               <a:rPr lang="ko-KR" altLang="en-US" smtClean="0"/>
-              <a:t>2021-02-26</a:t>
+              <a:t>2021-03-08</a:t>
             </a:fld>
             <a:endParaRPr lang="ko-KR" altLang="en-US"/>
           </a:p>
@@ -3040,7 +3041,7 @@
           <p:cNvPr id="5" name="그림 4">
             <a:extLst>
               <a:ext uri="{FF2B5EF4-FFF2-40B4-BE49-F238E27FC236}">
-                <a16:creationId xmlns:a16="http://schemas.microsoft.com/office/drawing/2014/main" xmlns="" id="{0CA97F2B-BDBF-4435-AE1B-5A50C189BC8F}"/>
+                <a16:creationId xmlns="" xmlns:a16="http://schemas.microsoft.com/office/drawing/2014/main" id="{0CA97F2B-BDBF-4435-AE1B-5A50C189BC8F}"/>
               </a:ext>
             </a:extLst>
           </p:cNvPr>
@@ -3100,7 +3101,7 @@
           <p:cNvPr id="3" name="그림 2">
             <a:extLst>
               <a:ext uri="{FF2B5EF4-FFF2-40B4-BE49-F238E27FC236}">
-                <a16:creationId xmlns:a16="http://schemas.microsoft.com/office/drawing/2014/main" xmlns="" id="{6D620165-C028-409D-8E5F-301D6C7E0DD0}"/>
+                <a16:creationId xmlns="" xmlns:a16="http://schemas.microsoft.com/office/drawing/2014/main" id="{6D620165-C028-409D-8E5F-301D6C7E0DD0}"/>
               </a:ext>
             </a:extLst>
           </p:cNvPr>
@@ -3160,7 +3161,7 @@
           <p:cNvPr id="5" name="그림 4">
             <a:extLst>
               <a:ext uri="{FF2B5EF4-FFF2-40B4-BE49-F238E27FC236}">
-                <a16:creationId xmlns:a16="http://schemas.microsoft.com/office/drawing/2014/main" xmlns="" id="{8165204D-AB0A-4E4A-9C9F-A170AC273F1C}"/>
+                <a16:creationId xmlns="" xmlns:a16="http://schemas.microsoft.com/office/drawing/2014/main" id="{8165204D-AB0A-4E4A-9C9F-A170AC273F1C}"/>
               </a:ext>
             </a:extLst>
           </p:cNvPr>
@@ -3424,8 +3425,8 @@
           </a:p>
         </p:txBody>
       </p:sp>
-      <mc:AlternateContent xmlns:mc="http://schemas.openxmlformats.org/markup-compatibility/2006">
-        <mc:Choice xmlns:a14="http://schemas.microsoft.com/office/drawing/2010/main" Requires="a14">
+      <mc:AlternateContent xmlns:mc="http://schemas.openxmlformats.org/markup-compatibility/2006" xmlns:a14="http://schemas.microsoft.com/office/drawing/2010/main">
+        <mc:Choice Requires="a14">
           <p:sp>
             <p:nvSpPr>
               <p:cNvPr id="5" name="TextBox 4"/>
@@ -3506,7 +3507,7 @@
             </p:txBody>
           </p:sp>
         </mc:Choice>
-        <mc:Fallback>
+        <mc:Fallback xmlns="">
           <p:sp>
             <p:nvSpPr>
               <p:cNvPr id="5" name="TextBox 4"/>
@@ -3550,8 +3551,8 @@
           </p:sp>
         </mc:Fallback>
       </mc:AlternateContent>
-      <mc:AlternateContent xmlns:mc="http://schemas.openxmlformats.org/markup-compatibility/2006">
-        <mc:Choice xmlns:a14="http://schemas.microsoft.com/office/drawing/2010/main" Requires="a14">
+      <mc:AlternateContent xmlns:mc="http://schemas.openxmlformats.org/markup-compatibility/2006" xmlns:a14="http://schemas.microsoft.com/office/drawing/2010/main">
+        <mc:Choice Requires="a14">
           <p:sp>
             <p:nvSpPr>
               <p:cNvPr id="8" name="TextBox 7"/>
@@ -3630,7 +3631,7 @@
             </p:txBody>
           </p:sp>
         </mc:Choice>
-        <mc:Fallback>
+        <mc:Fallback xmlns="">
           <p:sp>
             <p:nvSpPr>
               <p:cNvPr id="8" name="TextBox 7"/>
@@ -3823,6 +3824,100 @@
     <p:extLst>
       <p:ext uri="{BB962C8B-B14F-4D97-AF65-F5344CB8AC3E}">
         <p14:creationId xmlns:p14="http://schemas.microsoft.com/office/powerpoint/2010/main" val="4151642223"/>
+      </p:ext>
+    </p:extLst>
+  </p:cSld>
+  <p:clrMapOvr>
+    <a:masterClrMapping/>
+  </p:clrMapOvr>
+</p:sld>
+</file>
+
+<file path=ppt/slides/slide7.xml><?xml version="1.0" encoding="utf-8"?>
+<p:sld xmlns:a="http://schemas.openxmlformats.org/drawingml/2006/main" xmlns:r="http://schemas.openxmlformats.org/officeDocument/2006/relationships" xmlns:p="http://schemas.openxmlformats.org/presentationml/2006/main">
+  <p:cSld>
+    <p:spTree>
+      <p:nvGrpSpPr>
+        <p:cNvPr id="1" name=""/>
+        <p:cNvGrpSpPr/>
+        <p:nvPr/>
+      </p:nvGrpSpPr>
+      <p:grpSpPr>
+        <a:xfrm>
+          <a:off x="0" y="0"/>
+          <a:ext cx="0" cy="0"/>
+          <a:chOff x="0" y="0"/>
+          <a:chExt cx="0" cy="0"/>
+        </a:xfrm>
+      </p:grpSpPr>
+      <p:pic>
+        <p:nvPicPr>
+          <p:cNvPr id="1026" name="Picture 2"/>
+          <p:cNvPicPr>
+            <a:picLocks noChangeAspect="1" noChangeArrowheads="1"/>
+          </p:cNvPicPr>
+          <p:nvPr/>
+        </p:nvPicPr>
+        <p:blipFill>
+          <a:blip r:embed="rId2">
+            <a:extLst>
+              <a:ext uri="{28A0092B-C50C-407E-A947-70E740481C1C}">
+                <a14:useLocalDpi xmlns:a14="http://schemas.microsoft.com/office/drawing/2010/main" val="0"/>
+              </a:ext>
+            </a:extLst>
+          </a:blip>
+          <a:srcRect/>
+          <a:stretch>
+            <a:fillRect/>
+          </a:stretch>
+        </p:blipFill>
+        <p:spPr bwMode="auto">
+          <a:xfrm>
+            <a:off x="1243013" y="1528763"/>
+            <a:ext cx="6657975" cy="3800475"/>
+          </a:xfrm>
+          <a:prstGeom prst="rect">
+            <a:avLst/>
+          </a:prstGeom>
+          <a:noFill/>
+          <a:ln>
+            <a:noFill/>
+          </a:ln>
+          <a:effectLst/>
+          <a:extLst>
+            <a:ext uri="{909E8E84-426E-40DD-AFC4-6F175D3DCCD1}">
+              <a14:hiddenFill xmlns:a14="http://schemas.microsoft.com/office/drawing/2010/main">
+                <a:solidFill>
+                  <a:schemeClr val="accent1"/>
+                </a:solidFill>
+              </a14:hiddenFill>
+            </a:ext>
+            <a:ext uri="{91240B29-F687-4F45-9708-019B960494DF}">
+              <a14:hiddenLine xmlns:a14="http://schemas.microsoft.com/office/drawing/2010/main" w="9525">
+                <a:solidFill>
+                  <a:schemeClr val="tx1"/>
+                </a:solidFill>
+                <a:miter lim="800000"/>
+                <a:headEnd/>
+                <a:tailEnd/>
+              </a14:hiddenLine>
+            </a:ext>
+            <a:ext uri="{AF507438-7753-43E0-B8FC-AC1667EBCBE1}">
+              <a14:hiddenEffects xmlns:a14="http://schemas.microsoft.com/office/drawing/2010/main">
+                <a:effectLst>
+                  <a:outerShdw dist="35921" dir="2700000" algn="ctr" rotWithShape="0">
+                    <a:schemeClr val="bg2"/>
+                  </a:outerShdw>
+                </a:effectLst>
+              </a14:hiddenEffects>
+            </a:ext>
+          </a:extLst>
+        </p:spPr>
+      </p:pic>
+    </p:spTree>
+    <p:extLst>
+      <p:ext uri="{BB962C8B-B14F-4D97-AF65-F5344CB8AC3E}">
+        <p14:creationId xmlns:p14="http://schemas.microsoft.com/office/powerpoint/2010/main" val="3286101602"/>
       </p:ext>
     </p:extLst>
   </p:cSld>

--- a/pics/2021-02-08-GMM_and_EM/pics.pptx
+++ b/pics/2021-02-08-GMM_and_EM/pics.pptx
@@ -12,6 +12,7 @@
     <p:sldId id="260" r:id="rId6"/>
     <p:sldId id="261" r:id="rId7"/>
     <p:sldId id="262" r:id="rId8"/>
+    <p:sldId id="263" r:id="rId9"/>
   </p:sldIdLst>
   <p:sldSz cx="9144000" cy="6858000" type="screen4x3"/>
   <p:notesSz cx="6858000" cy="9144000"/>
@@ -112,7 +113,7 @@
   </p:defaultTextStyle>
   <p:extLst>
     <p:ext uri="{EFAFB233-063F-42B5-8137-9DF3F51BA10A}">
-      <p15:sldGuideLst xmlns="" xmlns:p15="http://schemas.microsoft.com/office/powerpoint/2012/main">
+      <p15:sldGuideLst xmlns:p15="http://schemas.microsoft.com/office/powerpoint/2012/main" xmlns="">
         <p15:guide id="1" orient="horz" pos="2160">
           <p15:clr>
             <a:srgbClr val="A4A3A4"/>
@@ -3041,7 +3042,7 @@
           <p:cNvPr id="5" name="그림 4">
             <a:extLst>
               <a:ext uri="{FF2B5EF4-FFF2-40B4-BE49-F238E27FC236}">
-                <a16:creationId xmlns="" xmlns:a16="http://schemas.microsoft.com/office/drawing/2014/main" id="{0CA97F2B-BDBF-4435-AE1B-5A50C189BC8F}"/>
+                <a16:creationId xmlns:a16="http://schemas.microsoft.com/office/drawing/2014/main" xmlns="" id="{0CA97F2B-BDBF-4435-AE1B-5A50C189BC8F}"/>
               </a:ext>
             </a:extLst>
           </p:cNvPr>
@@ -3101,7 +3102,7 @@
           <p:cNvPr id="3" name="그림 2">
             <a:extLst>
               <a:ext uri="{FF2B5EF4-FFF2-40B4-BE49-F238E27FC236}">
-                <a16:creationId xmlns="" xmlns:a16="http://schemas.microsoft.com/office/drawing/2014/main" id="{6D620165-C028-409D-8E5F-301D6C7E0DD0}"/>
+                <a16:creationId xmlns:a16="http://schemas.microsoft.com/office/drawing/2014/main" xmlns="" id="{6D620165-C028-409D-8E5F-301D6C7E0DD0}"/>
               </a:ext>
             </a:extLst>
           </p:cNvPr>
@@ -3161,7 +3162,7 @@
           <p:cNvPr id="5" name="그림 4">
             <a:extLst>
               <a:ext uri="{FF2B5EF4-FFF2-40B4-BE49-F238E27FC236}">
-                <a16:creationId xmlns="" xmlns:a16="http://schemas.microsoft.com/office/drawing/2014/main" id="{8165204D-AB0A-4E4A-9C9F-A170AC273F1C}"/>
+                <a16:creationId xmlns:a16="http://schemas.microsoft.com/office/drawing/2014/main" xmlns="" id="{8165204D-AB0A-4E4A-9C9F-A170AC273F1C}"/>
               </a:ext>
             </a:extLst>
           </p:cNvPr>
@@ -3924,6 +3925,989 @@
   <p:clrMapOvr>
     <a:masterClrMapping/>
   </p:clrMapOvr>
+  <p:timing>
+    <p:tnLst>
+      <p:par>
+        <p:cTn id="1" dur="indefinite" restart="never" nodeType="tmRoot"/>
+      </p:par>
+    </p:tnLst>
+  </p:timing>
+</p:sld>
+</file>
+
+<file path=ppt/slides/slide8.xml><?xml version="1.0" encoding="utf-8"?>
+<p:sld xmlns:a="http://schemas.openxmlformats.org/drawingml/2006/main" xmlns:r="http://schemas.openxmlformats.org/officeDocument/2006/relationships" xmlns:p="http://schemas.openxmlformats.org/presentationml/2006/main">
+  <p:cSld>
+    <p:spTree>
+      <p:nvGrpSpPr>
+        <p:cNvPr id="1" name=""/>
+        <p:cNvGrpSpPr/>
+        <p:nvPr/>
+      </p:nvGrpSpPr>
+      <p:grpSpPr>
+        <a:xfrm>
+          <a:off x="0" y="0"/>
+          <a:ext cx="0" cy="0"/>
+          <a:chOff x="0" y="0"/>
+          <a:chExt cx="0" cy="0"/>
+        </a:xfrm>
+      </p:grpSpPr>
+      <p:sp>
+        <p:nvSpPr>
+          <p:cNvPr id="34" name="모서리가 둥근 직사각형 33"/>
+          <p:cNvSpPr/>
+          <p:nvPr/>
+        </p:nvSpPr>
+        <p:spPr>
+          <a:xfrm>
+            <a:off x="323528" y="764704"/>
+            <a:ext cx="816249" cy="369332"/>
+          </a:xfrm>
+          <a:prstGeom prst="roundRect">
+            <a:avLst/>
+          </a:prstGeom>
+          <a:solidFill>
+            <a:schemeClr val="accent2"/>
+          </a:solidFill>
+          <a:ln>
+            <a:solidFill>
+              <a:schemeClr val="tx1"/>
+            </a:solidFill>
+          </a:ln>
+        </p:spPr>
+        <p:style>
+          <a:lnRef idx="2">
+            <a:schemeClr val="accent1">
+              <a:shade val="50000"/>
+            </a:schemeClr>
+          </a:lnRef>
+          <a:fillRef idx="1">
+            <a:schemeClr val="accent1"/>
+          </a:fillRef>
+          <a:effectRef idx="0">
+            <a:schemeClr val="accent1"/>
+          </a:effectRef>
+          <a:fontRef idx="minor">
+            <a:schemeClr val="lt1"/>
+          </a:fontRef>
+        </p:style>
+        <p:txBody>
+          <a:bodyPr rtlCol="0" anchor="ctr"/>
+          <a:lstStyle/>
+          <a:p>
+            <a:pPr algn="ctr"/>
+            <a:endParaRPr lang="ko-KR" altLang="en-US"/>
+          </a:p>
+        </p:txBody>
+      </p:sp>
+      <p:sp>
+        <p:nvSpPr>
+          <p:cNvPr id="4" name="TextBox 3"/>
+          <p:cNvSpPr txBox="1"/>
+          <p:nvPr/>
+        </p:nvSpPr>
+        <p:spPr>
+          <a:xfrm>
+            <a:off x="658843" y="1181574"/>
+            <a:ext cx="1277914" cy="830997"/>
+          </a:xfrm>
+          <a:prstGeom prst="rect">
+            <a:avLst/>
+          </a:prstGeom>
+          <a:noFill/>
+        </p:spPr>
+        <p:txBody>
+          <a:bodyPr wrap="none" rtlCol="0">
+            <a:spAutoFit/>
+          </a:bodyPr>
+          <a:lstStyle/>
+          <a:p>
+            <a:pPr algn="ctr"/>
+            <a:r>
+              <a:rPr lang="ko-KR" altLang="en-US" sz="2400" dirty="0" smtClean="0">
+                <a:latin typeface="배달의민족 주아" pitchFamily="18" charset="-127"/>
+                <a:ea typeface="배달의민족 주아" pitchFamily="18" charset="-127"/>
+              </a:rPr>
+              <a:t>랜덤 하게</a:t>
+            </a:r>
+            <a:endParaRPr lang="en-US" altLang="ko-KR" sz="2400" dirty="0" smtClean="0">
+              <a:latin typeface="배달의민족 주아" pitchFamily="18" charset="-127"/>
+              <a:ea typeface="배달의민족 주아" pitchFamily="18" charset="-127"/>
+            </a:endParaRPr>
+          </a:p>
+          <a:p>
+            <a:pPr algn="ctr"/>
+            <a:r>
+              <a:rPr lang="ko-KR" altLang="en-US" sz="2400" dirty="0" smtClean="0">
+                <a:latin typeface="배달의민족 주아" pitchFamily="18" charset="-127"/>
+                <a:ea typeface="배달의민족 주아" pitchFamily="18" charset="-127"/>
+              </a:rPr>
+              <a:t>분포 제안</a:t>
+            </a:r>
+            <a:endParaRPr lang="ko-KR" altLang="en-US" sz="2400" dirty="0">
+              <a:latin typeface="배달의민족 주아" pitchFamily="18" charset="-127"/>
+              <a:ea typeface="배달의민족 주아" pitchFamily="18" charset="-127"/>
+            </a:endParaRPr>
+          </a:p>
+        </p:txBody>
+      </p:sp>
+      <p:pic>
+        <p:nvPicPr>
+          <p:cNvPr id="5" name="Picture 2"/>
+          <p:cNvPicPr>
+            <a:picLocks noChangeAspect="1" noChangeArrowheads="1"/>
+          </p:cNvPicPr>
+          <p:nvPr/>
+        </p:nvPicPr>
+        <p:blipFill>
+          <a:blip r:embed="rId2" cstate="print">
+            <a:extLst>
+              <a:ext uri="{28A0092B-C50C-407E-A947-70E740481C1C}">
+                <a14:useLocalDpi xmlns:a14="http://schemas.microsoft.com/office/drawing/2010/main" val="0"/>
+              </a:ext>
+            </a:extLst>
+          </a:blip>
+          <a:srcRect/>
+          <a:stretch>
+            <a:fillRect/>
+          </a:stretch>
+        </p:blipFill>
+        <p:spPr bwMode="auto">
+          <a:xfrm>
+            <a:off x="-27781" y="1506270"/>
+            <a:ext cx="2830868" cy="1615903"/>
+          </a:xfrm>
+          <a:prstGeom prst="rect">
+            <a:avLst/>
+          </a:prstGeom>
+          <a:noFill/>
+          <a:ln>
+            <a:noFill/>
+          </a:ln>
+          <a:effectLst/>
+          <a:extLst>
+            <a:ext uri="{909E8E84-426E-40DD-AFC4-6F175D3DCCD1}">
+              <a14:hiddenFill xmlns:a14="http://schemas.microsoft.com/office/drawing/2010/main">
+                <a:solidFill>
+                  <a:schemeClr val="accent1"/>
+                </a:solidFill>
+              </a14:hiddenFill>
+            </a:ext>
+            <a:ext uri="{91240B29-F687-4F45-9708-019B960494DF}">
+              <a14:hiddenLine xmlns:a14="http://schemas.microsoft.com/office/drawing/2010/main" w="9525">
+                <a:solidFill>
+                  <a:schemeClr val="tx1"/>
+                </a:solidFill>
+                <a:miter lim="800000"/>
+                <a:headEnd/>
+                <a:tailEnd/>
+              </a14:hiddenLine>
+            </a:ext>
+            <a:ext uri="{AF507438-7753-43E0-B8FC-AC1667EBCBE1}">
+              <a14:hiddenEffects xmlns:a14="http://schemas.microsoft.com/office/drawing/2010/main">
+                <a:effectLst>
+                  <a:outerShdw dist="35921" dir="2700000" algn="ctr" rotWithShape="0">
+                    <a:schemeClr val="bg2"/>
+                  </a:outerShdw>
+                </a:effectLst>
+              </a14:hiddenEffects>
+            </a:ext>
+          </a:extLst>
+        </p:spPr>
+      </p:pic>
+      <p:pic>
+        <p:nvPicPr>
+          <p:cNvPr id="1026" name="Picture 2"/>
+          <p:cNvPicPr>
+            <a:picLocks noChangeAspect="1" noChangeArrowheads="1"/>
+          </p:cNvPicPr>
+          <p:nvPr/>
+        </p:nvPicPr>
+        <p:blipFill>
+          <a:blip r:embed="rId3" cstate="print">
+            <a:extLst>
+              <a:ext uri="{28A0092B-C50C-407E-A947-70E740481C1C}">
+                <a14:useLocalDpi xmlns:a14="http://schemas.microsoft.com/office/drawing/2010/main" val="0"/>
+              </a:ext>
+            </a:extLst>
+          </a:blip>
+          <a:srcRect/>
+          <a:stretch>
+            <a:fillRect/>
+          </a:stretch>
+        </p:blipFill>
+        <p:spPr bwMode="auto">
+          <a:xfrm>
+            <a:off x="4395707" y="1375738"/>
+            <a:ext cx="2947140" cy="1473262"/>
+          </a:xfrm>
+          <a:prstGeom prst="rect">
+            <a:avLst/>
+          </a:prstGeom>
+          <a:noFill/>
+          <a:ln>
+            <a:noFill/>
+          </a:ln>
+          <a:effectLst/>
+          <a:extLst>
+            <a:ext uri="{909E8E84-426E-40DD-AFC4-6F175D3DCCD1}">
+              <a14:hiddenFill xmlns:a14="http://schemas.microsoft.com/office/drawing/2010/main">
+                <a:solidFill>
+                  <a:schemeClr val="accent1"/>
+                </a:solidFill>
+              </a14:hiddenFill>
+            </a:ext>
+            <a:ext uri="{91240B29-F687-4F45-9708-019B960494DF}">
+              <a14:hiddenLine xmlns:a14="http://schemas.microsoft.com/office/drawing/2010/main" w="9525">
+                <a:solidFill>
+                  <a:schemeClr val="tx1"/>
+                </a:solidFill>
+                <a:miter lim="800000"/>
+                <a:headEnd/>
+                <a:tailEnd/>
+              </a14:hiddenLine>
+            </a:ext>
+            <a:ext uri="{AF507438-7753-43E0-B8FC-AC1667EBCBE1}">
+              <a14:hiddenEffects xmlns:a14="http://schemas.microsoft.com/office/drawing/2010/main">
+                <a:effectLst>
+                  <a:outerShdw dist="35921" dir="2700000" algn="ctr" rotWithShape="0">
+                    <a:schemeClr val="bg2"/>
+                  </a:outerShdw>
+                </a:effectLst>
+              </a14:hiddenEffects>
+            </a:ext>
+          </a:extLst>
+        </p:spPr>
+      </p:pic>
+      <p:sp>
+        <p:nvSpPr>
+          <p:cNvPr id="12" name="TextBox 11"/>
+          <p:cNvSpPr txBox="1"/>
+          <p:nvPr/>
+        </p:nvSpPr>
+        <p:spPr>
+          <a:xfrm>
+            <a:off x="4775836" y="960240"/>
+            <a:ext cx="2186881" cy="830997"/>
+          </a:xfrm>
+          <a:prstGeom prst="rect">
+            <a:avLst/>
+          </a:prstGeom>
+          <a:noFill/>
+        </p:spPr>
+        <p:txBody>
+          <a:bodyPr wrap="none" rtlCol="0">
+            <a:spAutoFit/>
+          </a:bodyPr>
+          <a:lstStyle/>
+          <a:p>
+            <a:pPr algn="ctr"/>
+            <a:r>
+              <a:rPr lang="en-US" altLang="ko-KR" sz="2400" dirty="0" smtClean="0">
+                <a:latin typeface="배달의민족 주아" pitchFamily="18" charset="-127"/>
+                <a:ea typeface="배달의민족 주아" pitchFamily="18" charset="-127"/>
+              </a:rPr>
+              <a:t>likelihood </a:t>
+            </a:r>
+            <a:r>
+              <a:rPr lang="ko-KR" altLang="en-US" sz="2400" dirty="0" smtClean="0">
+                <a:latin typeface="배달의민족 주아" pitchFamily="18" charset="-127"/>
+                <a:ea typeface="배달의민족 주아" pitchFamily="18" charset="-127"/>
+              </a:rPr>
+              <a:t>비교로</a:t>
+            </a:r>
+            <a:endParaRPr lang="en-US" altLang="ko-KR" sz="2400" dirty="0" smtClean="0">
+              <a:latin typeface="배달의민족 주아" pitchFamily="18" charset="-127"/>
+              <a:ea typeface="배달의민족 주아" pitchFamily="18" charset="-127"/>
+            </a:endParaRPr>
+          </a:p>
+          <a:p>
+            <a:pPr algn="ctr"/>
+            <a:r>
+              <a:rPr lang="ko-KR" altLang="en-US" sz="2400" dirty="0" smtClean="0">
+                <a:latin typeface="배달의민족 주아" pitchFamily="18" charset="-127"/>
+                <a:ea typeface="배달의민족 주아" pitchFamily="18" charset="-127"/>
+              </a:rPr>
+              <a:t> 라벨링</a:t>
+            </a:r>
+            <a:endParaRPr lang="ko-KR" altLang="en-US" sz="2400" dirty="0">
+              <a:latin typeface="배달의민족 주아" pitchFamily="18" charset="-127"/>
+              <a:ea typeface="배달의민족 주아" pitchFamily="18" charset="-127"/>
+            </a:endParaRPr>
+          </a:p>
+        </p:txBody>
+      </p:sp>
+      <mc:AlternateContent xmlns:mc="http://schemas.openxmlformats.org/markup-compatibility/2006">
+        <mc:Choice xmlns:a14="http://schemas.microsoft.com/office/drawing/2010/main" Requires="a14">
+          <p:sp>
+            <p:nvSpPr>
+              <p:cNvPr id="13" name="TextBox 12"/>
+              <p:cNvSpPr txBox="1"/>
+              <p:nvPr/>
+            </p:nvSpPr>
+            <p:spPr>
+              <a:xfrm>
+                <a:off x="6584346" y="3588715"/>
+                <a:ext cx="2421752" cy="1200329"/>
+              </a:xfrm>
+              <a:prstGeom prst="rect">
+                <a:avLst/>
+              </a:prstGeom>
+              <a:noFill/>
+            </p:spPr>
+            <p:txBody>
+              <a:bodyPr wrap="none" rtlCol="0">
+                <a:spAutoFit/>
+              </a:bodyPr>
+              <a:lstStyle/>
+              <a:p>
+                <a:pPr algn="ctr"/>
+                <a:r>
+                  <a:rPr lang="ko-KR" altLang="en-US" sz="2400" dirty="0" smtClean="0">
+                    <a:latin typeface="배달의민족 주아" pitchFamily="18" charset="-127"/>
+                    <a:ea typeface="배달의민족 주아" pitchFamily="18" charset="-127"/>
+                  </a:rPr>
+                  <a:t>각 그룹별 모수 추정</a:t>
+                </a:r>
+                <a:endParaRPr lang="en-US" altLang="ko-KR" sz="2400" dirty="0" smtClean="0">
+                  <a:latin typeface="배달의민족 주아" pitchFamily="18" charset="-127"/>
+                  <a:ea typeface="배달의민족 주아" pitchFamily="18" charset="-127"/>
+                </a:endParaRPr>
+              </a:p>
+              <a:p>
+                <a:pPr algn="ctr"/>
+                <a14:m>
+                  <m:oMathPara xmlns:m="http://schemas.openxmlformats.org/officeDocument/2006/math">
+                    <m:oMathParaPr>
+                      <m:jc m:val="centerGroup"/>
+                    </m:oMathParaPr>
+                    <m:oMath xmlns:m="http://schemas.openxmlformats.org/officeDocument/2006/math">
+                      <m:sSub>
+                        <m:sSubPr>
+                          <m:ctrlPr>
+                            <a:rPr lang="en-US" altLang="ko-KR" sz="2400" b="0" i="1" smtClean="0">
+                              <a:latin typeface="Cambria Math"/>
+                              <a:ea typeface="배달의민족 주아" pitchFamily="18" charset="-127"/>
+                            </a:rPr>
+                          </m:ctrlPr>
+                        </m:sSubPr>
+                        <m:e>
+                          <m:r>
+                            <a:rPr lang="en-US" altLang="ko-KR" sz="2400" b="0" i="1" smtClean="0">
+                              <a:latin typeface="Cambria Math"/>
+                              <a:ea typeface="배달의민족 주아" pitchFamily="18" charset="-127"/>
+                            </a:rPr>
+                            <m:t>𝜇</m:t>
+                          </m:r>
+                        </m:e>
+                        <m:sub>
+                          <m:r>
+                            <a:rPr lang="en-US" altLang="ko-KR" sz="2400" b="0" i="1" smtClean="0">
+                              <a:latin typeface="Cambria Math"/>
+                              <a:ea typeface="배달의민족 주아" pitchFamily="18" charset="-127"/>
+                            </a:rPr>
+                            <m:t>1</m:t>
+                          </m:r>
+                        </m:sub>
+                      </m:sSub>
+                      <m:r>
+                        <a:rPr lang="en-US" altLang="ko-KR" sz="2400" b="0" i="1" smtClean="0">
+                          <a:latin typeface="Cambria Math"/>
+                          <a:ea typeface="배달의민족 주아" pitchFamily="18" charset="-127"/>
+                        </a:rPr>
+                        <m:t>=…, </m:t>
+                      </m:r>
+                      <m:sSub>
+                        <m:sSubPr>
+                          <m:ctrlPr>
+                            <a:rPr lang="en-US" altLang="ko-KR" sz="2400" b="0" i="1" smtClean="0">
+                              <a:latin typeface="Cambria Math"/>
+                              <a:ea typeface="배달의민족 주아" pitchFamily="18" charset="-127"/>
+                            </a:rPr>
+                          </m:ctrlPr>
+                        </m:sSubPr>
+                        <m:e>
+                          <m:r>
+                            <a:rPr lang="en-US" altLang="ko-KR" sz="2400" b="0" i="1" smtClean="0">
+                              <a:latin typeface="Cambria Math"/>
+                              <a:ea typeface="배달의민족 주아" pitchFamily="18" charset="-127"/>
+                            </a:rPr>
+                            <m:t>𝜎</m:t>
+                          </m:r>
+                        </m:e>
+                        <m:sub>
+                          <m:r>
+                            <a:rPr lang="en-US" altLang="ko-KR" sz="2400" b="0" i="1" smtClean="0">
+                              <a:latin typeface="Cambria Math"/>
+                              <a:ea typeface="배달의민족 주아" pitchFamily="18" charset="-127"/>
+                            </a:rPr>
+                            <m:t>1</m:t>
+                          </m:r>
+                        </m:sub>
+                      </m:sSub>
+                      <m:r>
+                        <a:rPr lang="en-US" altLang="ko-KR" sz="2400" b="0" i="1" smtClean="0">
+                          <a:latin typeface="Cambria Math"/>
+                          <a:ea typeface="배달의민족 주아" pitchFamily="18" charset="-127"/>
+                        </a:rPr>
+                        <m:t>=⋯</m:t>
+                      </m:r>
+                    </m:oMath>
+                  </m:oMathPara>
+                </a14:m>
+                <a:endParaRPr lang="en-US" altLang="ko-KR" sz="2400" b="0" dirty="0" smtClean="0">
+                  <a:latin typeface="배달의민족 주아" pitchFamily="18" charset="-127"/>
+                  <a:ea typeface="배달의민족 주아" pitchFamily="18" charset="-127"/>
+                </a:endParaRPr>
+              </a:p>
+              <a:p>
+                <a:pPr algn="ctr"/>
+                <a14:m>
+                  <m:oMathPara xmlns:m="http://schemas.openxmlformats.org/officeDocument/2006/math">
+                    <m:oMathParaPr>
+                      <m:jc m:val="centerGroup"/>
+                    </m:oMathParaPr>
+                    <m:oMath xmlns:m="http://schemas.openxmlformats.org/officeDocument/2006/math">
+                      <m:sSub>
+                        <m:sSubPr>
+                          <m:ctrlPr>
+                            <a:rPr lang="en-US" altLang="ko-KR" sz="2400" b="0" i="1" smtClean="0">
+                              <a:latin typeface="Cambria Math"/>
+                              <a:ea typeface="배달의민족 주아" pitchFamily="18" charset="-127"/>
+                            </a:rPr>
+                          </m:ctrlPr>
+                        </m:sSubPr>
+                        <m:e>
+                          <m:r>
+                            <a:rPr lang="en-US" altLang="ko-KR" sz="2400" b="0" i="1" smtClean="0">
+                              <a:latin typeface="Cambria Math"/>
+                              <a:ea typeface="배달의민족 주아" pitchFamily="18" charset="-127"/>
+                            </a:rPr>
+                            <m:t>𝜇</m:t>
+                          </m:r>
+                        </m:e>
+                        <m:sub>
+                          <m:r>
+                            <a:rPr lang="en-US" altLang="ko-KR" sz="2400" b="0" i="1" smtClean="0">
+                              <a:latin typeface="Cambria Math"/>
+                              <a:ea typeface="배달의민족 주아" pitchFamily="18" charset="-127"/>
+                            </a:rPr>
+                            <m:t>2</m:t>
+                          </m:r>
+                        </m:sub>
+                      </m:sSub>
+                      <m:r>
+                        <a:rPr lang="en-US" altLang="ko-KR" sz="2400" b="0" i="1" smtClean="0">
+                          <a:latin typeface="Cambria Math"/>
+                          <a:ea typeface="배달의민족 주아" pitchFamily="18" charset="-127"/>
+                        </a:rPr>
+                        <m:t>=⋯, </m:t>
+                      </m:r>
+                      <m:sSub>
+                        <m:sSubPr>
+                          <m:ctrlPr>
+                            <a:rPr lang="en-US" altLang="ko-KR" sz="2400" b="0" i="1" smtClean="0">
+                              <a:latin typeface="Cambria Math"/>
+                              <a:ea typeface="배달의민족 주아" pitchFamily="18" charset="-127"/>
+                            </a:rPr>
+                          </m:ctrlPr>
+                        </m:sSubPr>
+                        <m:e>
+                          <m:r>
+                            <a:rPr lang="en-US" altLang="ko-KR" sz="2400" b="0" i="1" smtClean="0">
+                              <a:latin typeface="Cambria Math"/>
+                              <a:ea typeface="배달의민족 주아" pitchFamily="18" charset="-127"/>
+                            </a:rPr>
+                            <m:t>𝜎</m:t>
+                          </m:r>
+                        </m:e>
+                        <m:sub>
+                          <m:r>
+                            <a:rPr lang="en-US" altLang="ko-KR" sz="2400" b="0" i="1" smtClean="0">
+                              <a:latin typeface="Cambria Math"/>
+                              <a:ea typeface="배달의민족 주아" pitchFamily="18" charset="-127"/>
+                            </a:rPr>
+                            <m:t>2</m:t>
+                          </m:r>
+                        </m:sub>
+                      </m:sSub>
+                      <m:r>
+                        <a:rPr lang="en-US" altLang="ko-KR" sz="2400" b="0" i="1" smtClean="0">
+                          <a:latin typeface="Cambria Math"/>
+                          <a:ea typeface="배달의민족 주아" pitchFamily="18" charset="-127"/>
+                        </a:rPr>
+                        <m:t>=⋯</m:t>
+                      </m:r>
+                    </m:oMath>
+                  </m:oMathPara>
+                </a14:m>
+                <a:endParaRPr lang="ko-KR" altLang="en-US" sz="2400" dirty="0">
+                  <a:latin typeface="배달의민족 주아" pitchFamily="18" charset="-127"/>
+                  <a:ea typeface="배달의민족 주아" pitchFamily="18" charset="-127"/>
+                </a:endParaRPr>
+              </a:p>
+            </p:txBody>
+          </p:sp>
+        </mc:Choice>
+        <mc:Fallback>
+          <p:sp>
+            <p:nvSpPr>
+              <p:cNvPr id="13" name="TextBox 12"/>
+              <p:cNvSpPr txBox="1">
+                <a:spLocks noRot="1" noChangeAspect="1" noMove="1" noResize="1" noEditPoints="1" noAdjustHandles="1" noChangeArrowheads="1" noChangeShapeType="1" noTextEdit="1"/>
+              </p:cNvSpPr>
+              <p:nvPr/>
+            </p:nvSpPr>
+            <p:spPr>
+              <a:xfrm>
+                <a:off x="6584346" y="3588715"/>
+                <a:ext cx="2421752" cy="1200329"/>
+              </a:xfrm>
+              <a:prstGeom prst="rect">
+                <a:avLst/>
+              </a:prstGeom>
+              <a:blipFill rotWithShape="1">
+                <a:blip r:embed="rId4"/>
+                <a:stretch>
+                  <a:fillRect l="-3526" t="-4569" r="-2771" b="-1015"/>
+                </a:stretch>
+              </a:blipFill>
+            </p:spPr>
+            <p:txBody>
+              <a:bodyPr/>
+              <a:lstStyle/>
+              <a:p>
+                <a:r>
+                  <a:rPr lang="ko-KR" altLang="en-US">
+                    <a:noFill/>
+                  </a:rPr>
+                  <a:t> </a:t>
+                </a:r>
+              </a:p>
+            </p:txBody>
+          </p:sp>
+        </mc:Fallback>
+      </mc:AlternateContent>
+      <p:pic>
+        <p:nvPicPr>
+          <p:cNvPr id="14" name="Picture 2"/>
+          <p:cNvPicPr>
+            <a:picLocks noChangeAspect="1" noChangeArrowheads="1"/>
+          </p:cNvPicPr>
+          <p:nvPr/>
+        </p:nvPicPr>
+        <p:blipFill>
+          <a:blip r:embed="rId5">
+            <a:extLst>
+              <a:ext uri="{28A0092B-C50C-407E-A947-70E740481C1C}">
+                <a14:useLocalDpi xmlns:a14="http://schemas.microsoft.com/office/drawing/2010/main" val="0"/>
+              </a:ext>
+            </a:extLst>
+          </a:blip>
+          <a:srcRect/>
+          <a:stretch>
+            <a:fillRect/>
+          </a:stretch>
+        </p:blipFill>
+        <p:spPr bwMode="auto">
+          <a:xfrm>
+            <a:off x="2483768" y="3955920"/>
+            <a:ext cx="2919068" cy="1666248"/>
+          </a:xfrm>
+          <a:prstGeom prst="rect">
+            <a:avLst/>
+          </a:prstGeom>
+          <a:noFill/>
+          <a:ln>
+            <a:noFill/>
+          </a:ln>
+          <a:effectLst/>
+          <a:extLst>
+            <a:ext uri="{909E8E84-426E-40DD-AFC4-6F175D3DCCD1}">
+              <a14:hiddenFill xmlns:a14="http://schemas.microsoft.com/office/drawing/2010/main">
+                <a:solidFill>
+                  <a:schemeClr val="accent1"/>
+                </a:solidFill>
+              </a14:hiddenFill>
+            </a:ext>
+            <a:ext uri="{91240B29-F687-4F45-9708-019B960494DF}">
+              <a14:hiddenLine xmlns:a14="http://schemas.microsoft.com/office/drawing/2010/main" w="9525">
+                <a:solidFill>
+                  <a:schemeClr val="tx1"/>
+                </a:solidFill>
+                <a:miter lim="800000"/>
+                <a:headEnd/>
+                <a:tailEnd/>
+              </a14:hiddenLine>
+            </a:ext>
+            <a:ext uri="{AF507438-7753-43E0-B8FC-AC1667EBCBE1}">
+              <a14:hiddenEffects xmlns:a14="http://schemas.microsoft.com/office/drawing/2010/main">
+                <a:effectLst>
+                  <a:outerShdw dist="35921" dir="2700000" algn="ctr" rotWithShape="0">
+                    <a:schemeClr val="bg2"/>
+                  </a:outerShdw>
+                </a:effectLst>
+              </a14:hiddenEffects>
+            </a:ext>
+          </a:extLst>
+        </p:spPr>
+      </p:pic>
+      <p:sp>
+        <p:nvSpPr>
+          <p:cNvPr id="15" name="TextBox 14"/>
+          <p:cNvSpPr txBox="1"/>
+          <p:nvPr/>
+        </p:nvSpPr>
+        <p:spPr>
+          <a:xfrm>
+            <a:off x="2595299" y="3499374"/>
+            <a:ext cx="2409635" cy="830997"/>
+          </a:xfrm>
+          <a:prstGeom prst="rect">
+            <a:avLst/>
+          </a:prstGeom>
+          <a:noFill/>
+        </p:spPr>
+        <p:txBody>
+          <a:bodyPr wrap="none" rtlCol="0">
+            <a:spAutoFit/>
+          </a:bodyPr>
+          <a:lstStyle/>
+          <a:p>
+            <a:pPr algn="ctr"/>
+            <a:r>
+              <a:rPr lang="ko-KR" altLang="en-US" sz="2400" dirty="0" smtClean="0">
+                <a:latin typeface="배달의민족 주아" pitchFamily="18" charset="-127"/>
+                <a:ea typeface="배달의민족 주아" pitchFamily="18" charset="-127"/>
+              </a:rPr>
+              <a:t>추정된 모수 이용한</a:t>
+            </a:r>
+            <a:endParaRPr lang="en-US" altLang="ko-KR" sz="2400" dirty="0" smtClean="0">
+              <a:latin typeface="배달의민족 주아" pitchFamily="18" charset="-127"/>
+              <a:ea typeface="배달의민족 주아" pitchFamily="18" charset="-127"/>
+            </a:endParaRPr>
+          </a:p>
+          <a:p>
+            <a:pPr algn="ctr"/>
+            <a:r>
+              <a:rPr lang="ko-KR" altLang="en-US" sz="2400" dirty="0" smtClean="0">
+                <a:latin typeface="배달의민족 주아" pitchFamily="18" charset="-127"/>
+                <a:ea typeface="배달의민족 주아" pitchFamily="18" charset="-127"/>
+              </a:rPr>
+              <a:t>각 그룹별 분포 도시</a:t>
+            </a:r>
+            <a:endParaRPr lang="ko-KR" altLang="en-US" sz="2400" dirty="0">
+              <a:latin typeface="배달의민족 주아" pitchFamily="18" charset="-127"/>
+              <a:ea typeface="배달의민족 주아" pitchFamily="18" charset="-127"/>
+            </a:endParaRPr>
+          </a:p>
+        </p:txBody>
+      </p:sp>
+      <p:sp>
+        <p:nvSpPr>
+          <p:cNvPr id="24" name="원호 23"/>
+          <p:cNvSpPr/>
+          <p:nvPr/>
+        </p:nvSpPr>
+        <p:spPr>
+          <a:xfrm>
+            <a:off x="3800835" y="1325932"/>
+            <a:ext cx="4479332" cy="4479332"/>
+          </a:xfrm>
+          <a:prstGeom prst="arc">
+            <a:avLst>
+              <a:gd name="adj1" fmla="val 18259268"/>
+              <a:gd name="adj2" fmla="val 21027784"/>
+            </a:avLst>
+          </a:prstGeom>
+          <a:ln w="19050">
+            <a:solidFill>
+              <a:schemeClr val="tx1"/>
+            </a:solidFill>
+            <a:headEnd type="none" w="med" len="med"/>
+            <a:tailEnd type="arrow" w="med" len="med"/>
+          </a:ln>
+        </p:spPr>
+        <p:style>
+          <a:lnRef idx="1">
+            <a:schemeClr val="accent1"/>
+          </a:lnRef>
+          <a:fillRef idx="0">
+            <a:schemeClr val="accent1"/>
+          </a:fillRef>
+          <a:effectRef idx="0">
+            <a:schemeClr val="accent1"/>
+          </a:effectRef>
+          <a:fontRef idx="minor">
+            <a:schemeClr val="tx1"/>
+          </a:fontRef>
+        </p:style>
+        <p:txBody>
+          <a:bodyPr rtlCol="0" anchor="ctr"/>
+          <a:lstStyle/>
+          <a:p>
+            <a:pPr algn="ctr"/>
+            <a:endParaRPr lang="ko-KR" altLang="en-US"/>
+          </a:p>
+        </p:txBody>
+      </p:sp>
+      <p:sp>
+        <p:nvSpPr>
+          <p:cNvPr id="32" name="원호 31"/>
+          <p:cNvSpPr/>
+          <p:nvPr/>
+        </p:nvSpPr>
+        <p:spPr>
+          <a:xfrm flipH="1">
+            <a:off x="3468266" y="1505501"/>
+            <a:ext cx="4166427" cy="4166427"/>
+          </a:xfrm>
+          <a:prstGeom prst="arc">
+            <a:avLst>
+              <a:gd name="adj1" fmla="val 18138567"/>
+              <a:gd name="adj2" fmla="val 21027784"/>
+            </a:avLst>
+          </a:prstGeom>
+          <a:ln w="19050">
+            <a:solidFill>
+              <a:schemeClr val="tx1"/>
+            </a:solidFill>
+            <a:headEnd type="arrow" w="med" len="med"/>
+            <a:tailEnd type="none" w="med" len="med"/>
+          </a:ln>
+        </p:spPr>
+        <p:style>
+          <a:lnRef idx="1">
+            <a:schemeClr val="accent1"/>
+          </a:lnRef>
+          <a:fillRef idx="0">
+            <a:schemeClr val="accent1"/>
+          </a:fillRef>
+          <a:effectRef idx="0">
+            <a:schemeClr val="accent1"/>
+          </a:effectRef>
+          <a:fontRef idx="minor">
+            <a:schemeClr val="tx1"/>
+          </a:fontRef>
+        </p:style>
+        <p:txBody>
+          <a:bodyPr rtlCol="0" anchor="ctr"/>
+          <a:lstStyle/>
+          <a:p>
+            <a:pPr algn="ctr"/>
+            <a:endParaRPr lang="ko-KR" altLang="en-US"/>
+          </a:p>
+        </p:txBody>
+      </p:sp>
+      <p:sp>
+        <p:nvSpPr>
+          <p:cNvPr id="33" name="원호 32"/>
+          <p:cNvSpPr/>
+          <p:nvPr/>
+        </p:nvSpPr>
+        <p:spPr>
+          <a:xfrm>
+            <a:off x="3629610" y="1791237"/>
+            <a:ext cx="4479332" cy="4479332"/>
+          </a:xfrm>
+          <a:prstGeom prst="arc">
+            <a:avLst>
+              <a:gd name="adj1" fmla="val 2090290"/>
+              <a:gd name="adj2" fmla="val 7772853"/>
+            </a:avLst>
+          </a:prstGeom>
+          <a:ln w="19050">
+            <a:solidFill>
+              <a:schemeClr val="tx1"/>
+            </a:solidFill>
+            <a:headEnd type="none" w="med" len="med"/>
+            <a:tailEnd type="arrow" w="med" len="med"/>
+          </a:ln>
+        </p:spPr>
+        <p:style>
+          <a:lnRef idx="1">
+            <a:schemeClr val="accent1"/>
+          </a:lnRef>
+          <a:fillRef idx="0">
+            <a:schemeClr val="accent1"/>
+          </a:fillRef>
+          <a:effectRef idx="0">
+            <a:schemeClr val="accent1"/>
+          </a:effectRef>
+          <a:fontRef idx="minor">
+            <a:schemeClr val="tx1"/>
+          </a:fontRef>
+        </p:style>
+        <p:txBody>
+          <a:bodyPr rtlCol="0" anchor="ctr"/>
+          <a:lstStyle/>
+          <a:p>
+            <a:pPr algn="ctr"/>
+            <a:endParaRPr lang="ko-KR" altLang="en-US"/>
+          </a:p>
+        </p:txBody>
+      </p:sp>
+      <p:sp>
+        <p:nvSpPr>
+          <p:cNvPr id="28" name="자유형 27"/>
+          <p:cNvSpPr/>
+          <p:nvPr/>
+        </p:nvSpPr>
+        <p:spPr>
+          <a:xfrm>
+            <a:off x="2184400" y="1308100"/>
+            <a:ext cx="2463800" cy="330210"/>
+          </a:xfrm>
+          <a:custGeom>
+            <a:avLst/>
+            <a:gdLst>
+              <a:gd name="connsiteX0" fmla="*/ 0 w 2463800"/>
+              <a:gd name="connsiteY0" fmla="*/ 254000 h 330210"/>
+              <a:gd name="connsiteX1" fmla="*/ 990600 w 2463800"/>
+              <a:gd name="connsiteY1" fmla="*/ 12700 h 330210"/>
+              <a:gd name="connsiteX2" fmla="*/ 1663700 w 2463800"/>
+              <a:gd name="connsiteY2" fmla="*/ 330200 h 330210"/>
+              <a:gd name="connsiteX3" fmla="*/ 2463800 w 2463800"/>
+              <a:gd name="connsiteY3" fmla="*/ 0 h 330210"/>
+            </a:gdLst>
+            <a:ahLst/>
+            <a:cxnLst>
+              <a:cxn ang="0">
+                <a:pos x="connsiteX0" y="connsiteY0"/>
+              </a:cxn>
+              <a:cxn ang="0">
+                <a:pos x="connsiteX1" y="connsiteY1"/>
+              </a:cxn>
+              <a:cxn ang="0">
+                <a:pos x="connsiteX2" y="connsiteY2"/>
+              </a:cxn>
+              <a:cxn ang="0">
+                <a:pos x="connsiteX3" y="connsiteY3"/>
+              </a:cxn>
+            </a:cxnLst>
+            <a:rect l="l" t="t" r="r" b="b"/>
+            <a:pathLst>
+              <a:path w="2463800" h="330210">
+                <a:moveTo>
+                  <a:pt x="0" y="254000"/>
+                </a:moveTo>
+                <a:cubicBezTo>
+                  <a:pt x="356658" y="127000"/>
+                  <a:pt x="713317" y="0"/>
+                  <a:pt x="990600" y="12700"/>
+                </a:cubicBezTo>
+                <a:cubicBezTo>
+                  <a:pt x="1267883" y="25400"/>
+                  <a:pt x="1418167" y="332317"/>
+                  <a:pt x="1663700" y="330200"/>
+                </a:cubicBezTo>
+                <a:cubicBezTo>
+                  <a:pt x="1909233" y="328083"/>
+                  <a:pt x="2186516" y="164041"/>
+                  <a:pt x="2463800" y="0"/>
+                </a:cubicBezTo>
+              </a:path>
+            </a:pathLst>
+          </a:custGeom>
+          <a:ln w="28575">
+            <a:solidFill>
+              <a:schemeClr val="tx1"/>
+            </a:solidFill>
+            <a:prstDash val="dash"/>
+            <a:headEnd type="none" w="med" len="med"/>
+            <a:tailEnd type="arrow" w="med" len="med"/>
+          </a:ln>
+        </p:spPr>
+        <p:style>
+          <a:lnRef idx="1">
+            <a:schemeClr val="accent1"/>
+          </a:lnRef>
+          <a:fillRef idx="0">
+            <a:schemeClr val="accent1"/>
+          </a:fillRef>
+          <a:effectRef idx="0">
+            <a:schemeClr val="accent1"/>
+          </a:effectRef>
+          <a:fontRef idx="minor">
+            <a:schemeClr val="tx1"/>
+          </a:fontRef>
+        </p:style>
+        <p:txBody>
+          <a:bodyPr rtlCol="0" anchor="ctr"/>
+          <a:lstStyle/>
+          <a:p>
+            <a:pPr algn="ctr"/>
+            <a:endParaRPr lang="ko-KR" altLang="en-US"/>
+          </a:p>
+        </p:txBody>
+      </p:sp>
+      <p:sp>
+        <p:nvSpPr>
+          <p:cNvPr id="29" name="TextBox 28"/>
+          <p:cNvSpPr txBox="1"/>
+          <p:nvPr/>
+        </p:nvSpPr>
+        <p:spPr>
+          <a:xfrm>
+            <a:off x="323528" y="764704"/>
+            <a:ext cx="974272" cy="369332"/>
+          </a:xfrm>
+          <a:prstGeom prst="rect">
+            <a:avLst/>
+          </a:prstGeom>
+          <a:solidFill>
+            <a:srgbClr val="ED6D1F"/>
+          </a:solidFill>
+          <a:ln w="19050">
+            <a:solidFill>
+              <a:schemeClr val="tx1"/>
+            </a:solidFill>
+          </a:ln>
+        </p:spPr>
+        <p:txBody>
+          <a:bodyPr wrap="square" rtlCol="0">
+            <a:spAutoFit/>
+          </a:bodyPr>
+          <a:lstStyle/>
+          <a:p>
+            <a:pPr algn="ctr"/>
+            <a:r>
+              <a:rPr lang="en-US" altLang="ko-KR" b="1" dirty="0" smtClean="0">
+                <a:solidFill>
+                  <a:sysClr val="windowText" lastClr="000000"/>
+                </a:solidFill>
+                <a:latin typeface="휴먼편지체" pitchFamily="18" charset="-127"/>
+                <a:ea typeface="휴먼편지체" pitchFamily="18" charset="-127"/>
+              </a:rPr>
+              <a:t>START!</a:t>
+            </a:r>
+            <a:endParaRPr lang="ko-KR" altLang="en-US" b="1" dirty="0">
+              <a:solidFill>
+                <a:sysClr val="windowText" lastClr="000000"/>
+              </a:solidFill>
+              <a:latin typeface="휴먼편지체" pitchFamily="18" charset="-127"/>
+              <a:ea typeface="휴먼편지체" pitchFamily="18" charset="-127"/>
+            </a:endParaRPr>
+          </a:p>
+        </p:txBody>
+      </p:sp>
+    </p:spTree>
+    <p:extLst>
+      <p:ext uri="{BB962C8B-B14F-4D97-AF65-F5344CB8AC3E}">
+        <p14:creationId xmlns:p14="http://schemas.microsoft.com/office/powerpoint/2010/main" val="2470001170"/>
+      </p:ext>
+    </p:extLst>
+  </p:cSld>
+  <p:clrMapOvr>
+    <a:masterClrMapping/>
+  </p:clrMapOvr>
+  <p:timing>
+    <p:tnLst>
+      <p:par>
+        <p:cTn id="1" dur="indefinite" restart="never" nodeType="tmRoot"/>
+      </p:par>
+    </p:tnLst>
+  </p:timing>
 </p:sld>
 </file>
 

--- a/pics/2021-02-08-GMM_and_EM/pics.pptx
+++ b/pics/2021-02-08-GMM_and_EM/pics.pptx
@@ -113,7 +113,7 @@
   </p:defaultTextStyle>
   <p:extLst>
     <p:ext uri="{EFAFB233-063F-42B5-8137-9DF3F51BA10A}">
-      <p15:sldGuideLst xmlns:p15="http://schemas.microsoft.com/office/powerpoint/2012/main" xmlns="">
+      <p15:sldGuideLst xmlns="" xmlns:p15="http://schemas.microsoft.com/office/powerpoint/2012/main">
         <p15:guide id="1" orient="horz" pos="2160">
           <p15:clr>
             <a:srgbClr val="A4A3A4"/>
@@ -309,7 +309,7 @@
           <a:p>
             <a:fld id="{FB30EDBD-1C2D-4C1E-B459-B60219FAB484}" type="datetimeFigureOut">
               <a:rPr lang="ko-KR" altLang="en-US" smtClean="0"/>
-              <a:t>2021-03-08</a:t>
+              <a:t>2021-03-22</a:t>
             </a:fld>
             <a:endParaRPr lang="ko-KR" altLang="en-US"/>
           </a:p>
@@ -472,7 +472,7 @@
           <a:p>
             <a:fld id="{FB30EDBD-1C2D-4C1E-B459-B60219FAB484}" type="datetimeFigureOut">
               <a:rPr lang="ko-KR" altLang="en-US" smtClean="0"/>
-              <a:t>2021-03-08</a:t>
+              <a:t>2021-03-22</a:t>
             </a:fld>
             <a:endParaRPr lang="ko-KR" altLang="en-US"/>
           </a:p>
@@ -645,7 +645,7 @@
           <a:p>
             <a:fld id="{FB30EDBD-1C2D-4C1E-B459-B60219FAB484}" type="datetimeFigureOut">
               <a:rPr lang="ko-KR" altLang="en-US" smtClean="0"/>
-              <a:t>2021-03-08</a:t>
+              <a:t>2021-03-22</a:t>
             </a:fld>
             <a:endParaRPr lang="ko-KR" altLang="en-US"/>
           </a:p>
@@ -808,7 +808,7 @@
           <a:p>
             <a:fld id="{FB30EDBD-1C2D-4C1E-B459-B60219FAB484}" type="datetimeFigureOut">
               <a:rPr lang="ko-KR" altLang="en-US" smtClean="0"/>
-              <a:t>2021-03-08</a:t>
+              <a:t>2021-03-22</a:t>
             </a:fld>
             <a:endParaRPr lang="ko-KR" altLang="en-US"/>
           </a:p>
@@ -1048,7 +1048,7 @@
           <a:p>
             <a:fld id="{FB30EDBD-1C2D-4C1E-B459-B60219FAB484}" type="datetimeFigureOut">
               <a:rPr lang="ko-KR" altLang="en-US" smtClean="0"/>
-              <a:t>2021-03-08</a:t>
+              <a:t>2021-03-22</a:t>
             </a:fld>
             <a:endParaRPr lang="ko-KR" altLang="en-US"/>
           </a:p>
@@ -1328,7 +1328,7 @@
           <a:p>
             <a:fld id="{FB30EDBD-1C2D-4C1E-B459-B60219FAB484}" type="datetimeFigureOut">
               <a:rPr lang="ko-KR" altLang="en-US" smtClean="0"/>
-              <a:t>2021-03-08</a:t>
+              <a:t>2021-03-22</a:t>
             </a:fld>
             <a:endParaRPr lang="ko-KR" altLang="en-US"/>
           </a:p>
@@ -1742,7 +1742,7 @@
           <a:p>
             <a:fld id="{FB30EDBD-1C2D-4C1E-B459-B60219FAB484}" type="datetimeFigureOut">
               <a:rPr lang="ko-KR" altLang="en-US" smtClean="0"/>
-              <a:t>2021-03-08</a:t>
+              <a:t>2021-03-22</a:t>
             </a:fld>
             <a:endParaRPr lang="ko-KR" altLang="en-US"/>
           </a:p>
@@ -1854,7 +1854,7 @@
           <a:p>
             <a:fld id="{FB30EDBD-1C2D-4C1E-B459-B60219FAB484}" type="datetimeFigureOut">
               <a:rPr lang="ko-KR" altLang="en-US" smtClean="0"/>
-              <a:t>2021-03-08</a:t>
+              <a:t>2021-03-22</a:t>
             </a:fld>
             <a:endParaRPr lang="ko-KR" altLang="en-US"/>
           </a:p>
@@ -1944,7 +1944,7 @@
           <a:p>
             <a:fld id="{FB30EDBD-1C2D-4C1E-B459-B60219FAB484}" type="datetimeFigureOut">
               <a:rPr lang="ko-KR" altLang="en-US" smtClean="0"/>
-              <a:t>2021-03-08</a:t>
+              <a:t>2021-03-22</a:t>
             </a:fld>
             <a:endParaRPr lang="ko-KR" altLang="en-US"/>
           </a:p>
@@ -2214,7 +2214,7 @@
           <a:p>
             <a:fld id="{FB30EDBD-1C2D-4C1E-B459-B60219FAB484}" type="datetimeFigureOut">
               <a:rPr lang="ko-KR" altLang="en-US" smtClean="0"/>
-              <a:t>2021-03-08</a:t>
+              <a:t>2021-03-22</a:t>
             </a:fld>
             <a:endParaRPr lang="ko-KR" altLang="en-US"/>
           </a:p>
@@ -2461,7 +2461,7 @@
           <a:p>
             <a:fld id="{FB30EDBD-1C2D-4C1E-B459-B60219FAB484}" type="datetimeFigureOut">
               <a:rPr lang="ko-KR" altLang="en-US" smtClean="0"/>
-              <a:t>2021-03-08</a:t>
+              <a:t>2021-03-22</a:t>
             </a:fld>
             <a:endParaRPr lang="ko-KR" altLang="en-US"/>
           </a:p>
@@ -2667,7 +2667,7 @@
           <a:p>
             <a:fld id="{FB30EDBD-1C2D-4C1E-B459-B60219FAB484}" type="datetimeFigureOut">
               <a:rPr lang="ko-KR" altLang="en-US" smtClean="0"/>
-              <a:t>2021-03-08</a:t>
+              <a:t>2021-03-22</a:t>
             </a:fld>
             <a:endParaRPr lang="ko-KR" altLang="en-US"/>
           </a:p>
@@ -3039,32 +3039,66 @@
       </p:grpSpPr>
       <p:pic>
         <p:nvPicPr>
-          <p:cNvPr id="5" name="그림 4">
-            <a:extLst>
-              <a:ext uri="{FF2B5EF4-FFF2-40B4-BE49-F238E27FC236}">
-                <a16:creationId xmlns:a16="http://schemas.microsoft.com/office/drawing/2014/main" xmlns="" id="{0CA97F2B-BDBF-4435-AE1B-5A50C189BC8F}"/>
-              </a:ext>
-            </a:extLst>
-          </p:cNvPr>
+          <p:cNvPr id="1026" name="Picture 2"/>
           <p:cNvPicPr>
-            <a:picLocks noChangeAspect="1"/>
+            <a:picLocks noChangeAspect="1" noChangeArrowheads="1"/>
           </p:cNvPicPr>
           <p:nvPr/>
         </p:nvPicPr>
         <p:blipFill>
-          <a:blip r:embed="rId2"/>
+          <a:blip r:embed="rId2">
+            <a:extLst>
+              <a:ext uri="{28A0092B-C50C-407E-A947-70E740481C1C}">
+                <a14:useLocalDpi xmlns:a14="http://schemas.microsoft.com/office/drawing/2010/main" val="0"/>
+              </a:ext>
+            </a:extLst>
+          </a:blip>
+          <a:srcRect/>
           <a:stretch>
             <a:fillRect/>
           </a:stretch>
         </p:blipFill>
-        <p:spPr>
+        <p:spPr bwMode="auto">
           <a:xfrm>
-            <a:off x="1238250" y="1524000"/>
-            <a:ext cx="6667500" cy="3810000"/>
+            <a:off x="1243013" y="1528763"/>
+            <a:ext cx="6657975" cy="3800475"/>
           </a:xfrm>
           <a:prstGeom prst="rect">
             <a:avLst/>
           </a:prstGeom>
+          <a:noFill/>
+          <a:ln>
+            <a:noFill/>
+          </a:ln>
+          <a:effectLst/>
+          <a:extLst>
+            <a:ext uri="{909E8E84-426E-40DD-AFC4-6F175D3DCCD1}">
+              <a14:hiddenFill xmlns:a14="http://schemas.microsoft.com/office/drawing/2010/main">
+                <a:solidFill>
+                  <a:schemeClr val="accent1"/>
+                </a:solidFill>
+              </a14:hiddenFill>
+            </a:ext>
+            <a:ext uri="{91240B29-F687-4F45-9708-019B960494DF}">
+              <a14:hiddenLine xmlns:a14="http://schemas.microsoft.com/office/drawing/2010/main" w="9525">
+                <a:solidFill>
+                  <a:schemeClr val="tx1"/>
+                </a:solidFill>
+                <a:miter lim="800000"/>
+                <a:headEnd/>
+                <a:tailEnd/>
+              </a14:hiddenLine>
+            </a:ext>
+            <a:ext uri="{AF507438-7753-43E0-B8FC-AC1667EBCBE1}">
+              <a14:hiddenEffects xmlns:a14="http://schemas.microsoft.com/office/drawing/2010/main">
+                <a:effectLst>
+                  <a:outerShdw dist="35921" dir="2700000" algn="ctr" rotWithShape="0">
+                    <a:schemeClr val="bg2"/>
+                  </a:outerShdw>
+                </a:effectLst>
+              </a14:hiddenEffects>
+            </a:ext>
+          </a:extLst>
         </p:spPr>
       </p:pic>
     </p:spTree>
@@ -3099,32 +3133,66 @@
       </p:grpSpPr>
       <p:pic>
         <p:nvPicPr>
-          <p:cNvPr id="3" name="그림 2">
-            <a:extLst>
-              <a:ext uri="{FF2B5EF4-FFF2-40B4-BE49-F238E27FC236}">
-                <a16:creationId xmlns:a16="http://schemas.microsoft.com/office/drawing/2014/main" xmlns="" id="{6D620165-C028-409D-8E5F-301D6C7E0DD0}"/>
-              </a:ext>
-            </a:extLst>
-          </p:cNvPr>
+          <p:cNvPr id="2050" name="Picture 2"/>
           <p:cNvPicPr>
-            <a:picLocks noChangeAspect="1"/>
+            <a:picLocks noChangeAspect="1" noChangeArrowheads="1"/>
           </p:cNvPicPr>
           <p:nvPr/>
         </p:nvPicPr>
         <p:blipFill>
-          <a:blip r:embed="rId2"/>
+          <a:blip r:embed="rId2">
+            <a:extLst>
+              <a:ext uri="{28A0092B-C50C-407E-A947-70E740481C1C}">
+                <a14:useLocalDpi xmlns:a14="http://schemas.microsoft.com/office/drawing/2010/main" val="0"/>
+              </a:ext>
+            </a:extLst>
+          </a:blip>
+          <a:srcRect/>
           <a:stretch>
             <a:fillRect/>
           </a:stretch>
         </p:blipFill>
-        <p:spPr>
+        <p:spPr bwMode="auto">
           <a:xfrm>
-            <a:off x="1238250" y="1524000"/>
-            <a:ext cx="6667500" cy="3810000"/>
+            <a:off x="1243013" y="1528763"/>
+            <a:ext cx="6657975" cy="3800475"/>
           </a:xfrm>
           <a:prstGeom prst="rect">
             <a:avLst/>
           </a:prstGeom>
+          <a:noFill/>
+          <a:ln>
+            <a:noFill/>
+          </a:ln>
+          <a:effectLst/>
+          <a:extLst>
+            <a:ext uri="{909E8E84-426E-40DD-AFC4-6F175D3DCCD1}">
+              <a14:hiddenFill xmlns:a14="http://schemas.microsoft.com/office/drawing/2010/main">
+                <a:solidFill>
+                  <a:schemeClr val="accent1"/>
+                </a:solidFill>
+              </a14:hiddenFill>
+            </a:ext>
+            <a:ext uri="{91240B29-F687-4F45-9708-019B960494DF}">
+              <a14:hiddenLine xmlns:a14="http://schemas.microsoft.com/office/drawing/2010/main" w="9525">
+                <a:solidFill>
+                  <a:schemeClr val="tx1"/>
+                </a:solidFill>
+                <a:miter lim="800000"/>
+                <a:headEnd/>
+                <a:tailEnd/>
+              </a14:hiddenLine>
+            </a:ext>
+            <a:ext uri="{AF507438-7753-43E0-B8FC-AC1667EBCBE1}">
+              <a14:hiddenEffects xmlns:a14="http://schemas.microsoft.com/office/drawing/2010/main">
+                <a:effectLst>
+                  <a:outerShdw dist="35921" dir="2700000" algn="ctr" rotWithShape="0">
+                    <a:schemeClr val="bg2"/>
+                  </a:outerShdw>
+                </a:effectLst>
+              </a14:hiddenEffects>
+            </a:ext>
+          </a:extLst>
         </p:spPr>
       </p:pic>
     </p:spTree>
@@ -3162,7 +3230,7 @@
           <p:cNvPr id="5" name="그림 4">
             <a:extLst>
               <a:ext uri="{FF2B5EF4-FFF2-40B4-BE49-F238E27FC236}">
-                <a16:creationId xmlns:a16="http://schemas.microsoft.com/office/drawing/2014/main" xmlns="" id="{8165204D-AB0A-4E4A-9C9F-A170AC273F1C}"/>
+                <a16:creationId xmlns="" xmlns:a16="http://schemas.microsoft.com/office/drawing/2014/main" id="{8165204D-AB0A-4E4A-9C9F-A170AC273F1C}"/>
               </a:ext>
             </a:extLst>
           </p:cNvPr>
@@ -3219,7 +3287,7 @@
       </p:grpSpPr>
       <p:pic>
         <p:nvPicPr>
-          <p:cNvPr id="1026" name="Picture 2"/>
+          <p:cNvPr id="3074" name="Picture 2"/>
           <p:cNvPicPr>
             <a:picLocks noChangeAspect="1" noChangeArrowheads="1"/>
           </p:cNvPicPr>
@@ -3313,7 +3381,7 @@
       </p:grpSpPr>
       <p:pic>
         <p:nvPicPr>
-          <p:cNvPr id="2050" name="Picture 2"/>
+          <p:cNvPr id="4098" name="Picture 2"/>
           <p:cNvPicPr>
             <a:picLocks noChangeAspect="1" noChangeArrowheads="1"/>
           </p:cNvPicPr>
@@ -3334,7 +3402,7 @@
         </p:blipFill>
         <p:spPr bwMode="auto">
           <a:xfrm>
-            <a:off x="1191816" y="1366242"/>
+            <a:off x="1243013" y="1353468"/>
             <a:ext cx="6657975" cy="3800475"/>
           </a:xfrm>
           <a:prstGeom prst="rect">
@@ -3393,11 +3461,14 @@
             </a:avLst>
           </a:prstGeom>
           <a:solidFill>
-            <a:srgbClr val="00CCFF"/>
+            <a:srgbClr val="D95319"/>
           </a:solidFill>
           <a:ln>
             <a:solidFill>
-              <a:schemeClr val="accent1"/>
+              <a:schemeClr val="tx1">
+                <a:lumMod val="85000"/>
+                <a:lumOff val="15000"/>
+              </a:schemeClr>
             </a:solidFill>
           </a:ln>
         </p:spPr>
@@ -3426,8 +3497,8 @@
           </a:p>
         </p:txBody>
       </p:sp>
-      <mc:AlternateContent xmlns:mc="http://schemas.openxmlformats.org/markup-compatibility/2006" xmlns:a14="http://schemas.microsoft.com/office/drawing/2010/main">
-        <mc:Choice Requires="a14">
+      <mc:AlternateContent xmlns:mc="http://schemas.openxmlformats.org/markup-compatibility/2006">
+        <mc:Choice xmlns:a14="http://schemas.microsoft.com/office/drawing/2010/main" Requires="a14">
           <p:sp>
             <p:nvSpPr>
               <p:cNvPr id="5" name="TextBox 4"/>
@@ -3447,7 +3518,7 @@
               </a:solidFill>
               <a:ln w="19050">
                 <a:solidFill>
-                  <a:schemeClr val="accent2"/>
+                  <a:srgbClr val="0072BD"/>
                 </a:solidFill>
               </a:ln>
             </p:spPr>
@@ -3508,7 +3579,7 @@
             </p:txBody>
           </p:sp>
         </mc:Choice>
-        <mc:Fallback xmlns="">
+        <mc:Fallback>
           <p:sp>
             <p:nvSpPr>
               <p:cNvPr id="5" name="TextBox 4"/>
@@ -3533,7 +3604,7 @@
               </a:blipFill>
               <a:ln w="19050">
                 <a:solidFill>
-                  <a:schemeClr val="accent2"/>
+                  <a:srgbClr val="0072BD"/>
                 </a:solidFill>
               </a:ln>
             </p:spPr>
@@ -3552,8 +3623,8 @@
           </p:sp>
         </mc:Fallback>
       </mc:AlternateContent>
-      <mc:AlternateContent xmlns:mc="http://schemas.openxmlformats.org/markup-compatibility/2006" xmlns:a14="http://schemas.microsoft.com/office/drawing/2010/main">
-        <mc:Choice Requires="a14">
+      <mc:AlternateContent xmlns:mc="http://schemas.openxmlformats.org/markup-compatibility/2006">
+        <mc:Choice xmlns:a14="http://schemas.microsoft.com/office/drawing/2010/main" Requires="a14">
           <p:sp>
             <p:nvSpPr>
               <p:cNvPr id="8" name="TextBox 7"/>
@@ -3571,7 +3642,7 @@
               <a:noFill/>
               <a:ln w="28575">
                 <a:solidFill>
-                  <a:srgbClr val="0070C0"/>
+                  <a:srgbClr val="D95319"/>
                 </a:solidFill>
               </a:ln>
             </p:spPr>
@@ -3632,7 +3703,7 @@
             </p:txBody>
           </p:sp>
         </mc:Choice>
-        <mc:Fallback xmlns="">
+        <mc:Fallback>
           <p:sp>
             <p:nvSpPr>
               <p:cNvPr id="8" name="TextBox 7"/>
@@ -3657,7 +3728,7 @@
               </a:blipFill>
               <a:ln w="28575">
                 <a:solidFill>
-                  <a:srgbClr val="0070C0"/>
+                  <a:srgbClr val="D95319"/>
                 </a:solidFill>
               </a:ln>
             </p:spPr>
@@ -3694,11 +3765,14 @@
             </a:avLst>
           </a:prstGeom>
           <a:solidFill>
-            <a:srgbClr val="FF7C80"/>
+            <a:srgbClr val="0072BD"/>
           </a:solidFill>
           <a:ln w="9525">
             <a:solidFill>
-              <a:schemeClr val="accent2"/>
+              <a:schemeClr val="tx1">
+                <a:lumMod val="85000"/>
+                <a:lumOff val="15000"/>
+              </a:schemeClr>
             </a:solidFill>
           </a:ln>
         </p:spPr>
@@ -3759,7 +3833,7 @@
       </p:grpSpPr>
       <p:pic>
         <p:nvPicPr>
-          <p:cNvPr id="3074" name="Picture 2"/>
+          <p:cNvPr id="5122" name="Picture 2"/>
           <p:cNvPicPr>
             <a:picLocks noChangeAspect="1" noChangeArrowheads="1"/>
           </p:cNvPicPr>
@@ -3853,7 +3927,7 @@
       </p:grpSpPr>
       <p:pic>
         <p:nvPicPr>
-          <p:cNvPr id="1026" name="Picture 2"/>
+          <p:cNvPr id="6146" name="Picture 2"/>
           <p:cNvPicPr>
             <a:picLocks noChangeAspect="1" noChangeArrowheads="1"/>
           </p:cNvPicPr>
@@ -4237,8 +4311,8 @@
           </a:p>
         </p:txBody>
       </p:sp>
-      <mc:AlternateContent xmlns:mc="http://schemas.openxmlformats.org/markup-compatibility/2006">
-        <mc:Choice xmlns:a14="http://schemas.microsoft.com/office/drawing/2010/main" Requires="a14">
+      <mc:AlternateContent xmlns:mc="http://schemas.openxmlformats.org/markup-compatibility/2006" xmlns:a14="http://schemas.microsoft.com/office/drawing/2010/main">
+        <mc:Choice Requires="a14">
           <p:sp>
             <p:nvSpPr>
               <p:cNvPr id="13" name="TextBox 12"/>
@@ -4449,7 +4523,7 @@
             </p:txBody>
           </p:sp>
         </mc:Choice>
-        <mc:Fallback>
+        <mc:Fallback xmlns="">
           <p:sp>
             <p:nvSpPr>
               <p:cNvPr id="13" name="TextBox 12"/>

--- a/pics/2021-02-08-GMM_and_EM/pics.pptx
+++ b/pics/2021-02-08-GMM_and_EM/pics.pptx
@@ -113,7 +113,7 @@
   </p:defaultTextStyle>
   <p:extLst>
     <p:ext uri="{EFAFB233-063F-42B5-8137-9DF3F51BA10A}">
-      <p15:sldGuideLst xmlns="" xmlns:p15="http://schemas.microsoft.com/office/powerpoint/2012/main">
+      <p15:sldGuideLst xmlns:p15="http://schemas.microsoft.com/office/powerpoint/2012/main" xmlns="">
         <p15:guide id="1" orient="horz" pos="2160">
           <p15:clr>
             <a:srgbClr val="A4A3A4"/>
@@ -309,7 +309,7 @@
           <a:p>
             <a:fld id="{FB30EDBD-1C2D-4C1E-B459-B60219FAB484}" type="datetimeFigureOut">
               <a:rPr lang="ko-KR" altLang="en-US" smtClean="0"/>
-              <a:t>2021-03-22</a:t>
+              <a:t>2021-03-23</a:t>
             </a:fld>
             <a:endParaRPr lang="ko-KR" altLang="en-US"/>
           </a:p>
@@ -472,7 +472,7 @@
           <a:p>
             <a:fld id="{FB30EDBD-1C2D-4C1E-B459-B60219FAB484}" type="datetimeFigureOut">
               <a:rPr lang="ko-KR" altLang="en-US" smtClean="0"/>
-              <a:t>2021-03-22</a:t>
+              <a:t>2021-03-23</a:t>
             </a:fld>
             <a:endParaRPr lang="ko-KR" altLang="en-US"/>
           </a:p>
@@ -645,7 +645,7 @@
           <a:p>
             <a:fld id="{FB30EDBD-1C2D-4C1E-B459-B60219FAB484}" type="datetimeFigureOut">
               <a:rPr lang="ko-KR" altLang="en-US" smtClean="0"/>
-              <a:t>2021-03-22</a:t>
+              <a:t>2021-03-23</a:t>
             </a:fld>
             <a:endParaRPr lang="ko-KR" altLang="en-US"/>
           </a:p>
@@ -808,7 +808,7 @@
           <a:p>
             <a:fld id="{FB30EDBD-1C2D-4C1E-B459-B60219FAB484}" type="datetimeFigureOut">
               <a:rPr lang="ko-KR" altLang="en-US" smtClean="0"/>
-              <a:t>2021-03-22</a:t>
+              <a:t>2021-03-23</a:t>
             </a:fld>
             <a:endParaRPr lang="ko-KR" altLang="en-US"/>
           </a:p>
@@ -1048,7 +1048,7 @@
           <a:p>
             <a:fld id="{FB30EDBD-1C2D-4C1E-B459-B60219FAB484}" type="datetimeFigureOut">
               <a:rPr lang="ko-KR" altLang="en-US" smtClean="0"/>
-              <a:t>2021-03-22</a:t>
+              <a:t>2021-03-23</a:t>
             </a:fld>
             <a:endParaRPr lang="ko-KR" altLang="en-US"/>
           </a:p>
@@ -1328,7 +1328,7 @@
           <a:p>
             <a:fld id="{FB30EDBD-1C2D-4C1E-B459-B60219FAB484}" type="datetimeFigureOut">
               <a:rPr lang="ko-KR" altLang="en-US" smtClean="0"/>
-              <a:t>2021-03-22</a:t>
+              <a:t>2021-03-23</a:t>
             </a:fld>
             <a:endParaRPr lang="ko-KR" altLang="en-US"/>
           </a:p>
@@ -1742,7 +1742,7 @@
           <a:p>
             <a:fld id="{FB30EDBD-1C2D-4C1E-B459-B60219FAB484}" type="datetimeFigureOut">
               <a:rPr lang="ko-KR" altLang="en-US" smtClean="0"/>
-              <a:t>2021-03-22</a:t>
+              <a:t>2021-03-23</a:t>
             </a:fld>
             <a:endParaRPr lang="ko-KR" altLang="en-US"/>
           </a:p>
@@ -1854,7 +1854,7 @@
           <a:p>
             <a:fld id="{FB30EDBD-1C2D-4C1E-B459-B60219FAB484}" type="datetimeFigureOut">
               <a:rPr lang="ko-KR" altLang="en-US" smtClean="0"/>
-              <a:t>2021-03-22</a:t>
+              <a:t>2021-03-23</a:t>
             </a:fld>
             <a:endParaRPr lang="ko-KR" altLang="en-US"/>
           </a:p>
@@ -1944,7 +1944,7 @@
           <a:p>
             <a:fld id="{FB30EDBD-1C2D-4C1E-B459-B60219FAB484}" type="datetimeFigureOut">
               <a:rPr lang="ko-KR" altLang="en-US" smtClean="0"/>
-              <a:t>2021-03-22</a:t>
+              <a:t>2021-03-23</a:t>
             </a:fld>
             <a:endParaRPr lang="ko-KR" altLang="en-US"/>
           </a:p>
@@ -2214,7 +2214,7 @@
           <a:p>
             <a:fld id="{FB30EDBD-1C2D-4C1E-B459-B60219FAB484}" type="datetimeFigureOut">
               <a:rPr lang="ko-KR" altLang="en-US" smtClean="0"/>
-              <a:t>2021-03-22</a:t>
+              <a:t>2021-03-23</a:t>
             </a:fld>
             <a:endParaRPr lang="ko-KR" altLang="en-US"/>
           </a:p>
@@ -2461,7 +2461,7 @@
           <a:p>
             <a:fld id="{FB30EDBD-1C2D-4C1E-B459-B60219FAB484}" type="datetimeFigureOut">
               <a:rPr lang="ko-KR" altLang="en-US" smtClean="0"/>
-              <a:t>2021-03-22</a:t>
+              <a:t>2021-03-23</a:t>
             </a:fld>
             <a:endParaRPr lang="ko-KR" altLang="en-US"/>
           </a:p>
@@ -2667,7 +2667,7 @@
           <a:p>
             <a:fld id="{FB30EDBD-1C2D-4C1E-B459-B60219FAB484}" type="datetimeFigureOut">
               <a:rPr lang="ko-KR" altLang="en-US" smtClean="0"/>
-              <a:t>2021-03-22</a:t>
+              <a:t>2021-03-23</a:t>
             </a:fld>
             <a:endParaRPr lang="ko-KR" altLang="en-US"/>
           </a:p>
@@ -3230,7 +3230,7 @@
           <p:cNvPr id="5" name="그림 4">
             <a:extLst>
               <a:ext uri="{FF2B5EF4-FFF2-40B4-BE49-F238E27FC236}">
-                <a16:creationId xmlns="" xmlns:a16="http://schemas.microsoft.com/office/drawing/2014/main" id="{8165204D-AB0A-4E4A-9C9F-A170AC273F1C}"/>
+                <a16:creationId xmlns:a16="http://schemas.microsoft.com/office/drawing/2014/main" xmlns="" id="{8165204D-AB0A-4E4A-9C9F-A170AC273F1C}"/>
               </a:ext>
             </a:extLst>
           </p:cNvPr>
@@ -3497,8 +3497,8 @@
           </a:p>
         </p:txBody>
       </p:sp>
-      <mc:AlternateContent xmlns:mc="http://schemas.openxmlformats.org/markup-compatibility/2006">
-        <mc:Choice xmlns:a14="http://schemas.microsoft.com/office/drawing/2010/main" Requires="a14">
+      <mc:AlternateContent xmlns:mc="http://schemas.openxmlformats.org/markup-compatibility/2006" xmlns:a14="http://schemas.microsoft.com/office/drawing/2010/main">
+        <mc:Choice Requires="a14">
           <p:sp>
             <p:nvSpPr>
               <p:cNvPr id="5" name="TextBox 4"/>
@@ -3579,7 +3579,7 @@
             </p:txBody>
           </p:sp>
         </mc:Choice>
-        <mc:Fallback>
+        <mc:Fallback xmlns="">
           <p:sp>
             <p:nvSpPr>
               <p:cNvPr id="5" name="TextBox 4"/>
@@ -3623,8 +3623,8 @@
           </p:sp>
         </mc:Fallback>
       </mc:AlternateContent>
-      <mc:AlternateContent xmlns:mc="http://schemas.openxmlformats.org/markup-compatibility/2006">
-        <mc:Choice xmlns:a14="http://schemas.microsoft.com/office/drawing/2010/main" Requires="a14">
+      <mc:AlternateContent xmlns:mc="http://schemas.openxmlformats.org/markup-compatibility/2006" xmlns:a14="http://schemas.microsoft.com/office/drawing/2010/main">
+        <mc:Choice Requires="a14">
           <p:sp>
             <p:nvSpPr>
               <p:cNvPr id="8" name="TextBox 7"/>
@@ -3703,7 +3703,7 @@
             </p:txBody>
           </p:sp>
         </mc:Choice>
-        <mc:Fallback>
+        <mc:Fallback xmlns="">
           <p:sp>
             <p:nvSpPr>
               <p:cNvPr id="8" name="TextBox 7"/>

--- a/pics/2021-02-08-GMM_and_EM/pics.pptx
+++ b/pics/2021-02-08-GMM_and_EM/pics.pptx
@@ -13,6 +13,7 @@
     <p:sldId id="261" r:id="rId7"/>
     <p:sldId id="262" r:id="rId8"/>
     <p:sldId id="263" r:id="rId9"/>
+    <p:sldId id="264" r:id="rId10"/>
   </p:sldIdLst>
   <p:sldSz cx="9144000" cy="6858000" type="screen4x3"/>
   <p:notesSz cx="6858000" cy="9144000"/>
@@ -113,7 +114,7 @@
   </p:defaultTextStyle>
   <p:extLst>
     <p:ext uri="{EFAFB233-063F-42B5-8137-9DF3F51BA10A}">
-      <p15:sldGuideLst xmlns:p15="http://schemas.microsoft.com/office/powerpoint/2012/main" xmlns="">
+      <p15:sldGuideLst xmlns:p15="http://schemas.microsoft.com/office/powerpoint/2012/main">
         <p15:guide id="1" orient="horz" pos="2160">
           <p15:clr>
             <a:srgbClr val="A4A3A4"/>
@@ -309,7 +310,7 @@
           <a:p>
             <a:fld id="{FB30EDBD-1C2D-4C1E-B459-B60219FAB484}" type="datetimeFigureOut">
               <a:rPr lang="ko-KR" altLang="en-US" smtClean="0"/>
-              <a:t>2021-03-23</a:t>
+              <a:t>2021-03-25</a:t>
             </a:fld>
             <a:endParaRPr lang="ko-KR" altLang="en-US"/>
           </a:p>
@@ -472,7 +473,7 @@
           <a:p>
             <a:fld id="{FB30EDBD-1C2D-4C1E-B459-B60219FAB484}" type="datetimeFigureOut">
               <a:rPr lang="ko-KR" altLang="en-US" smtClean="0"/>
-              <a:t>2021-03-23</a:t>
+              <a:t>2021-03-25</a:t>
             </a:fld>
             <a:endParaRPr lang="ko-KR" altLang="en-US"/>
           </a:p>
@@ -645,7 +646,7 @@
           <a:p>
             <a:fld id="{FB30EDBD-1C2D-4C1E-B459-B60219FAB484}" type="datetimeFigureOut">
               <a:rPr lang="ko-KR" altLang="en-US" smtClean="0"/>
-              <a:t>2021-03-23</a:t>
+              <a:t>2021-03-25</a:t>
             </a:fld>
             <a:endParaRPr lang="ko-KR" altLang="en-US"/>
           </a:p>
@@ -808,7 +809,7 @@
           <a:p>
             <a:fld id="{FB30EDBD-1C2D-4C1E-B459-B60219FAB484}" type="datetimeFigureOut">
               <a:rPr lang="ko-KR" altLang="en-US" smtClean="0"/>
-              <a:t>2021-03-23</a:t>
+              <a:t>2021-03-25</a:t>
             </a:fld>
             <a:endParaRPr lang="ko-KR" altLang="en-US"/>
           </a:p>
@@ -1048,7 +1049,7 @@
           <a:p>
             <a:fld id="{FB30EDBD-1C2D-4C1E-B459-B60219FAB484}" type="datetimeFigureOut">
               <a:rPr lang="ko-KR" altLang="en-US" smtClean="0"/>
-              <a:t>2021-03-23</a:t>
+              <a:t>2021-03-25</a:t>
             </a:fld>
             <a:endParaRPr lang="ko-KR" altLang="en-US"/>
           </a:p>
@@ -1328,7 +1329,7 @@
           <a:p>
             <a:fld id="{FB30EDBD-1C2D-4C1E-B459-B60219FAB484}" type="datetimeFigureOut">
               <a:rPr lang="ko-KR" altLang="en-US" smtClean="0"/>
-              <a:t>2021-03-23</a:t>
+              <a:t>2021-03-25</a:t>
             </a:fld>
             <a:endParaRPr lang="ko-KR" altLang="en-US"/>
           </a:p>
@@ -1742,7 +1743,7 @@
           <a:p>
             <a:fld id="{FB30EDBD-1C2D-4C1E-B459-B60219FAB484}" type="datetimeFigureOut">
               <a:rPr lang="ko-KR" altLang="en-US" smtClean="0"/>
-              <a:t>2021-03-23</a:t>
+              <a:t>2021-03-25</a:t>
             </a:fld>
             <a:endParaRPr lang="ko-KR" altLang="en-US"/>
           </a:p>
@@ -1854,7 +1855,7 @@
           <a:p>
             <a:fld id="{FB30EDBD-1C2D-4C1E-B459-B60219FAB484}" type="datetimeFigureOut">
               <a:rPr lang="ko-KR" altLang="en-US" smtClean="0"/>
-              <a:t>2021-03-23</a:t>
+              <a:t>2021-03-25</a:t>
             </a:fld>
             <a:endParaRPr lang="ko-KR" altLang="en-US"/>
           </a:p>
@@ -1944,7 +1945,7 @@
           <a:p>
             <a:fld id="{FB30EDBD-1C2D-4C1E-B459-B60219FAB484}" type="datetimeFigureOut">
               <a:rPr lang="ko-KR" altLang="en-US" smtClean="0"/>
-              <a:t>2021-03-23</a:t>
+              <a:t>2021-03-25</a:t>
             </a:fld>
             <a:endParaRPr lang="ko-KR" altLang="en-US"/>
           </a:p>
@@ -2214,7 +2215,7 @@
           <a:p>
             <a:fld id="{FB30EDBD-1C2D-4C1E-B459-B60219FAB484}" type="datetimeFigureOut">
               <a:rPr lang="ko-KR" altLang="en-US" smtClean="0"/>
-              <a:t>2021-03-23</a:t>
+              <a:t>2021-03-25</a:t>
             </a:fld>
             <a:endParaRPr lang="ko-KR" altLang="en-US"/>
           </a:p>
@@ -2461,7 +2462,7 @@
           <a:p>
             <a:fld id="{FB30EDBD-1C2D-4C1E-B459-B60219FAB484}" type="datetimeFigureOut">
               <a:rPr lang="ko-KR" altLang="en-US" smtClean="0"/>
-              <a:t>2021-03-23</a:t>
+              <a:t>2021-03-25</a:t>
             </a:fld>
             <a:endParaRPr lang="ko-KR" altLang="en-US"/>
           </a:p>
@@ -2667,7 +2668,7 @@
           <a:p>
             <a:fld id="{FB30EDBD-1C2D-4C1E-B459-B60219FAB484}" type="datetimeFigureOut">
               <a:rPr lang="ko-KR" altLang="en-US" smtClean="0"/>
-              <a:t>2021-03-23</a:t>
+              <a:t>2021-03-25</a:t>
             </a:fld>
             <a:endParaRPr lang="ko-KR" altLang="en-US"/>
           </a:p>
@@ -3230,7 +3231,7 @@
           <p:cNvPr id="5" name="그림 4">
             <a:extLst>
               <a:ext uri="{FF2B5EF4-FFF2-40B4-BE49-F238E27FC236}">
-                <a16:creationId xmlns:a16="http://schemas.microsoft.com/office/drawing/2014/main" xmlns="" id="{8165204D-AB0A-4E4A-9C9F-A170AC273F1C}"/>
+                <a16:creationId xmlns:a16="http://schemas.microsoft.com/office/drawing/2014/main" id="{8165204D-AB0A-4E4A-9C9F-A170AC273F1C}"/>
               </a:ext>
             </a:extLst>
           </p:cNvPr>
@@ -3999,13 +4000,6 @@
   <p:clrMapOvr>
     <a:masterClrMapping/>
   </p:clrMapOvr>
-  <p:timing>
-    <p:tnLst>
-      <p:par>
-        <p:cTn id="1" dur="indefinite" restart="never" nodeType="tmRoot"/>
-      </p:par>
-    </p:tnLst>
-  </p:timing>
 </p:sld>
 </file>
 
@@ -4098,13 +4092,13 @@
           <a:p>
             <a:pPr algn="ctr"/>
             <a:r>
-              <a:rPr lang="ko-KR" altLang="en-US" sz="2400" dirty="0" smtClean="0">
+              <a:rPr lang="ko-KR" altLang="en-US" sz="2400" dirty="0">
                 <a:latin typeface="배달의민족 주아" pitchFamily="18" charset="-127"/>
                 <a:ea typeface="배달의민족 주아" pitchFamily="18" charset="-127"/>
               </a:rPr>
               <a:t>랜덤 하게</a:t>
             </a:r>
-            <a:endParaRPr lang="en-US" altLang="ko-KR" sz="2400" dirty="0" smtClean="0">
+            <a:endParaRPr lang="en-US" altLang="ko-KR" sz="2400" dirty="0">
               <a:latin typeface="배달의민족 주아" pitchFamily="18" charset="-127"/>
               <a:ea typeface="배달의민족 주아" pitchFamily="18" charset="-127"/>
             </a:endParaRPr>
@@ -4112,16 +4106,12 @@
           <a:p>
             <a:pPr algn="ctr"/>
             <a:r>
-              <a:rPr lang="ko-KR" altLang="en-US" sz="2400" dirty="0" smtClean="0">
+              <a:rPr lang="ko-KR" altLang="en-US" sz="2400" dirty="0">
                 <a:latin typeface="배달의민족 주아" pitchFamily="18" charset="-127"/>
                 <a:ea typeface="배달의민족 주아" pitchFamily="18" charset="-127"/>
               </a:rPr>
               <a:t>분포 제안</a:t>
             </a:r>
-            <a:endParaRPr lang="ko-KR" altLang="en-US" sz="2400" dirty="0">
-              <a:latin typeface="배달의민족 주아" pitchFamily="18" charset="-127"/>
-              <a:ea typeface="배달의민족 주아" pitchFamily="18" charset="-127"/>
-            </a:endParaRPr>
           </a:p>
         </p:txBody>
       </p:sp>
@@ -4277,20 +4267,20 @@
           <a:p>
             <a:pPr algn="ctr"/>
             <a:r>
-              <a:rPr lang="en-US" altLang="ko-KR" sz="2400" dirty="0" smtClean="0">
+              <a:rPr lang="en-US" altLang="ko-KR" sz="2400" dirty="0">
                 <a:latin typeface="배달의민족 주아" pitchFamily="18" charset="-127"/>
                 <a:ea typeface="배달의민족 주아" pitchFamily="18" charset="-127"/>
               </a:rPr>
               <a:t>likelihood </a:t>
             </a:r>
             <a:r>
-              <a:rPr lang="ko-KR" altLang="en-US" sz="2400" dirty="0" smtClean="0">
+              <a:rPr lang="ko-KR" altLang="en-US" sz="2400" dirty="0">
                 <a:latin typeface="배달의민족 주아" pitchFamily="18" charset="-127"/>
                 <a:ea typeface="배달의민족 주아" pitchFamily="18" charset="-127"/>
               </a:rPr>
               <a:t>비교로</a:t>
             </a:r>
-            <a:endParaRPr lang="en-US" altLang="ko-KR" sz="2400" dirty="0" smtClean="0">
+            <a:endParaRPr lang="en-US" altLang="ko-KR" sz="2400" dirty="0">
               <a:latin typeface="배달의민족 주아" pitchFamily="18" charset="-127"/>
               <a:ea typeface="배달의민족 주아" pitchFamily="18" charset="-127"/>
             </a:endParaRPr>
@@ -4298,16 +4288,12 @@
           <a:p>
             <a:pPr algn="ctr"/>
             <a:r>
-              <a:rPr lang="ko-KR" altLang="en-US" sz="2400" dirty="0" smtClean="0">
+              <a:rPr lang="ko-KR" altLang="en-US" sz="2400" dirty="0">
                 <a:latin typeface="배달의민족 주아" pitchFamily="18" charset="-127"/>
                 <a:ea typeface="배달의민족 주아" pitchFamily="18" charset="-127"/>
               </a:rPr>
               <a:t> 라벨링</a:t>
             </a:r>
-            <a:endParaRPr lang="ko-KR" altLang="en-US" sz="2400" dirty="0">
-              <a:latin typeface="배달의민족 주아" pitchFamily="18" charset="-127"/>
-              <a:ea typeface="배달의민족 주아" pitchFamily="18" charset="-127"/>
-            </a:endParaRPr>
           </a:p>
         </p:txBody>
       </p:sp>
@@ -4337,13 +4323,13 @@
               <a:p>
                 <a:pPr algn="ctr"/>
                 <a:r>
-                  <a:rPr lang="ko-KR" altLang="en-US" sz="2400" dirty="0" smtClean="0">
+                  <a:rPr lang="ko-KR" altLang="en-US" sz="2400" dirty="0">
                     <a:latin typeface="배달의민족 주아" pitchFamily="18" charset="-127"/>
                     <a:ea typeface="배달의민족 주아" pitchFamily="18" charset="-127"/>
                   </a:rPr>
                   <a:t>각 그룹별 모수 추정</a:t>
                 </a:r>
-                <a:endParaRPr lang="en-US" altLang="ko-KR" sz="2400" dirty="0" smtClean="0">
+                <a:endParaRPr lang="en-US" altLang="ko-KR" sz="2400" dirty="0">
                   <a:latin typeface="배달의민족 주아" pitchFamily="18" charset="-127"/>
                   <a:ea typeface="배달의민족 주아" pitchFamily="18" charset="-127"/>
                 </a:endParaRPr>
@@ -4360,7 +4346,7 @@
                         <m:sSubPr>
                           <m:ctrlPr>
                             <a:rPr lang="en-US" altLang="ko-KR" sz="2400" b="0" i="1" smtClean="0">
-                              <a:latin typeface="Cambria Math"/>
+                              <a:latin typeface="Cambria Math" panose="02040503050406030204" pitchFamily="18" charset="0"/>
                               <a:ea typeface="배달의민족 주아" pitchFamily="18" charset="-127"/>
                             </a:rPr>
                           </m:ctrlPr>
@@ -4395,7 +4381,7 @@
                         <m:sSubPr>
                           <m:ctrlPr>
                             <a:rPr lang="en-US" altLang="ko-KR" sz="2400" b="0" i="1" smtClean="0">
-                              <a:latin typeface="Cambria Math"/>
+                              <a:latin typeface="Cambria Math" panose="02040503050406030204" pitchFamily="18" charset="0"/>
                               <a:ea typeface="배달의민족 주아" pitchFamily="18" charset="-127"/>
                             </a:rPr>
                           </m:ctrlPr>
@@ -4429,7 +4415,7 @@
                     </m:oMath>
                   </m:oMathPara>
                 </a14:m>
-                <a:endParaRPr lang="en-US" altLang="ko-KR" sz="2400" b="0" dirty="0" smtClean="0">
+                <a:endParaRPr lang="en-US" altLang="ko-KR" sz="2400" b="0" dirty="0">
                   <a:latin typeface="배달의민족 주아" pitchFamily="18" charset="-127"/>
                   <a:ea typeface="배달의민족 주아" pitchFamily="18" charset="-127"/>
                 </a:endParaRPr>
@@ -4446,7 +4432,7 @@
                         <m:sSubPr>
                           <m:ctrlPr>
                             <a:rPr lang="en-US" altLang="ko-KR" sz="2400" b="0" i="1" smtClean="0">
-                              <a:latin typeface="Cambria Math"/>
+                              <a:latin typeface="Cambria Math" panose="02040503050406030204" pitchFamily="18" charset="0"/>
                               <a:ea typeface="배달의민족 주아" pitchFamily="18" charset="-127"/>
                             </a:rPr>
                           </m:ctrlPr>
@@ -4481,7 +4467,7 @@
                         <m:sSubPr>
                           <m:ctrlPr>
                             <a:rPr lang="en-US" altLang="ko-KR" sz="2400" b="0" i="1" smtClean="0">
-                              <a:latin typeface="Cambria Math"/>
+                              <a:latin typeface="Cambria Math" panose="02040503050406030204" pitchFamily="18" charset="0"/>
                               <a:ea typeface="배달의민족 주아" pitchFamily="18" charset="-127"/>
                             </a:rPr>
                           </m:ctrlPr>
@@ -4650,13 +4636,13 @@
           <a:p>
             <a:pPr algn="ctr"/>
             <a:r>
-              <a:rPr lang="ko-KR" altLang="en-US" sz="2400" dirty="0" smtClean="0">
+              <a:rPr lang="ko-KR" altLang="en-US" sz="2400" dirty="0">
                 <a:latin typeface="배달의민족 주아" pitchFamily="18" charset="-127"/>
                 <a:ea typeface="배달의민족 주아" pitchFamily="18" charset="-127"/>
               </a:rPr>
               <a:t>추정된 모수 이용한</a:t>
             </a:r>
-            <a:endParaRPr lang="en-US" altLang="ko-KR" sz="2400" dirty="0" smtClean="0">
+            <a:endParaRPr lang="en-US" altLang="ko-KR" sz="2400" dirty="0">
               <a:latin typeface="배달의민족 주아" pitchFamily="18" charset="-127"/>
               <a:ea typeface="배달의민족 주아" pitchFamily="18" charset="-127"/>
             </a:endParaRPr>
@@ -4664,16 +4650,12 @@
           <a:p>
             <a:pPr algn="ctr"/>
             <a:r>
-              <a:rPr lang="ko-KR" altLang="en-US" sz="2400" dirty="0" smtClean="0">
+              <a:rPr lang="ko-KR" altLang="en-US" sz="2400" dirty="0">
                 <a:latin typeface="배달의민족 주아" pitchFamily="18" charset="-127"/>
                 <a:ea typeface="배달의민족 주아" pitchFamily="18" charset="-127"/>
               </a:rPr>
               <a:t>각 그룹별 분포 도시</a:t>
             </a:r>
-            <a:endParaRPr lang="ko-KR" altLang="en-US" sz="2400" dirty="0">
-              <a:latin typeface="배달의민족 주아" pitchFamily="18" charset="-127"/>
-              <a:ea typeface="배달의민족 주아" pitchFamily="18" charset="-127"/>
-            </a:endParaRPr>
           </a:p>
         </p:txBody>
       </p:sp>
@@ -4946,7 +4928,7 @@
           <a:p>
             <a:pPr algn="ctr"/>
             <a:r>
-              <a:rPr lang="en-US" altLang="ko-KR" b="1" dirty="0" smtClean="0">
+              <a:rPr lang="en-US" altLang="ko-KR" b="1" dirty="0">
                 <a:solidFill>
                   <a:sysClr val="windowText" lastClr="000000"/>
                 </a:solidFill>
@@ -4975,13 +4957,1044 @@
   <p:clrMapOvr>
     <a:masterClrMapping/>
   </p:clrMapOvr>
-  <p:timing>
-    <p:tnLst>
-      <p:par>
-        <p:cTn id="1" dur="indefinite" restart="never" nodeType="tmRoot"/>
-      </p:par>
-    </p:tnLst>
-  </p:timing>
+</p:sld>
+</file>
+
+<file path=ppt/slides/slide9.xml><?xml version="1.0" encoding="utf-8"?>
+<p:sld xmlns:a="http://schemas.openxmlformats.org/drawingml/2006/main" xmlns:r="http://schemas.openxmlformats.org/officeDocument/2006/relationships" xmlns:p="http://schemas.openxmlformats.org/presentationml/2006/main">
+  <p:cSld>
+    <p:spTree>
+      <p:nvGrpSpPr>
+        <p:cNvPr id="1" name=""/>
+        <p:cNvGrpSpPr/>
+        <p:nvPr/>
+      </p:nvGrpSpPr>
+      <p:grpSpPr>
+        <a:xfrm>
+          <a:off x="0" y="0"/>
+          <a:ext cx="0" cy="0"/>
+          <a:chOff x="0" y="0"/>
+          <a:chExt cx="0" cy="0"/>
+        </a:xfrm>
+      </p:grpSpPr>
+      <p:pic>
+        <p:nvPicPr>
+          <p:cNvPr id="6" name="그림 5">
+            <a:extLst>
+              <a:ext uri="{FF2B5EF4-FFF2-40B4-BE49-F238E27FC236}">
+                <a16:creationId xmlns:a16="http://schemas.microsoft.com/office/drawing/2014/main" id="{FC6E4A84-EF92-4BFE-BEE2-C85908676AF4}"/>
+              </a:ext>
+            </a:extLst>
+          </p:cNvPr>
+          <p:cNvPicPr>
+            <a:picLocks noChangeAspect="1"/>
+          </p:cNvPicPr>
+          <p:nvPr/>
+        </p:nvPicPr>
+        <p:blipFill>
+          <a:blip r:embed="rId2"/>
+          <a:stretch>
+            <a:fillRect/>
+          </a:stretch>
+        </p:blipFill>
+        <p:spPr>
+          <a:xfrm>
+            <a:off x="2051720" y="921272"/>
+            <a:ext cx="3744416" cy="5015456"/>
+          </a:xfrm>
+          <a:prstGeom prst="rect">
+            <a:avLst/>
+          </a:prstGeom>
+        </p:spPr>
+      </p:pic>
+      <mc:AlternateContent xmlns:mc="http://schemas.openxmlformats.org/markup-compatibility/2006">
+        <mc:Choice xmlns:a14="http://schemas.microsoft.com/office/drawing/2010/main" Requires="a14">
+          <p:sp>
+            <p:nvSpPr>
+              <p:cNvPr id="7" name="TextBox 6">
+                <a:extLst>
+                  <a:ext uri="{FF2B5EF4-FFF2-40B4-BE49-F238E27FC236}">
+                    <a16:creationId xmlns:a16="http://schemas.microsoft.com/office/drawing/2014/main" id="{62A00DFD-E97A-4685-82D7-22A7C63E409E}"/>
+                  </a:ext>
+                </a:extLst>
+              </p:cNvPr>
+              <p:cNvSpPr txBox="1"/>
+              <p:nvPr/>
+            </p:nvSpPr>
+            <p:spPr>
+              <a:xfrm>
+                <a:off x="6063456" y="1604625"/>
+                <a:ext cx="1858779" cy="553998"/>
+              </a:xfrm>
+              <a:prstGeom prst="rect">
+                <a:avLst/>
+              </a:prstGeom>
+              <a:noFill/>
+            </p:spPr>
+            <p:txBody>
+              <a:bodyPr wrap="none" rtlCol="0">
+                <a:spAutoFit/>
+              </a:bodyPr>
+              <a:lstStyle/>
+              <a:p>
+                <a:r>
+                  <a:rPr lang="en-US" altLang="ko-KR" sz="2400" dirty="0">
+                    <a:sym typeface="Wingdings" panose="05000000000000000000" pitchFamily="2" charset="2"/>
+                  </a:rPr>
+                  <a:t> </a:t>
+                </a:r>
+                <a14:m>
+                  <m:oMath xmlns:m="http://schemas.openxmlformats.org/officeDocument/2006/math">
+                    <m:sSubSup>
+                      <m:sSubSupPr>
+                        <m:ctrlPr>
+                          <a:rPr lang="en-US" altLang="ko-KR" sz="2400" b="0" i="1" smtClean="0">
+                            <a:latin typeface="Cambria Math" panose="02040503050406030204" pitchFamily="18" charset="0"/>
+                            <a:sym typeface="Wingdings" panose="05000000000000000000" pitchFamily="2" charset="2"/>
+                          </a:rPr>
+                        </m:ctrlPr>
+                      </m:sSubSupPr>
+                      <m:e>
+                        <m:r>
+                          <a:rPr lang="en-US" altLang="ko-KR" sz="2400" b="0" i="1" smtClean="0">
+                            <a:latin typeface="Cambria Math" panose="02040503050406030204" pitchFamily="18" charset="0"/>
+                            <a:sym typeface="Wingdings" panose="05000000000000000000" pitchFamily="2" charset="2"/>
+                          </a:rPr>
+                          <m:t>𝑤</m:t>
+                        </m:r>
+                      </m:e>
+                      <m:sub>
+                        <m:r>
+                          <a:rPr lang="en-US" altLang="ko-KR" sz="2400" b="0" i="1" smtClean="0">
+                            <a:latin typeface="Cambria Math" panose="02040503050406030204" pitchFamily="18" charset="0"/>
+                            <a:sym typeface="Wingdings" panose="05000000000000000000" pitchFamily="2" charset="2"/>
+                          </a:rPr>
+                          <m:t>1</m:t>
+                        </m:r>
+                      </m:sub>
+                      <m:sup>
+                        <m:r>
+                          <a:rPr lang="en-US" altLang="ko-KR" sz="2400" b="0" i="1" smtClean="0">
+                            <a:latin typeface="Cambria Math" panose="02040503050406030204" pitchFamily="18" charset="0"/>
+                            <a:sym typeface="Wingdings" panose="05000000000000000000" pitchFamily="2" charset="2"/>
+                          </a:rPr>
+                          <m:t>(1)</m:t>
+                        </m:r>
+                      </m:sup>
+                    </m:sSubSup>
+                    <m:r>
+                      <a:rPr lang="en-US" altLang="ko-KR" sz="2400" b="0" i="1" smtClean="0">
+                        <a:latin typeface="Cambria Math" panose="02040503050406030204" pitchFamily="18" charset="0"/>
+                        <a:sym typeface="Wingdings" panose="05000000000000000000" pitchFamily="2" charset="2"/>
+                      </a:rPr>
+                      <m:t>, </m:t>
+                    </m:r>
+                    <m:sSubSup>
+                      <m:sSubSupPr>
+                        <m:ctrlPr>
+                          <a:rPr lang="en-US" altLang="ko-KR" sz="2400" b="0" i="1" smtClean="0">
+                            <a:latin typeface="Cambria Math" panose="02040503050406030204" pitchFamily="18" charset="0"/>
+                            <a:sym typeface="Wingdings" panose="05000000000000000000" pitchFamily="2" charset="2"/>
+                          </a:rPr>
+                        </m:ctrlPr>
+                      </m:sSubSupPr>
+                      <m:e>
+                        <m:r>
+                          <a:rPr lang="en-US" altLang="ko-KR" sz="2400" b="0" i="1" smtClean="0">
+                            <a:latin typeface="Cambria Math" panose="02040503050406030204" pitchFamily="18" charset="0"/>
+                            <a:sym typeface="Wingdings" panose="05000000000000000000" pitchFamily="2" charset="2"/>
+                          </a:rPr>
+                          <m:t>𝑤</m:t>
+                        </m:r>
+                      </m:e>
+                      <m:sub>
+                        <m:r>
+                          <a:rPr lang="en-US" altLang="ko-KR" sz="2400" b="0" i="1" smtClean="0">
+                            <a:latin typeface="Cambria Math" panose="02040503050406030204" pitchFamily="18" charset="0"/>
+                            <a:sym typeface="Wingdings" panose="05000000000000000000" pitchFamily="2" charset="2"/>
+                          </a:rPr>
+                          <m:t>2</m:t>
+                        </m:r>
+                      </m:sub>
+                      <m:sup>
+                        <m:r>
+                          <a:rPr lang="en-US" altLang="ko-KR" sz="2400" b="0" i="1" smtClean="0">
+                            <a:latin typeface="Cambria Math" panose="02040503050406030204" pitchFamily="18" charset="0"/>
+                            <a:sym typeface="Wingdings" panose="05000000000000000000" pitchFamily="2" charset="2"/>
+                          </a:rPr>
+                          <m:t>(1)</m:t>
+                        </m:r>
+                      </m:sup>
+                    </m:sSubSup>
+                  </m:oMath>
+                </a14:m>
+                <a:endParaRPr lang="ko-KR" altLang="en-US" sz="2400" dirty="0"/>
+              </a:p>
+            </p:txBody>
+          </p:sp>
+        </mc:Choice>
+        <mc:Fallback>
+          <p:sp>
+            <p:nvSpPr>
+              <p:cNvPr id="7" name="TextBox 6">
+                <a:extLst>
+                  <a:ext uri="{FF2B5EF4-FFF2-40B4-BE49-F238E27FC236}">
+                    <a16:creationId xmlns:a16="http://schemas.microsoft.com/office/drawing/2014/main" id="{62A00DFD-E97A-4685-82D7-22A7C63E409E}"/>
+                  </a:ext>
+                </a:extLst>
+              </p:cNvPr>
+              <p:cNvSpPr txBox="1">
+                <a:spLocks noRot="1" noChangeAspect="1" noMove="1" noResize="1" noEditPoints="1" noAdjustHandles="1" noChangeArrowheads="1" noChangeShapeType="1" noTextEdit="1"/>
+              </p:cNvSpPr>
+              <p:nvPr/>
+            </p:nvSpPr>
+            <p:spPr>
+              <a:xfrm>
+                <a:off x="6063456" y="1604625"/>
+                <a:ext cx="1858779" cy="553998"/>
+              </a:xfrm>
+              <a:prstGeom prst="rect">
+                <a:avLst/>
+              </a:prstGeom>
+              <a:blipFill>
+                <a:blip r:embed="rId3"/>
+                <a:stretch>
+                  <a:fillRect l="-5246" b="-20879"/>
+                </a:stretch>
+              </a:blipFill>
+            </p:spPr>
+            <p:txBody>
+              <a:bodyPr/>
+              <a:lstStyle/>
+              <a:p>
+                <a:r>
+                  <a:rPr lang="ko-KR" altLang="en-US">
+                    <a:noFill/>
+                  </a:rPr>
+                  <a:t> </a:t>
+                </a:r>
+              </a:p>
+            </p:txBody>
+          </p:sp>
+        </mc:Fallback>
+      </mc:AlternateContent>
+      <mc:AlternateContent xmlns:mc="http://schemas.openxmlformats.org/markup-compatibility/2006">
+        <mc:Choice xmlns:a14="http://schemas.microsoft.com/office/drawing/2010/main" Requires="a14">
+          <p:sp>
+            <p:nvSpPr>
+              <p:cNvPr id="8" name="TextBox 7">
+                <a:extLst>
+                  <a:ext uri="{FF2B5EF4-FFF2-40B4-BE49-F238E27FC236}">
+                    <a16:creationId xmlns:a16="http://schemas.microsoft.com/office/drawing/2014/main" id="{2773D48F-D2F7-4DD3-A357-063E260D7581}"/>
+                  </a:ext>
+                </a:extLst>
+              </p:cNvPr>
+              <p:cNvSpPr txBox="1"/>
+              <p:nvPr/>
+            </p:nvSpPr>
+            <p:spPr>
+              <a:xfrm>
+                <a:off x="6063456" y="2125330"/>
+                <a:ext cx="1858779" cy="553998"/>
+              </a:xfrm>
+              <a:prstGeom prst="rect">
+                <a:avLst/>
+              </a:prstGeom>
+              <a:noFill/>
+            </p:spPr>
+            <p:txBody>
+              <a:bodyPr wrap="none" rtlCol="0">
+                <a:spAutoFit/>
+              </a:bodyPr>
+              <a:lstStyle/>
+              <a:p>
+                <a:r>
+                  <a:rPr lang="en-US" altLang="ko-KR" sz="2400" dirty="0">
+                    <a:sym typeface="Wingdings" panose="05000000000000000000" pitchFamily="2" charset="2"/>
+                  </a:rPr>
+                  <a:t> </a:t>
+                </a:r>
+                <a14:m>
+                  <m:oMath xmlns:m="http://schemas.openxmlformats.org/officeDocument/2006/math">
+                    <m:sSubSup>
+                      <m:sSubSupPr>
+                        <m:ctrlPr>
+                          <a:rPr lang="en-US" altLang="ko-KR" sz="2400" b="0" i="1" smtClean="0">
+                            <a:latin typeface="Cambria Math" panose="02040503050406030204" pitchFamily="18" charset="0"/>
+                            <a:sym typeface="Wingdings" panose="05000000000000000000" pitchFamily="2" charset="2"/>
+                          </a:rPr>
+                        </m:ctrlPr>
+                      </m:sSubSupPr>
+                      <m:e>
+                        <m:r>
+                          <a:rPr lang="en-US" altLang="ko-KR" sz="2400" b="0" i="1" smtClean="0">
+                            <a:latin typeface="Cambria Math" panose="02040503050406030204" pitchFamily="18" charset="0"/>
+                            <a:sym typeface="Wingdings" panose="05000000000000000000" pitchFamily="2" charset="2"/>
+                          </a:rPr>
+                          <m:t>𝑤</m:t>
+                        </m:r>
+                      </m:e>
+                      <m:sub>
+                        <m:r>
+                          <a:rPr lang="en-US" altLang="ko-KR" sz="2400" b="0" i="1" smtClean="0">
+                            <a:latin typeface="Cambria Math" panose="02040503050406030204" pitchFamily="18" charset="0"/>
+                            <a:sym typeface="Wingdings" panose="05000000000000000000" pitchFamily="2" charset="2"/>
+                          </a:rPr>
+                          <m:t>1</m:t>
+                        </m:r>
+                      </m:sub>
+                      <m:sup>
+                        <m:r>
+                          <a:rPr lang="en-US" altLang="ko-KR" sz="2400" b="0" i="1" smtClean="0">
+                            <a:latin typeface="Cambria Math" panose="02040503050406030204" pitchFamily="18" charset="0"/>
+                            <a:sym typeface="Wingdings" panose="05000000000000000000" pitchFamily="2" charset="2"/>
+                          </a:rPr>
+                          <m:t>(2)</m:t>
+                        </m:r>
+                      </m:sup>
+                    </m:sSubSup>
+                    <m:r>
+                      <a:rPr lang="en-US" altLang="ko-KR" sz="2400" b="0" i="1" smtClean="0">
+                        <a:latin typeface="Cambria Math" panose="02040503050406030204" pitchFamily="18" charset="0"/>
+                        <a:sym typeface="Wingdings" panose="05000000000000000000" pitchFamily="2" charset="2"/>
+                      </a:rPr>
+                      <m:t>, </m:t>
+                    </m:r>
+                    <m:sSubSup>
+                      <m:sSubSupPr>
+                        <m:ctrlPr>
+                          <a:rPr lang="en-US" altLang="ko-KR" sz="2400" b="0" i="1" smtClean="0">
+                            <a:latin typeface="Cambria Math" panose="02040503050406030204" pitchFamily="18" charset="0"/>
+                            <a:sym typeface="Wingdings" panose="05000000000000000000" pitchFamily="2" charset="2"/>
+                          </a:rPr>
+                        </m:ctrlPr>
+                      </m:sSubSupPr>
+                      <m:e>
+                        <m:r>
+                          <a:rPr lang="en-US" altLang="ko-KR" sz="2400" b="0" i="1" smtClean="0">
+                            <a:latin typeface="Cambria Math" panose="02040503050406030204" pitchFamily="18" charset="0"/>
+                            <a:sym typeface="Wingdings" panose="05000000000000000000" pitchFamily="2" charset="2"/>
+                          </a:rPr>
+                          <m:t>𝑤</m:t>
+                        </m:r>
+                      </m:e>
+                      <m:sub>
+                        <m:r>
+                          <a:rPr lang="en-US" altLang="ko-KR" sz="2400" b="0" i="1" smtClean="0">
+                            <a:latin typeface="Cambria Math" panose="02040503050406030204" pitchFamily="18" charset="0"/>
+                            <a:sym typeface="Wingdings" panose="05000000000000000000" pitchFamily="2" charset="2"/>
+                          </a:rPr>
+                          <m:t>2</m:t>
+                        </m:r>
+                      </m:sub>
+                      <m:sup>
+                        <m:r>
+                          <a:rPr lang="en-US" altLang="ko-KR" sz="2400" b="0" i="1" smtClean="0">
+                            <a:latin typeface="Cambria Math" panose="02040503050406030204" pitchFamily="18" charset="0"/>
+                            <a:sym typeface="Wingdings" panose="05000000000000000000" pitchFamily="2" charset="2"/>
+                          </a:rPr>
+                          <m:t>(2)</m:t>
+                        </m:r>
+                      </m:sup>
+                    </m:sSubSup>
+                  </m:oMath>
+                </a14:m>
+                <a:endParaRPr lang="ko-KR" altLang="en-US" sz="2400" dirty="0"/>
+              </a:p>
+            </p:txBody>
+          </p:sp>
+        </mc:Choice>
+        <mc:Fallback>
+          <p:sp>
+            <p:nvSpPr>
+              <p:cNvPr id="8" name="TextBox 7">
+                <a:extLst>
+                  <a:ext uri="{FF2B5EF4-FFF2-40B4-BE49-F238E27FC236}">
+                    <a16:creationId xmlns:a16="http://schemas.microsoft.com/office/drawing/2014/main" id="{2773D48F-D2F7-4DD3-A357-063E260D7581}"/>
+                  </a:ext>
+                </a:extLst>
+              </p:cNvPr>
+              <p:cNvSpPr txBox="1">
+                <a:spLocks noRot="1" noChangeAspect="1" noMove="1" noResize="1" noEditPoints="1" noAdjustHandles="1" noChangeArrowheads="1" noChangeShapeType="1" noTextEdit="1"/>
+              </p:cNvSpPr>
+              <p:nvPr/>
+            </p:nvSpPr>
+            <p:spPr>
+              <a:xfrm>
+                <a:off x="6063456" y="2125330"/>
+                <a:ext cx="1858779" cy="553998"/>
+              </a:xfrm>
+              <a:prstGeom prst="rect">
+                <a:avLst/>
+              </a:prstGeom>
+              <a:blipFill>
+                <a:blip r:embed="rId4"/>
+                <a:stretch>
+                  <a:fillRect l="-5246" b="-20879"/>
+                </a:stretch>
+              </a:blipFill>
+            </p:spPr>
+            <p:txBody>
+              <a:bodyPr/>
+              <a:lstStyle/>
+              <a:p>
+                <a:r>
+                  <a:rPr lang="ko-KR" altLang="en-US">
+                    <a:noFill/>
+                  </a:rPr>
+                  <a:t> </a:t>
+                </a:r>
+              </a:p>
+            </p:txBody>
+          </p:sp>
+        </mc:Fallback>
+      </mc:AlternateContent>
+      <mc:AlternateContent xmlns:mc="http://schemas.openxmlformats.org/markup-compatibility/2006">
+        <mc:Choice xmlns:a14="http://schemas.microsoft.com/office/drawing/2010/main" Requires="a14">
+          <p:sp>
+            <p:nvSpPr>
+              <p:cNvPr id="9" name="TextBox 8">
+                <a:extLst>
+                  <a:ext uri="{FF2B5EF4-FFF2-40B4-BE49-F238E27FC236}">
+                    <a16:creationId xmlns:a16="http://schemas.microsoft.com/office/drawing/2014/main" id="{F79CC6FE-DE31-4228-A71A-76F8421E4185}"/>
+                  </a:ext>
+                </a:extLst>
+              </p:cNvPr>
+              <p:cNvSpPr txBox="1"/>
+              <p:nvPr/>
+            </p:nvSpPr>
+            <p:spPr>
+              <a:xfrm>
+                <a:off x="5965673" y="4963234"/>
+                <a:ext cx="2118465" cy="553998"/>
+              </a:xfrm>
+              <a:prstGeom prst="rect">
+                <a:avLst/>
+              </a:prstGeom>
+              <a:noFill/>
+            </p:spPr>
+            <p:txBody>
+              <a:bodyPr wrap="none" rtlCol="0">
+                <a:spAutoFit/>
+              </a:bodyPr>
+              <a:lstStyle/>
+              <a:p>
+                <a:r>
+                  <a:rPr lang="en-US" altLang="ko-KR" sz="2400" dirty="0">
+                    <a:sym typeface="Wingdings" panose="05000000000000000000" pitchFamily="2" charset="2"/>
+                  </a:rPr>
+                  <a:t> </a:t>
+                </a:r>
+                <a14:m>
+                  <m:oMath xmlns:m="http://schemas.openxmlformats.org/officeDocument/2006/math">
+                    <m:sSubSup>
+                      <m:sSubSupPr>
+                        <m:ctrlPr>
+                          <a:rPr lang="en-US" altLang="ko-KR" sz="2400" b="0" i="1" smtClean="0">
+                            <a:latin typeface="Cambria Math" panose="02040503050406030204" pitchFamily="18" charset="0"/>
+                            <a:sym typeface="Wingdings" panose="05000000000000000000" pitchFamily="2" charset="2"/>
+                          </a:rPr>
+                        </m:ctrlPr>
+                      </m:sSubSupPr>
+                      <m:e>
+                        <m:r>
+                          <a:rPr lang="en-US" altLang="ko-KR" sz="2400" b="0" i="1" smtClean="0">
+                            <a:latin typeface="Cambria Math" panose="02040503050406030204" pitchFamily="18" charset="0"/>
+                            <a:sym typeface="Wingdings" panose="05000000000000000000" pitchFamily="2" charset="2"/>
+                          </a:rPr>
+                          <m:t>𝑤</m:t>
+                        </m:r>
+                      </m:e>
+                      <m:sub>
+                        <m:r>
+                          <a:rPr lang="en-US" altLang="ko-KR" sz="2400" b="0" i="1" smtClean="0">
+                            <a:latin typeface="Cambria Math" panose="02040503050406030204" pitchFamily="18" charset="0"/>
+                            <a:sym typeface="Wingdings" panose="05000000000000000000" pitchFamily="2" charset="2"/>
+                          </a:rPr>
+                          <m:t>1</m:t>
+                        </m:r>
+                      </m:sub>
+                      <m:sup>
+                        <m:r>
+                          <a:rPr lang="en-US" altLang="ko-KR" sz="2400" b="0" i="1" smtClean="0">
+                            <a:latin typeface="Cambria Math" panose="02040503050406030204" pitchFamily="18" charset="0"/>
+                            <a:sym typeface="Wingdings" panose="05000000000000000000" pitchFamily="2" charset="2"/>
+                          </a:rPr>
+                          <m:t>(10)</m:t>
+                        </m:r>
+                      </m:sup>
+                    </m:sSubSup>
+                    <m:r>
+                      <a:rPr lang="en-US" altLang="ko-KR" sz="2400" b="0" i="1" smtClean="0">
+                        <a:latin typeface="Cambria Math" panose="02040503050406030204" pitchFamily="18" charset="0"/>
+                        <a:sym typeface="Wingdings" panose="05000000000000000000" pitchFamily="2" charset="2"/>
+                      </a:rPr>
+                      <m:t>, </m:t>
+                    </m:r>
+                    <m:sSubSup>
+                      <m:sSubSupPr>
+                        <m:ctrlPr>
+                          <a:rPr lang="en-US" altLang="ko-KR" sz="2400" b="0" i="1" smtClean="0">
+                            <a:latin typeface="Cambria Math" panose="02040503050406030204" pitchFamily="18" charset="0"/>
+                            <a:sym typeface="Wingdings" panose="05000000000000000000" pitchFamily="2" charset="2"/>
+                          </a:rPr>
+                        </m:ctrlPr>
+                      </m:sSubSupPr>
+                      <m:e>
+                        <m:r>
+                          <a:rPr lang="en-US" altLang="ko-KR" sz="2400" b="0" i="1" smtClean="0">
+                            <a:latin typeface="Cambria Math" panose="02040503050406030204" pitchFamily="18" charset="0"/>
+                            <a:sym typeface="Wingdings" panose="05000000000000000000" pitchFamily="2" charset="2"/>
+                          </a:rPr>
+                          <m:t>𝑤</m:t>
+                        </m:r>
+                      </m:e>
+                      <m:sub>
+                        <m:r>
+                          <a:rPr lang="en-US" altLang="ko-KR" sz="2400" b="0" i="1" smtClean="0">
+                            <a:latin typeface="Cambria Math" panose="02040503050406030204" pitchFamily="18" charset="0"/>
+                            <a:sym typeface="Wingdings" panose="05000000000000000000" pitchFamily="2" charset="2"/>
+                          </a:rPr>
+                          <m:t>2</m:t>
+                        </m:r>
+                      </m:sub>
+                      <m:sup>
+                        <m:r>
+                          <a:rPr lang="en-US" altLang="ko-KR" sz="2400" b="0" i="1" smtClean="0">
+                            <a:latin typeface="Cambria Math" panose="02040503050406030204" pitchFamily="18" charset="0"/>
+                            <a:sym typeface="Wingdings" panose="05000000000000000000" pitchFamily="2" charset="2"/>
+                          </a:rPr>
+                          <m:t>(10)</m:t>
+                        </m:r>
+                      </m:sup>
+                    </m:sSubSup>
+                  </m:oMath>
+                </a14:m>
+                <a:endParaRPr lang="ko-KR" altLang="en-US" sz="2400" dirty="0"/>
+              </a:p>
+            </p:txBody>
+          </p:sp>
+        </mc:Choice>
+        <mc:Fallback>
+          <p:sp>
+            <p:nvSpPr>
+              <p:cNvPr id="9" name="TextBox 8">
+                <a:extLst>
+                  <a:ext uri="{FF2B5EF4-FFF2-40B4-BE49-F238E27FC236}">
+                    <a16:creationId xmlns:a16="http://schemas.microsoft.com/office/drawing/2014/main" id="{F79CC6FE-DE31-4228-A71A-76F8421E4185}"/>
+                  </a:ext>
+                </a:extLst>
+              </p:cNvPr>
+              <p:cNvSpPr txBox="1">
+                <a:spLocks noRot="1" noChangeAspect="1" noMove="1" noResize="1" noEditPoints="1" noAdjustHandles="1" noChangeArrowheads="1" noChangeShapeType="1" noTextEdit="1"/>
+              </p:cNvSpPr>
+              <p:nvPr/>
+            </p:nvSpPr>
+            <p:spPr>
+              <a:xfrm>
+                <a:off x="5965673" y="4963234"/>
+                <a:ext cx="2118465" cy="553998"/>
+              </a:xfrm>
+              <a:prstGeom prst="rect">
+                <a:avLst/>
+              </a:prstGeom>
+              <a:blipFill>
+                <a:blip r:embed="rId5"/>
+                <a:stretch>
+                  <a:fillRect l="-4611" b="-20879"/>
+                </a:stretch>
+              </a:blipFill>
+            </p:spPr>
+            <p:txBody>
+              <a:bodyPr/>
+              <a:lstStyle/>
+              <a:p>
+                <a:r>
+                  <a:rPr lang="ko-KR" altLang="en-US">
+                    <a:noFill/>
+                  </a:rPr>
+                  <a:t> </a:t>
+                </a:r>
+              </a:p>
+            </p:txBody>
+          </p:sp>
+        </mc:Fallback>
+      </mc:AlternateContent>
+      <mc:AlternateContent xmlns:mc="http://schemas.openxmlformats.org/markup-compatibility/2006">
+        <mc:Choice xmlns:a14="http://schemas.microsoft.com/office/drawing/2010/main" Requires="a14">
+          <p:sp>
+            <p:nvSpPr>
+              <p:cNvPr id="10" name="TextBox 9">
+                <a:extLst>
+                  <a:ext uri="{FF2B5EF4-FFF2-40B4-BE49-F238E27FC236}">
+                    <a16:creationId xmlns:a16="http://schemas.microsoft.com/office/drawing/2014/main" id="{710D71C9-58F7-4E92-822F-D64C87C8B34F}"/>
+                  </a:ext>
+                </a:extLst>
+              </p:cNvPr>
+              <p:cNvSpPr txBox="1"/>
+              <p:nvPr/>
+            </p:nvSpPr>
+            <p:spPr>
+              <a:xfrm>
+                <a:off x="6012160" y="3429000"/>
+                <a:ext cx="1926105" cy="553998"/>
+              </a:xfrm>
+              <a:prstGeom prst="rect">
+                <a:avLst/>
+              </a:prstGeom>
+              <a:noFill/>
+            </p:spPr>
+            <p:txBody>
+              <a:bodyPr wrap="none" rtlCol="0">
+                <a:spAutoFit/>
+              </a:bodyPr>
+              <a:lstStyle/>
+              <a:p>
+                <a:r>
+                  <a:rPr lang="en-US" altLang="ko-KR" sz="2400" dirty="0">
+                    <a:sym typeface="Wingdings" panose="05000000000000000000" pitchFamily="2" charset="2"/>
+                  </a:rPr>
+                  <a:t> </a:t>
+                </a:r>
+                <a14:m>
+                  <m:oMath xmlns:m="http://schemas.openxmlformats.org/officeDocument/2006/math">
+                    <m:sSubSup>
+                      <m:sSubSupPr>
+                        <m:ctrlPr>
+                          <a:rPr lang="en-US" altLang="ko-KR" sz="2400" b="0" i="1" smtClean="0">
+                            <a:latin typeface="Cambria Math" panose="02040503050406030204" pitchFamily="18" charset="0"/>
+                            <a:sym typeface="Wingdings" panose="05000000000000000000" pitchFamily="2" charset="2"/>
+                          </a:rPr>
+                        </m:ctrlPr>
+                      </m:sSubSupPr>
+                      <m:e>
+                        <m:r>
+                          <a:rPr lang="en-US" altLang="ko-KR" sz="2400" b="0" i="1" smtClean="0">
+                            <a:latin typeface="Cambria Math" panose="02040503050406030204" pitchFamily="18" charset="0"/>
+                            <a:sym typeface="Wingdings" panose="05000000000000000000" pitchFamily="2" charset="2"/>
+                          </a:rPr>
+                          <m:t>𝑤</m:t>
+                        </m:r>
+                      </m:e>
+                      <m:sub>
+                        <m:r>
+                          <a:rPr lang="en-US" altLang="ko-KR" sz="2400" b="0" i="1" smtClean="0">
+                            <a:latin typeface="Cambria Math" panose="02040503050406030204" pitchFamily="18" charset="0"/>
+                            <a:sym typeface="Wingdings" panose="05000000000000000000" pitchFamily="2" charset="2"/>
+                          </a:rPr>
+                          <m:t>1</m:t>
+                        </m:r>
+                      </m:sub>
+                      <m:sup>
+                        <m:r>
+                          <a:rPr lang="en-US" altLang="ko-KR" sz="2400" b="0" i="1" smtClean="0">
+                            <a:latin typeface="Cambria Math" panose="02040503050406030204" pitchFamily="18" charset="0"/>
+                            <a:sym typeface="Wingdings" panose="05000000000000000000" pitchFamily="2" charset="2"/>
+                          </a:rPr>
+                          <m:t>(6)</m:t>
+                        </m:r>
+                      </m:sup>
+                    </m:sSubSup>
+                    <m:r>
+                      <a:rPr lang="en-US" altLang="ko-KR" sz="2400" b="0" i="1" smtClean="0">
+                        <a:latin typeface="Cambria Math" panose="02040503050406030204" pitchFamily="18" charset="0"/>
+                        <a:sym typeface="Wingdings" panose="05000000000000000000" pitchFamily="2" charset="2"/>
+                      </a:rPr>
+                      <m:t>, </m:t>
+                    </m:r>
+                    <m:sSubSup>
+                      <m:sSubSupPr>
+                        <m:ctrlPr>
+                          <a:rPr lang="en-US" altLang="ko-KR" sz="2400" b="0" i="1" smtClean="0">
+                            <a:latin typeface="Cambria Math" panose="02040503050406030204" pitchFamily="18" charset="0"/>
+                            <a:sym typeface="Wingdings" panose="05000000000000000000" pitchFamily="2" charset="2"/>
+                          </a:rPr>
+                        </m:ctrlPr>
+                      </m:sSubSupPr>
+                      <m:e>
+                        <m:r>
+                          <a:rPr lang="en-US" altLang="ko-KR" sz="2400" b="0" i="1" smtClean="0">
+                            <a:latin typeface="Cambria Math" panose="02040503050406030204" pitchFamily="18" charset="0"/>
+                            <a:sym typeface="Wingdings" panose="05000000000000000000" pitchFamily="2" charset="2"/>
+                          </a:rPr>
+                          <m:t>𝑤</m:t>
+                        </m:r>
+                      </m:e>
+                      <m:sub>
+                        <m:r>
+                          <a:rPr lang="en-US" altLang="ko-KR" sz="2400" b="0" i="1" smtClean="0">
+                            <a:latin typeface="Cambria Math" panose="02040503050406030204" pitchFamily="18" charset="0"/>
+                            <a:sym typeface="Wingdings" panose="05000000000000000000" pitchFamily="2" charset="2"/>
+                          </a:rPr>
+                          <m:t>2</m:t>
+                        </m:r>
+                      </m:sub>
+                      <m:sup>
+                        <m:r>
+                          <a:rPr lang="en-US" altLang="ko-KR" sz="2400" b="0" i="1" smtClean="0">
+                            <a:latin typeface="Cambria Math" panose="02040503050406030204" pitchFamily="18" charset="0"/>
+                            <a:sym typeface="Wingdings" panose="05000000000000000000" pitchFamily="2" charset="2"/>
+                          </a:rPr>
+                          <m:t>(6)</m:t>
+                        </m:r>
+                      </m:sup>
+                    </m:sSubSup>
+                    <m:r>
+                      <a:rPr lang="en-US" altLang="ko-KR" sz="2400" b="0" i="1" smtClean="0">
+                        <a:latin typeface="Cambria Math" panose="02040503050406030204" pitchFamily="18" charset="0"/>
+                        <a:sym typeface="Wingdings" panose="05000000000000000000" pitchFamily="2" charset="2"/>
+                      </a:rPr>
+                      <m:t> </m:t>
+                    </m:r>
+                  </m:oMath>
+                </a14:m>
+                <a:endParaRPr lang="ko-KR" altLang="en-US" sz="2400" dirty="0"/>
+              </a:p>
+            </p:txBody>
+          </p:sp>
+        </mc:Choice>
+        <mc:Fallback>
+          <p:sp>
+            <p:nvSpPr>
+              <p:cNvPr id="10" name="TextBox 9">
+                <a:extLst>
+                  <a:ext uri="{FF2B5EF4-FFF2-40B4-BE49-F238E27FC236}">
+                    <a16:creationId xmlns:a16="http://schemas.microsoft.com/office/drawing/2014/main" id="{710D71C9-58F7-4E92-822F-D64C87C8B34F}"/>
+                  </a:ext>
+                </a:extLst>
+              </p:cNvPr>
+              <p:cNvSpPr txBox="1">
+                <a:spLocks noRot="1" noChangeAspect="1" noMove="1" noResize="1" noEditPoints="1" noAdjustHandles="1" noChangeArrowheads="1" noChangeShapeType="1" noTextEdit="1"/>
+              </p:cNvSpPr>
+              <p:nvPr/>
+            </p:nvSpPr>
+            <p:spPr>
+              <a:xfrm>
+                <a:off x="6012160" y="3429000"/>
+                <a:ext cx="1926105" cy="553998"/>
+              </a:xfrm>
+              <a:prstGeom prst="rect">
+                <a:avLst/>
+              </a:prstGeom>
+              <a:blipFill>
+                <a:blip r:embed="rId6"/>
+                <a:stretch>
+                  <a:fillRect l="-4747" b="-21111"/>
+                </a:stretch>
+              </a:blipFill>
+            </p:spPr>
+            <p:txBody>
+              <a:bodyPr/>
+              <a:lstStyle/>
+              <a:p>
+                <a:r>
+                  <a:rPr lang="ko-KR" altLang="en-US">
+                    <a:noFill/>
+                  </a:rPr>
+                  <a:t> </a:t>
+                </a:r>
+              </a:p>
+            </p:txBody>
+          </p:sp>
+        </mc:Fallback>
+      </mc:AlternateContent>
+      <mc:AlternateContent xmlns:mc="http://schemas.openxmlformats.org/markup-compatibility/2006">
+        <mc:Choice xmlns:a14="http://schemas.microsoft.com/office/drawing/2010/main" Requires="a14">
+          <p:sp>
+            <p:nvSpPr>
+              <p:cNvPr id="11" name="TextBox 10">
+                <a:extLst>
+                  <a:ext uri="{FF2B5EF4-FFF2-40B4-BE49-F238E27FC236}">
+                    <a16:creationId xmlns:a16="http://schemas.microsoft.com/office/drawing/2014/main" id="{663023C9-70F8-465D-BC03-DC05849AAAAB}"/>
+                  </a:ext>
+                </a:extLst>
+              </p:cNvPr>
+              <p:cNvSpPr txBox="1"/>
+              <p:nvPr/>
+            </p:nvSpPr>
+            <p:spPr>
+              <a:xfrm>
+                <a:off x="6616043" y="2895327"/>
+                <a:ext cx="389850" cy="461665"/>
+              </a:xfrm>
+              <a:prstGeom prst="rect">
+                <a:avLst/>
+              </a:prstGeom>
+              <a:noFill/>
+            </p:spPr>
+            <p:txBody>
+              <a:bodyPr wrap="none" rtlCol="0">
+                <a:spAutoFit/>
+              </a:bodyPr>
+              <a:lstStyle/>
+              <a:p>
+                <a14:m>
+                  <m:oMathPara xmlns:m="http://schemas.openxmlformats.org/officeDocument/2006/math">
+                    <m:oMathParaPr>
+                      <m:jc m:val="centerGroup"/>
+                    </m:oMathParaPr>
+                    <m:oMath xmlns:m="http://schemas.openxmlformats.org/officeDocument/2006/math">
+                      <m:r>
+                        <a:rPr lang="en-US" altLang="ko-KR" sz="2400" b="0" i="1" smtClean="0">
+                          <a:latin typeface="Cambria Math" panose="02040503050406030204" pitchFamily="18" charset="0"/>
+                        </a:rPr>
+                        <m:t>⋮</m:t>
+                      </m:r>
+                    </m:oMath>
+                  </m:oMathPara>
+                </a14:m>
+                <a:endParaRPr lang="ko-KR" altLang="en-US" sz="2400" dirty="0"/>
+              </a:p>
+            </p:txBody>
+          </p:sp>
+        </mc:Choice>
+        <mc:Fallback>
+          <p:sp>
+            <p:nvSpPr>
+              <p:cNvPr id="11" name="TextBox 10">
+                <a:extLst>
+                  <a:ext uri="{FF2B5EF4-FFF2-40B4-BE49-F238E27FC236}">
+                    <a16:creationId xmlns:a16="http://schemas.microsoft.com/office/drawing/2014/main" id="{663023C9-70F8-465D-BC03-DC05849AAAAB}"/>
+                  </a:ext>
+                </a:extLst>
+              </p:cNvPr>
+              <p:cNvSpPr txBox="1">
+                <a:spLocks noRot="1" noChangeAspect="1" noMove="1" noResize="1" noEditPoints="1" noAdjustHandles="1" noChangeArrowheads="1" noChangeShapeType="1" noTextEdit="1"/>
+              </p:cNvSpPr>
+              <p:nvPr/>
+            </p:nvSpPr>
+            <p:spPr>
+              <a:xfrm>
+                <a:off x="6616043" y="2895327"/>
+                <a:ext cx="389850" cy="461665"/>
+              </a:xfrm>
+              <a:prstGeom prst="rect">
+                <a:avLst/>
+              </a:prstGeom>
+              <a:blipFill>
+                <a:blip r:embed="rId7"/>
+                <a:stretch>
+                  <a:fillRect/>
+                </a:stretch>
+              </a:blipFill>
+            </p:spPr>
+            <p:txBody>
+              <a:bodyPr/>
+              <a:lstStyle/>
+              <a:p>
+                <a:r>
+                  <a:rPr lang="ko-KR" altLang="en-US">
+                    <a:noFill/>
+                  </a:rPr>
+                  <a:t> </a:t>
+                </a:r>
+              </a:p>
+            </p:txBody>
+          </p:sp>
+        </mc:Fallback>
+      </mc:AlternateContent>
+      <mc:AlternateContent xmlns:mc="http://schemas.openxmlformats.org/markup-compatibility/2006">
+        <mc:Choice xmlns:a14="http://schemas.microsoft.com/office/drawing/2010/main" Requires="a14">
+          <p:sp>
+            <p:nvSpPr>
+              <p:cNvPr id="12" name="TextBox 11">
+                <a:extLst>
+                  <a:ext uri="{FF2B5EF4-FFF2-40B4-BE49-F238E27FC236}">
+                    <a16:creationId xmlns:a16="http://schemas.microsoft.com/office/drawing/2014/main" id="{DDBA801A-D9DA-48FD-808E-7ABE81CF1299}"/>
+                  </a:ext>
+                </a:extLst>
+              </p:cNvPr>
+              <p:cNvSpPr txBox="1"/>
+              <p:nvPr/>
+            </p:nvSpPr>
+            <p:spPr>
+              <a:xfrm>
+                <a:off x="6616043" y="4221088"/>
+                <a:ext cx="389850" cy="461665"/>
+              </a:xfrm>
+              <a:prstGeom prst="rect">
+                <a:avLst/>
+              </a:prstGeom>
+              <a:noFill/>
+            </p:spPr>
+            <p:txBody>
+              <a:bodyPr wrap="none" rtlCol="0">
+                <a:spAutoFit/>
+              </a:bodyPr>
+              <a:lstStyle/>
+              <a:p>
+                <a14:m>
+                  <m:oMathPara xmlns:m="http://schemas.openxmlformats.org/officeDocument/2006/math">
+                    <m:oMathParaPr>
+                      <m:jc m:val="centerGroup"/>
+                    </m:oMathParaPr>
+                    <m:oMath xmlns:m="http://schemas.openxmlformats.org/officeDocument/2006/math">
+                      <m:r>
+                        <a:rPr lang="en-US" altLang="ko-KR" sz="2400" b="0" i="1" smtClean="0">
+                          <a:latin typeface="Cambria Math" panose="02040503050406030204" pitchFamily="18" charset="0"/>
+                        </a:rPr>
+                        <m:t>⋮</m:t>
+                      </m:r>
+                    </m:oMath>
+                  </m:oMathPara>
+                </a14:m>
+                <a:endParaRPr lang="ko-KR" altLang="en-US" sz="2400" dirty="0"/>
+              </a:p>
+            </p:txBody>
+          </p:sp>
+        </mc:Choice>
+        <mc:Fallback>
+          <p:sp>
+            <p:nvSpPr>
+              <p:cNvPr id="12" name="TextBox 11">
+                <a:extLst>
+                  <a:ext uri="{FF2B5EF4-FFF2-40B4-BE49-F238E27FC236}">
+                    <a16:creationId xmlns:a16="http://schemas.microsoft.com/office/drawing/2014/main" id="{DDBA801A-D9DA-48FD-808E-7ABE81CF1299}"/>
+                  </a:ext>
+                </a:extLst>
+              </p:cNvPr>
+              <p:cNvSpPr txBox="1">
+                <a:spLocks noRot="1" noChangeAspect="1" noMove="1" noResize="1" noEditPoints="1" noAdjustHandles="1" noChangeArrowheads="1" noChangeShapeType="1" noTextEdit="1"/>
+              </p:cNvSpPr>
+              <p:nvPr/>
+            </p:nvSpPr>
+            <p:spPr>
+              <a:xfrm>
+                <a:off x="6616043" y="4221088"/>
+                <a:ext cx="389850" cy="461665"/>
+              </a:xfrm>
+              <a:prstGeom prst="rect">
+                <a:avLst/>
+              </a:prstGeom>
+              <a:blipFill>
+                <a:blip r:embed="rId8"/>
+                <a:stretch>
+                  <a:fillRect/>
+                </a:stretch>
+              </a:blipFill>
+            </p:spPr>
+            <p:txBody>
+              <a:bodyPr/>
+              <a:lstStyle/>
+              <a:p>
+                <a:r>
+                  <a:rPr lang="ko-KR" altLang="en-US">
+                    <a:noFill/>
+                  </a:rPr>
+                  <a:t> </a:t>
+                </a:r>
+              </a:p>
+            </p:txBody>
+          </p:sp>
+        </mc:Fallback>
+      </mc:AlternateContent>
+      <mc:AlternateContent xmlns:mc="http://schemas.openxmlformats.org/markup-compatibility/2006">
+        <mc:Choice xmlns:a14="http://schemas.microsoft.com/office/drawing/2010/main" Requires="a14">
+          <p:sp>
+            <p:nvSpPr>
+              <p:cNvPr id="13" name="TextBox 12">
+                <a:extLst>
+                  <a:ext uri="{FF2B5EF4-FFF2-40B4-BE49-F238E27FC236}">
+                    <a16:creationId xmlns:a16="http://schemas.microsoft.com/office/drawing/2014/main" id="{57ACA64A-804E-4B54-8D02-B84AA600B0FF}"/>
+                  </a:ext>
+                </a:extLst>
+              </p:cNvPr>
+              <p:cNvSpPr txBox="1"/>
+              <p:nvPr/>
+            </p:nvSpPr>
+            <p:spPr>
+              <a:xfrm>
+                <a:off x="5965673" y="5494945"/>
+                <a:ext cx="811632" cy="461665"/>
+              </a:xfrm>
+              <a:prstGeom prst="rect">
+                <a:avLst/>
+              </a:prstGeom>
+              <a:noFill/>
+            </p:spPr>
+            <p:txBody>
+              <a:bodyPr wrap="none" rtlCol="0">
+                <a:spAutoFit/>
+              </a:bodyPr>
+              <a:lstStyle/>
+              <a:p>
+                <a:r>
+                  <a:rPr lang="en-US" altLang="ko-KR" sz="2400" dirty="0">
+                    <a:sym typeface="Wingdings" panose="05000000000000000000" pitchFamily="2" charset="2"/>
+                  </a:rPr>
+                  <a:t> </a:t>
+                </a:r>
+                <a14:m>
+                  <m:oMath xmlns:m="http://schemas.openxmlformats.org/officeDocument/2006/math">
+                    <m:r>
+                      <a:rPr lang="en-US" altLang="ko-KR" sz="2400" b="0" i="1" smtClean="0">
+                        <a:latin typeface="Cambria Math" panose="02040503050406030204" pitchFamily="18" charset="0"/>
+                        <a:sym typeface="Wingdings" panose="05000000000000000000" pitchFamily="2" charset="2"/>
+                      </a:rPr>
+                      <m:t>𝜙</m:t>
+                    </m:r>
+                  </m:oMath>
+                </a14:m>
+                <a:endParaRPr lang="ko-KR" altLang="en-US" sz="2400" dirty="0"/>
+              </a:p>
+            </p:txBody>
+          </p:sp>
+        </mc:Choice>
+        <mc:Fallback>
+          <p:sp>
+            <p:nvSpPr>
+              <p:cNvPr id="13" name="TextBox 12">
+                <a:extLst>
+                  <a:ext uri="{FF2B5EF4-FFF2-40B4-BE49-F238E27FC236}">
+                    <a16:creationId xmlns:a16="http://schemas.microsoft.com/office/drawing/2014/main" id="{57ACA64A-804E-4B54-8D02-B84AA600B0FF}"/>
+                  </a:ext>
+                </a:extLst>
+              </p:cNvPr>
+              <p:cNvSpPr txBox="1">
+                <a:spLocks noRot="1" noChangeAspect="1" noMove="1" noResize="1" noEditPoints="1" noAdjustHandles="1" noChangeArrowheads="1" noChangeShapeType="1" noTextEdit="1"/>
+              </p:cNvSpPr>
+              <p:nvPr/>
+            </p:nvSpPr>
+            <p:spPr>
+              <a:xfrm>
+                <a:off x="5965673" y="5494945"/>
+                <a:ext cx="811632" cy="461665"/>
+              </a:xfrm>
+              <a:prstGeom prst="rect">
+                <a:avLst/>
+              </a:prstGeom>
+              <a:blipFill>
+                <a:blip r:embed="rId9"/>
+                <a:stretch>
+                  <a:fillRect l="-12030" t="-9211" r="-4511" b="-30263"/>
+                </a:stretch>
+              </a:blipFill>
+            </p:spPr>
+            <p:txBody>
+              <a:bodyPr/>
+              <a:lstStyle/>
+              <a:p>
+                <a:r>
+                  <a:rPr lang="ko-KR" altLang="en-US">
+                    <a:noFill/>
+                  </a:rPr>
+                  <a:t> </a:t>
+                </a:r>
+              </a:p>
+            </p:txBody>
+          </p:sp>
+        </mc:Fallback>
+      </mc:AlternateContent>
+    </p:spTree>
+    <p:extLst>
+      <p:ext uri="{BB962C8B-B14F-4D97-AF65-F5344CB8AC3E}">
+        <p14:creationId xmlns:p14="http://schemas.microsoft.com/office/powerpoint/2010/main" val="155689555"/>
+      </p:ext>
+    </p:extLst>
+  </p:cSld>
+  <p:clrMapOvr>
+    <a:masterClrMapping/>
+  </p:clrMapOvr>
 </p:sld>
 </file>
 

--- a/pics/2021-02-08-GMM_and_EM/pics.pptx
+++ b/pics/2021-02-08-GMM_and_EM/pics.pptx
@@ -13,7 +13,9 @@
     <p:sldId id="261" r:id="rId7"/>
     <p:sldId id="262" r:id="rId8"/>
     <p:sldId id="263" r:id="rId9"/>
-    <p:sldId id="264" r:id="rId10"/>
+    <p:sldId id="265" r:id="rId10"/>
+    <p:sldId id="264" r:id="rId11"/>
+    <p:sldId id="266" r:id="rId12"/>
   </p:sldIdLst>
   <p:sldSz cx="9144000" cy="6858000" type="screen4x3"/>
   <p:notesSz cx="6858000" cy="9144000"/>
@@ -310,7 +312,7 @@
           <a:p>
             <a:fld id="{FB30EDBD-1C2D-4C1E-B459-B60219FAB484}" type="datetimeFigureOut">
               <a:rPr lang="ko-KR" altLang="en-US" smtClean="0"/>
-              <a:t>2021-03-25</a:t>
+              <a:t>2023-05-08</a:t>
             </a:fld>
             <a:endParaRPr lang="ko-KR" altLang="en-US"/>
           </a:p>
@@ -473,7 +475,7 @@
           <a:p>
             <a:fld id="{FB30EDBD-1C2D-4C1E-B459-B60219FAB484}" type="datetimeFigureOut">
               <a:rPr lang="ko-KR" altLang="en-US" smtClean="0"/>
-              <a:t>2021-03-25</a:t>
+              <a:t>2023-05-08</a:t>
             </a:fld>
             <a:endParaRPr lang="ko-KR" altLang="en-US"/>
           </a:p>
@@ -646,7 +648,7 @@
           <a:p>
             <a:fld id="{FB30EDBD-1C2D-4C1E-B459-B60219FAB484}" type="datetimeFigureOut">
               <a:rPr lang="ko-KR" altLang="en-US" smtClean="0"/>
-              <a:t>2021-03-25</a:t>
+              <a:t>2023-05-08</a:t>
             </a:fld>
             <a:endParaRPr lang="ko-KR" altLang="en-US"/>
           </a:p>
@@ -809,7 +811,7 @@
           <a:p>
             <a:fld id="{FB30EDBD-1C2D-4C1E-B459-B60219FAB484}" type="datetimeFigureOut">
               <a:rPr lang="ko-KR" altLang="en-US" smtClean="0"/>
-              <a:t>2021-03-25</a:t>
+              <a:t>2023-05-08</a:t>
             </a:fld>
             <a:endParaRPr lang="ko-KR" altLang="en-US"/>
           </a:p>
@@ -1049,7 +1051,7 @@
           <a:p>
             <a:fld id="{FB30EDBD-1C2D-4C1E-B459-B60219FAB484}" type="datetimeFigureOut">
               <a:rPr lang="ko-KR" altLang="en-US" smtClean="0"/>
-              <a:t>2021-03-25</a:t>
+              <a:t>2023-05-08</a:t>
             </a:fld>
             <a:endParaRPr lang="ko-KR" altLang="en-US"/>
           </a:p>
@@ -1329,7 +1331,7 @@
           <a:p>
             <a:fld id="{FB30EDBD-1C2D-4C1E-B459-B60219FAB484}" type="datetimeFigureOut">
               <a:rPr lang="ko-KR" altLang="en-US" smtClean="0"/>
-              <a:t>2021-03-25</a:t>
+              <a:t>2023-05-08</a:t>
             </a:fld>
             <a:endParaRPr lang="ko-KR" altLang="en-US"/>
           </a:p>
@@ -1743,7 +1745,7 @@
           <a:p>
             <a:fld id="{FB30EDBD-1C2D-4C1E-B459-B60219FAB484}" type="datetimeFigureOut">
               <a:rPr lang="ko-KR" altLang="en-US" smtClean="0"/>
-              <a:t>2021-03-25</a:t>
+              <a:t>2023-05-08</a:t>
             </a:fld>
             <a:endParaRPr lang="ko-KR" altLang="en-US"/>
           </a:p>
@@ -1855,7 +1857,7 @@
           <a:p>
             <a:fld id="{FB30EDBD-1C2D-4C1E-B459-B60219FAB484}" type="datetimeFigureOut">
               <a:rPr lang="ko-KR" altLang="en-US" smtClean="0"/>
-              <a:t>2021-03-25</a:t>
+              <a:t>2023-05-08</a:t>
             </a:fld>
             <a:endParaRPr lang="ko-KR" altLang="en-US"/>
           </a:p>
@@ -1945,7 +1947,7 @@
           <a:p>
             <a:fld id="{FB30EDBD-1C2D-4C1E-B459-B60219FAB484}" type="datetimeFigureOut">
               <a:rPr lang="ko-KR" altLang="en-US" smtClean="0"/>
-              <a:t>2021-03-25</a:t>
+              <a:t>2023-05-08</a:t>
             </a:fld>
             <a:endParaRPr lang="ko-KR" altLang="en-US"/>
           </a:p>
@@ -2215,7 +2217,7 @@
           <a:p>
             <a:fld id="{FB30EDBD-1C2D-4C1E-B459-B60219FAB484}" type="datetimeFigureOut">
               <a:rPr lang="ko-KR" altLang="en-US" smtClean="0"/>
-              <a:t>2021-03-25</a:t>
+              <a:t>2023-05-08</a:t>
             </a:fld>
             <a:endParaRPr lang="ko-KR" altLang="en-US"/>
           </a:p>
@@ -2462,7 +2464,7 @@
           <a:p>
             <a:fld id="{FB30EDBD-1C2D-4C1E-B459-B60219FAB484}" type="datetimeFigureOut">
               <a:rPr lang="ko-KR" altLang="en-US" smtClean="0"/>
-              <a:t>2021-03-25</a:t>
+              <a:t>2023-05-08</a:t>
             </a:fld>
             <a:endParaRPr lang="ko-KR" altLang="en-US"/>
           </a:p>
@@ -2668,7 +2670,7 @@
           <a:p>
             <a:fld id="{FB30EDBD-1C2D-4C1E-B459-B60219FAB484}" type="datetimeFigureOut">
               <a:rPr lang="ko-KR" altLang="en-US" smtClean="0"/>
-              <a:t>2021-03-25</a:t>
+              <a:t>2023-05-08</a:t>
             </a:fld>
             <a:endParaRPr lang="ko-KR" altLang="en-US"/>
           </a:p>
@@ -3106,6 +3108,2086 @@
     <p:extLst>
       <p:ext uri="{BB962C8B-B14F-4D97-AF65-F5344CB8AC3E}">
         <p14:creationId xmlns:p14="http://schemas.microsoft.com/office/powerpoint/2010/main" val="970048761"/>
+      </p:ext>
+    </p:extLst>
+  </p:cSld>
+  <p:clrMapOvr>
+    <a:masterClrMapping/>
+  </p:clrMapOvr>
+</p:sld>
+</file>
+
+<file path=ppt/slides/slide10.xml><?xml version="1.0" encoding="utf-8"?>
+<p:sld xmlns:a="http://schemas.openxmlformats.org/drawingml/2006/main" xmlns:r="http://schemas.openxmlformats.org/officeDocument/2006/relationships" xmlns:p="http://schemas.openxmlformats.org/presentationml/2006/main">
+  <p:cSld>
+    <p:spTree>
+      <p:nvGrpSpPr>
+        <p:cNvPr id="1" name=""/>
+        <p:cNvGrpSpPr/>
+        <p:nvPr/>
+      </p:nvGrpSpPr>
+      <p:grpSpPr>
+        <a:xfrm>
+          <a:off x="0" y="0"/>
+          <a:ext cx="0" cy="0"/>
+          <a:chOff x="0" y="0"/>
+          <a:chExt cx="0" cy="0"/>
+        </a:xfrm>
+      </p:grpSpPr>
+      <p:pic>
+        <p:nvPicPr>
+          <p:cNvPr id="6" name="그림 5">
+            <a:extLst>
+              <a:ext uri="{FF2B5EF4-FFF2-40B4-BE49-F238E27FC236}">
+                <a16:creationId xmlns:a16="http://schemas.microsoft.com/office/drawing/2014/main" id="{FC6E4A84-EF92-4BFE-BEE2-C85908676AF4}"/>
+              </a:ext>
+            </a:extLst>
+          </p:cNvPr>
+          <p:cNvPicPr>
+            <a:picLocks noChangeAspect="1"/>
+          </p:cNvPicPr>
+          <p:nvPr/>
+        </p:nvPicPr>
+        <p:blipFill>
+          <a:blip r:embed="rId2"/>
+          <a:stretch>
+            <a:fillRect/>
+          </a:stretch>
+        </p:blipFill>
+        <p:spPr>
+          <a:xfrm>
+            <a:off x="2051720" y="921272"/>
+            <a:ext cx="3744416" cy="5015456"/>
+          </a:xfrm>
+          <a:prstGeom prst="rect">
+            <a:avLst/>
+          </a:prstGeom>
+        </p:spPr>
+      </p:pic>
+      <mc:AlternateContent xmlns:mc="http://schemas.openxmlformats.org/markup-compatibility/2006" xmlns:a14="http://schemas.microsoft.com/office/drawing/2010/main">
+        <mc:Choice Requires="a14">
+          <p:sp>
+            <p:nvSpPr>
+              <p:cNvPr id="7" name="TextBox 6">
+                <a:extLst>
+                  <a:ext uri="{FF2B5EF4-FFF2-40B4-BE49-F238E27FC236}">
+                    <a16:creationId xmlns:a16="http://schemas.microsoft.com/office/drawing/2014/main" id="{62A00DFD-E97A-4685-82D7-22A7C63E409E}"/>
+                  </a:ext>
+                </a:extLst>
+              </p:cNvPr>
+              <p:cNvSpPr txBox="1"/>
+              <p:nvPr/>
+            </p:nvSpPr>
+            <p:spPr>
+              <a:xfrm>
+                <a:off x="6063456" y="1604625"/>
+                <a:ext cx="1858779" cy="553998"/>
+              </a:xfrm>
+              <a:prstGeom prst="rect">
+                <a:avLst/>
+              </a:prstGeom>
+              <a:noFill/>
+            </p:spPr>
+            <p:txBody>
+              <a:bodyPr wrap="none" rtlCol="0">
+                <a:spAutoFit/>
+              </a:bodyPr>
+              <a:lstStyle/>
+              <a:p>
+                <a:r>
+                  <a:rPr lang="en-US" altLang="ko-KR" sz="2400" dirty="0">
+                    <a:sym typeface="Wingdings" panose="05000000000000000000" pitchFamily="2" charset="2"/>
+                  </a:rPr>
+                  <a:t> </a:t>
+                </a:r>
+                <a14:m>
+                  <m:oMath xmlns:m="http://schemas.openxmlformats.org/officeDocument/2006/math">
+                    <m:sSubSup>
+                      <m:sSubSupPr>
+                        <m:ctrlPr>
+                          <a:rPr lang="en-US" altLang="ko-KR" sz="2400" b="0" i="1" smtClean="0">
+                            <a:latin typeface="Cambria Math" panose="02040503050406030204" pitchFamily="18" charset="0"/>
+                            <a:sym typeface="Wingdings" panose="05000000000000000000" pitchFamily="2" charset="2"/>
+                          </a:rPr>
+                        </m:ctrlPr>
+                      </m:sSubSupPr>
+                      <m:e>
+                        <m:r>
+                          <a:rPr lang="en-US" altLang="ko-KR" sz="2400" b="0" i="1" smtClean="0">
+                            <a:latin typeface="Cambria Math" panose="02040503050406030204" pitchFamily="18" charset="0"/>
+                            <a:sym typeface="Wingdings" panose="05000000000000000000" pitchFamily="2" charset="2"/>
+                          </a:rPr>
+                          <m:t>𝑤</m:t>
+                        </m:r>
+                      </m:e>
+                      <m:sub>
+                        <m:r>
+                          <a:rPr lang="en-US" altLang="ko-KR" sz="2400" b="0" i="1" smtClean="0">
+                            <a:latin typeface="Cambria Math" panose="02040503050406030204" pitchFamily="18" charset="0"/>
+                            <a:sym typeface="Wingdings" panose="05000000000000000000" pitchFamily="2" charset="2"/>
+                          </a:rPr>
+                          <m:t>1</m:t>
+                        </m:r>
+                      </m:sub>
+                      <m:sup>
+                        <m:r>
+                          <a:rPr lang="en-US" altLang="ko-KR" sz="2400" b="0" i="1" smtClean="0">
+                            <a:latin typeface="Cambria Math" panose="02040503050406030204" pitchFamily="18" charset="0"/>
+                            <a:sym typeface="Wingdings" panose="05000000000000000000" pitchFamily="2" charset="2"/>
+                          </a:rPr>
+                          <m:t>(1)</m:t>
+                        </m:r>
+                      </m:sup>
+                    </m:sSubSup>
+                    <m:r>
+                      <a:rPr lang="en-US" altLang="ko-KR" sz="2400" b="0" i="1" smtClean="0">
+                        <a:latin typeface="Cambria Math" panose="02040503050406030204" pitchFamily="18" charset="0"/>
+                        <a:sym typeface="Wingdings" panose="05000000000000000000" pitchFamily="2" charset="2"/>
+                      </a:rPr>
+                      <m:t>, </m:t>
+                    </m:r>
+                    <m:sSubSup>
+                      <m:sSubSupPr>
+                        <m:ctrlPr>
+                          <a:rPr lang="en-US" altLang="ko-KR" sz="2400" b="0" i="1" smtClean="0">
+                            <a:latin typeface="Cambria Math" panose="02040503050406030204" pitchFamily="18" charset="0"/>
+                            <a:sym typeface="Wingdings" panose="05000000000000000000" pitchFamily="2" charset="2"/>
+                          </a:rPr>
+                        </m:ctrlPr>
+                      </m:sSubSupPr>
+                      <m:e>
+                        <m:r>
+                          <a:rPr lang="en-US" altLang="ko-KR" sz="2400" b="0" i="1" smtClean="0">
+                            <a:latin typeface="Cambria Math" panose="02040503050406030204" pitchFamily="18" charset="0"/>
+                            <a:sym typeface="Wingdings" panose="05000000000000000000" pitchFamily="2" charset="2"/>
+                          </a:rPr>
+                          <m:t>𝑤</m:t>
+                        </m:r>
+                      </m:e>
+                      <m:sub>
+                        <m:r>
+                          <a:rPr lang="en-US" altLang="ko-KR" sz="2400" b="0" i="1" smtClean="0">
+                            <a:latin typeface="Cambria Math" panose="02040503050406030204" pitchFamily="18" charset="0"/>
+                            <a:sym typeface="Wingdings" panose="05000000000000000000" pitchFamily="2" charset="2"/>
+                          </a:rPr>
+                          <m:t>2</m:t>
+                        </m:r>
+                      </m:sub>
+                      <m:sup>
+                        <m:r>
+                          <a:rPr lang="en-US" altLang="ko-KR" sz="2400" b="0" i="1" smtClean="0">
+                            <a:latin typeface="Cambria Math" panose="02040503050406030204" pitchFamily="18" charset="0"/>
+                            <a:sym typeface="Wingdings" panose="05000000000000000000" pitchFamily="2" charset="2"/>
+                          </a:rPr>
+                          <m:t>(1)</m:t>
+                        </m:r>
+                      </m:sup>
+                    </m:sSubSup>
+                  </m:oMath>
+                </a14:m>
+                <a:endParaRPr lang="ko-KR" altLang="en-US" sz="2400" dirty="0"/>
+              </a:p>
+            </p:txBody>
+          </p:sp>
+        </mc:Choice>
+        <mc:Fallback xmlns="">
+          <p:sp>
+            <p:nvSpPr>
+              <p:cNvPr id="7" name="TextBox 6">
+                <a:extLst>
+                  <a:ext uri="{FF2B5EF4-FFF2-40B4-BE49-F238E27FC236}">
+                    <a16:creationId xmlns:a16="http://schemas.microsoft.com/office/drawing/2014/main" id="{62A00DFD-E97A-4685-82D7-22A7C63E409E}"/>
+                  </a:ext>
+                </a:extLst>
+              </p:cNvPr>
+              <p:cNvSpPr txBox="1">
+                <a:spLocks noRot="1" noChangeAspect="1" noMove="1" noResize="1" noEditPoints="1" noAdjustHandles="1" noChangeArrowheads="1" noChangeShapeType="1" noTextEdit="1"/>
+              </p:cNvSpPr>
+              <p:nvPr/>
+            </p:nvSpPr>
+            <p:spPr>
+              <a:xfrm>
+                <a:off x="6063456" y="1604625"/>
+                <a:ext cx="1858779" cy="553998"/>
+              </a:xfrm>
+              <a:prstGeom prst="rect">
+                <a:avLst/>
+              </a:prstGeom>
+              <a:blipFill>
+                <a:blip r:embed="rId3"/>
+                <a:stretch>
+                  <a:fillRect l="-5246" b="-20879"/>
+                </a:stretch>
+              </a:blipFill>
+            </p:spPr>
+            <p:txBody>
+              <a:bodyPr/>
+              <a:lstStyle/>
+              <a:p>
+                <a:r>
+                  <a:rPr lang="ko-KR" altLang="en-US">
+                    <a:noFill/>
+                  </a:rPr>
+                  <a:t> </a:t>
+                </a:r>
+              </a:p>
+            </p:txBody>
+          </p:sp>
+        </mc:Fallback>
+      </mc:AlternateContent>
+      <mc:AlternateContent xmlns:mc="http://schemas.openxmlformats.org/markup-compatibility/2006" xmlns:a14="http://schemas.microsoft.com/office/drawing/2010/main">
+        <mc:Choice Requires="a14">
+          <p:sp>
+            <p:nvSpPr>
+              <p:cNvPr id="8" name="TextBox 7">
+                <a:extLst>
+                  <a:ext uri="{FF2B5EF4-FFF2-40B4-BE49-F238E27FC236}">
+                    <a16:creationId xmlns:a16="http://schemas.microsoft.com/office/drawing/2014/main" id="{2773D48F-D2F7-4DD3-A357-063E260D7581}"/>
+                  </a:ext>
+                </a:extLst>
+              </p:cNvPr>
+              <p:cNvSpPr txBox="1"/>
+              <p:nvPr/>
+            </p:nvSpPr>
+            <p:spPr>
+              <a:xfrm>
+                <a:off x="6063456" y="2125330"/>
+                <a:ext cx="1858779" cy="553998"/>
+              </a:xfrm>
+              <a:prstGeom prst="rect">
+                <a:avLst/>
+              </a:prstGeom>
+              <a:noFill/>
+            </p:spPr>
+            <p:txBody>
+              <a:bodyPr wrap="none" rtlCol="0">
+                <a:spAutoFit/>
+              </a:bodyPr>
+              <a:lstStyle/>
+              <a:p>
+                <a:r>
+                  <a:rPr lang="en-US" altLang="ko-KR" sz="2400" dirty="0">
+                    <a:sym typeface="Wingdings" panose="05000000000000000000" pitchFamily="2" charset="2"/>
+                  </a:rPr>
+                  <a:t> </a:t>
+                </a:r>
+                <a14:m>
+                  <m:oMath xmlns:m="http://schemas.openxmlformats.org/officeDocument/2006/math">
+                    <m:sSubSup>
+                      <m:sSubSupPr>
+                        <m:ctrlPr>
+                          <a:rPr lang="en-US" altLang="ko-KR" sz="2400" b="0" i="1" smtClean="0">
+                            <a:latin typeface="Cambria Math" panose="02040503050406030204" pitchFamily="18" charset="0"/>
+                            <a:sym typeface="Wingdings" panose="05000000000000000000" pitchFamily="2" charset="2"/>
+                          </a:rPr>
+                        </m:ctrlPr>
+                      </m:sSubSupPr>
+                      <m:e>
+                        <m:r>
+                          <a:rPr lang="en-US" altLang="ko-KR" sz="2400" b="0" i="1" smtClean="0">
+                            <a:latin typeface="Cambria Math" panose="02040503050406030204" pitchFamily="18" charset="0"/>
+                            <a:sym typeface="Wingdings" panose="05000000000000000000" pitchFamily="2" charset="2"/>
+                          </a:rPr>
+                          <m:t>𝑤</m:t>
+                        </m:r>
+                      </m:e>
+                      <m:sub>
+                        <m:r>
+                          <a:rPr lang="en-US" altLang="ko-KR" sz="2400" b="0" i="1" smtClean="0">
+                            <a:latin typeface="Cambria Math" panose="02040503050406030204" pitchFamily="18" charset="0"/>
+                            <a:sym typeface="Wingdings" panose="05000000000000000000" pitchFamily="2" charset="2"/>
+                          </a:rPr>
+                          <m:t>1</m:t>
+                        </m:r>
+                      </m:sub>
+                      <m:sup>
+                        <m:r>
+                          <a:rPr lang="en-US" altLang="ko-KR" sz="2400" b="0" i="1" smtClean="0">
+                            <a:latin typeface="Cambria Math" panose="02040503050406030204" pitchFamily="18" charset="0"/>
+                            <a:sym typeface="Wingdings" panose="05000000000000000000" pitchFamily="2" charset="2"/>
+                          </a:rPr>
+                          <m:t>(2)</m:t>
+                        </m:r>
+                      </m:sup>
+                    </m:sSubSup>
+                    <m:r>
+                      <a:rPr lang="en-US" altLang="ko-KR" sz="2400" b="0" i="1" smtClean="0">
+                        <a:latin typeface="Cambria Math" panose="02040503050406030204" pitchFamily="18" charset="0"/>
+                        <a:sym typeface="Wingdings" panose="05000000000000000000" pitchFamily="2" charset="2"/>
+                      </a:rPr>
+                      <m:t>, </m:t>
+                    </m:r>
+                    <m:sSubSup>
+                      <m:sSubSupPr>
+                        <m:ctrlPr>
+                          <a:rPr lang="en-US" altLang="ko-KR" sz="2400" b="0" i="1" smtClean="0">
+                            <a:latin typeface="Cambria Math" panose="02040503050406030204" pitchFamily="18" charset="0"/>
+                            <a:sym typeface="Wingdings" panose="05000000000000000000" pitchFamily="2" charset="2"/>
+                          </a:rPr>
+                        </m:ctrlPr>
+                      </m:sSubSupPr>
+                      <m:e>
+                        <m:r>
+                          <a:rPr lang="en-US" altLang="ko-KR" sz="2400" b="0" i="1" smtClean="0">
+                            <a:latin typeface="Cambria Math" panose="02040503050406030204" pitchFamily="18" charset="0"/>
+                            <a:sym typeface="Wingdings" panose="05000000000000000000" pitchFamily="2" charset="2"/>
+                          </a:rPr>
+                          <m:t>𝑤</m:t>
+                        </m:r>
+                      </m:e>
+                      <m:sub>
+                        <m:r>
+                          <a:rPr lang="en-US" altLang="ko-KR" sz="2400" b="0" i="1" smtClean="0">
+                            <a:latin typeface="Cambria Math" panose="02040503050406030204" pitchFamily="18" charset="0"/>
+                            <a:sym typeface="Wingdings" panose="05000000000000000000" pitchFamily="2" charset="2"/>
+                          </a:rPr>
+                          <m:t>2</m:t>
+                        </m:r>
+                      </m:sub>
+                      <m:sup>
+                        <m:r>
+                          <a:rPr lang="en-US" altLang="ko-KR" sz="2400" b="0" i="1" smtClean="0">
+                            <a:latin typeface="Cambria Math" panose="02040503050406030204" pitchFamily="18" charset="0"/>
+                            <a:sym typeface="Wingdings" panose="05000000000000000000" pitchFamily="2" charset="2"/>
+                          </a:rPr>
+                          <m:t>(2)</m:t>
+                        </m:r>
+                      </m:sup>
+                    </m:sSubSup>
+                  </m:oMath>
+                </a14:m>
+                <a:endParaRPr lang="ko-KR" altLang="en-US" sz="2400" dirty="0"/>
+              </a:p>
+            </p:txBody>
+          </p:sp>
+        </mc:Choice>
+        <mc:Fallback xmlns="">
+          <p:sp>
+            <p:nvSpPr>
+              <p:cNvPr id="8" name="TextBox 7">
+                <a:extLst>
+                  <a:ext uri="{FF2B5EF4-FFF2-40B4-BE49-F238E27FC236}">
+                    <a16:creationId xmlns:a16="http://schemas.microsoft.com/office/drawing/2014/main" id="{2773D48F-D2F7-4DD3-A357-063E260D7581}"/>
+                  </a:ext>
+                </a:extLst>
+              </p:cNvPr>
+              <p:cNvSpPr txBox="1">
+                <a:spLocks noRot="1" noChangeAspect="1" noMove="1" noResize="1" noEditPoints="1" noAdjustHandles="1" noChangeArrowheads="1" noChangeShapeType="1" noTextEdit="1"/>
+              </p:cNvSpPr>
+              <p:nvPr/>
+            </p:nvSpPr>
+            <p:spPr>
+              <a:xfrm>
+                <a:off x="6063456" y="2125330"/>
+                <a:ext cx="1858779" cy="553998"/>
+              </a:xfrm>
+              <a:prstGeom prst="rect">
+                <a:avLst/>
+              </a:prstGeom>
+              <a:blipFill>
+                <a:blip r:embed="rId4"/>
+                <a:stretch>
+                  <a:fillRect l="-5246" b="-20879"/>
+                </a:stretch>
+              </a:blipFill>
+            </p:spPr>
+            <p:txBody>
+              <a:bodyPr/>
+              <a:lstStyle/>
+              <a:p>
+                <a:r>
+                  <a:rPr lang="ko-KR" altLang="en-US">
+                    <a:noFill/>
+                  </a:rPr>
+                  <a:t> </a:t>
+                </a:r>
+              </a:p>
+            </p:txBody>
+          </p:sp>
+        </mc:Fallback>
+      </mc:AlternateContent>
+      <mc:AlternateContent xmlns:mc="http://schemas.openxmlformats.org/markup-compatibility/2006" xmlns:a14="http://schemas.microsoft.com/office/drawing/2010/main">
+        <mc:Choice Requires="a14">
+          <p:sp>
+            <p:nvSpPr>
+              <p:cNvPr id="9" name="TextBox 8">
+                <a:extLst>
+                  <a:ext uri="{FF2B5EF4-FFF2-40B4-BE49-F238E27FC236}">
+                    <a16:creationId xmlns:a16="http://schemas.microsoft.com/office/drawing/2014/main" id="{F79CC6FE-DE31-4228-A71A-76F8421E4185}"/>
+                  </a:ext>
+                </a:extLst>
+              </p:cNvPr>
+              <p:cNvSpPr txBox="1"/>
+              <p:nvPr/>
+            </p:nvSpPr>
+            <p:spPr>
+              <a:xfrm>
+                <a:off x="5965673" y="4963234"/>
+                <a:ext cx="2118465" cy="553998"/>
+              </a:xfrm>
+              <a:prstGeom prst="rect">
+                <a:avLst/>
+              </a:prstGeom>
+              <a:noFill/>
+            </p:spPr>
+            <p:txBody>
+              <a:bodyPr wrap="none" rtlCol="0">
+                <a:spAutoFit/>
+              </a:bodyPr>
+              <a:lstStyle/>
+              <a:p>
+                <a:r>
+                  <a:rPr lang="en-US" altLang="ko-KR" sz="2400" dirty="0">
+                    <a:sym typeface="Wingdings" panose="05000000000000000000" pitchFamily="2" charset="2"/>
+                  </a:rPr>
+                  <a:t> </a:t>
+                </a:r>
+                <a14:m>
+                  <m:oMath xmlns:m="http://schemas.openxmlformats.org/officeDocument/2006/math">
+                    <m:sSubSup>
+                      <m:sSubSupPr>
+                        <m:ctrlPr>
+                          <a:rPr lang="en-US" altLang="ko-KR" sz="2400" b="0" i="1" smtClean="0">
+                            <a:latin typeface="Cambria Math" panose="02040503050406030204" pitchFamily="18" charset="0"/>
+                            <a:sym typeface="Wingdings" panose="05000000000000000000" pitchFamily="2" charset="2"/>
+                          </a:rPr>
+                        </m:ctrlPr>
+                      </m:sSubSupPr>
+                      <m:e>
+                        <m:r>
+                          <a:rPr lang="en-US" altLang="ko-KR" sz="2400" b="0" i="1" smtClean="0">
+                            <a:latin typeface="Cambria Math" panose="02040503050406030204" pitchFamily="18" charset="0"/>
+                            <a:sym typeface="Wingdings" panose="05000000000000000000" pitchFamily="2" charset="2"/>
+                          </a:rPr>
+                          <m:t>𝑤</m:t>
+                        </m:r>
+                      </m:e>
+                      <m:sub>
+                        <m:r>
+                          <a:rPr lang="en-US" altLang="ko-KR" sz="2400" b="0" i="1" smtClean="0">
+                            <a:latin typeface="Cambria Math" panose="02040503050406030204" pitchFamily="18" charset="0"/>
+                            <a:sym typeface="Wingdings" panose="05000000000000000000" pitchFamily="2" charset="2"/>
+                          </a:rPr>
+                          <m:t>1</m:t>
+                        </m:r>
+                      </m:sub>
+                      <m:sup>
+                        <m:r>
+                          <a:rPr lang="en-US" altLang="ko-KR" sz="2400" b="0" i="1" smtClean="0">
+                            <a:latin typeface="Cambria Math" panose="02040503050406030204" pitchFamily="18" charset="0"/>
+                            <a:sym typeface="Wingdings" panose="05000000000000000000" pitchFamily="2" charset="2"/>
+                          </a:rPr>
+                          <m:t>(10)</m:t>
+                        </m:r>
+                      </m:sup>
+                    </m:sSubSup>
+                    <m:r>
+                      <a:rPr lang="en-US" altLang="ko-KR" sz="2400" b="0" i="1" smtClean="0">
+                        <a:latin typeface="Cambria Math" panose="02040503050406030204" pitchFamily="18" charset="0"/>
+                        <a:sym typeface="Wingdings" panose="05000000000000000000" pitchFamily="2" charset="2"/>
+                      </a:rPr>
+                      <m:t>, </m:t>
+                    </m:r>
+                    <m:sSubSup>
+                      <m:sSubSupPr>
+                        <m:ctrlPr>
+                          <a:rPr lang="en-US" altLang="ko-KR" sz="2400" b="0" i="1" smtClean="0">
+                            <a:latin typeface="Cambria Math" panose="02040503050406030204" pitchFamily="18" charset="0"/>
+                            <a:sym typeface="Wingdings" panose="05000000000000000000" pitchFamily="2" charset="2"/>
+                          </a:rPr>
+                        </m:ctrlPr>
+                      </m:sSubSupPr>
+                      <m:e>
+                        <m:r>
+                          <a:rPr lang="en-US" altLang="ko-KR" sz="2400" b="0" i="1" smtClean="0">
+                            <a:latin typeface="Cambria Math" panose="02040503050406030204" pitchFamily="18" charset="0"/>
+                            <a:sym typeface="Wingdings" panose="05000000000000000000" pitchFamily="2" charset="2"/>
+                          </a:rPr>
+                          <m:t>𝑤</m:t>
+                        </m:r>
+                      </m:e>
+                      <m:sub>
+                        <m:r>
+                          <a:rPr lang="en-US" altLang="ko-KR" sz="2400" b="0" i="1" smtClean="0">
+                            <a:latin typeface="Cambria Math" panose="02040503050406030204" pitchFamily="18" charset="0"/>
+                            <a:sym typeface="Wingdings" panose="05000000000000000000" pitchFamily="2" charset="2"/>
+                          </a:rPr>
+                          <m:t>2</m:t>
+                        </m:r>
+                      </m:sub>
+                      <m:sup>
+                        <m:r>
+                          <a:rPr lang="en-US" altLang="ko-KR" sz="2400" b="0" i="1" smtClean="0">
+                            <a:latin typeface="Cambria Math" panose="02040503050406030204" pitchFamily="18" charset="0"/>
+                            <a:sym typeface="Wingdings" panose="05000000000000000000" pitchFamily="2" charset="2"/>
+                          </a:rPr>
+                          <m:t>(10)</m:t>
+                        </m:r>
+                      </m:sup>
+                    </m:sSubSup>
+                  </m:oMath>
+                </a14:m>
+                <a:endParaRPr lang="ko-KR" altLang="en-US" sz="2400" dirty="0"/>
+              </a:p>
+            </p:txBody>
+          </p:sp>
+        </mc:Choice>
+        <mc:Fallback xmlns="">
+          <p:sp>
+            <p:nvSpPr>
+              <p:cNvPr id="9" name="TextBox 8">
+                <a:extLst>
+                  <a:ext uri="{FF2B5EF4-FFF2-40B4-BE49-F238E27FC236}">
+                    <a16:creationId xmlns:a16="http://schemas.microsoft.com/office/drawing/2014/main" id="{F79CC6FE-DE31-4228-A71A-76F8421E4185}"/>
+                  </a:ext>
+                </a:extLst>
+              </p:cNvPr>
+              <p:cNvSpPr txBox="1">
+                <a:spLocks noRot="1" noChangeAspect="1" noMove="1" noResize="1" noEditPoints="1" noAdjustHandles="1" noChangeArrowheads="1" noChangeShapeType="1" noTextEdit="1"/>
+              </p:cNvSpPr>
+              <p:nvPr/>
+            </p:nvSpPr>
+            <p:spPr>
+              <a:xfrm>
+                <a:off x="5965673" y="4963234"/>
+                <a:ext cx="2118465" cy="553998"/>
+              </a:xfrm>
+              <a:prstGeom prst="rect">
+                <a:avLst/>
+              </a:prstGeom>
+              <a:blipFill>
+                <a:blip r:embed="rId5"/>
+                <a:stretch>
+                  <a:fillRect l="-4611" b="-20879"/>
+                </a:stretch>
+              </a:blipFill>
+            </p:spPr>
+            <p:txBody>
+              <a:bodyPr/>
+              <a:lstStyle/>
+              <a:p>
+                <a:r>
+                  <a:rPr lang="ko-KR" altLang="en-US">
+                    <a:noFill/>
+                  </a:rPr>
+                  <a:t> </a:t>
+                </a:r>
+              </a:p>
+            </p:txBody>
+          </p:sp>
+        </mc:Fallback>
+      </mc:AlternateContent>
+      <mc:AlternateContent xmlns:mc="http://schemas.openxmlformats.org/markup-compatibility/2006" xmlns:a14="http://schemas.microsoft.com/office/drawing/2010/main">
+        <mc:Choice Requires="a14">
+          <p:sp>
+            <p:nvSpPr>
+              <p:cNvPr id="10" name="TextBox 9">
+                <a:extLst>
+                  <a:ext uri="{FF2B5EF4-FFF2-40B4-BE49-F238E27FC236}">
+                    <a16:creationId xmlns:a16="http://schemas.microsoft.com/office/drawing/2014/main" id="{710D71C9-58F7-4E92-822F-D64C87C8B34F}"/>
+                  </a:ext>
+                </a:extLst>
+              </p:cNvPr>
+              <p:cNvSpPr txBox="1"/>
+              <p:nvPr/>
+            </p:nvSpPr>
+            <p:spPr>
+              <a:xfrm>
+                <a:off x="6012160" y="3429000"/>
+                <a:ext cx="1926105" cy="553998"/>
+              </a:xfrm>
+              <a:prstGeom prst="rect">
+                <a:avLst/>
+              </a:prstGeom>
+              <a:noFill/>
+            </p:spPr>
+            <p:txBody>
+              <a:bodyPr wrap="none" rtlCol="0">
+                <a:spAutoFit/>
+              </a:bodyPr>
+              <a:lstStyle/>
+              <a:p>
+                <a:r>
+                  <a:rPr lang="en-US" altLang="ko-KR" sz="2400" dirty="0">
+                    <a:sym typeface="Wingdings" panose="05000000000000000000" pitchFamily="2" charset="2"/>
+                  </a:rPr>
+                  <a:t> </a:t>
+                </a:r>
+                <a14:m>
+                  <m:oMath xmlns:m="http://schemas.openxmlformats.org/officeDocument/2006/math">
+                    <m:sSubSup>
+                      <m:sSubSupPr>
+                        <m:ctrlPr>
+                          <a:rPr lang="en-US" altLang="ko-KR" sz="2400" b="0" i="1" smtClean="0">
+                            <a:latin typeface="Cambria Math" panose="02040503050406030204" pitchFamily="18" charset="0"/>
+                            <a:sym typeface="Wingdings" panose="05000000000000000000" pitchFamily="2" charset="2"/>
+                          </a:rPr>
+                        </m:ctrlPr>
+                      </m:sSubSupPr>
+                      <m:e>
+                        <m:r>
+                          <a:rPr lang="en-US" altLang="ko-KR" sz="2400" b="0" i="1" smtClean="0">
+                            <a:latin typeface="Cambria Math" panose="02040503050406030204" pitchFamily="18" charset="0"/>
+                            <a:sym typeface="Wingdings" panose="05000000000000000000" pitchFamily="2" charset="2"/>
+                          </a:rPr>
+                          <m:t>𝑤</m:t>
+                        </m:r>
+                      </m:e>
+                      <m:sub>
+                        <m:r>
+                          <a:rPr lang="en-US" altLang="ko-KR" sz="2400" b="0" i="1" smtClean="0">
+                            <a:latin typeface="Cambria Math" panose="02040503050406030204" pitchFamily="18" charset="0"/>
+                            <a:sym typeface="Wingdings" panose="05000000000000000000" pitchFamily="2" charset="2"/>
+                          </a:rPr>
+                          <m:t>1</m:t>
+                        </m:r>
+                      </m:sub>
+                      <m:sup>
+                        <m:r>
+                          <a:rPr lang="en-US" altLang="ko-KR" sz="2400" b="0" i="1" smtClean="0">
+                            <a:latin typeface="Cambria Math" panose="02040503050406030204" pitchFamily="18" charset="0"/>
+                            <a:sym typeface="Wingdings" panose="05000000000000000000" pitchFamily="2" charset="2"/>
+                          </a:rPr>
+                          <m:t>(6)</m:t>
+                        </m:r>
+                      </m:sup>
+                    </m:sSubSup>
+                    <m:r>
+                      <a:rPr lang="en-US" altLang="ko-KR" sz="2400" b="0" i="1" smtClean="0">
+                        <a:latin typeface="Cambria Math" panose="02040503050406030204" pitchFamily="18" charset="0"/>
+                        <a:sym typeface="Wingdings" panose="05000000000000000000" pitchFamily="2" charset="2"/>
+                      </a:rPr>
+                      <m:t>, </m:t>
+                    </m:r>
+                    <m:sSubSup>
+                      <m:sSubSupPr>
+                        <m:ctrlPr>
+                          <a:rPr lang="en-US" altLang="ko-KR" sz="2400" b="0" i="1" smtClean="0">
+                            <a:latin typeface="Cambria Math" panose="02040503050406030204" pitchFamily="18" charset="0"/>
+                            <a:sym typeface="Wingdings" panose="05000000000000000000" pitchFamily="2" charset="2"/>
+                          </a:rPr>
+                        </m:ctrlPr>
+                      </m:sSubSupPr>
+                      <m:e>
+                        <m:r>
+                          <a:rPr lang="en-US" altLang="ko-KR" sz="2400" b="0" i="1" smtClean="0">
+                            <a:latin typeface="Cambria Math" panose="02040503050406030204" pitchFamily="18" charset="0"/>
+                            <a:sym typeface="Wingdings" panose="05000000000000000000" pitchFamily="2" charset="2"/>
+                          </a:rPr>
+                          <m:t>𝑤</m:t>
+                        </m:r>
+                      </m:e>
+                      <m:sub>
+                        <m:r>
+                          <a:rPr lang="en-US" altLang="ko-KR" sz="2400" b="0" i="1" smtClean="0">
+                            <a:latin typeface="Cambria Math" panose="02040503050406030204" pitchFamily="18" charset="0"/>
+                            <a:sym typeface="Wingdings" panose="05000000000000000000" pitchFamily="2" charset="2"/>
+                          </a:rPr>
+                          <m:t>2</m:t>
+                        </m:r>
+                      </m:sub>
+                      <m:sup>
+                        <m:r>
+                          <a:rPr lang="en-US" altLang="ko-KR" sz="2400" b="0" i="1" smtClean="0">
+                            <a:latin typeface="Cambria Math" panose="02040503050406030204" pitchFamily="18" charset="0"/>
+                            <a:sym typeface="Wingdings" panose="05000000000000000000" pitchFamily="2" charset="2"/>
+                          </a:rPr>
+                          <m:t>(6)</m:t>
+                        </m:r>
+                      </m:sup>
+                    </m:sSubSup>
+                    <m:r>
+                      <a:rPr lang="en-US" altLang="ko-KR" sz="2400" b="0" i="1" smtClean="0">
+                        <a:latin typeface="Cambria Math" panose="02040503050406030204" pitchFamily="18" charset="0"/>
+                        <a:sym typeface="Wingdings" panose="05000000000000000000" pitchFamily="2" charset="2"/>
+                      </a:rPr>
+                      <m:t> </m:t>
+                    </m:r>
+                  </m:oMath>
+                </a14:m>
+                <a:endParaRPr lang="ko-KR" altLang="en-US" sz="2400" dirty="0"/>
+              </a:p>
+            </p:txBody>
+          </p:sp>
+        </mc:Choice>
+        <mc:Fallback xmlns="">
+          <p:sp>
+            <p:nvSpPr>
+              <p:cNvPr id="10" name="TextBox 9">
+                <a:extLst>
+                  <a:ext uri="{FF2B5EF4-FFF2-40B4-BE49-F238E27FC236}">
+                    <a16:creationId xmlns:a16="http://schemas.microsoft.com/office/drawing/2014/main" id="{710D71C9-58F7-4E92-822F-D64C87C8B34F}"/>
+                  </a:ext>
+                </a:extLst>
+              </p:cNvPr>
+              <p:cNvSpPr txBox="1">
+                <a:spLocks noRot="1" noChangeAspect="1" noMove="1" noResize="1" noEditPoints="1" noAdjustHandles="1" noChangeArrowheads="1" noChangeShapeType="1" noTextEdit="1"/>
+              </p:cNvSpPr>
+              <p:nvPr/>
+            </p:nvSpPr>
+            <p:spPr>
+              <a:xfrm>
+                <a:off x="6012160" y="3429000"/>
+                <a:ext cx="1926105" cy="553998"/>
+              </a:xfrm>
+              <a:prstGeom prst="rect">
+                <a:avLst/>
+              </a:prstGeom>
+              <a:blipFill>
+                <a:blip r:embed="rId6"/>
+                <a:stretch>
+                  <a:fillRect l="-4747" b="-21111"/>
+                </a:stretch>
+              </a:blipFill>
+            </p:spPr>
+            <p:txBody>
+              <a:bodyPr/>
+              <a:lstStyle/>
+              <a:p>
+                <a:r>
+                  <a:rPr lang="ko-KR" altLang="en-US">
+                    <a:noFill/>
+                  </a:rPr>
+                  <a:t> </a:t>
+                </a:r>
+              </a:p>
+            </p:txBody>
+          </p:sp>
+        </mc:Fallback>
+      </mc:AlternateContent>
+      <mc:AlternateContent xmlns:mc="http://schemas.openxmlformats.org/markup-compatibility/2006" xmlns:a14="http://schemas.microsoft.com/office/drawing/2010/main">
+        <mc:Choice Requires="a14">
+          <p:sp>
+            <p:nvSpPr>
+              <p:cNvPr id="11" name="TextBox 10">
+                <a:extLst>
+                  <a:ext uri="{FF2B5EF4-FFF2-40B4-BE49-F238E27FC236}">
+                    <a16:creationId xmlns:a16="http://schemas.microsoft.com/office/drawing/2014/main" id="{663023C9-70F8-465D-BC03-DC05849AAAAB}"/>
+                  </a:ext>
+                </a:extLst>
+              </p:cNvPr>
+              <p:cNvSpPr txBox="1"/>
+              <p:nvPr/>
+            </p:nvSpPr>
+            <p:spPr>
+              <a:xfrm>
+                <a:off x="6616043" y="2895327"/>
+                <a:ext cx="389850" cy="461665"/>
+              </a:xfrm>
+              <a:prstGeom prst="rect">
+                <a:avLst/>
+              </a:prstGeom>
+              <a:noFill/>
+            </p:spPr>
+            <p:txBody>
+              <a:bodyPr wrap="none" rtlCol="0">
+                <a:spAutoFit/>
+              </a:bodyPr>
+              <a:lstStyle/>
+              <a:p>
+                <a:pPr/>
+                <a14:m>
+                  <m:oMathPara xmlns:m="http://schemas.openxmlformats.org/officeDocument/2006/math">
+                    <m:oMathParaPr>
+                      <m:jc m:val="centerGroup"/>
+                    </m:oMathParaPr>
+                    <m:oMath xmlns:m="http://schemas.openxmlformats.org/officeDocument/2006/math">
+                      <m:r>
+                        <a:rPr lang="en-US" altLang="ko-KR" sz="2400" b="0" i="1" smtClean="0">
+                          <a:latin typeface="Cambria Math" panose="02040503050406030204" pitchFamily="18" charset="0"/>
+                        </a:rPr>
+                        <m:t>⋮</m:t>
+                      </m:r>
+                    </m:oMath>
+                  </m:oMathPara>
+                </a14:m>
+                <a:endParaRPr lang="ko-KR" altLang="en-US" sz="2400" dirty="0"/>
+              </a:p>
+            </p:txBody>
+          </p:sp>
+        </mc:Choice>
+        <mc:Fallback xmlns="">
+          <p:sp>
+            <p:nvSpPr>
+              <p:cNvPr id="11" name="TextBox 10">
+                <a:extLst>
+                  <a:ext uri="{FF2B5EF4-FFF2-40B4-BE49-F238E27FC236}">
+                    <a16:creationId xmlns:a16="http://schemas.microsoft.com/office/drawing/2014/main" id="{663023C9-70F8-465D-BC03-DC05849AAAAB}"/>
+                  </a:ext>
+                </a:extLst>
+              </p:cNvPr>
+              <p:cNvSpPr txBox="1">
+                <a:spLocks noRot="1" noChangeAspect="1" noMove="1" noResize="1" noEditPoints="1" noAdjustHandles="1" noChangeArrowheads="1" noChangeShapeType="1" noTextEdit="1"/>
+              </p:cNvSpPr>
+              <p:nvPr/>
+            </p:nvSpPr>
+            <p:spPr>
+              <a:xfrm>
+                <a:off x="6616043" y="2895327"/>
+                <a:ext cx="389850" cy="461665"/>
+              </a:xfrm>
+              <a:prstGeom prst="rect">
+                <a:avLst/>
+              </a:prstGeom>
+              <a:blipFill>
+                <a:blip r:embed="rId7"/>
+                <a:stretch>
+                  <a:fillRect/>
+                </a:stretch>
+              </a:blipFill>
+            </p:spPr>
+            <p:txBody>
+              <a:bodyPr/>
+              <a:lstStyle/>
+              <a:p>
+                <a:r>
+                  <a:rPr lang="ko-KR" altLang="en-US">
+                    <a:noFill/>
+                  </a:rPr>
+                  <a:t> </a:t>
+                </a:r>
+              </a:p>
+            </p:txBody>
+          </p:sp>
+        </mc:Fallback>
+      </mc:AlternateContent>
+      <mc:AlternateContent xmlns:mc="http://schemas.openxmlformats.org/markup-compatibility/2006" xmlns:a14="http://schemas.microsoft.com/office/drawing/2010/main">
+        <mc:Choice Requires="a14">
+          <p:sp>
+            <p:nvSpPr>
+              <p:cNvPr id="12" name="TextBox 11">
+                <a:extLst>
+                  <a:ext uri="{FF2B5EF4-FFF2-40B4-BE49-F238E27FC236}">
+                    <a16:creationId xmlns:a16="http://schemas.microsoft.com/office/drawing/2014/main" id="{DDBA801A-D9DA-48FD-808E-7ABE81CF1299}"/>
+                  </a:ext>
+                </a:extLst>
+              </p:cNvPr>
+              <p:cNvSpPr txBox="1"/>
+              <p:nvPr/>
+            </p:nvSpPr>
+            <p:spPr>
+              <a:xfrm>
+                <a:off x="6616043" y="4221088"/>
+                <a:ext cx="389850" cy="461665"/>
+              </a:xfrm>
+              <a:prstGeom prst="rect">
+                <a:avLst/>
+              </a:prstGeom>
+              <a:noFill/>
+            </p:spPr>
+            <p:txBody>
+              <a:bodyPr wrap="none" rtlCol="0">
+                <a:spAutoFit/>
+              </a:bodyPr>
+              <a:lstStyle/>
+              <a:p>
+                <a:pPr/>
+                <a14:m>
+                  <m:oMathPara xmlns:m="http://schemas.openxmlformats.org/officeDocument/2006/math">
+                    <m:oMathParaPr>
+                      <m:jc m:val="centerGroup"/>
+                    </m:oMathParaPr>
+                    <m:oMath xmlns:m="http://schemas.openxmlformats.org/officeDocument/2006/math">
+                      <m:r>
+                        <a:rPr lang="en-US" altLang="ko-KR" sz="2400" b="0" i="1" smtClean="0">
+                          <a:latin typeface="Cambria Math" panose="02040503050406030204" pitchFamily="18" charset="0"/>
+                        </a:rPr>
+                        <m:t>⋮</m:t>
+                      </m:r>
+                    </m:oMath>
+                  </m:oMathPara>
+                </a14:m>
+                <a:endParaRPr lang="ko-KR" altLang="en-US" sz="2400" dirty="0"/>
+              </a:p>
+            </p:txBody>
+          </p:sp>
+        </mc:Choice>
+        <mc:Fallback xmlns="">
+          <p:sp>
+            <p:nvSpPr>
+              <p:cNvPr id="12" name="TextBox 11">
+                <a:extLst>
+                  <a:ext uri="{FF2B5EF4-FFF2-40B4-BE49-F238E27FC236}">
+                    <a16:creationId xmlns:a16="http://schemas.microsoft.com/office/drawing/2014/main" id="{DDBA801A-D9DA-48FD-808E-7ABE81CF1299}"/>
+                  </a:ext>
+                </a:extLst>
+              </p:cNvPr>
+              <p:cNvSpPr txBox="1">
+                <a:spLocks noRot="1" noChangeAspect="1" noMove="1" noResize="1" noEditPoints="1" noAdjustHandles="1" noChangeArrowheads="1" noChangeShapeType="1" noTextEdit="1"/>
+              </p:cNvSpPr>
+              <p:nvPr/>
+            </p:nvSpPr>
+            <p:spPr>
+              <a:xfrm>
+                <a:off x="6616043" y="4221088"/>
+                <a:ext cx="389850" cy="461665"/>
+              </a:xfrm>
+              <a:prstGeom prst="rect">
+                <a:avLst/>
+              </a:prstGeom>
+              <a:blipFill>
+                <a:blip r:embed="rId8"/>
+                <a:stretch>
+                  <a:fillRect/>
+                </a:stretch>
+              </a:blipFill>
+            </p:spPr>
+            <p:txBody>
+              <a:bodyPr/>
+              <a:lstStyle/>
+              <a:p>
+                <a:r>
+                  <a:rPr lang="ko-KR" altLang="en-US">
+                    <a:noFill/>
+                  </a:rPr>
+                  <a:t> </a:t>
+                </a:r>
+              </a:p>
+            </p:txBody>
+          </p:sp>
+        </mc:Fallback>
+      </mc:AlternateContent>
+      <mc:AlternateContent xmlns:mc="http://schemas.openxmlformats.org/markup-compatibility/2006" xmlns:a14="http://schemas.microsoft.com/office/drawing/2010/main">
+        <mc:Choice Requires="a14">
+          <p:sp>
+            <p:nvSpPr>
+              <p:cNvPr id="13" name="TextBox 12">
+                <a:extLst>
+                  <a:ext uri="{FF2B5EF4-FFF2-40B4-BE49-F238E27FC236}">
+                    <a16:creationId xmlns:a16="http://schemas.microsoft.com/office/drawing/2014/main" id="{57ACA64A-804E-4B54-8D02-B84AA600B0FF}"/>
+                  </a:ext>
+                </a:extLst>
+              </p:cNvPr>
+              <p:cNvSpPr txBox="1"/>
+              <p:nvPr/>
+            </p:nvSpPr>
+            <p:spPr>
+              <a:xfrm>
+                <a:off x="5965673" y="5494945"/>
+                <a:ext cx="811632" cy="461665"/>
+              </a:xfrm>
+              <a:prstGeom prst="rect">
+                <a:avLst/>
+              </a:prstGeom>
+              <a:noFill/>
+            </p:spPr>
+            <p:txBody>
+              <a:bodyPr wrap="none" rtlCol="0">
+                <a:spAutoFit/>
+              </a:bodyPr>
+              <a:lstStyle/>
+              <a:p>
+                <a:r>
+                  <a:rPr lang="en-US" altLang="ko-KR" sz="2400" dirty="0">
+                    <a:sym typeface="Wingdings" panose="05000000000000000000" pitchFamily="2" charset="2"/>
+                  </a:rPr>
+                  <a:t> </a:t>
+                </a:r>
+                <a14:m>
+                  <m:oMath xmlns:m="http://schemas.openxmlformats.org/officeDocument/2006/math">
+                    <m:r>
+                      <a:rPr lang="en-US" altLang="ko-KR" sz="2400" b="0" i="1" smtClean="0">
+                        <a:latin typeface="Cambria Math" panose="02040503050406030204" pitchFamily="18" charset="0"/>
+                        <a:sym typeface="Wingdings" panose="05000000000000000000" pitchFamily="2" charset="2"/>
+                      </a:rPr>
+                      <m:t>𝜙</m:t>
+                    </m:r>
+                  </m:oMath>
+                </a14:m>
+                <a:endParaRPr lang="ko-KR" altLang="en-US" sz="2400" dirty="0"/>
+              </a:p>
+            </p:txBody>
+          </p:sp>
+        </mc:Choice>
+        <mc:Fallback xmlns="">
+          <p:sp>
+            <p:nvSpPr>
+              <p:cNvPr id="13" name="TextBox 12">
+                <a:extLst>
+                  <a:ext uri="{FF2B5EF4-FFF2-40B4-BE49-F238E27FC236}">
+                    <a16:creationId xmlns:a16="http://schemas.microsoft.com/office/drawing/2014/main" id="{57ACA64A-804E-4B54-8D02-B84AA600B0FF}"/>
+                  </a:ext>
+                </a:extLst>
+              </p:cNvPr>
+              <p:cNvSpPr txBox="1">
+                <a:spLocks noRot="1" noChangeAspect="1" noMove="1" noResize="1" noEditPoints="1" noAdjustHandles="1" noChangeArrowheads="1" noChangeShapeType="1" noTextEdit="1"/>
+              </p:cNvSpPr>
+              <p:nvPr/>
+            </p:nvSpPr>
+            <p:spPr>
+              <a:xfrm>
+                <a:off x="5965673" y="5494945"/>
+                <a:ext cx="811632" cy="461665"/>
+              </a:xfrm>
+              <a:prstGeom prst="rect">
+                <a:avLst/>
+              </a:prstGeom>
+              <a:blipFill>
+                <a:blip r:embed="rId9"/>
+                <a:stretch>
+                  <a:fillRect l="-12030" t="-9211" r="-4511" b="-30263"/>
+                </a:stretch>
+              </a:blipFill>
+            </p:spPr>
+            <p:txBody>
+              <a:bodyPr/>
+              <a:lstStyle/>
+              <a:p>
+                <a:r>
+                  <a:rPr lang="ko-KR" altLang="en-US">
+                    <a:noFill/>
+                  </a:rPr>
+                  <a:t> </a:t>
+                </a:r>
+              </a:p>
+            </p:txBody>
+          </p:sp>
+        </mc:Fallback>
+      </mc:AlternateContent>
+    </p:spTree>
+    <p:extLst>
+      <p:ext uri="{BB962C8B-B14F-4D97-AF65-F5344CB8AC3E}">
+        <p14:creationId xmlns:p14="http://schemas.microsoft.com/office/powerpoint/2010/main" val="155689555"/>
+      </p:ext>
+    </p:extLst>
+  </p:cSld>
+  <p:clrMapOvr>
+    <a:masterClrMapping/>
+  </p:clrMapOvr>
+</p:sld>
+</file>
+
+<file path=ppt/slides/slide11.xml><?xml version="1.0" encoding="utf-8"?>
+<p:sld xmlns:a="http://schemas.openxmlformats.org/drawingml/2006/main" xmlns:r="http://schemas.openxmlformats.org/officeDocument/2006/relationships" xmlns:p="http://schemas.openxmlformats.org/presentationml/2006/main">
+  <p:cSld>
+    <p:spTree>
+      <p:nvGrpSpPr>
+        <p:cNvPr id="1" name=""/>
+        <p:cNvGrpSpPr/>
+        <p:nvPr/>
+      </p:nvGrpSpPr>
+      <p:grpSpPr>
+        <a:xfrm>
+          <a:off x="0" y="0"/>
+          <a:ext cx="0" cy="0"/>
+          <a:chOff x="0" y="0"/>
+          <a:chExt cx="0" cy="0"/>
+        </a:xfrm>
+      </p:grpSpPr>
+      <mc:AlternateContent xmlns:mc="http://schemas.openxmlformats.org/markup-compatibility/2006">
+        <mc:Choice xmlns:a14="http://schemas.microsoft.com/office/drawing/2010/main" Requires="a14">
+          <p:sp>
+            <p:nvSpPr>
+              <p:cNvPr id="7" name="TextBox 6">
+                <a:extLst>
+                  <a:ext uri="{FF2B5EF4-FFF2-40B4-BE49-F238E27FC236}">
+                    <a16:creationId xmlns:a16="http://schemas.microsoft.com/office/drawing/2014/main" id="{62A00DFD-E97A-4685-82D7-22A7C63E409E}"/>
+                  </a:ext>
+                </a:extLst>
+              </p:cNvPr>
+              <p:cNvSpPr txBox="1"/>
+              <p:nvPr/>
+            </p:nvSpPr>
+            <p:spPr>
+              <a:xfrm>
+                <a:off x="6063456" y="1777482"/>
+                <a:ext cx="1443729" cy="438518"/>
+              </a:xfrm>
+              <a:prstGeom prst="rect">
+                <a:avLst/>
+              </a:prstGeom>
+              <a:noFill/>
+            </p:spPr>
+            <p:txBody>
+              <a:bodyPr wrap="none" rtlCol="0">
+                <a:spAutoFit/>
+              </a:bodyPr>
+              <a:lstStyle/>
+              <a:p>
+                <a:r>
+                  <a:rPr lang="en-US" altLang="ko-KR" dirty="0">
+                    <a:sym typeface="Wingdings" panose="05000000000000000000" pitchFamily="2" charset="2"/>
+                  </a:rPr>
+                  <a:t> </a:t>
+                </a:r>
+                <a14:m>
+                  <m:oMath xmlns:m="http://schemas.openxmlformats.org/officeDocument/2006/math">
+                    <m:sSubSup>
+                      <m:sSubSupPr>
+                        <m:ctrlPr>
+                          <a:rPr lang="en-US" altLang="ko-KR" b="0" i="1" smtClean="0">
+                            <a:latin typeface="Cambria Math" panose="02040503050406030204" pitchFamily="18" charset="0"/>
+                            <a:sym typeface="Wingdings" panose="05000000000000000000" pitchFamily="2" charset="2"/>
+                          </a:rPr>
+                        </m:ctrlPr>
+                      </m:sSubSupPr>
+                      <m:e>
+                        <m:r>
+                          <a:rPr lang="en-US" altLang="ko-KR" b="0" i="1" smtClean="0">
+                            <a:latin typeface="Cambria Math" panose="02040503050406030204" pitchFamily="18" charset="0"/>
+                            <a:sym typeface="Wingdings" panose="05000000000000000000" pitchFamily="2" charset="2"/>
+                          </a:rPr>
+                          <m:t>𝑤</m:t>
+                        </m:r>
+                      </m:e>
+                      <m:sub>
+                        <m:r>
+                          <a:rPr lang="en-US" altLang="ko-KR" b="0" i="1" smtClean="0">
+                            <a:latin typeface="Cambria Math" panose="02040503050406030204" pitchFamily="18" charset="0"/>
+                            <a:sym typeface="Wingdings" panose="05000000000000000000" pitchFamily="2" charset="2"/>
+                          </a:rPr>
+                          <m:t>1</m:t>
+                        </m:r>
+                      </m:sub>
+                      <m:sup>
+                        <m:r>
+                          <a:rPr lang="en-US" altLang="ko-KR" b="0" i="1" smtClean="0">
+                            <a:latin typeface="Cambria Math" panose="02040503050406030204" pitchFamily="18" charset="0"/>
+                            <a:sym typeface="Wingdings" panose="05000000000000000000" pitchFamily="2" charset="2"/>
+                          </a:rPr>
+                          <m:t>(1)</m:t>
+                        </m:r>
+                      </m:sup>
+                    </m:sSubSup>
+                    <m:r>
+                      <a:rPr lang="en-US" altLang="ko-KR" b="0" i="1" smtClean="0">
+                        <a:latin typeface="Cambria Math" panose="02040503050406030204" pitchFamily="18" charset="0"/>
+                        <a:sym typeface="Wingdings" panose="05000000000000000000" pitchFamily="2" charset="2"/>
+                      </a:rPr>
+                      <m:t>, </m:t>
+                    </m:r>
+                    <m:sSubSup>
+                      <m:sSubSupPr>
+                        <m:ctrlPr>
+                          <a:rPr lang="en-US" altLang="ko-KR" b="0" i="1" smtClean="0">
+                            <a:latin typeface="Cambria Math" panose="02040503050406030204" pitchFamily="18" charset="0"/>
+                            <a:sym typeface="Wingdings" panose="05000000000000000000" pitchFamily="2" charset="2"/>
+                          </a:rPr>
+                        </m:ctrlPr>
+                      </m:sSubSupPr>
+                      <m:e>
+                        <m:r>
+                          <a:rPr lang="en-US" altLang="ko-KR" b="0" i="1" smtClean="0">
+                            <a:latin typeface="Cambria Math" panose="02040503050406030204" pitchFamily="18" charset="0"/>
+                            <a:sym typeface="Wingdings" panose="05000000000000000000" pitchFamily="2" charset="2"/>
+                          </a:rPr>
+                          <m:t>𝑤</m:t>
+                        </m:r>
+                      </m:e>
+                      <m:sub>
+                        <m:r>
+                          <a:rPr lang="en-US" altLang="ko-KR" b="0" i="1" smtClean="0">
+                            <a:latin typeface="Cambria Math" panose="02040503050406030204" pitchFamily="18" charset="0"/>
+                            <a:sym typeface="Wingdings" panose="05000000000000000000" pitchFamily="2" charset="2"/>
+                          </a:rPr>
+                          <m:t>2</m:t>
+                        </m:r>
+                      </m:sub>
+                      <m:sup>
+                        <m:r>
+                          <a:rPr lang="en-US" altLang="ko-KR" b="0" i="1" smtClean="0">
+                            <a:latin typeface="Cambria Math" panose="02040503050406030204" pitchFamily="18" charset="0"/>
+                            <a:sym typeface="Wingdings" panose="05000000000000000000" pitchFamily="2" charset="2"/>
+                          </a:rPr>
+                          <m:t>(1)</m:t>
+                        </m:r>
+                      </m:sup>
+                    </m:sSubSup>
+                  </m:oMath>
+                </a14:m>
+                <a:endParaRPr lang="ko-KR" altLang="en-US" dirty="0"/>
+              </a:p>
+            </p:txBody>
+          </p:sp>
+        </mc:Choice>
+        <mc:Fallback>
+          <p:sp>
+            <p:nvSpPr>
+              <p:cNvPr id="7" name="TextBox 6">
+                <a:extLst>
+                  <a:ext uri="{FF2B5EF4-FFF2-40B4-BE49-F238E27FC236}">
+                    <a16:creationId xmlns:a16="http://schemas.microsoft.com/office/drawing/2014/main" id="{62A00DFD-E97A-4685-82D7-22A7C63E409E}"/>
+                  </a:ext>
+                </a:extLst>
+              </p:cNvPr>
+              <p:cNvSpPr txBox="1">
+                <a:spLocks noRot="1" noChangeAspect="1" noMove="1" noResize="1" noEditPoints="1" noAdjustHandles="1" noChangeArrowheads="1" noChangeShapeType="1" noTextEdit="1"/>
+              </p:cNvSpPr>
+              <p:nvPr/>
+            </p:nvSpPr>
+            <p:spPr>
+              <a:xfrm>
+                <a:off x="6063456" y="1777482"/>
+                <a:ext cx="1443729" cy="438518"/>
+              </a:xfrm>
+              <a:prstGeom prst="rect">
+                <a:avLst/>
+              </a:prstGeom>
+              <a:blipFill>
+                <a:blip r:embed="rId2"/>
+                <a:stretch>
+                  <a:fillRect l="-3814" b="-18056"/>
+                </a:stretch>
+              </a:blipFill>
+            </p:spPr>
+            <p:txBody>
+              <a:bodyPr/>
+              <a:lstStyle/>
+              <a:p>
+                <a:r>
+                  <a:rPr lang="en-US">
+                    <a:noFill/>
+                  </a:rPr>
+                  <a:t> </a:t>
+                </a:r>
+              </a:p>
+            </p:txBody>
+          </p:sp>
+        </mc:Fallback>
+      </mc:AlternateContent>
+      <mc:AlternateContent xmlns:mc="http://schemas.openxmlformats.org/markup-compatibility/2006">
+        <mc:Choice xmlns:a14="http://schemas.microsoft.com/office/drawing/2010/main" Requires="a14">
+          <p:sp>
+            <p:nvSpPr>
+              <p:cNvPr id="8" name="TextBox 7">
+                <a:extLst>
+                  <a:ext uri="{FF2B5EF4-FFF2-40B4-BE49-F238E27FC236}">
+                    <a16:creationId xmlns:a16="http://schemas.microsoft.com/office/drawing/2014/main" id="{2773D48F-D2F7-4DD3-A357-063E260D7581}"/>
+                  </a:ext>
+                </a:extLst>
+              </p:cNvPr>
+              <p:cNvSpPr txBox="1"/>
+              <p:nvPr/>
+            </p:nvSpPr>
+            <p:spPr>
+              <a:xfrm>
+                <a:off x="6063456" y="2167642"/>
+                <a:ext cx="1443729" cy="438518"/>
+              </a:xfrm>
+              <a:prstGeom prst="rect">
+                <a:avLst/>
+              </a:prstGeom>
+              <a:noFill/>
+            </p:spPr>
+            <p:txBody>
+              <a:bodyPr wrap="none" rtlCol="0">
+                <a:spAutoFit/>
+              </a:bodyPr>
+              <a:lstStyle/>
+              <a:p>
+                <a:r>
+                  <a:rPr lang="en-US" altLang="ko-KR" dirty="0">
+                    <a:sym typeface="Wingdings" panose="05000000000000000000" pitchFamily="2" charset="2"/>
+                  </a:rPr>
+                  <a:t> </a:t>
+                </a:r>
+                <a14:m>
+                  <m:oMath xmlns:m="http://schemas.openxmlformats.org/officeDocument/2006/math">
+                    <m:sSubSup>
+                      <m:sSubSupPr>
+                        <m:ctrlPr>
+                          <a:rPr lang="en-US" altLang="ko-KR" b="0" i="1" smtClean="0">
+                            <a:latin typeface="Cambria Math" panose="02040503050406030204" pitchFamily="18" charset="0"/>
+                            <a:sym typeface="Wingdings" panose="05000000000000000000" pitchFamily="2" charset="2"/>
+                          </a:rPr>
+                        </m:ctrlPr>
+                      </m:sSubSupPr>
+                      <m:e>
+                        <m:r>
+                          <a:rPr lang="en-US" altLang="ko-KR" b="0" i="1" smtClean="0">
+                            <a:latin typeface="Cambria Math" panose="02040503050406030204" pitchFamily="18" charset="0"/>
+                            <a:sym typeface="Wingdings" panose="05000000000000000000" pitchFamily="2" charset="2"/>
+                          </a:rPr>
+                          <m:t>𝑤</m:t>
+                        </m:r>
+                      </m:e>
+                      <m:sub>
+                        <m:r>
+                          <a:rPr lang="en-US" altLang="ko-KR" b="0" i="1" smtClean="0">
+                            <a:latin typeface="Cambria Math" panose="02040503050406030204" pitchFamily="18" charset="0"/>
+                            <a:sym typeface="Wingdings" panose="05000000000000000000" pitchFamily="2" charset="2"/>
+                          </a:rPr>
+                          <m:t>1</m:t>
+                        </m:r>
+                      </m:sub>
+                      <m:sup>
+                        <m:r>
+                          <a:rPr lang="en-US" altLang="ko-KR" b="0" i="1" smtClean="0">
+                            <a:latin typeface="Cambria Math" panose="02040503050406030204" pitchFamily="18" charset="0"/>
+                            <a:sym typeface="Wingdings" panose="05000000000000000000" pitchFamily="2" charset="2"/>
+                          </a:rPr>
+                          <m:t>(2)</m:t>
+                        </m:r>
+                      </m:sup>
+                    </m:sSubSup>
+                    <m:r>
+                      <a:rPr lang="en-US" altLang="ko-KR" b="0" i="1" smtClean="0">
+                        <a:latin typeface="Cambria Math" panose="02040503050406030204" pitchFamily="18" charset="0"/>
+                        <a:sym typeface="Wingdings" panose="05000000000000000000" pitchFamily="2" charset="2"/>
+                      </a:rPr>
+                      <m:t>, </m:t>
+                    </m:r>
+                    <m:sSubSup>
+                      <m:sSubSupPr>
+                        <m:ctrlPr>
+                          <a:rPr lang="en-US" altLang="ko-KR" b="0" i="1" smtClean="0">
+                            <a:latin typeface="Cambria Math" panose="02040503050406030204" pitchFamily="18" charset="0"/>
+                            <a:sym typeface="Wingdings" panose="05000000000000000000" pitchFamily="2" charset="2"/>
+                          </a:rPr>
+                        </m:ctrlPr>
+                      </m:sSubSupPr>
+                      <m:e>
+                        <m:r>
+                          <a:rPr lang="en-US" altLang="ko-KR" b="0" i="1" smtClean="0">
+                            <a:latin typeface="Cambria Math" panose="02040503050406030204" pitchFamily="18" charset="0"/>
+                            <a:sym typeface="Wingdings" panose="05000000000000000000" pitchFamily="2" charset="2"/>
+                          </a:rPr>
+                          <m:t>𝑤</m:t>
+                        </m:r>
+                      </m:e>
+                      <m:sub>
+                        <m:r>
+                          <a:rPr lang="en-US" altLang="ko-KR" b="0" i="1" smtClean="0">
+                            <a:latin typeface="Cambria Math" panose="02040503050406030204" pitchFamily="18" charset="0"/>
+                            <a:sym typeface="Wingdings" panose="05000000000000000000" pitchFamily="2" charset="2"/>
+                          </a:rPr>
+                          <m:t>2</m:t>
+                        </m:r>
+                      </m:sub>
+                      <m:sup>
+                        <m:r>
+                          <a:rPr lang="en-US" altLang="ko-KR" b="0" i="1" smtClean="0">
+                            <a:latin typeface="Cambria Math" panose="02040503050406030204" pitchFamily="18" charset="0"/>
+                            <a:sym typeface="Wingdings" panose="05000000000000000000" pitchFamily="2" charset="2"/>
+                          </a:rPr>
+                          <m:t>(2)</m:t>
+                        </m:r>
+                      </m:sup>
+                    </m:sSubSup>
+                  </m:oMath>
+                </a14:m>
+                <a:endParaRPr lang="ko-KR" altLang="en-US" dirty="0"/>
+              </a:p>
+            </p:txBody>
+          </p:sp>
+        </mc:Choice>
+        <mc:Fallback>
+          <p:sp>
+            <p:nvSpPr>
+              <p:cNvPr id="8" name="TextBox 7">
+                <a:extLst>
+                  <a:ext uri="{FF2B5EF4-FFF2-40B4-BE49-F238E27FC236}">
+                    <a16:creationId xmlns:a16="http://schemas.microsoft.com/office/drawing/2014/main" id="{2773D48F-D2F7-4DD3-A357-063E260D7581}"/>
+                  </a:ext>
+                </a:extLst>
+              </p:cNvPr>
+              <p:cNvSpPr txBox="1">
+                <a:spLocks noRot="1" noChangeAspect="1" noMove="1" noResize="1" noEditPoints="1" noAdjustHandles="1" noChangeArrowheads="1" noChangeShapeType="1" noTextEdit="1"/>
+              </p:cNvSpPr>
+              <p:nvPr/>
+            </p:nvSpPr>
+            <p:spPr>
+              <a:xfrm>
+                <a:off x="6063456" y="2167642"/>
+                <a:ext cx="1443729" cy="438518"/>
+              </a:xfrm>
+              <a:prstGeom prst="rect">
+                <a:avLst/>
+              </a:prstGeom>
+              <a:blipFill>
+                <a:blip r:embed="rId3"/>
+                <a:stretch>
+                  <a:fillRect l="-3814" b="-18056"/>
+                </a:stretch>
+              </a:blipFill>
+            </p:spPr>
+            <p:txBody>
+              <a:bodyPr/>
+              <a:lstStyle/>
+              <a:p>
+                <a:r>
+                  <a:rPr lang="en-US">
+                    <a:noFill/>
+                  </a:rPr>
+                  <a:t> </a:t>
+                </a:r>
+              </a:p>
+            </p:txBody>
+          </p:sp>
+        </mc:Fallback>
+      </mc:AlternateContent>
+      <mc:AlternateContent xmlns:mc="http://schemas.openxmlformats.org/markup-compatibility/2006">
+        <mc:Choice xmlns:a14="http://schemas.microsoft.com/office/drawing/2010/main" Requires="a14">
+          <p:sp>
+            <p:nvSpPr>
+              <p:cNvPr id="9" name="TextBox 8">
+                <a:extLst>
+                  <a:ext uri="{FF2B5EF4-FFF2-40B4-BE49-F238E27FC236}">
+                    <a16:creationId xmlns:a16="http://schemas.microsoft.com/office/drawing/2014/main" id="{F79CC6FE-DE31-4228-A71A-76F8421E4185}"/>
+                  </a:ext>
+                </a:extLst>
+              </p:cNvPr>
+              <p:cNvSpPr txBox="1"/>
+              <p:nvPr/>
+            </p:nvSpPr>
+            <p:spPr>
+              <a:xfrm>
+                <a:off x="5965673" y="5273382"/>
+                <a:ext cx="1639295" cy="438518"/>
+              </a:xfrm>
+              <a:prstGeom prst="rect">
+                <a:avLst/>
+              </a:prstGeom>
+              <a:noFill/>
+            </p:spPr>
+            <p:txBody>
+              <a:bodyPr wrap="none" rtlCol="0">
+                <a:spAutoFit/>
+              </a:bodyPr>
+              <a:lstStyle/>
+              <a:p>
+                <a:r>
+                  <a:rPr lang="en-US" altLang="ko-KR" dirty="0">
+                    <a:sym typeface="Wingdings" panose="05000000000000000000" pitchFamily="2" charset="2"/>
+                  </a:rPr>
+                  <a:t> </a:t>
+                </a:r>
+                <a14:m>
+                  <m:oMath xmlns:m="http://schemas.openxmlformats.org/officeDocument/2006/math">
+                    <m:sSubSup>
+                      <m:sSubSupPr>
+                        <m:ctrlPr>
+                          <a:rPr lang="en-US" altLang="ko-KR" b="0" i="1" smtClean="0">
+                            <a:latin typeface="Cambria Math" panose="02040503050406030204" pitchFamily="18" charset="0"/>
+                            <a:sym typeface="Wingdings" panose="05000000000000000000" pitchFamily="2" charset="2"/>
+                          </a:rPr>
+                        </m:ctrlPr>
+                      </m:sSubSupPr>
+                      <m:e>
+                        <m:r>
+                          <a:rPr lang="en-US" altLang="ko-KR" b="0" i="1" smtClean="0">
+                            <a:latin typeface="Cambria Math" panose="02040503050406030204" pitchFamily="18" charset="0"/>
+                            <a:sym typeface="Wingdings" panose="05000000000000000000" pitchFamily="2" charset="2"/>
+                          </a:rPr>
+                          <m:t>𝑤</m:t>
+                        </m:r>
+                      </m:e>
+                      <m:sub>
+                        <m:r>
+                          <a:rPr lang="en-US" altLang="ko-KR" b="0" i="1" smtClean="0">
+                            <a:latin typeface="Cambria Math" panose="02040503050406030204" pitchFamily="18" charset="0"/>
+                            <a:sym typeface="Wingdings" panose="05000000000000000000" pitchFamily="2" charset="2"/>
+                          </a:rPr>
+                          <m:t>1</m:t>
+                        </m:r>
+                      </m:sub>
+                      <m:sup>
+                        <m:r>
+                          <a:rPr lang="en-US" altLang="ko-KR" b="0" i="1" smtClean="0">
+                            <a:latin typeface="Cambria Math" panose="02040503050406030204" pitchFamily="18" charset="0"/>
+                            <a:sym typeface="Wingdings" panose="05000000000000000000" pitchFamily="2" charset="2"/>
+                          </a:rPr>
+                          <m:t>(10)</m:t>
+                        </m:r>
+                      </m:sup>
+                    </m:sSubSup>
+                    <m:r>
+                      <a:rPr lang="en-US" altLang="ko-KR" b="0" i="1" smtClean="0">
+                        <a:latin typeface="Cambria Math" panose="02040503050406030204" pitchFamily="18" charset="0"/>
+                        <a:sym typeface="Wingdings" panose="05000000000000000000" pitchFamily="2" charset="2"/>
+                      </a:rPr>
+                      <m:t>, </m:t>
+                    </m:r>
+                    <m:sSubSup>
+                      <m:sSubSupPr>
+                        <m:ctrlPr>
+                          <a:rPr lang="en-US" altLang="ko-KR" b="0" i="1" smtClean="0">
+                            <a:latin typeface="Cambria Math" panose="02040503050406030204" pitchFamily="18" charset="0"/>
+                            <a:sym typeface="Wingdings" panose="05000000000000000000" pitchFamily="2" charset="2"/>
+                          </a:rPr>
+                        </m:ctrlPr>
+                      </m:sSubSupPr>
+                      <m:e>
+                        <m:r>
+                          <a:rPr lang="en-US" altLang="ko-KR" b="0" i="1" smtClean="0">
+                            <a:latin typeface="Cambria Math" panose="02040503050406030204" pitchFamily="18" charset="0"/>
+                            <a:sym typeface="Wingdings" panose="05000000000000000000" pitchFamily="2" charset="2"/>
+                          </a:rPr>
+                          <m:t>𝑤</m:t>
+                        </m:r>
+                      </m:e>
+                      <m:sub>
+                        <m:r>
+                          <a:rPr lang="en-US" altLang="ko-KR" b="0" i="1" smtClean="0">
+                            <a:latin typeface="Cambria Math" panose="02040503050406030204" pitchFamily="18" charset="0"/>
+                            <a:sym typeface="Wingdings" panose="05000000000000000000" pitchFamily="2" charset="2"/>
+                          </a:rPr>
+                          <m:t>2</m:t>
+                        </m:r>
+                      </m:sub>
+                      <m:sup>
+                        <m:r>
+                          <a:rPr lang="en-US" altLang="ko-KR" b="0" i="1" smtClean="0">
+                            <a:latin typeface="Cambria Math" panose="02040503050406030204" pitchFamily="18" charset="0"/>
+                            <a:sym typeface="Wingdings" panose="05000000000000000000" pitchFamily="2" charset="2"/>
+                          </a:rPr>
+                          <m:t>(10)</m:t>
+                        </m:r>
+                      </m:sup>
+                    </m:sSubSup>
+                  </m:oMath>
+                </a14:m>
+                <a:endParaRPr lang="ko-KR" altLang="en-US" dirty="0"/>
+              </a:p>
+            </p:txBody>
+          </p:sp>
+        </mc:Choice>
+        <mc:Fallback>
+          <p:sp>
+            <p:nvSpPr>
+              <p:cNvPr id="9" name="TextBox 8">
+                <a:extLst>
+                  <a:ext uri="{FF2B5EF4-FFF2-40B4-BE49-F238E27FC236}">
+                    <a16:creationId xmlns:a16="http://schemas.microsoft.com/office/drawing/2014/main" id="{F79CC6FE-DE31-4228-A71A-76F8421E4185}"/>
+                  </a:ext>
+                </a:extLst>
+              </p:cNvPr>
+              <p:cNvSpPr txBox="1">
+                <a:spLocks noRot="1" noChangeAspect="1" noMove="1" noResize="1" noEditPoints="1" noAdjustHandles="1" noChangeArrowheads="1" noChangeShapeType="1" noTextEdit="1"/>
+              </p:cNvSpPr>
+              <p:nvPr/>
+            </p:nvSpPr>
+            <p:spPr>
+              <a:xfrm>
+                <a:off x="5965673" y="5273382"/>
+                <a:ext cx="1639295" cy="438518"/>
+              </a:xfrm>
+              <a:prstGeom prst="rect">
+                <a:avLst/>
+              </a:prstGeom>
+              <a:blipFill>
+                <a:blip r:embed="rId4"/>
+                <a:stretch>
+                  <a:fillRect l="-3346" b="-18056"/>
+                </a:stretch>
+              </a:blipFill>
+            </p:spPr>
+            <p:txBody>
+              <a:bodyPr/>
+              <a:lstStyle/>
+              <a:p>
+                <a:r>
+                  <a:rPr lang="en-US">
+                    <a:noFill/>
+                  </a:rPr>
+                  <a:t> </a:t>
+                </a:r>
+              </a:p>
+            </p:txBody>
+          </p:sp>
+        </mc:Fallback>
+      </mc:AlternateContent>
+      <mc:AlternateContent xmlns:mc="http://schemas.openxmlformats.org/markup-compatibility/2006">
+        <mc:Choice xmlns:a14="http://schemas.microsoft.com/office/drawing/2010/main" Requires="a14">
+          <p:sp>
+            <p:nvSpPr>
+              <p:cNvPr id="10" name="TextBox 9">
+                <a:extLst>
+                  <a:ext uri="{FF2B5EF4-FFF2-40B4-BE49-F238E27FC236}">
+                    <a16:creationId xmlns:a16="http://schemas.microsoft.com/office/drawing/2014/main" id="{710D71C9-58F7-4E92-822F-D64C87C8B34F}"/>
+                  </a:ext>
+                </a:extLst>
+              </p:cNvPr>
+              <p:cNvSpPr txBox="1"/>
+              <p:nvPr/>
+            </p:nvSpPr>
+            <p:spPr>
+              <a:xfrm>
+                <a:off x="6012160" y="3781926"/>
+                <a:ext cx="1495025" cy="438518"/>
+              </a:xfrm>
+              <a:prstGeom prst="rect">
+                <a:avLst/>
+              </a:prstGeom>
+              <a:noFill/>
+            </p:spPr>
+            <p:txBody>
+              <a:bodyPr wrap="none" rtlCol="0">
+                <a:spAutoFit/>
+              </a:bodyPr>
+              <a:lstStyle/>
+              <a:p>
+                <a:r>
+                  <a:rPr lang="en-US" altLang="ko-KR" dirty="0">
+                    <a:sym typeface="Wingdings" panose="05000000000000000000" pitchFamily="2" charset="2"/>
+                  </a:rPr>
+                  <a:t> </a:t>
+                </a:r>
+                <a14:m>
+                  <m:oMath xmlns:m="http://schemas.openxmlformats.org/officeDocument/2006/math">
+                    <m:sSubSup>
+                      <m:sSubSupPr>
+                        <m:ctrlPr>
+                          <a:rPr lang="en-US" altLang="ko-KR" b="0" i="1" smtClean="0">
+                            <a:latin typeface="Cambria Math" panose="02040503050406030204" pitchFamily="18" charset="0"/>
+                            <a:sym typeface="Wingdings" panose="05000000000000000000" pitchFamily="2" charset="2"/>
+                          </a:rPr>
+                        </m:ctrlPr>
+                      </m:sSubSupPr>
+                      <m:e>
+                        <m:r>
+                          <a:rPr lang="en-US" altLang="ko-KR" b="0" i="1" smtClean="0">
+                            <a:latin typeface="Cambria Math" panose="02040503050406030204" pitchFamily="18" charset="0"/>
+                            <a:sym typeface="Wingdings" panose="05000000000000000000" pitchFamily="2" charset="2"/>
+                          </a:rPr>
+                          <m:t>𝑤</m:t>
+                        </m:r>
+                      </m:e>
+                      <m:sub>
+                        <m:r>
+                          <a:rPr lang="en-US" altLang="ko-KR" b="0" i="1" smtClean="0">
+                            <a:latin typeface="Cambria Math" panose="02040503050406030204" pitchFamily="18" charset="0"/>
+                            <a:sym typeface="Wingdings" panose="05000000000000000000" pitchFamily="2" charset="2"/>
+                          </a:rPr>
+                          <m:t>1</m:t>
+                        </m:r>
+                      </m:sub>
+                      <m:sup>
+                        <m:r>
+                          <a:rPr lang="en-US" altLang="ko-KR" b="0" i="1" smtClean="0">
+                            <a:latin typeface="Cambria Math" panose="02040503050406030204" pitchFamily="18" charset="0"/>
+                            <a:sym typeface="Wingdings" panose="05000000000000000000" pitchFamily="2" charset="2"/>
+                          </a:rPr>
+                          <m:t>(6)</m:t>
+                        </m:r>
+                      </m:sup>
+                    </m:sSubSup>
+                    <m:r>
+                      <a:rPr lang="en-US" altLang="ko-KR" b="0" i="1" smtClean="0">
+                        <a:latin typeface="Cambria Math" panose="02040503050406030204" pitchFamily="18" charset="0"/>
+                        <a:sym typeface="Wingdings" panose="05000000000000000000" pitchFamily="2" charset="2"/>
+                      </a:rPr>
+                      <m:t>, </m:t>
+                    </m:r>
+                    <m:sSubSup>
+                      <m:sSubSupPr>
+                        <m:ctrlPr>
+                          <a:rPr lang="en-US" altLang="ko-KR" b="0" i="1" smtClean="0">
+                            <a:latin typeface="Cambria Math" panose="02040503050406030204" pitchFamily="18" charset="0"/>
+                            <a:sym typeface="Wingdings" panose="05000000000000000000" pitchFamily="2" charset="2"/>
+                          </a:rPr>
+                        </m:ctrlPr>
+                      </m:sSubSupPr>
+                      <m:e>
+                        <m:r>
+                          <a:rPr lang="en-US" altLang="ko-KR" b="0" i="1" smtClean="0">
+                            <a:latin typeface="Cambria Math" panose="02040503050406030204" pitchFamily="18" charset="0"/>
+                            <a:sym typeface="Wingdings" panose="05000000000000000000" pitchFamily="2" charset="2"/>
+                          </a:rPr>
+                          <m:t>𝑤</m:t>
+                        </m:r>
+                      </m:e>
+                      <m:sub>
+                        <m:r>
+                          <a:rPr lang="en-US" altLang="ko-KR" b="0" i="1" smtClean="0">
+                            <a:latin typeface="Cambria Math" panose="02040503050406030204" pitchFamily="18" charset="0"/>
+                            <a:sym typeface="Wingdings" panose="05000000000000000000" pitchFamily="2" charset="2"/>
+                          </a:rPr>
+                          <m:t>2</m:t>
+                        </m:r>
+                      </m:sub>
+                      <m:sup>
+                        <m:r>
+                          <a:rPr lang="en-US" altLang="ko-KR" b="0" i="1" smtClean="0">
+                            <a:latin typeface="Cambria Math" panose="02040503050406030204" pitchFamily="18" charset="0"/>
+                            <a:sym typeface="Wingdings" panose="05000000000000000000" pitchFamily="2" charset="2"/>
+                          </a:rPr>
+                          <m:t>(6)</m:t>
+                        </m:r>
+                      </m:sup>
+                    </m:sSubSup>
+                    <m:r>
+                      <a:rPr lang="en-US" altLang="ko-KR" b="0" i="1" smtClean="0">
+                        <a:latin typeface="Cambria Math" panose="02040503050406030204" pitchFamily="18" charset="0"/>
+                        <a:sym typeface="Wingdings" panose="05000000000000000000" pitchFamily="2" charset="2"/>
+                      </a:rPr>
+                      <m:t> </m:t>
+                    </m:r>
+                  </m:oMath>
+                </a14:m>
+                <a:endParaRPr lang="ko-KR" altLang="en-US" dirty="0"/>
+              </a:p>
+            </p:txBody>
+          </p:sp>
+        </mc:Choice>
+        <mc:Fallback>
+          <p:sp>
+            <p:nvSpPr>
+              <p:cNvPr id="10" name="TextBox 9">
+                <a:extLst>
+                  <a:ext uri="{FF2B5EF4-FFF2-40B4-BE49-F238E27FC236}">
+                    <a16:creationId xmlns:a16="http://schemas.microsoft.com/office/drawing/2014/main" id="{710D71C9-58F7-4E92-822F-D64C87C8B34F}"/>
+                  </a:ext>
+                </a:extLst>
+              </p:cNvPr>
+              <p:cNvSpPr txBox="1">
+                <a:spLocks noRot="1" noChangeAspect="1" noMove="1" noResize="1" noEditPoints="1" noAdjustHandles="1" noChangeArrowheads="1" noChangeShapeType="1" noTextEdit="1"/>
+              </p:cNvSpPr>
+              <p:nvPr/>
+            </p:nvSpPr>
+            <p:spPr>
+              <a:xfrm>
+                <a:off x="6012160" y="3781926"/>
+                <a:ext cx="1495025" cy="438518"/>
+              </a:xfrm>
+              <a:prstGeom prst="rect">
+                <a:avLst/>
+              </a:prstGeom>
+              <a:blipFill>
+                <a:blip r:embed="rId5"/>
+                <a:stretch>
+                  <a:fillRect l="-3265" b="-18056"/>
+                </a:stretch>
+              </a:blipFill>
+            </p:spPr>
+            <p:txBody>
+              <a:bodyPr/>
+              <a:lstStyle/>
+              <a:p>
+                <a:r>
+                  <a:rPr lang="en-US">
+                    <a:noFill/>
+                  </a:rPr>
+                  <a:t> </a:t>
+                </a:r>
+              </a:p>
+            </p:txBody>
+          </p:sp>
+        </mc:Fallback>
+      </mc:AlternateContent>
+      <mc:AlternateContent xmlns:mc="http://schemas.openxmlformats.org/markup-compatibility/2006">
+        <mc:Choice xmlns:a14="http://schemas.microsoft.com/office/drawing/2010/main" Requires="a14">
+          <p:sp>
+            <p:nvSpPr>
+              <p:cNvPr id="11" name="TextBox 10">
+                <a:extLst>
+                  <a:ext uri="{FF2B5EF4-FFF2-40B4-BE49-F238E27FC236}">
+                    <a16:creationId xmlns:a16="http://schemas.microsoft.com/office/drawing/2014/main" id="{663023C9-70F8-465D-BC03-DC05849AAAAB}"/>
+                  </a:ext>
+                </a:extLst>
+              </p:cNvPr>
+              <p:cNvSpPr txBox="1"/>
+              <p:nvPr/>
+            </p:nvSpPr>
+            <p:spPr>
+              <a:xfrm>
+                <a:off x="6616043" y="2895327"/>
+                <a:ext cx="338554" cy="369332"/>
+              </a:xfrm>
+              <a:prstGeom prst="rect">
+                <a:avLst/>
+              </a:prstGeom>
+              <a:noFill/>
+            </p:spPr>
+            <p:txBody>
+              <a:bodyPr wrap="none" rtlCol="0">
+                <a:spAutoFit/>
+              </a:bodyPr>
+              <a:lstStyle/>
+              <a:p>
+                <a:pPr/>
+                <a14:m>
+                  <m:oMathPara xmlns:m="http://schemas.openxmlformats.org/officeDocument/2006/math">
+                    <m:oMathParaPr>
+                      <m:jc m:val="centerGroup"/>
+                    </m:oMathParaPr>
+                    <m:oMath xmlns:m="http://schemas.openxmlformats.org/officeDocument/2006/math">
+                      <m:r>
+                        <a:rPr lang="en-US" altLang="ko-KR" b="0" i="1" smtClean="0">
+                          <a:latin typeface="Cambria Math" panose="02040503050406030204" pitchFamily="18" charset="0"/>
+                        </a:rPr>
+                        <m:t>⋮</m:t>
+                      </m:r>
+                    </m:oMath>
+                  </m:oMathPara>
+                </a14:m>
+                <a:endParaRPr lang="ko-KR" altLang="en-US" dirty="0"/>
+              </a:p>
+            </p:txBody>
+          </p:sp>
+        </mc:Choice>
+        <mc:Fallback>
+          <p:sp>
+            <p:nvSpPr>
+              <p:cNvPr id="11" name="TextBox 10">
+                <a:extLst>
+                  <a:ext uri="{FF2B5EF4-FFF2-40B4-BE49-F238E27FC236}">
+                    <a16:creationId xmlns:a16="http://schemas.microsoft.com/office/drawing/2014/main" id="{663023C9-70F8-465D-BC03-DC05849AAAAB}"/>
+                  </a:ext>
+                </a:extLst>
+              </p:cNvPr>
+              <p:cNvSpPr txBox="1">
+                <a:spLocks noRot="1" noChangeAspect="1" noMove="1" noResize="1" noEditPoints="1" noAdjustHandles="1" noChangeArrowheads="1" noChangeShapeType="1" noTextEdit="1"/>
+              </p:cNvSpPr>
+              <p:nvPr/>
+            </p:nvSpPr>
+            <p:spPr>
+              <a:xfrm>
+                <a:off x="6616043" y="2895327"/>
+                <a:ext cx="338554" cy="369332"/>
+              </a:xfrm>
+              <a:prstGeom prst="rect">
+                <a:avLst/>
+              </a:prstGeom>
+              <a:blipFill>
+                <a:blip r:embed="rId6"/>
+                <a:stretch>
+                  <a:fillRect/>
+                </a:stretch>
+              </a:blipFill>
+            </p:spPr>
+            <p:txBody>
+              <a:bodyPr/>
+              <a:lstStyle/>
+              <a:p>
+                <a:r>
+                  <a:rPr lang="en-US">
+                    <a:noFill/>
+                  </a:rPr>
+                  <a:t> </a:t>
+                </a:r>
+              </a:p>
+            </p:txBody>
+          </p:sp>
+        </mc:Fallback>
+      </mc:AlternateContent>
+      <mc:AlternateContent xmlns:mc="http://schemas.openxmlformats.org/markup-compatibility/2006">
+        <mc:Choice xmlns:a14="http://schemas.microsoft.com/office/drawing/2010/main" Requires="a14">
+          <p:sp>
+            <p:nvSpPr>
+              <p:cNvPr id="12" name="TextBox 11">
+                <a:extLst>
+                  <a:ext uri="{FF2B5EF4-FFF2-40B4-BE49-F238E27FC236}">
+                    <a16:creationId xmlns:a16="http://schemas.microsoft.com/office/drawing/2014/main" id="{DDBA801A-D9DA-48FD-808E-7ABE81CF1299}"/>
+                  </a:ext>
+                </a:extLst>
+              </p:cNvPr>
+              <p:cNvSpPr txBox="1"/>
+              <p:nvPr/>
+            </p:nvSpPr>
+            <p:spPr>
+              <a:xfrm>
+                <a:off x="6616043" y="4562247"/>
+                <a:ext cx="338554" cy="369332"/>
+              </a:xfrm>
+              <a:prstGeom prst="rect">
+                <a:avLst/>
+              </a:prstGeom>
+              <a:noFill/>
+            </p:spPr>
+            <p:txBody>
+              <a:bodyPr wrap="none" rtlCol="0">
+                <a:spAutoFit/>
+              </a:bodyPr>
+              <a:lstStyle/>
+              <a:p>
+                <a:pPr/>
+                <a14:m>
+                  <m:oMathPara xmlns:m="http://schemas.openxmlformats.org/officeDocument/2006/math">
+                    <m:oMathParaPr>
+                      <m:jc m:val="centerGroup"/>
+                    </m:oMathParaPr>
+                    <m:oMath xmlns:m="http://schemas.openxmlformats.org/officeDocument/2006/math">
+                      <m:r>
+                        <a:rPr lang="en-US" altLang="ko-KR" b="0" i="1" smtClean="0">
+                          <a:latin typeface="Cambria Math" panose="02040503050406030204" pitchFamily="18" charset="0"/>
+                        </a:rPr>
+                        <m:t>⋮</m:t>
+                      </m:r>
+                    </m:oMath>
+                  </m:oMathPara>
+                </a14:m>
+                <a:endParaRPr lang="ko-KR" altLang="en-US" dirty="0"/>
+              </a:p>
+            </p:txBody>
+          </p:sp>
+        </mc:Choice>
+        <mc:Fallback>
+          <p:sp>
+            <p:nvSpPr>
+              <p:cNvPr id="12" name="TextBox 11">
+                <a:extLst>
+                  <a:ext uri="{FF2B5EF4-FFF2-40B4-BE49-F238E27FC236}">
+                    <a16:creationId xmlns:a16="http://schemas.microsoft.com/office/drawing/2014/main" id="{DDBA801A-D9DA-48FD-808E-7ABE81CF1299}"/>
+                  </a:ext>
+                </a:extLst>
+              </p:cNvPr>
+              <p:cNvSpPr txBox="1">
+                <a:spLocks noRot="1" noChangeAspect="1" noMove="1" noResize="1" noEditPoints="1" noAdjustHandles="1" noChangeArrowheads="1" noChangeShapeType="1" noTextEdit="1"/>
+              </p:cNvSpPr>
+              <p:nvPr/>
+            </p:nvSpPr>
+            <p:spPr>
+              <a:xfrm>
+                <a:off x="6616043" y="4562247"/>
+                <a:ext cx="338554" cy="369332"/>
+              </a:xfrm>
+              <a:prstGeom prst="rect">
+                <a:avLst/>
+              </a:prstGeom>
+              <a:blipFill>
+                <a:blip r:embed="rId7"/>
+                <a:stretch>
+                  <a:fillRect/>
+                </a:stretch>
+              </a:blipFill>
+            </p:spPr>
+            <p:txBody>
+              <a:bodyPr/>
+              <a:lstStyle/>
+              <a:p>
+                <a:r>
+                  <a:rPr lang="en-US">
+                    <a:noFill/>
+                  </a:rPr>
+                  <a:t> </a:t>
+                </a:r>
+              </a:p>
+            </p:txBody>
+          </p:sp>
+        </mc:Fallback>
+      </mc:AlternateContent>
+      <mc:AlternateContent xmlns:mc="http://schemas.openxmlformats.org/markup-compatibility/2006">
+        <mc:Choice xmlns:a14="http://schemas.microsoft.com/office/drawing/2010/main" Requires="a14">
+          <p:sp>
+            <p:nvSpPr>
+              <p:cNvPr id="13" name="TextBox 12">
+                <a:extLst>
+                  <a:ext uri="{FF2B5EF4-FFF2-40B4-BE49-F238E27FC236}">
+                    <a16:creationId xmlns:a16="http://schemas.microsoft.com/office/drawing/2014/main" id="{57ACA64A-804E-4B54-8D02-B84AA600B0FF}"/>
+                  </a:ext>
+                </a:extLst>
+              </p:cNvPr>
+              <p:cNvSpPr txBox="1"/>
+              <p:nvPr/>
+            </p:nvSpPr>
+            <p:spPr>
+              <a:xfrm>
+                <a:off x="5965673" y="5711900"/>
+                <a:ext cx="654475" cy="369332"/>
+              </a:xfrm>
+              <a:prstGeom prst="rect">
+                <a:avLst/>
+              </a:prstGeom>
+              <a:noFill/>
+            </p:spPr>
+            <p:txBody>
+              <a:bodyPr wrap="none" rtlCol="0">
+                <a:spAutoFit/>
+              </a:bodyPr>
+              <a:lstStyle/>
+              <a:p>
+                <a:r>
+                  <a:rPr lang="en-US" altLang="ko-KR" dirty="0">
+                    <a:sym typeface="Wingdings" panose="05000000000000000000" pitchFamily="2" charset="2"/>
+                  </a:rPr>
+                  <a:t> </a:t>
+                </a:r>
+                <a14:m>
+                  <m:oMath xmlns:m="http://schemas.openxmlformats.org/officeDocument/2006/math">
+                    <m:r>
+                      <a:rPr lang="en-US" altLang="ko-KR" b="0" i="1" smtClean="0">
+                        <a:latin typeface="Cambria Math" panose="02040503050406030204" pitchFamily="18" charset="0"/>
+                        <a:sym typeface="Wingdings" panose="05000000000000000000" pitchFamily="2" charset="2"/>
+                      </a:rPr>
+                      <m:t>𝜙</m:t>
+                    </m:r>
+                  </m:oMath>
+                </a14:m>
+                <a:endParaRPr lang="ko-KR" altLang="en-US" dirty="0"/>
+              </a:p>
+            </p:txBody>
+          </p:sp>
+        </mc:Choice>
+        <mc:Fallback>
+          <p:sp>
+            <p:nvSpPr>
+              <p:cNvPr id="13" name="TextBox 12">
+                <a:extLst>
+                  <a:ext uri="{FF2B5EF4-FFF2-40B4-BE49-F238E27FC236}">
+                    <a16:creationId xmlns:a16="http://schemas.microsoft.com/office/drawing/2014/main" id="{57ACA64A-804E-4B54-8D02-B84AA600B0FF}"/>
+                  </a:ext>
+                </a:extLst>
+              </p:cNvPr>
+              <p:cNvSpPr txBox="1">
+                <a:spLocks noRot="1" noChangeAspect="1" noMove="1" noResize="1" noEditPoints="1" noAdjustHandles="1" noChangeArrowheads="1" noChangeShapeType="1" noTextEdit="1"/>
+              </p:cNvSpPr>
+              <p:nvPr/>
+            </p:nvSpPr>
+            <p:spPr>
+              <a:xfrm>
+                <a:off x="5965673" y="5711900"/>
+                <a:ext cx="654475" cy="369332"/>
+              </a:xfrm>
+              <a:prstGeom prst="rect">
+                <a:avLst/>
+              </a:prstGeom>
+              <a:blipFill>
+                <a:blip r:embed="rId8"/>
+                <a:stretch>
+                  <a:fillRect l="-8411" t="-8197" r="-935" b="-26230"/>
+                </a:stretch>
+              </a:blipFill>
+            </p:spPr>
+            <p:txBody>
+              <a:bodyPr/>
+              <a:lstStyle/>
+              <a:p>
+                <a:r>
+                  <a:rPr lang="en-US">
+                    <a:noFill/>
+                  </a:rPr>
+                  <a:t> </a:t>
+                </a:r>
+              </a:p>
+            </p:txBody>
+          </p:sp>
+        </mc:Fallback>
+      </mc:AlternateContent>
+      <p:pic>
+        <p:nvPicPr>
+          <p:cNvPr id="3" name="Picture 2">
+            <a:extLst>
+              <a:ext uri="{FF2B5EF4-FFF2-40B4-BE49-F238E27FC236}">
+                <a16:creationId xmlns:a16="http://schemas.microsoft.com/office/drawing/2014/main" id="{FFAE1269-60CA-33F3-C777-0A9A04898A06}"/>
+              </a:ext>
+            </a:extLst>
+          </p:cNvPr>
+          <p:cNvPicPr>
+            <a:picLocks noChangeAspect="1"/>
+          </p:cNvPicPr>
+          <p:nvPr/>
+        </p:nvPicPr>
+        <p:blipFill>
+          <a:blip r:embed="rId9"/>
+          <a:stretch>
+            <a:fillRect/>
+          </a:stretch>
+        </p:blipFill>
+        <p:spPr>
+          <a:xfrm>
+            <a:off x="1706044" y="1037673"/>
+            <a:ext cx="4227760" cy="5070636"/>
+          </a:xfrm>
+          <a:prstGeom prst="rect">
+            <a:avLst/>
+          </a:prstGeom>
+        </p:spPr>
+      </p:pic>
+    </p:spTree>
+    <p:extLst>
+      <p:ext uri="{BB962C8B-B14F-4D97-AF65-F5344CB8AC3E}">
+        <p14:creationId xmlns:p14="http://schemas.microsoft.com/office/powerpoint/2010/main" val="994329880"/>
       </p:ext>
     </p:extLst>
   </p:cSld>
@@ -4977,54 +7059,250 @@
           <a:chExt cx="0" cy="0"/>
         </a:xfrm>
       </p:grpSpPr>
+      <p:sp>
+        <p:nvSpPr>
+          <p:cNvPr id="4" name="TextBox 3"/>
+          <p:cNvSpPr txBox="1"/>
+          <p:nvPr/>
+        </p:nvSpPr>
+        <p:spPr>
+          <a:xfrm>
+            <a:off x="361715" y="980728"/>
+            <a:ext cx="1872179" cy="1200329"/>
+          </a:xfrm>
+          <a:prstGeom prst="rect">
+            <a:avLst/>
+          </a:prstGeom>
+          <a:noFill/>
+        </p:spPr>
+        <p:txBody>
+          <a:bodyPr wrap="none" rtlCol="0">
+            <a:spAutoFit/>
+          </a:bodyPr>
+          <a:lstStyle/>
+          <a:p>
+            <a:pPr algn="ctr"/>
+            <a:r>
+              <a:rPr lang="en-US" altLang="ko-KR" sz="2400" dirty="0">
+                <a:latin typeface="배달의민족 주아" pitchFamily="18" charset="-127"/>
+                <a:ea typeface="배달의민족 주아" pitchFamily="18" charset="-127"/>
+              </a:rPr>
+              <a:t>Randomly</a:t>
+            </a:r>
+          </a:p>
+          <a:p>
+            <a:pPr algn="ctr"/>
+            <a:r>
+              <a:rPr lang="en-US" altLang="ko-KR" sz="2400" dirty="0">
+                <a:latin typeface="배달의민족 주아" pitchFamily="18" charset="-127"/>
+                <a:ea typeface="배달의민족 주아" pitchFamily="18" charset="-127"/>
+              </a:rPr>
+              <a:t>choosing</a:t>
+            </a:r>
+          </a:p>
+          <a:p>
+            <a:pPr algn="ctr"/>
+            <a:r>
+              <a:rPr lang="en-US" altLang="ko-KR" sz="2400" dirty="0">
+                <a:latin typeface="배달의민족 주아" pitchFamily="18" charset="-127"/>
+                <a:ea typeface="배달의민족 주아" pitchFamily="18" charset="-127"/>
+              </a:rPr>
+              <a:t>distributions</a:t>
+            </a:r>
+            <a:endParaRPr lang="ko-KR" altLang="en-US" sz="2400" dirty="0">
+              <a:latin typeface="배달의민족 주아" pitchFamily="18" charset="-127"/>
+              <a:ea typeface="배달의민족 주아" pitchFamily="18" charset="-127"/>
+            </a:endParaRPr>
+          </a:p>
+        </p:txBody>
+      </p:sp>
       <p:pic>
         <p:nvPicPr>
-          <p:cNvPr id="6" name="그림 5">
-            <a:extLst>
-              <a:ext uri="{FF2B5EF4-FFF2-40B4-BE49-F238E27FC236}">
-                <a16:creationId xmlns:a16="http://schemas.microsoft.com/office/drawing/2014/main" id="{FC6E4A84-EF92-4BFE-BEE2-C85908676AF4}"/>
-              </a:ext>
-            </a:extLst>
-          </p:cNvPr>
+          <p:cNvPr id="5" name="Picture 2"/>
           <p:cNvPicPr>
-            <a:picLocks noChangeAspect="1"/>
+            <a:picLocks noChangeAspect="1" noChangeArrowheads="1"/>
           </p:cNvPicPr>
           <p:nvPr/>
         </p:nvPicPr>
         <p:blipFill>
-          <a:blip r:embed="rId2"/>
+          <a:blip r:embed="rId2" cstate="print">
+            <a:extLst>
+              <a:ext uri="{28A0092B-C50C-407E-A947-70E740481C1C}">
+                <a14:useLocalDpi xmlns:a14="http://schemas.microsoft.com/office/drawing/2010/main" val="0"/>
+              </a:ext>
+            </a:extLst>
+          </a:blip>
+          <a:srcRect/>
           <a:stretch>
             <a:fillRect/>
           </a:stretch>
         </p:blipFill>
-        <p:spPr>
+        <p:spPr bwMode="auto">
           <a:xfrm>
-            <a:off x="2051720" y="921272"/>
-            <a:ext cx="3744416" cy="5015456"/>
+            <a:off x="-27781" y="1506270"/>
+            <a:ext cx="2830868" cy="1615903"/>
           </a:xfrm>
           <a:prstGeom prst="rect">
             <a:avLst/>
           </a:prstGeom>
+          <a:noFill/>
+          <a:ln>
+            <a:noFill/>
+          </a:ln>
+          <a:effectLst/>
+          <a:extLst>
+            <a:ext uri="{909E8E84-426E-40DD-AFC4-6F175D3DCCD1}">
+              <a14:hiddenFill xmlns:a14="http://schemas.microsoft.com/office/drawing/2010/main">
+                <a:solidFill>
+                  <a:schemeClr val="accent1"/>
+                </a:solidFill>
+              </a14:hiddenFill>
+            </a:ext>
+            <a:ext uri="{91240B29-F687-4F45-9708-019B960494DF}">
+              <a14:hiddenLine xmlns:a14="http://schemas.microsoft.com/office/drawing/2010/main" w="9525">
+                <a:solidFill>
+                  <a:schemeClr val="tx1"/>
+                </a:solidFill>
+                <a:miter lim="800000"/>
+                <a:headEnd/>
+                <a:tailEnd/>
+              </a14:hiddenLine>
+            </a:ext>
+            <a:ext uri="{AF507438-7753-43E0-B8FC-AC1667EBCBE1}">
+              <a14:hiddenEffects xmlns:a14="http://schemas.microsoft.com/office/drawing/2010/main">
+                <a:effectLst>
+                  <a:outerShdw dist="35921" dir="2700000" algn="ctr" rotWithShape="0">
+                    <a:schemeClr val="bg2"/>
+                  </a:outerShdw>
+                </a:effectLst>
+              </a14:hiddenEffects>
+            </a:ext>
+          </a:extLst>
         </p:spPr>
       </p:pic>
+      <p:pic>
+        <p:nvPicPr>
+          <p:cNvPr id="1026" name="Picture 2"/>
+          <p:cNvPicPr>
+            <a:picLocks noChangeAspect="1" noChangeArrowheads="1"/>
+          </p:cNvPicPr>
+          <p:nvPr/>
+        </p:nvPicPr>
+        <p:blipFill>
+          <a:blip r:embed="rId3" cstate="print">
+            <a:extLst>
+              <a:ext uri="{28A0092B-C50C-407E-A947-70E740481C1C}">
+                <a14:useLocalDpi xmlns:a14="http://schemas.microsoft.com/office/drawing/2010/main" val="0"/>
+              </a:ext>
+            </a:extLst>
+          </a:blip>
+          <a:srcRect/>
+          <a:stretch>
+            <a:fillRect/>
+          </a:stretch>
+        </p:blipFill>
+        <p:spPr bwMode="auto">
+          <a:xfrm>
+            <a:off x="4395707" y="1375738"/>
+            <a:ext cx="2947140" cy="1473262"/>
+          </a:xfrm>
+          <a:prstGeom prst="rect">
+            <a:avLst/>
+          </a:prstGeom>
+          <a:noFill/>
+          <a:ln>
+            <a:noFill/>
+          </a:ln>
+          <a:effectLst/>
+          <a:extLst>
+            <a:ext uri="{909E8E84-426E-40DD-AFC4-6F175D3DCCD1}">
+              <a14:hiddenFill xmlns:a14="http://schemas.microsoft.com/office/drawing/2010/main">
+                <a:solidFill>
+                  <a:schemeClr val="accent1"/>
+                </a:solidFill>
+              </a14:hiddenFill>
+            </a:ext>
+            <a:ext uri="{91240B29-F687-4F45-9708-019B960494DF}">
+              <a14:hiddenLine xmlns:a14="http://schemas.microsoft.com/office/drawing/2010/main" w="9525">
+                <a:solidFill>
+                  <a:schemeClr val="tx1"/>
+                </a:solidFill>
+                <a:miter lim="800000"/>
+                <a:headEnd/>
+                <a:tailEnd/>
+              </a14:hiddenLine>
+            </a:ext>
+            <a:ext uri="{AF507438-7753-43E0-B8FC-AC1667EBCBE1}">
+              <a14:hiddenEffects xmlns:a14="http://schemas.microsoft.com/office/drawing/2010/main">
+                <a:effectLst>
+                  <a:outerShdw dist="35921" dir="2700000" algn="ctr" rotWithShape="0">
+                    <a:schemeClr val="bg2"/>
+                  </a:outerShdw>
+                </a:effectLst>
+              </a14:hiddenEffects>
+            </a:ext>
+          </a:extLst>
+        </p:spPr>
+      </p:pic>
+      <p:sp>
+        <p:nvSpPr>
+          <p:cNvPr id="12" name="TextBox 11"/>
+          <p:cNvSpPr txBox="1"/>
+          <p:nvPr/>
+        </p:nvSpPr>
+        <p:spPr>
+          <a:xfrm>
+            <a:off x="4466367" y="960240"/>
+            <a:ext cx="2805832" cy="830997"/>
+          </a:xfrm>
+          <a:prstGeom prst="rect">
+            <a:avLst/>
+          </a:prstGeom>
+          <a:noFill/>
+        </p:spPr>
+        <p:txBody>
+          <a:bodyPr wrap="none" rtlCol="0">
+            <a:spAutoFit/>
+          </a:bodyPr>
+          <a:lstStyle/>
+          <a:p>
+            <a:pPr algn="ctr"/>
+            <a:r>
+              <a:rPr lang="en-US" altLang="ko-KR" sz="2400" dirty="0">
+                <a:latin typeface="배달의민족 주아" pitchFamily="18" charset="-127"/>
+                <a:ea typeface="배달의민족 주아" pitchFamily="18" charset="-127"/>
+              </a:rPr>
+              <a:t>Labeling by</a:t>
+            </a:r>
+          </a:p>
+          <a:p>
+            <a:pPr algn="ctr"/>
+            <a:r>
+              <a:rPr lang="en-US" altLang="ko-KR" sz="2400" dirty="0">
+                <a:latin typeface="배달의민족 주아" pitchFamily="18" charset="-127"/>
+                <a:ea typeface="배달의민족 주아" pitchFamily="18" charset="-127"/>
+              </a:rPr>
+              <a:t>comparing likelihood</a:t>
+            </a:r>
+            <a:endParaRPr lang="ko-KR" altLang="en-US" sz="2400" dirty="0">
+              <a:latin typeface="배달의민족 주아" pitchFamily="18" charset="-127"/>
+              <a:ea typeface="배달의민족 주아" pitchFamily="18" charset="-127"/>
+            </a:endParaRPr>
+          </a:p>
+        </p:txBody>
+      </p:sp>
       <mc:AlternateContent xmlns:mc="http://schemas.openxmlformats.org/markup-compatibility/2006">
         <mc:Choice xmlns:a14="http://schemas.microsoft.com/office/drawing/2010/main" Requires="a14">
           <p:sp>
             <p:nvSpPr>
-              <p:cNvPr id="7" name="TextBox 6">
-                <a:extLst>
-                  <a:ext uri="{FF2B5EF4-FFF2-40B4-BE49-F238E27FC236}">
-                    <a16:creationId xmlns:a16="http://schemas.microsoft.com/office/drawing/2014/main" id="{62A00DFD-E97A-4685-82D7-22A7C63E409E}"/>
-                  </a:ext>
-                </a:extLst>
-              </p:cNvPr>
+              <p:cNvPr id="13" name="TextBox 12"/>
               <p:cNvSpPr txBox="1"/>
               <p:nvPr/>
             </p:nvSpPr>
             <p:spPr>
               <a:xfrm>
-                <a:off x="6063456" y="1604625"/>
-                <a:ext cx="1858779" cy="553998"/>
+                <a:off x="5940152" y="3515524"/>
+                <a:ext cx="3188886" cy="1569660"/>
               </a:xfrm>
               <a:prstGeom prst="rect">
                 <a:avLst/>
@@ -5037,98 +7315,200 @@
               </a:bodyPr>
               <a:lstStyle/>
               <a:p>
+                <a:pPr algn="ctr"/>
                 <a:r>
                   <a:rPr lang="en-US" altLang="ko-KR" sz="2400" dirty="0">
-                    <a:sym typeface="Wingdings" panose="05000000000000000000" pitchFamily="2" charset="2"/>
+                    <a:latin typeface="배달의민족 주아" pitchFamily="18" charset="-127"/>
+                    <a:ea typeface="배달의민족 주아" pitchFamily="18" charset="-127"/>
                   </a:rPr>
-                  <a:t> </a:t>
+                  <a:t>Estimating parameters</a:t>
                 </a:r>
+              </a:p>
+              <a:p>
+                <a:pPr algn="ctr"/>
+                <a:r>
+                  <a:rPr lang="en-US" altLang="ko-KR" sz="2400" dirty="0">
+                    <a:latin typeface="배달의민족 주아" pitchFamily="18" charset="-127"/>
+                    <a:ea typeface="배달의민족 주아" pitchFamily="18" charset="-127"/>
+                  </a:rPr>
+                  <a:t>of each group</a:t>
+                </a:r>
+                <a:endParaRPr lang="en-US" altLang="ko-KR" sz="2400" b="0" i="1" dirty="0">
+                  <a:latin typeface="Cambria Math" panose="02040503050406030204" pitchFamily="18" charset="0"/>
+                  <a:ea typeface="배달의민족 주아" pitchFamily="18" charset="-127"/>
+                </a:endParaRPr>
+              </a:p>
+              <a:p>
+                <a:pPr algn="ctr"/>
                 <a14:m>
-                  <m:oMath xmlns:m="http://schemas.openxmlformats.org/officeDocument/2006/math">
-                    <m:sSubSup>
-                      <m:sSubSupPr>
-                        <m:ctrlPr>
-                          <a:rPr lang="en-US" altLang="ko-KR" sz="2400" b="0" i="1" smtClean="0">
-                            <a:latin typeface="Cambria Math" panose="02040503050406030204" pitchFamily="18" charset="0"/>
-                            <a:sym typeface="Wingdings" panose="05000000000000000000" pitchFamily="2" charset="2"/>
-                          </a:rPr>
-                        </m:ctrlPr>
-                      </m:sSubSupPr>
-                      <m:e>
-                        <m:r>
-                          <a:rPr lang="en-US" altLang="ko-KR" sz="2400" b="0" i="1" smtClean="0">
-                            <a:latin typeface="Cambria Math" panose="02040503050406030204" pitchFamily="18" charset="0"/>
-                            <a:sym typeface="Wingdings" panose="05000000000000000000" pitchFamily="2" charset="2"/>
-                          </a:rPr>
-                          <m:t>𝑤</m:t>
-                        </m:r>
-                      </m:e>
-                      <m:sub>
-                        <m:r>
-                          <a:rPr lang="en-US" altLang="ko-KR" sz="2400" b="0" i="1" smtClean="0">
-                            <a:latin typeface="Cambria Math" panose="02040503050406030204" pitchFamily="18" charset="0"/>
-                            <a:sym typeface="Wingdings" panose="05000000000000000000" pitchFamily="2" charset="2"/>
-                          </a:rPr>
-                          <m:t>1</m:t>
-                        </m:r>
-                      </m:sub>
-                      <m:sup>
-                        <m:r>
-                          <a:rPr lang="en-US" altLang="ko-KR" sz="2400" b="0" i="1" smtClean="0">
-                            <a:latin typeface="Cambria Math" panose="02040503050406030204" pitchFamily="18" charset="0"/>
-                            <a:sym typeface="Wingdings" panose="05000000000000000000" pitchFamily="2" charset="2"/>
-                          </a:rPr>
-                          <m:t>(1)</m:t>
-                        </m:r>
-                      </m:sup>
-                    </m:sSubSup>
-                    <m:r>
-                      <a:rPr lang="en-US" altLang="ko-KR" sz="2400" b="0" i="1" smtClean="0">
-                        <a:latin typeface="Cambria Math" panose="02040503050406030204" pitchFamily="18" charset="0"/>
-                        <a:sym typeface="Wingdings" panose="05000000000000000000" pitchFamily="2" charset="2"/>
-                      </a:rPr>
-                      <m:t>, </m:t>
-                    </m:r>
-                    <m:sSubSup>
-                      <m:sSubSupPr>
-                        <m:ctrlPr>
-                          <a:rPr lang="en-US" altLang="ko-KR" sz="2400" b="0" i="1" smtClean="0">
-                            <a:latin typeface="Cambria Math" panose="02040503050406030204" pitchFamily="18" charset="0"/>
-                            <a:sym typeface="Wingdings" panose="05000000000000000000" pitchFamily="2" charset="2"/>
-                          </a:rPr>
-                        </m:ctrlPr>
-                      </m:sSubSupPr>
-                      <m:e>
-                        <m:r>
-                          <a:rPr lang="en-US" altLang="ko-KR" sz="2400" b="0" i="1" smtClean="0">
-                            <a:latin typeface="Cambria Math" panose="02040503050406030204" pitchFamily="18" charset="0"/>
-                            <a:sym typeface="Wingdings" panose="05000000000000000000" pitchFamily="2" charset="2"/>
-                          </a:rPr>
-                          <m:t>𝑤</m:t>
-                        </m:r>
-                      </m:e>
-                      <m:sub>
-                        <m:r>
-                          <a:rPr lang="en-US" altLang="ko-KR" sz="2400" b="0" i="1" smtClean="0">
-                            <a:latin typeface="Cambria Math" panose="02040503050406030204" pitchFamily="18" charset="0"/>
-                            <a:sym typeface="Wingdings" panose="05000000000000000000" pitchFamily="2" charset="2"/>
-                          </a:rPr>
-                          <m:t>2</m:t>
-                        </m:r>
-                      </m:sub>
-                      <m:sup>
-                        <m:r>
-                          <a:rPr lang="en-US" altLang="ko-KR" sz="2400" b="0" i="1" smtClean="0">
-                            <a:latin typeface="Cambria Math" panose="02040503050406030204" pitchFamily="18" charset="0"/>
-                            <a:sym typeface="Wingdings" panose="05000000000000000000" pitchFamily="2" charset="2"/>
-                          </a:rPr>
-                          <m:t>(1)</m:t>
-                        </m:r>
-                      </m:sup>
-                    </m:sSubSup>
-                  </m:oMath>
+                  <m:oMathPara xmlns:m="http://schemas.openxmlformats.org/officeDocument/2006/math">
+                    <m:oMathParaPr>
+                      <m:jc m:val="centerGroup"/>
+                    </m:oMathParaPr>
+                    <m:oMath xmlns:m="http://schemas.openxmlformats.org/officeDocument/2006/math">
+                      <m:sSub>
+                        <m:sSubPr>
+                          <m:ctrlPr>
+                            <a:rPr lang="en-US" altLang="ko-KR" sz="2400" b="0" i="1" smtClean="0">
+                              <a:latin typeface="Cambria Math" panose="02040503050406030204" pitchFamily="18" charset="0"/>
+                              <a:ea typeface="배달의민족 주아" pitchFamily="18" charset="-127"/>
+                            </a:rPr>
+                          </m:ctrlPr>
+                        </m:sSubPr>
+                        <m:e>
+                          <m:r>
+                            <a:rPr lang="en-US" altLang="ko-KR" sz="2400" b="0" i="1" smtClean="0">
+                              <a:latin typeface="Cambria Math"/>
+                              <a:ea typeface="배달의민족 주아" pitchFamily="18" charset="-127"/>
+                            </a:rPr>
+                            <m:t>𝜇</m:t>
+                          </m:r>
+                        </m:e>
+                        <m:sub>
+                          <m:r>
+                            <a:rPr lang="en-US" altLang="ko-KR" sz="2400" b="0" i="1" smtClean="0">
+                              <a:latin typeface="Cambria Math"/>
+                              <a:ea typeface="배달의민족 주아" pitchFamily="18" charset="-127"/>
+                            </a:rPr>
+                            <m:t>1</m:t>
+                          </m:r>
+                        </m:sub>
+                      </m:sSub>
+                      <m:r>
+                        <a:rPr lang="en-US" altLang="ko-KR" sz="2400" b="0" i="1" smtClean="0">
+                          <a:latin typeface="Cambria Math"/>
+                          <a:ea typeface="배달의민족 주아" pitchFamily="18" charset="-127"/>
+                        </a:rPr>
+                        <m:t>=…, </m:t>
+                      </m:r>
+                      <m:sSub>
+                        <m:sSubPr>
+                          <m:ctrlPr>
+                            <a:rPr lang="en-US" altLang="ko-KR" sz="2400" b="0" i="1" smtClean="0">
+                              <a:latin typeface="Cambria Math" panose="02040503050406030204" pitchFamily="18" charset="0"/>
+                              <a:ea typeface="배달의민족 주아" pitchFamily="18" charset="-127"/>
+                            </a:rPr>
+                          </m:ctrlPr>
+                        </m:sSubPr>
+                        <m:e>
+                          <m:r>
+                            <a:rPr lang="en-US" altLang="ko-KR" sz="2400" b="0" i="1" smtClean="0">
+                              <a:latin typeface="Cambria Math"/>
+                              <a:ea typeface="배달의민족 주아" pitchFamily="18" charset="-127"/>
+                            </a:rPr>
+                            <m:t>𝜎</m:t>
+                          </m:r>
+                        </m:e>
+                        <m:sub>
+                          <m:r>
+                            <a:rPr lang="en-US" altLang="ko-KR" sz="2400" b="0" i="1" smtClean="0">
+                              <a:latin typeface="Cambria Math"/>
+                              <a:ea typeface="배달의민족 주아" pitchFamily="18" charset="-127"/>
+                            </a:rPr>
+                            <m:t>1</m:t>
+                          </m:r>
+                        </m:sub>
+                      </m:sSub>
+                      <m:r>
+                        <a:rPr lang="en-US" altLang="ko-KR" sz="2400" b="0" i="1" smtClean="0">
+                          <a:latin typeface="Cambria Math"/>
+                          <a:ea typeface="배달의민족 주아" pitchFamily="18" charset="-127"/>
+                        </a:rPr>
+                        <m:t>=⋯</m:t>
+                      </m:r>
+                    </m:oMath>
+                  </m:oMathPara>
                 </a14:m>
-                <a:endParaRPr lang="ko-KR" altLang="en-US" sz="2400" dirty="0"/>
+                <a:endParaRPr lang="en-US" altLang="ko-KR" sz="2400" b="0" dirty="0">
+                  <a:latin typeface="배달의민족 주아" pitchFamily="18" charset="-127"/>
+                  <a:ea typeface="배달의민족 주아" pitchFamily="18" charset="-127"/>
+                </a:endParaRPr>
+              </a:p>
+              <a:p>
+                <a:pPr algn="ctr"/>
+                <a14:m>
+                  <m:oMathPara xmlns:m="http://schemas.openxmlformats.org/officeDocument/2006/math">
+                    <m:oMathParaPr>
+                      <m:jc m:val="centerGroup"/>
+                    </m:oMathParaPr>
+                    <m:oMath xmlns:m="http://schemas.openxmlformats.org/officeDocument/2006/math">
+                      <m:sSub>
+                        <m:sSubPr>
+                          <m:ctrlPr>
+                            <a:rPr lang="en-US" altLang="ko-KR" sz="2400" b="0" i="1" smtClean="0">
+                              <a:latin typeface="Cambria Math" panose="02040503050406030204" pitchFamily="18" charset="0"/>
+                              <a:ea typeface="배달의민족 주아" pitchFamily="18" charset="-127"/>
+                            </a:rPr>
+                          </m:ctrlPr>
+                        </m:sSubPr>
+                        <m:e>
+                          <m:r>
+                            <a:rPr lang="en-US" altLang="ko-KR" sz="2400" b="0" i="1" smtClean="0">
+                              <a:latin typeface="Cambria Math"/>
+                              <a:ea typeface="배달의민족 주아" pitchFamily="18" charset="-127"/>
+                            </a:rPr>
+                            <m:t>𝜇</m:t>
+                          </m:r>
+                        </m:e>
+                        <m:sub>
+                          <m:r>
+                            <a:rPr lang="en-US" altLang="ko-KR" sz="2400" b="0" i="1" smtClean="0">
+                              <a:latin typeface="Cambria Math"/>
+                              <a:ea typeface="배달의민족 주아" pitchFamily="18" charset="-127"/>
+                            </a:rPr>
+                            <m:t>2</m:t>
+                          </m:r>
+                        </m:sub>
+                      </m:sSub>
+                      <m:r>
+                        <a:rPr lang="en-US" altLang="ko-KR" sz="2400" b="0" i="1" smtClean="0">
+                          <a:latin typeface="Cambria Math"/>
+                          <a:ea typeface="배달의민족 주아" pitchFamily="18" charset="-127"/>
+                        </a:rPr>
+                        <m:t>=⋯, </m:t>
+                      </m:r>
+                      <m:sSub>
+                        <m:sSubPr>
+                          <m:ctrlPr>
+                            <a:rPr lang="en-US" altLang="ko-KR" sz="2400" b="0" i="1" smtClean="0">
+                              <a:latin typeface="Cambria Math" panose="02040503050406030204" pitchFamily="18" charset="0"/>
+                              <a:ea typeface="배달의민족 주아" pitchFamily="18" charset="-127"/>
+                            </a:rPr>
+                          </m:ctrlPr>
+                        </m:sSubPr>
+                        <m:e>
+                          <m:r>
+                            <a:rPr lang="en-US" altLang="ko-KR" sz="2400" b="0" i="1" smtClean="0">
+                              <a:latin typeface="Cambria Math"/>
+                              <a:ea typeface="배달의민족 주아" pitchFamily="18" charset="-127"/>
+                            </a:rPr>
+                            <m:t>𝜎</m:t>
+                          </m:r>
+                        </m:e>
+                        <m:sub>
+                          <m:r>
+                            <a:rPr lang="en-US" altLang="ko-KR" sz="2400" b="0" i="1" smtClean="0">
+                              <a:latin typeface="Cambria Math"/>
+                              <a:ea typeface="배달의민족 주아" pitchFamily="18" charset="-127"/>
+                            </a:rPr>
+                            <m:t>2</m:t>
+                          </m:r>
+                        </m:sub>
+                      </m:sSub>
+                      <m:r>
+                        <a:rPr lang="en-US" altLang="ko-KR" sz="2400" b="0" i="1" smtClean="0">
+                          <a:latin typeface="Cambria Math"/>
+                          <a:ea typeface="배달의민족 주아" pitchFamily="18" charset="-127"/>
+                        </a:rPr>
+                        <m:t>=⋯</m:t>
+                      </m:r>
+                    </m:oMath>
+                  </m:oMathPara>
+                </a14:m>
+                <a:endParaRPr lang="ko-KR" altLang="en-US" sz="2400" dirty="0">
+                  <a:latin typeface="배달의민족 주아" pitchFamily="18" charset="-127"/>
+                  <a:ea typeface="배달의민족 주아" pitchFamily="18" charset="-127"/>
+                </a:endParaRPr>
               </a:p>
             </p:txBody>
           </p:sp>
@@ -5136,13 +7516,7 @@
         <mc:Fallback>
           <p:sp>
             <p:nvSpPr>
-              <p:cNvPr id="7" name="TextBox 6">
-                <a:extLst>
-                  <a:ext uri="{FF2B5EF4-FFF2-40B4-BE49-F238E27FC236}">
-                    <a16:creationId xmlns:a16="http://schemas.microsoft.com/office/drawing/2014/main" id="{62A00DFD-E97A-4685-82D7-22A7C63E409E}"/>
-                  </a:ext>
-                </a:extLst>
-              </p:cNvPr>
+              <p:cNvPr id="13" name="TextBox 12"/>
               <p:cNvSpPr txBox="1">
                 <a:spLocks noRot="1" noChangeAspect="1" noMove="1" noResize="1" noEditPoints="1" noAdjustHandles="1" noChangeArrowheads="1" noChangeShapeType="1" noTextEdit="1"/>
               </p:cNvSpPr>
@@ -5150,16 +7524,16 @@
             </p:nvSpPr>
             <p:spPr>
               <a:xfrm>
-                <a:off x="6063456" y="1604625"/>
-                <a:ext cx="1858779" cy="553998"/>
+                <a:off x="5940152" y="3515524"/>
+                <a:ext cx="3188886" cy="1569660"/>
               </a:xfrm>
               <a:prstGeom prst="rect">
                 <a:avLst/>
               </a:prstGeom>
               <a:blipFill>
-                <a:blip r:embed="rId3"/>
+                <a:blip r:embed="rId4"/>
                 <a:stretch>
-                  <a:fillRect l="-5246" b="-20879"/>
+                  <a:fillRect l="-2481" t="-3502" r="-2481" b="-778"/>
                 </a:stretch>
               </a:blipFill>
             </p:spPr>
@@ -5168,7 +7542,7 @@
               <a:lstStyle/>
               <a:p>
                 <a:r>
-                  <a:rPr lang="ko-KR" altLang="en-US">
+                  <a:rPr lang="en-US">
                     <a:noFill/>
                   </a:rPr>
                   <a:t> </a:t>
@@ -5178,817 +7552,419 @@
           </p:sp>
         </mc:Fallback>
       </mc:AlternateContent>
-      <mc:AlternateContent xmlns:mc="http://schemas.openxmlformats.org/markup-compatibility/2006">
-        <mc:Choice xmlns:a14="http://schemas.microsoft.com/office/drawing/2010/main" Requires="a14">
-          <p:sp>
-            <p:nvSpPr>
-              <p:cNvPr id="8" name="TextBox 7">
-                <a:extLst>
-                  <a:ext uri="{FF2B5EF4-FFF2-40B4-BE49-F238E27FC236}">
-                    <a16:creationId xmlns:a16="http://schemas.microsoft.com/office/drawing/2014/main" id="{2773D48F-D2F7-4DD3-A357-063E260D7581}"/>
-                  </a:ext>
-                </a:extLst>
-              </p:cNvPr>
-              <p:cNvSpPr txBox="1"/>
-              <p:nvPr/>
-            </p:nvSpPr>
-            <p:spPr>
-              <a:xfrm>
-                <a:off x="6063456" y="2125330"/>
-                <a:ext cx="1858779" cy="553998"/>
-              </a:xfrm>
-              <a:prstGeom prst="rect">
-                <a:avLst/>
-              </a:prstGeom>
-              <a:noFill/>
-            </p:spPr>
-            <p:txBody>
-              <a:bodyPr wrap="none" rtlCol="0">
-                <a:spAutoFit/>
-              </a:bodyPr>
-              <a:lstStyle/>
-              <a:p>
-                <a:r>
-                  <a:rPr lang="en-US" altLang="ko-KR" sz="2400" dirty="0">
-                    <a:sym typeface="Wingdings" panose="05000000000000000000" pitchFamily="2" charset="2"/>
-                  </a:rPr>
-                  <a:t> </a:t>
-                </a:r>
-                <a14:m>
-                  <m:oMath xmlns:m="http://schemas.openxmlformats.org/officeDocument/2006/math">
-                    <m:sSubSup>
-                      <m:sSubSupPr>
-                        <m:ctrlPr>
-                          <a:rPr lang="en-US" altLang="ko-KR" sz="2400" b="0" i="1" smtClean="0">
-                            <a:latin typeface="Cambria Math" panose="02040503050406030204" pitchFamily="18" charset="0"/>
-                            <a:sym typeface="Wingdings" panose="05000000000000000000" pitchFamily="2" charset="2"/>
-                          </a:rPr>
-                        </m:ctrlPr>
-                      </m:sSubSupPr>
-                      <m:e>
-                        <m:r>
-                          <a:rPr lang="en-US" altLang="ko-KR" sz="2400" b="0" i="1" smtClean="0">
-                            <a:latin typeface="Cambria Math" panose="02040503050406030204" pitchFamily="18" charset="0"/>
-                            <a:sym typeface="Wingdings" panose="05000000000000000000" pitchFamily="2" charset="2"/>
-                          </a:rPr>
-                          <m:t>𝑤</m:t>
-                        </m:r>
-                      </m:e>
-                      <m:sub>
-                        <m:r>
-                          <a:rPr lang="en-US" altLang="ko-KR" sz="2400" b="0" i="1" smtClean="0">
-                            <a:latin typeface="Cambria Math" panose="02040503050406030204" pitchFamily="18" charset="0"/>
-                            <a:sym typeface="Wingdings" panose="05000000000000000000" pitchFamily="2" charset="2"/>
-                          </a:rPr>
-                          <m:t>1</m:t>
-                        </m:r>
-                      </m:sub>
-                      <m:sup>
-                        <m:r>
-                          <a:rPr lang="en-US" altLang="ko-KR" sz="2400" b="0" i="1" smtClean="0">
-                            <a:latin typeface="Cambria Math" panose="02040503050406030204" pitchFamily="18" charset="0"/>
-                            <a:sym typeface="Wingdings" panose="05000000000000000000" pitchFamily="2" charset="2"/>
-                          </a:rPr>
-                          <m:t>(2)</m:t>
-                        </m:r>
-                      </m:sup>
-                    </m:sSubSup>
-                    <m:r>
-                      <a:rPr lang="en-US" altLang="ko-KR" sz="2400" b="0" i="1" smtClean="0">
-                        <a:latin typeface="Cambria Math" panose="02040503050406030204" pitchFamily="18" charset="0"/>
-                        <a:sym typeface="Wingdings" panose="05000000000000000000" pitchFamily="2" charset="2"/>
-                      </a:rPr>
-                      <m:t>, </m:t>
-                    </m:r>
-                    <m:sSubSup>
-                      <m:sSubSupPr>
-                        <m:ctrlPr>
-                          <a:rPr lang="en-US" altLang="ko-KR" sz="2400" b="0" i="1" smtClean="0">
-                            <a:latin typeface="Cambria Math" panose="02040503050406030204" pitchFamily="18" charset="0"/>
-                            <a:sym typeface="Wingdings" panose="05000000000000000000" pitchFamily="2" charset="2"/>
-                          </a:rPr>
-                        </m:ctrlPr>
-                      </m:sSubSupPr>
-                      <m:e>
-                        <m:r>
-                          <a:rPr lang="en-US" altLang="ko-KR" sz="2400" b="0" i="1" smtClean="0">
-                            <a:latin typeface="Cambria Math" panose="02040503050406030204" pitchFamily="18" charset="0"/>
-                            <a:sym typeface="Wingdings" panose="05000000000000000000" pitchFamily="2" charset="2"/>
-                          </a:rPr>
-                          <m:t>𝑤</m:t>
-                        </m:r>
-                      </m:e>
-                      <m:sub>
-                        <m:r>
-                          <a:rPr lang="en-US" altLang="ko-KR" sz="2400" b="0" i="1" smtClean="0">
-                            <a:latin typeface="Cambria Math" panose="02040503050406030204" pitchFamily="18" charset="0"/>
-                            <a:sym typeface="Wingdings" panose="05000000000000000000" pitchFamily="2" charset="2"/>
-                          </a:rPr>
-                          <m:t>2</m:t>
-                        </m:r>
-                      </m:sub>
-                      <m:sup>
-                        <m:r>
-                          <a:rPr lang="en-US" altLang="ko-KR" sz="2400" b="0" i="1" smtClean="0">
-                            <a:latin typeface="Cambria Math" panose="02040503050406030204" pitchFamily="18" charset="0"/>
-                            <a:sym typeface="Wingdings" panose="05000000000000000000" pitchFamily="2" charset="2"/>
-                          </a:rPr>
-                          <m:t>(2)</m:t>
-                        </m:r>
-                      </m:sup>
-                    </m:sSubSup>
-                  </m:oMath>
-                </a14:m>
-                <a:endParaRPr lang="ko-KR" altLang="en-US" sz="2400" dirty="0"/>
-              </a:p>
-            </p:txBody>
-          </p:sp>
-        </mc:Choice>
-        <mc:Fallback>
-          <p:sp>
-            <p:nvSpPr>
-              <p:cNvPr id="8" name="TextBox 7">
-                <a:extLst>
-                  <a:ext uri="{FF2B5EF4-FFF2-40B4-BE49-F238E27FC236}">
-                    <a16:creationId xmlns:a16="http://schemas.microsoft.com/office/drawing/2014/main" id="{2773D48F-D2F7-4DD3-A357-063E260D7581}"/>
-                  </a:ext>
-                </a:extLst>
-              </p:cNvPr>
-              <p:cNvSpPr txBox="1">
-                <a:spLocks noRot="1" noChangeAspect="1" noMove="1" noResize="1" noEditPoints="1" noAdjustHandles="1" noChangeArrowheads="1" noChangeShapeType="1" noTextEdit="1"/>
-              </p:cNvSpPr>
-              <p:nvPr/>
-            </p:nvSpPr>
-            <p:spPr>
-              <a:xfrm>
-                <a:off x="6063456" y="2125330"/>
-                <a:ext cx="1858779" cy="553998"/>
-              </a:xfrm>
-              <a:prstGeom prst="rect">
-                <a:avLst/>
-              </a:prstGeom>
-              <a:blipFill>
-                <a:blip r:embed="rId4"/>
-                <a:stretch>
-                  <a:fillRect l="-5246" b="-20879"/>
-                </a:stretch>
-              </a:blipFill>
-            </p:spPr>
-            <p:txBody>
-              <a:bodyPr/>
-              <a:lstStyle/>
-              <a:p>
-                <a:r>
-                  <a:rPr lang="ko-KR" altLang="en-US">
-                    <a:noFill/>
-                  </a:rPr>
-                  <a:t> </a:t>
-                </a:r>
-              </a:p>
-            </p:txBody>
-          </p:sp>
-        </mc:Fallback>
-      </mc:AlternateContent>
-      <mc:AlternateContent xmlns:mc="http://schemas.openxmlformats.org/markup-compatibility/2006">
-        <mc:Choice xmlns:a14="http://schemas.microsoft.com/office/drawing/2010/main" Requires="a14">
-          <p:sp>
-            <p:nvSpPr>
-              <p:cNvPr id="9" name="TextBox 8">
-                <a:extLst>
-                  <a:ext uri="{FF2B5EF4-FFF2-40B4-BE49-F238E27FC236}">
-                    <a16:creationId xmlns:a16="http://schemas.microsoft.com/office/drawing/2014/main" id="{F79CC6FE-DE31-4228-A71A-76F8421E4185}"/>
-                  </a:ext>
-                </a:extLst>
-              </p:cNvPr>
-              <p:cNvSpPr txBox="1"/>
-              <p:nvPr/>
-            </p:nvSpPr>
-            <p:spPr>
-              <a:xfrm>
-                <a:off x="5965673" y="4963234"/>
-                <a:ext cx="2118465" cy="553998"/>
-              </a:xfrm>
-              <a:prstGeom prst="rect">
-                <a:avLst/>
-              </a:prstGeom>
-              <a:noFill/>
-            </p:spPr>
-            <p:txBody>
-              <a:bodyPr wrap="none" rtlCol="0">
-                <a:spAutoFit/>
-              </a:bodyPr>
-              <a:lstStyle/>
-              <a:p>
-                <a:r>
-                  <a:rPr lang="en-US" altLang="ko-KR" sz="2400" dirty="0">
-                    <a:sym typeface="Wingdings" panose="05000000000000000000" pitchFamily="2" charset="2"/>
-                  </a:rPr>
-                  <a:t> </a:t>
-                </a:r>
-                <a14:m>
-                  <m:oMath xmlns:m="http://schemas.openxmlformats.org/officeDocument/2006/math">
-                    <m:sSubSup>
-                      <m:sSubSupPr>
-                        <m:ctrlPr>
-                          <a:rPr lang="en-US" altLang="ko-KR" sz="2400" b="0" i="1" smtClean="0">
-                            <a:latin typeface="Cambria Math" panose="02040503050406030204" pitchFamily="18" charset="0"/>
-                            <a:sym typeface="Wingdings" panose="05000000000000000000" pitchFamily="2" charset="2"/>
-                          </a:rPr>
-                        </m:ctrlPr>
-                      </m:sSubSupPr>
-                      <m:e>
-                        <m:r>
-                          <a:rPr lang="en-US" altLang="ko-KR" sz="2400" b="0" i="1" smtClean="0">
-                            <a:latin typeface="Cambria Math" panose="02040503050406030204" pitchFamily="18" charset="0"/>
-                            <a:sym typeface="Wingdings" panose="05000000000000000000" pitchFamily="2" charset="2"/>
-                          </a:rPr>
-                          <m:t>𝑤</m:t>
-                        </m:r>
-                      </m:e>
-                      <m:sub>
-                        <m:r>
-                          <a:rPr lang="en-US" altLang="ko-KR" sz="2400" b="0" i="1" smtClean="0">
-                            <a:latin typeface="Cambria Math" panose="02040503050406030204" pitchFamily="18" charset="0"/>
-                            <a:sym typeface="Wingdings" panose="05000000000000000000" pitchFamily="2" charset="2"/>
-                          </a:rPr>
-                          <m:t>1</m:t>
-                        </m:r>
-                      </m:sub>
-                      <m:sup>
-                        <m:r>
-                          <a:rPr lang="en-US" altLang="ko-KR" sz="2400" b="0" i="1" smtClean="0">
-                            <a:latin typeface="Cambria Math" panose="02040503050406030204" pitchFamily="18" charset="0"/>
-                            <a:sym typeface="Wingdings" panose="05000000000000000000" pitchFamily="2" charset="2"/>
-                          </a:rPr>
-                          <m:t>(10)</m:t>
-                        </m:r>
-                      </m:sup>
-                    </m:sSubSup>
-                    <m:r>
-                      <a:rPr lang="en-US" altLang="ko-KR" sz="2400" b="0" i="1" smtClean="0">
-                        <a:latin typeface="Cambria Math" panose="02040503050406030204" pitchFamily="18" charset="0"/>
-                        <a:sym typeface="Wingdings" panose="05000000000000000000" pitchFamily="2" charset="2"/>
-                      </a:rPr>
-                      <m:t>, </m:t>
-                    </m:r>
-                    <m:sSubSup>
-                      <m:sSubSupPr>
-                        <m:ctrlPr>
-                          <a:rPr lang="en-US" altLang="ko-KR" sz="2400" b="0" i="1" smtClean="0">
-                            <a:latin typeface="Cambria Math" panose="02040503050406030204" pitchFamily="18" charset="0"/>
-                            <a:sym typeface="Wingdings" panose="05000000000000000000" pitchFamily="2" charset="2"/>
-                          </a:rPr>
-                        </m:ctrlPr>
-                      </m:sSubSupPr>
-                      <m:e>
-                        <m:r>
-                          <a:rPr lang="en-US" altLang="ko-KR" sz="2400" b="0" i="1" smtClean="0">
-                            <a:latin typeface="Cambria Math" panose="02040503050406030204" pitchFamily="18" charset="0"/>
-                            <a:sym typeface="Wingdings" panose="05000000000000000000" pitchFamily="2" charset="2"/>
-                          </a:rPr>
-                          <m:t>𝑤</m:t>
-                        </m:r>
-                      </m:e>
-                      <m:sub>
-                        <m:r>
-                          <a:rPr lang="en-US" altLang="ko-KR" sz="2400" b="0" i="1" smtClean="0">
-                            <a:latin typeface="Cambria Math" panose="02040503050406030204" pitchFamily="18" charset="0"/>
-                            <a:sym typeface="Wingdings" panose="05000000000000000000" pitchFamily="2" charset="2"/>
-                          </a:rPr>
-                          <m:t>2</m:t>
-                        </m:r>
-                      </m:sub>
-                      <m:sup>
-                        <m:r>
-                          <a:rPr lang="en-US" altLang="ko-KR" sz="2400" b="0" i="1" smtClean="0">
-                            <a:latin typeface="Cambria Math" panose="02040503050406030204" pitchFamily="18" charset="0"/>
-                            <a:sym typeface="Wingdings" panose="05000000000000000000" pitchFamily="2" charset="2"/>
-                          </a:rPr>
-                          <m:t>(10)</m:t>
-                        </m:r>
-                      </m:sup>
-                    </m:sSubSup>
-                  </m:oMath>
-                </a14:m>
-                <a:endParaRPr lang="ko-KR" altLang="en-US" sz="2400" dirty="0"/>
-              </a:p>
-            </p:txBody>
-          </p:sp>
-        </mc:Choice>
-        <mc:Fallback>
-          <p:sp>
-            <p:nvSpPr>
-              <p:cNvPr id="9" name="TextBox 8">
-                <a:extLst>
-                  <a:ext uri="{FF2B5EF4-FFF2-40B4-BE49-F238E27FC236}">
-                    <a16:creationId xmlns:a16="http://schemas.microsoft.com/office/drawing/2014/main" id="{F79CC6FE-DE31-4228-A71A-76F8421E4185}"/>
-                  </a:ext>
-                </a:extLst>
-              </p:cNvPr>
-              <p:cNvSpPr txBox="1">
-                <a:spLocks noRot="1" noChangeAspect="1" noMove="1" noResize="1" noEditPoints="1" noAdjustHandles="1" noChangeArrowheads="1" noChangeShapeType="1" noTextEdit="1"/>
-              </p:cNvSpPr>
-              <p:nvPr/>
-            </p:nvSpPr>
-            <p:spPr>
-              <a:xfrm>
-                <a:off x="5965673" y="4963234"/>
-                <a:ext cx="2118465" cy="553998"/>
-              </a:xfrm>
-              <a:prstGeom prst="rect">
-                <a:avLst/>
-              </a:prstGeom>
-              <a:blipFill>
-                <a:blip r:embed="rId5"/>
-                <a:stretch>
-                  <a:fillRect l="-4611" b="-20879"/>
-                </a:stretch>
-              </a:blipFill>
-            </p:spPr>
-            <p:txBody>
-              <a:bodyPr/>
-              <a:lstStyle/>
-              <a:p>
-                <a:r>
-                  <a:rPr lang="ko-KR" altLang="en-US">
-                    <a:noFill/>
-                  </a:rPr>
-                  <a:t> </a:t>
-                </a:r>
-              </a:p>
-            </p:txBody>
-          </p:sp>
-        </mc:Fallback>
-      </mc:AlternateContent>
-      <mc:AlternateContent xmlns:mc="http://schemas.openxmlformats.org/markup-compatibility/2006">
-        <mc:Choice xmlns:a14="http://schemas.microsoft.com/office/drawing/2010/main" Requires="a14">
-          <p:sp>
-            <p:nvSpPr>
-              <p:cNvPr id="10" name="TextBox 9">
-                <a:extLst>
-                  <a:ext uri="{FF2B5EF4-FFF2-40B4-BE49-F238E27FC236}">
-                    <a16:creationId xmlns:a16="http://schemas.microsoft.com/office/drawing/2014/main" id="{710D71C9-58F7-4E92-822F-D64C87C8B34F}"/>
-                  </a:ext>
-                </a:extLst>
-              </p:cNvPr>
-              <p:cNvSpPr txBox="1"/>
-              <p:nvPr/>
-            </p:nvSpPr>
-            <p:spPr>
-              <a:xfrm>
-                <a:off x="6012160" y="3429000"/>
-                <a:ext cx="1926105" cy="553998"/>
-              </a:xfrm>
-              <a:prstGeom prst="rect">
-                <a:avLst/>
-              </a:prstGeom>
-              <a:noFill/>
-            </p:spPr>
-            <p:txBody>
-              <a:bodyPr wrap="none" rtlCol="0">
-                <a:spAutoFit/>
-              </a:bodyPr>
-              <a:lstStyle/>
-              <a:p>
-                <a:r>
-                  <a:rPr lang="en-US" altLang="ko-KR" sz="2400" dirty="0">
-                    <a:sym typeface="Wingdings" panose="05000000000000000000" pitchFamily="2" charset="2"/>
-                  </a:rPr>
-                  <a:t> </a:t>
-                </a:r>
-                <a14:m>
-                  <m:oMath xmlns:m="http://schemas.openxmlformats.org/officeDocument/2006/math">
-                    <m:sSubSup>
-                      <m:sSubSupPr>
-                        <m:ctrlPr>
-                          <a:rPr lang="en-US" altLang="ko-KR" sz="2400" b="0" i="1" smtClean="0">
-                            <a:latin typeface="Cambria Math" panose="02040503050406030204" pitchFamily="18" charset="0"/>
-                            <a:sym typeface="Wingdings" panose="05000000000000000000" pitchFamily="2" charset="2"/>
-                          </a:rPr>
-                        </m:ctrlPr>
-                      </m:sSubSupPr>
-                      <m:e>
-                        <m:r>
-                          <a:rPr lang="en-US" altLang="ko-KR" sz="2400" b="0" i="1" smtClean="0">
-                            <a:latin typeface="Cambria Math" panose="02040503050406030204" pitchFamily="18" charset="0"/>
-                            <a:sym typeface="Wingdings" panose="05000000000000000000" pitchFamily="2" charset="2"/>
-                          </a:rPr>
-                          <m:t>𝑤</m:t>
-                        </m:r>
-                      </m:e>
-                      <m:sub>
-                        <m:r>
-                          <a:rPr lang="en-US" altLang="ko-KR" sz="2400" b="0" i="1" smtClean="0">
-                            <a:latin typeface="Cambria Math" panose="02040503050406030204" pitchFamily="18" charset="0"/>
-                            <a:sym typeface="Wingdings" panose="05000000000000000000" pitchFamily="2" charset="2"/>
-                          </a:rPr>
-                          <m:t>1</m:t>
-                        </m:r>
-                      </m:sub>
-                      <m:sup>
-                        <m:r>
-                          <a:rPr lang="en-US" altLang="ko-KR" sz="2400" b="0" i="1" smtClean="0">
-                            <a:latin typeface="Cambria Math" panose="02040503050406030204" pitchFamily="18" charset="0"/>
-                            <a:sym typeface="Wingdings" panose="05000000000000000000" pitchFamily="2" charset="2"/>
-                          </a:rPr>
-                          <m:t>(6)</m:t>
-                        </m:r>
-                      </m:sup>
-                    </m:sSubSup>
-                    <m:r>
-                      <a:rPr lang="en-US" altLang="ko-KR" sz="2400" b="0" i="1" smtClean="0">
-                        <a:latin typeface="Cambria Math" panose="02040503050406030204" pitchFamily="18" charset="0"/>
-                        <a:sym typeface="Wingdings" panose="05000000000000000000" pitchFamily="2" charset="2"/>
-                      </a:rPr>
-                      <m:t>, </m:t>
-                    </m:r>
-                    <m:sSubSup>
-                      <m:sSubSupPr>
-                        <m:ctrlPr>
-                          <a:rPr lang="en-US" altLang="ko-KR" sz="2400" b="0" i="1" smtClean="0">
-                            <a:latin typeface="Cambria Math" panose="02040503050406030204" pitchFamily="18" charset="0"/>
-                            <a:sym typeface="Wingdings" panose="05000000000000000000" pitchFamily="2" charset="2"/>
-                          </a:rPr>
-                        </m:ctrlPr>
-                      </m:sSubSupPr>
-                      <m:e>
-                        <m:r>
-                          <a:rPr lang="en-US" altLang="ko-KR" sz="2400" b="0" i="1" smtClean="0">
-                            <a:latin typeface="Cambria Math" panose="02040503050406030204" pitchFamily="18" charset="0"/>
-                            <a:sym typeface="Wingdings" panose="05000000000000000000" pitchFamily="2" charset="2"/>
-                          </a:rPr>
-                          <m:t>𝑤</m:t>
-                        </m:r>
-                      </m:e>
-                      <m:sub>
-                        <m:r>
-                          <a:rPr lang="en-US" altLang="ko-KR" sz="2400" b="0" i="1" smtClean="0">
-                            <a:latin typeface="Cambria Math" panose="02040503050406030204" pitchFamily="18" charset="0"/>
-                            <a:sym typeface="Wingdings" panose="05000000000000000000" pitchFamily="2" charset="2"/>
-                          </a:rPr>
-                          <m:t>2</m:t>
-                        </m:r>
-                      </m:sub>
-                      <m:sup>
-                        <m:r>
-                          <a:rPr lang="en-US" altLang="ko-KR" sz="2400" b="0" i="1" smtClean="0">
-                            <a:latin typeface="Cambria Math" panose="02040503050406030204" pitchFamily="18" charset="0"/>
-                            <a:sym typeface="Wingdings" panose="05000000000000000000" pitchFamily="2" charset="2"/>
-                          </a:rPr>
-                          <m:t>(6)</m:t>
-                        </m:r>
-                      </m:sup>
-                    </m:sSubSup>
-                    <m:r>
-                      <a:rPr lang="en-US" altLang="ko-KR" sz="2400" b="0" i="1" smtClean="0">
-                        <a:latin typeface="Cambria Math" panose="02040503050406030204" pitchFamily="18" charset="0"/>
-                        <a:sym typeface="Wingdings" panose="05000000000000000000" pitchFamily="2" charset="2"/>
-                      </a:rPr>
-                      <m:t> </m:t>
-                    </m:r>
-                  </m:oMath>
-                </a14:m>
-                <a:endParaRPr lang="ko-KR" altLang="en-US" sz="2400" dirty="0"/>
-              </a:p>
-            </p:txBody>
-          </p:sp>
-        </mc:Choice>
-        <mc:Fallback>
-          <p:sp>
-            <p:nvSpPr>
-              <p:cNvPr id="10" name="TextBox 9">
-                <a:extLst>
-                  <a:ext uri="{FF2B5EF4-FFF2-40B4-BE49-F238E27FC236}">
-                    <a16:creationId xmlns:a16="http://schemas.microsoft.com/office/drawing/2014/main" id="{710D71C9-58F7-4E92-822F-D64C87C8B34F}"/>
-                  </a:ext>
-                </a:extLst>
-              </p:cNvPr>
-              <p:cNvSpPr txBox="1">
-                <a:spLocks noRot="1" noChangeAspect="1" noMove="1" noResize="1" noEditPoints="1" noAdjustHandles="1" noChangeArrowheads="1" noChangeShapeType="1" noTextEdit="1"/>
-              </p:cNvSpPr>
-              <p:nvPr/>
-            </p:nvSpPr>
-            <p:spPr>
-              <a:xfrm>
-                <a:off x="6012160" y="3429000"/>
-                <a:ext cx="1926105" cy="553998"/>
-              </a:xfrm>
-              <a:prstGeom prst="rect">
-                <a:avLst/>
-              </a:prstGeom>
-              <a:blipFill>
-                <a:blip r:embed="rId6"/>
-                <a:stretch>
-                  <a:fillRect l="-4747" b="-21111"/>
-                </a:stretch>
-              </a:blipFill>
-            </p:spPr>
-            <p:txBody>
-              <a:bodyPr/>
-              <a:lstStyle/>
-              <a:p>
-                <a:r>
-                  <a:rPr lang="ko-KR" altLang="en-US">
-                    <a:noFill/>
-                  </a:rPr>
-                  <a:t> </a:t>
-                </a:r>
-              </a:p>
-            </p:txBody>
-          </p:sp>
-        </mc:Fallback>
-      </mc:AlternateContent>
-      <mc:AlternateContent xmlns:mc="http://schemas.openxmlformats.org/markup-compatibility/2006">
-        <mc:Choice xmlns:a14="http://schemas.microsoft.com/office/drawing/2010/main" Requires="a14">
-          <p:sp>
-            <p:nvSpPr>
-              <p:cNvPr id="11" name="TextBox 10">
-                <a:extLst>
-                  <a:ext uri="{FF2B5EF4-FFF2-40B4-BE49-F238E27FC236}">
-                    <a16:creationId xmlns:a16="http://schemas.microsoft.com/office/drawing/2014/main" id="{663023C9-70F8-465D-BC03-DC05849AAAAB}"/>
-                  </a:ext>
-                </a:extLst>
-              </p:cNvPr>
-              <p:cNvSpPr txBox="1"/>
-              <p:nvPr/>
-            </p:nvSpPr>
-            <p:spPr>
-              <a:xfrm>
-                <a:off x="6616043" y="2895327"/>
-                <a:ext cx="389850" cy="461665"/>
-              </a:xfrm>
-              <a:prstGeom prst="rect">
-                <a:avLst/>
-              </a:prstGeom>
-              <a:noFill/>
-            </p:spPr>
-            <p:txBody>
-              <a:bodyPr wrap="none" rtlCol="0">
-                <a:spAutoFit/>
-              </a:bodyPr>
-              <a:lstStyle/>
-              <a:p>
-                <a14:m>
-                  <m:oMathPara xmlns:m="http://schemas.openxmlformats.org/officeDocument/2006/math">
-                    <m:oMathParaPr>
-                      <m:jc m:val="centerGroup"/>
-                    </m:oMathParaPr>
-                    <m:oMath xmlns:m="http://schemas.openxmlformats.org/officeDocument/2006/math">
-                      <m:r>
-                        <a:rPr lang="en-US" altLang="ko-KR" sz="2400" b="0" i="1" smtClean="0">
-                          <a:latin typeface="Cambria Math" panose="02040503050406030204" pitchFamily="18" charset="0"/>
-                        </a:rPr>
-                        <m:t>⋮</m:t>
-                      </m:r>
-                    </m:oMath>
-                  </m:oMathPara>
-                </a14:m>
-                <a:endParaRPr lang="ko-KR" altLang="en-US" sz="2400" dirty="0"/>
-              </a:p>
-            </p:txBody>
-          </p:sp>
-        </mc:Choice>
-        <mc:Fallback>
-          <p:sp>
-            <p:nvSpPr>
-              <p:cNvPr id="11" name="TextBox 10">
-                <a:extLst>
-                  <a:ext uri="{FF2B5EF4-FFF2-40B4-BE49-F238E27FC236}">
-                    <a16:creationId xmlns:a16="http://schemas.microsoft.com/office/drawing/2014/main" id="{663023C9-70F8-465D-BC03-DC05849AAAAB}"/>
-                  </a:ext>
-                </a:extLst>
-              </p:cNvPr>
-              <p:cNvSpPr txBox="1">
-                <a:spLocks noRot="1" noChangeAspect="1" noMove="1" noResize="1" noEditPoints="1" noAdjustHandles="1" noChangeArrowheads="1" noChangeShapeType="1" noTextEdit="1"/>
-              </p:cNvSpPr>
-              <p:nvPr/>
-            </p:nvSpPr>
-            <p:spPr>
-              <a:xfrm>
-                <a:off x="6616043" y="2895327"/>
-                <a:ext cx="389850" cy="461665"/>
-              </a:xfrm>
-              <a:prstGeom prst="rect">
-                <a:avLst/>
-              </a:prstGeom>
-              <a:blipFill>
-                <a:blip r:embed="rId7"/>
-                <a:stretch>
-                  <a:fillRect/>
-                </a:stretch>
-              </a:blipFill>
-            </p:spPr>
-            <p:txBody>
-              <a:bodyPr/>
-              <a:lstStyle/>
-              <a:p>
-                <a:r>
-                  <a:rPr lang="ko-KR" altLang="en-US">
-                    <a:noFill/>
-                  </a:rPr>
-                  <a:t> </a:t>
-                </a:r>
-              </a:p>
-            </p:txBody>
-          </p:sp>
-        </mc:Fallback>
-      </mc:AlternateContent>
-      <mc:AlternateContent xmlns:mc="http://schemas.openxmlformats.org/markup-compatibility/2006">
-        <mc:Choice xmlns:a14="http://schemas.microsoft.com/office/drawing/2010/main" Requires="a14">
-          <p:sp>
-            <p:nvSpPr>
-              <p:cNvPr id="12" name="TextBox 11">
-                <a:extLst>
-                  <a:ext uri="{FF2B5EF4-FFF2-40B4-BE49-F238E27FC236}">
-                    <a16:creationId xmlns:a16="http://schemas.microsoft.com/office/drawing/2014/main" id="{DDBA801A-D9DA-48FD-808E-7ABE81CF1299}"/>
-                  </a:ext>
-                </a:extLst>
-              </p:cNvPr>
-              <p:cNvSpPr txBox="1"/>
-              <p:nvPr/>
-            </p:nvSpPr>
-            <p:spPr>
-              <a:xfrm>
-                <a:off x="6616043" y="4221088"/>
-                <a:ext cx="389850" cy="461665"/>
-              </a:xfrm>
-              <a:prstGeom prst="rect">
-                <a:avLst/>
-              </a:prstGeom>
-              <a:noFill/>
-            </p:spPr>
-            <p:txBody>
-              <a:bodyPr wrap="none" rtlCol="0">
-                <a:spAutoFit/>
-              </a:bodyPr>
-              <a:lstStyle/>
-              <a:p>
-                <a14:m>
-                  <m:oMathPara xmlns:m="http://schemas.openxmlformats.org/officeDocument/2006/math">
-                    <m:oMathParaPr>
-                      <m:jc m:val="centerGroup"/>
-                    </m:oMathParaPr>
-                    <m:oMath xmlns:m="http://schemas.openxmlformats.org/officeDocument/2006/math">
-                      <m:r>
-                        <a:rPr lang="en-US" altLang="ko-KR" sz="2400" b="0" i="1" smtClean="0">
-                          <a:latin typeface="Cambria Math" panose="02040503050406030204" pitchFamily="18" charset="0"/>
-                        </a:rPr>
-                        <m:t>⋮</m:t>
-                      </m:r>
-                    </m:oMath>
-                  </m:oMathPara>
-                </a14:m>
-                <a:endParaRPr lang="ko-KR" altLang="en-US" sz="2400" dirty="0"/>
-              </a:p>
-            </p:txBody>
-          </p:sp>
-        </mc:Choice>
-        <mc:Fallback>
-          <p:sp>
-            <p:nvSpPr>
-              <p:cNvPr id="12" name="TextBox 11">
-                <a:extLst>
-                  <a:ext uri="{FF2B5EF4-FFF2-40B4-BE49-F238E27FC236}">
-                    <a16:creationId xmlns:a16="http://schemas.microsoft.com/office/drawing/2014/main" id="{DDBA801A-D9DA-48FD-808E-7ABE81CF1299}"/>
-                  </a:ext>
-                </a:extLst>
-              </p:cNvPr>
-              <p:cNvSpPr txBox="1">
-                <a:spLocks noRot="1" noChangeAspect="1" noMove="1" noResize="1" noEditPoints="1" noAdjustHandles="1" noChangeArrowheads="1" noChangeShapeType="1" noTextEdit="1"/>
-              </p:cNvSpPr>
-              <p:nvPr/>
-            </p:nvSpPr>
-            <p:spPr>
-              <a:xfrm>
-                <a:off x="6616043" y="4221088"/>
-                <a:ext cx="389850" cy="461665"/>
-              </a:xfrm>
-              <a:prstGeom prst="rect">
-                <a:avLst/>
-              </a:prstGeom>
-              <a:blipFill>
-                <a:blip r:embed="rId8"/>
-                <a:stretch>
-                  <a:fillRect/>
-                </a:stretch>
-              </a:blipFill>
-            </p:spPr>
-            <p:txBody>
-              <a:bodyPr/>
-              <a:lstStyle/>
-              <a:p>
-                <a:r>
-                  <a:rPr lang="ko-KR" altLang="en-US">
-                    <a:noFill/>
-                  </a:rPr>
-                  <a:t> </a:t>
-                </a:r>
-              </a:p>
-            </p:txBody>
-          </p:sp>
-        </mc:Fallback>
-      </mc:AlternateContent>
-      <mc:AlternateContent xmlns:mc="http://schemas.openxmlformats.org/markup-compatibility/2006">
-        <mc:Choice xmlns:a14="http://schemas.microsoft.com/office/drawing/2010/main" Requires="a14">
-          <p:sp>
-            <p:nvSpPr>
-              <p:cNvPr id="13" name="TextBox 12">
-                <a:extLst>
-                  <a:ext uri="{FF2B5EF4-FFF2-40B4-BE49-F238E27FC236}">
-                    <a16:creationId xmlns:a16="http://schemas.microsoft.com/office/drawing/2014/main" id="{57ACA64A-804E-4B54-8D02-B84AA600B0FF}"/>
-                  </a:ext>
-                </a:extLst>
-              </p:cNvPr>
-              <p:cNvSpPr txBox="1"/>
-              <p:nvPr/>
-            </p:nvSpPr>
-            <p:spPr>
-              <a:xfrm>
-                <a:off x="5965673" y="5494945"/>
-                <a:ext cx="811632" cy="461665"/>
-              </a:xfrm>
-              <a:prstGeom prst="rect">
-                <a:avLst/>
-              </a:prstGeom>
-              <a:noFill/>
-            </p:spPr>
-            <p:txBody>
-              <a:bodyPr wrap="none" rtlCol="0">
-                <a:spAutoFit/>
-              </a:bodyPr>
-              <a:lstStyle/>
-              <a:p>
-                <a:r>
-                  <a:rPr lang="en-US" altLang="ko-KR" sz="2400" dirty="0">
-                    <a:sym typeface="Wingdings" panose="05000000000000000000" pitchFamily="2" charset="2"/>
-                  </a:rPr>
-                  <a:t> </a:t>
-                </a:r>
-                <a14:m>
-                  <m:oMath xmlns:m="http://schemas.openxmlformats.org/officeDocument/2006/math">
-                    <m:r>
-                      <a:rPr lang="en-US" altLang="ko-KR" sz="2400" b="0" i="1" smtClean="0">
-                        <a:latin typeface="Cambria Math" panose="02040503050406030204" pitchFamily="18" charset="0"/>
-                        <a:sym typeface="Wingdings" panose="05000000000000000000" pitchFamily="2" charset="2"/>
-                      </a:rPr>
-                      <m:t>𝜙</m:t>
-                    </m:r>
-                  </m:oMath>
-                </a14:m>
-                <a:endParaRPr lang="ko-KR" altLang="en-US" sz="2400" dirty="0"/>
-              </a:p>
-            </p:txBody>
-          </p:sp>
-        </mc:Choice>
-        <mc:Fallback>
-          <p:sp>
-            <p:nvSpPr>
-              <p:cNvPr id="13" name="TextBox 12">
-                <a:extLst>
-                  <a:ext uri="{FF2B5EF4-FFF2-40B4-BE49-F238E27FC236}">
-                    <a16:creationId xmlns:a16="http://schemas.microsoft.com/office/drawing/2014/main" id="{57ACA64A-804E-4B54-8D02-B84AA600B0FF}"/>
-                  </a:ext>
-                </a:extLst>
-              </p:cNvPr>
-              <p:cNvSpPr txBox="1">
-                <a:spLocks noRot="1" noChangeAspect="1" noMove="1" noResize="1" noEditPoints="1" noAdjustHandles="1" noChangeArrowheads="1" noChangeShapeType="1" noTextEdit="1"/>
-              </p:cNvSpPr>
-              <p:nvPr/>
-            </p:nvSpPr>
-            <p:spPr>
-              <a:xfrm>
-                <a:off x="5965673" y="5494945"/>
-                <a:ext cx="811632" cy="461665"/>
-              </a:xfrm>
-              <a:prstGeom prst="rect">
-                <a:avLst/>
-              </a:prstGeom>
-              <a:blipFill>
-                <a:blip r:embed="rId9"/>
-                <a:stretch>
-                  <a:fillRect l="-12030" t="-9211" r="-4511" b="-30263"/>
-                </a:stretch>
-              </a:blipFill>
-            </p:spPr>
-            <p:txBody>
-              <a:bodyPr/>
-              <a:lstStyle/>
-              <a:p>
-                <a:r>
-                  <a:rPr lang="ko-KR" altLang="en-US">
-                    <a:noFill/>
-                  </a:rPr>
-                  <a:t> </a:t>
-                </a:r>
-              </a:p>
-            </p:txBody>
-          </p:sp>
-        </mc:Fallback>
-      </mc:AlternateContent>
+      <p:pic>
+        <p:nvPicPr>
+          <p:cNvPr id="14" name="Picture 2"/>
+          <p:cNvPicPr>
+            <a:picLocks noChangeAspect="1" noChangeArrowheads="1"/>
+          </p:cNvPicPr>
+          <p:nvPr/>
+        </p:nvPicPr>
+        <p:blipFill>
+          <a:blip r:embed="rId5">
+            <a:extLst>
+              <a:ext uri="{28A0092B-C50C-407E-A947-70E740481C1C}">
+                <a14:useLocalDpi xmlns:a14="http://schemas.microsoft.com/office/drawing/2010/main" val="0"/>
+              </a:ext>
+            </a:extLst>
+          </a:blip>
+          <a:srcRect/>
+          <a:stretch>
+            <a:fillRect/>
+          </a:stretch>
+        </p:blipFill>
+        <p:spPr bwMode="auto">
+          <a:xfrm>
+            <a:off x="2483768" y="3955920"/>
+            <a:ext cx="2919068" cy="1666248"/>
+          </a:xfrm>
+          <a:prstGeom prst="rect">
+            <a:avLst/>
+          </a:prstGeom>
+          <a:noFill/>
+          <a:ln>
+            <a:noFill/>
+          </a:ln>
+          <a:effectLst/>
+          <a:extLst>
+            <a:ext uri="{909E8E84-426E-40DD-AFC4-6F175D3DCCD1}">
+              <a14:hiddenFill xmlns:a14="http://schemas.microsoft.com/office/drawing/2010/main">
+                <a:solidFill>
+                  <a:schemeClr val="accent1"/>
+                </a:solidFill>
+              </a14:hiddenFill>
+            </a:ext>
+            <a:ext uri="{91240B29-F687-4F45-9708-019B960494DF}">
+              <a14:hiddenLine xmlns:a14="http://schemas.microsoft.com/office/drawing/2010/main" w="9525">
+                <a:solidFill>
+                  <a:schemeClr val="tx1"/>
+                </a:solidFill>
+                <a:miter lim="800000"/>
+                <a:headEnd/>
+                <a:tailEnd/>
+              </a14:hiddenLine>
+            </a:ext>
+            <a:ext uri="{AF507438-7753-43E0-B8FC-AC1667EBCBE1}">
+              <a14:hiddenEffects xmlns:a14="http://schemas.microsoft.com/office/drawing/2010/main">
+                <a:effectLst>
+                  <a:outerShdw dist="35921" dir="2700000" algn="ctr" rotWithShape="0">
+                    <a:schemeClr val="bg2"/>
+                  </a:outerShdw>
+                </a:effectLst>
+              </a14:hiddenEffects>
+            </a:ext>
+          </a:extLst>
+        </p:spPr>
+      </p:pic>
+      <p:sp>
+        <p:nvSpPr>
+          <p:cNvPr id="15" name="TextBox 14"/>
+          <p:cNvSpPr txBox="1"/>
+          <p:nvPr/>
+        </p:nvSpPr>
+        <p:spPr>
+          <a:xfrm>
+            <a:off x="1691680" y="3212976"/>
+            <a:ext cx="3743845" cy="1200329"/>
+          </a:xfrm>
+          <a:prstGeom prst="rect">
+            <a:avLst/>
+          </a:prstGeom>
+          <a:noFill/>
+        </p:spPr>
+        <p:txBody>
+          <a:bodyPr wrap="none" rtlCol="0">
+            <a:spAutoFit/>
+          </a:bodyPr>
+          <a:lstStyle/>
+          <a:p>
+            <a:pPr algn="ctr"/>
+            <a:r>
+              <a:rPr lang="en-US" altLang="ko-KR" sz="2400" dirty="0">
+                <a:latin typeface="배달의민족 주아" pitchFamily="18" charset="-127"/>
+                <a:ea typeface="배달의민족 주아" pitchFamily="18" charset="-127"/>
+              </a:rPr>
+              <a:t>Get the distributions</a:t>
+            </a:r>
+          </a:p>
+          <a:p>
+            <a:pPr algn="ctr"/>
+            <a:r>
+              <a:rPr lang="en-US" altLang="ko-KR" sz="2400" dirty="0">
+                <a:latin typeface="배달의민족 주아" pitchFamily="18" charset="-127"/>
+                <a:ea typeface="배달의민족 주아" pitchFamily="18" charset="-127"/>
+              </a:rPr>
+              <a:t>of each group</a:t>
+            </a:r>
+          </a:p>
+          <a:p>
+            <a:pPr algn="ctr"/>
+            <a:r>
+              <a:rPr lang="en-US" altLang="ko-KR" sz="2400" dirty="0">
+                <a:latin typeface="배달의민족 주아" pitchFamily="18" charset="-127"/>
+                <a:ea typeface="배달의민족 주아" pitchFamily="18" charset="-127"/>
+              </a:rPr>
+              <a:t>with estimated parameters</a:t>
+            </a:r>
+            <a:endParaRPr lang="ko-KR" altLang="en-US" sz="2400" dirty="0">
+              <a:latin typeface="배달의민족 주아" pitchFamily="18" charset="-127"/>
+              <a:ea typeface="배달의민족 주아" pitchFamily="18" charset="-127"/>
+            </a:endParaRPr>
+          </a:p>
+        </p:txBody>
+      </p:sp>
+      <p:sp>
+        <p:nvSpPr>
+          <p:cNvPr id="24" name="원호 23"/>
+          <p:cNvSpPr/>
+          <p:nvPr/>
+        </p:nvSpPr>
+        <p:spPr>
+          <a:xfrm>
+            <a:off x="3800835" y="1325932"/>
+            <a:ext cx="4479332" cy="4479332"/>
+          </a:xfrm>
+          <a:prstGeom prst="arc">
+            <a:avLst>
+              <a:gd name="adj1" fmla="val 18259268"/>
+              <a:gd name="adj2" fmla="val 21027784"/>
+            </a:avLst>
+          </a:prstGeom>
+          <a:ln w="19050">
+            <a:solidFill>
+              <a:schemeClr val="tx1"/>
+            </a:solidFill>
+            <a:headEnd type="none" w="med" len="med"/>
+            <a:tailEnd type="arrow" w="med" len="med"/>
+          </a:ln>
+        </p:spPr>
+        <p:style>
+          <a:lnRef idx="1">
+            <a:schemeClr val="accent1"/>
+          </a:lnRef>
+          <a:fillRef idx="0">
+            <a:schemeClr val="accent1"/>
+          </a:fillRef>
+          <a:effectRef idx="0">
+            <a:schemeClr val="accent1"/>
+          </a:effectRef>
+          <a:fontRef idx="minor">
+            <a:schemeClr val="tx1"/>
+          </a:fontRef>
+        </p:style>
+        <p:txBody>
+          <a:bodyPr rtlCol="0" anchor="ctr"/>
+          <a:lstStyle/>
+          <a:p>
+            <a:pPr algn="ctr"/>
+            <a:endParaRPr lang="ko-KR" altLang="en-US"/>
+          </a:p>
+        </p:txBody>
+      </p:sp>
+      <p:sp>
+        <p:nvSpPr>
+          <p:cNvPr id="32" name="원호 31"/>
+          <p:cNvSpPr/>
+          <p:nvPr/>
+        </p:nvSpPr>
+        <p:spPr>
+          <a:xfrm flipH="1">
+            <a:off x="3468266" y="1505501"/>
+            <a:ext cx="4166427" cy="4166427"/>
+          </a:xfrm>
+          <a:prstGeom prst="arc">
+            <a:avLst>
+              <a:gd name="adj1" fmla="val 18138567"/>
+              <a:gd name="adj2" fmla="val 21027784"/>
+            </a:avLst>
+          </a:prstGeom>
+          <a:ln w="19050">
+            <a:solidFill>
+              <a:schemeClr val="tx1"/>
+            </a:solidFill>
+            <a:headEnd type="arrow" w="med" len="med"/>
+            <a:tailEnd type="none" w="med" len="med"/>
+          </a:ln>
+        </p:spPr>
+        <p:style>
+          <a:lnRef idx="1">
+            <a:schemeClr val="accent1"/>
+          </a:lnRef>
+          <a:fillRef idx="0">
+            <a:schemeClr val="accent1"/>
+          </a:fillRef>
+          <a:effectRef idx="0">
+            <a:schemeClr val="accent1"/>
+          </a:effectRef>
+          <a:fontRef idx="minor">
+            <a:schemeClr val="tx1"/>
+          </a:fontRef>
+        </p:style>
+        <p:txBody>
+          <a:bodyPr rtlCol="0" anchor="ctr"/>
+          <a:lstStyle/>
+          <a:p>
+            <a:pPr algn="ctr"/>
+            <a:endParaRPr lang="ko-KR" altLang="en-US"/>
+          </a:p>
+        </p:txBody>
+      </p:sp>
+      <p:sp>
+        <p:nvSpPr>
+          <p:cNvPr id="33" name="원호 32"/>
+          <p:cNvSpPr/>
+          <p:nvPr/>
+        </p:nvSpPr>
+        <p:spPr>
+          <a:xfrm>
+            <a:off x="3629610" y="1791237"/>
+            <a:ext cx="4479332" cy="4479332"/>
+          </a:xfrm>
+          <a:prstGeom prst="arc">
+            <a:avLst>
+              <a:gd name="adj1" fmla="val 2090290"/>
+              <a:gd name="adj2" fmla="val 7772853"/>
+            </a:avLst>
+          </a:prstGeom>
+          <a:ln w="19050">
+            <a:solidFill>
+              <a:schemeClr val="tx1"/>
+            </a:solidFill>
+            <a:headEnd type="none" w="med" len="med"/>
+            <a:tailEnd type="arrow" w="med" len="med"/>
+          </a:ln>
+        </p:spPr>
+        <p:style>
+          <a:lnRef idx="1">
+            <a:schemeClr val="accent1"/>
+          </a:lnRef>
+          <a:fillRef idx="0">
+            <a:schemeClr val="accent1"/>
+          </a:fillRef>
+          <a:effectRef idx="0">
+            <a:schemeClr val="accent1"/>
+          </a:effectRef>
+          <a:fontRef idx="minor">
+            <a:schemeClr val="tx1"/>
+          </a:fontRef>
+        </p:style>
+        <p:txBody>
+          <a:bodyPr rtlCol="0" anchor="ctr"/>
+          <a:lstStyle/>
+          <a:p>
+            <a:pPr algn="ctr"/>
+            <a:endParaRPr lang="ko-KR" altLang="en-US"/>
+          </a:p>
+        </p:txBody>
+      </p:sp>
+      <p:sp>
+        <p:nvSpPr>
+          <p:cNvPr id="28" name="자유형 27"/>
+          <p:cNvSpPr/>
+          <p:nvPr/>
+        </p:nvSpPr>
+        <p:spPr>
+          <a:xfrm>
+            <a:off x="2184400" y="1308100"/>
+            <a:ext cx="2463800" cy="330210"/>
+          </a:xfrm>
+          <a:custGeom>
+            <a:avLst/>
+            <a:gdLst>
+              <a:gd name="connsiteX0" fmla="*/ 0 w 2463800"/>
+              <a:gd name="connsiteY0" fmla="*/ 254000 h 330210"/>
+              <a:gd name="connsiteX1" fmla="*/ 990600 w 2463800"/>
+              <a:gd name="connsiteY1" fmla="*/ 12700 h 330210"/>
+              <a:gd name="connsiteX2" fmla="*/ 1663700 w 2463800"/>
+              <a:gd name="connsiteY2" fmla="*/ 330200 h 330210"/>
+              <a:gd name="connsiteX3" fmla="*/ 2463800 w 2463800"/>
+              <a:gd name="connsiteY3" fmla="*/ 0 h 330210"/>
+            </a:gdLst>
+            <a:ahLst/>
+            <a:cxnLst>
+              <a:cxn ang="0">
+                <a:pos x="connsiteX0" y="connsiteY0"/>
+              </a:cxn>
+              <a:cxn ang="0">
+                <a:pos x="connsiteX1" y="connsiteY1"/>
+              </a:cxn>
+              <a:cxn ang="0">
+                <a:pos x="connsiteX2" y="connsiteY2"/>
+              </a:cxn>
+              <a:cxn ang="0">
+                <a:pos x="connsiteX3" y="connsiteY3"/>
+              </a:cxn>
+            </a:cxnLst>
+            <a:rect l="l" t="t" r="r" b="b"/>
+            <a:pathLst>
+              <a:path w="2463800" h="330210">
+                <a:moveTo>
+                  <a:pt x="0" y="254000"/>
+                </a:moveTo>
+                <a:cubicBezTo>
+                  <a:pt x="356658" y="127000"/>
+                  <a:pt x="713317" y="0"/>
+                  <a:pt x="990600" y="12700"/>
+                </a:cubicBezTo>
+                <a:cubicBezTo>
+                  <a:pt x="1267883" y="25400"/>
+                  <a:pt x="1418167" y="332317"/>
+                  <a:pt x="1663700" y="330200"/>
+                </a:cubicBezTo>
+                <a:cubicBezTo>
+                  <a:pt x="1909233" y="328083"/>
+                  <a:pt x="2186516" y="164041"/>
+                  <a:pt x="2463800" y="0"/>
+                </a:cubicBezTo>
+              </a:path>
+            </a:pathLst>
+          </a:custGeom>
+          <a:ln w="28575">
+            <a:solidFill>
+              <a:schemeClr val="tx1"/>
+            </a:solidFill>
+            <a:prstDash val="dash"/>
+            <a:headEnd type="none" w="med" len="med"/>
+            <a:tailEnd type="arrow" w="med" len="med"/>
+          </a:ln>
+        </p:spPr>
+        <p:style>
+          <a:lnRef idx="1">
+            <a:schemeClr val="accent1"/>
+          </a:lnRef>
+          <a:fillRef idx="0">
+            <a:schemeClr val="accent1"/>
+          </a:fillRef>
+          <a:effectRef idx="0">
+            <a:schemeClr val="accent1"/>
+          </a:effectRef>
+          <a:fontRef idx="minor">
+            <a:schemeClr val="tx1"/>
+          </a:fontRef>
+        </p:style>
+        <p:txBody>
+          <a:bodyPr rtlCol="0" anchor="ctr"/>
+          <a:lstStyle/>
+          <a:p>
+            <a:pPr algn="ctr"/>
+            <a:endParaRPr lang="ko-KR" altLang="en-US"/>
+          </a:p>
+        </p:txBody>
+      </p:sp>
+      <p:sp>
+        <p:nvSpPr>
+          <p:cNvPr id="29" name="TextBox 28"/>
+          <p:cNvSpPr txBox="1"/>
+          <p:nvPr/>
+        </p:nvSpPr>
+        <p:spPr>
+          <a:xfrm>
+            <a:off x="323528" y="573545"/>
+            <a:ext cx="974272" cy="369332"/>
+          </a:xfrm>
+          <a:prstGeom prst="rect">
+            <a:avLst/>
+          </a:prstGeom>
+          <a:solidFill>
+            <a:srgbClr val="ED6D1F"/>
+          </a:solidFill>
+          <a:ln w="19050">
+            <a:solidFill>
+              <a:schemeClr val="tx1"/>
+            </a:solidFill>
+          </a:ln>
+        </p:spPr>
+        <p:txBody>
+          <a:bodyPr wrap="square" rtlCol="0">
+            <a:spAutoFit/>
+          </a:bodyPr>
+          <a:lstStyle/>
+          <a:p>
+            <a:pPr algn="ctr"/>
+            <a:r>
+              <a:rPr lang="en-US" altLang="ko-KR" b="1" dirty="0">
+                <a:solidFill>
+                  <a:sysClr val="windowText" lastClr="000000"/>
+                </a:solidFill>
+                <a:latin typeface="휴먼편지체" pitchFamily="18" charset="-127"/>
+                <a:ea typeface="휴먼편지체" pitchFamily="18" charset="-127"/>
+              </a:rPr>
+              <a:t>START!</a:t>
+            </a:r>
+            <a:endParaRPr lang="ko-KR" altLang="en-US" b="1" dirty="0">
+              <a:solidFill>
+                <a:sysClr val="windowText" lastClr="000000"/>
+              </a:solidFill>
+              <a:latin typeface="휴먼편지체" pitchFamily="18" charset="-127"/>
+              <a:ea typeface="휴먼편지체" pitchFamily="18" charset="-127"/>
+            </a:endParaRPr>
+          </a:p>
+        </p:txBody>
+      </p:sp>
     </p:spTree>
     <p:extLst>
       <p:ext uri="{BB962C8B-B14F-4D97-AF65-F5344CB8AC3E}">
-        <p14:creationId xmlns:p14="http://schemas.microsoft.com/office/powerpoint/2010/main" val="155689555"/>
+        <p14:creationId xmlns:p14="http://schemas.microsoft.com/office/powerpoint/2010/main" val="252022073"/>
       </p:ext>
     </p:extLst>
   </p:cSld>
